--- a/figures/2024年5月29日-RTMQ系统图片.pptx
+++ b/figures/2024年5月29日-RTMQ系统图片.pptx
@@ -5,28 +5,32 @@
     <p:sldMasterId id="2147483648" r:id="rId1"/>
   </p:sldMasterIdLst>
   <p:sldIdLst>
-    <p:sldId id="256" r:id="rId2"/>
-    <p:sldId id="263" r:id="rId3"/>
-    <p:sldId id="257" r:id="rId4"/>
-    <p:sldId id="262" r:id="rId5"/>
-    <p:sldId id="258" r:id="rId6"/>
-    <p:sldId id="261" r:id="rId7"/>
-    <p:sldId id="260" r:id="rId8"/>
-    <p:sldId id="276" r:id="rId9"/>
-    <p:sldId id="269" r:id="rId10"/>
-    <p:sldId id="270" r:id="rId11"/>
-    <p:sldId id="264" r:id="rId12"/>
-    <p:sldId id="265" r:id="rId13"/>
-    <p:sldId id="266" r:id="rId14"/>
-    <p:sldId id="271" r:id="rId15"/>
-    <p:sldId id="272" r:id="rId16"/>
-    <p:sldId id="277" r:id="rId17"/>
-    <p:sldId id="273" r:id="rId18"/>
-    <p:sldId id="274" r:id="rId19"/>
-    <p:sldId id="275" r:id="rId20"/>
-    <p:sldId id="268" r:id="rId21"/>
-    <p:sldId id="267" r:id="rId22"/>
-    <p:sldId id="259" r:id="rId23"/>
+    <p:sldId id="278" r:id="rId2"/>
+    <p:sldId id="279" r:id="rId3"/>
+    <p:sldId id="280" r:id="rId4"/>
+    <p:sldId id="281" r:id="rId5"/>
+    <p:sldId id="256" r:id="rId6"/>
+    <p:sldId id="263" r:id="rId7"/>
+    <p:sldId id="257" r:id="rId8"/>
+    <p:sldId id="262" r:id="rId9"/>
+    <p:sldId id="258" r:id="rId10"/>
+    <p:sldId id="261" r:id="rId11"/>
+    <p:sldId id="260" r:id="rId12"/>
+    <p:sldId id="276" r:id="rId13"/>
+    <p:sldId id="269" r:id="rId14"/>
+    <p:sldId id="270" r:id="rId15"/>
+    <p:sldId id="264" r:id="rId16"/>
+    <p:sldId id="265" r:id="rId17"/>
+    <p:sldId id="266" r:id="rId18"/>
+    <p:sldId id="271" r:id="rId19"/>
+    <p:sldId id="272" r:id="rId20"/>
+    <p:sldId id="277" r:id="rId21"/>
+    <p:sldId id="273" r:id="rId22"/>
+    <p:sldId id="274" r:id="rId23"/>
+    <p:sldId id="275" r:id="rId24"/>
+    <p:sldId id="268" r:id="rId25"/>
+    <p:sldId id="267" r:id="rId26"/>
+    <p:sldId id="259" r:id="rId27"/>
   </p:sldIdLst>
   <p:sldSz cx="12192000" cy="6858000"/>
   <p:notesSz cx="6858000" cy="9144000"/>
@@ -280,7 +284,7 @@
           <a:p>
             <a:fld id="{0E121E22-2FF5-48CA-AC53-4FC38697DE1E}" type="datetimeFigureOut">
               <a:rPr lang="zh-CN" altLang="en-US" smtClean="0"/>
-              <a:t>2024-05-29</a:t>
+              <a:t>2024-05-31</a:t>
             </a:fld>
             <a:endParaRPr lang="zh-CN" altLang="en-US"/>
           </a:p>
@@ -478,7 +482,7 @@
           <a:p>
             <a:fld id="{0E121E22-2FF5-48CA-AC53-4FC38697DE1E}" type="datetimeFigureOut">
               <a:rPr lang="zh-CN" altLang="en-US" smtClean="0"/>
-              <a:t>2024-05-29</a:t>
+              <a:t>2024-05-31</a:t>
             </a:fld>
             <a:endParaRPr lang="zh-CN" altLang="en-US"/>
           </a:p>
@@ -686,7 +690,7 @@
           <a:p>
             <a:fld id="{0E121E22-2FF5-48CA-AC53-4FC38697DE1E}" type="datetimeFigureOut">
               <a:rPr lang="zh-CN" altLang="en-US" smtClean="0"/>
-              <a:t>2024-05-29</a:t>
+              <a:t>2024-05-31</a:t>
             </a:fld>
             <a:endParaRPr lang="zh-CN" altLang="en-US"/>
           </a:p>
@@ -884,7 +888,7 @@
           <a:p>
             <a:fld id="{0E121E22-2FF5-48CA-AC53-4FC38697DE1E}" type="datetimeFigureOut">
               <a:rPr lang="zh-CN" altLang="en-US" smtClean="0"/>
-              <a:t>2024-05-29</a:t>
+              <a:t>2024-05-31</a:t>
             </a:fld>
             <a:endParaRPr lang="zh-CN" altLang="en-US"/>
           </a:p>
@@ -1159,7 +1163,7 @@
           <a:p>
             <a:fld id="{0E121E22-2FF5-48CA-AC53-4FC38697DE1E}" type="datetimeFigureOut">
               <a:rPr lang="zh-CN" altLang="en-US" smtClean="0"/>
-              <a:t>2024-05-29</a:t>
+              <a:t>2024-05-31</a:t>
             </a:fld>
             <a:endParaRPr lang="zh-CN" altLang="en-US"/>
           </a:p>
@@ -1424,7 +1428,7 @@
           <a:p>
             <a:fld id="{0E121E22-2FF5-48CA-AC53-4FC38697DE1E}" type="datetimeFigureOut">
               <a:rPr lang="zh-CN" altLang="en-US" smtClean="0"/>
-              <a:t>2024-05-29</a:t>
+              <a:t>2024-05-31</a:t>
             </a:fld>
             <a:endParaRPr lang="zh-CN" altLang="en-US"/>
           </a:p>
@@ -1836,7 +1840,7 @@
           <a:p>
             <a:fld id="{0E121E22-2FF5-48CA-AC53-4FC38697DE1E}" type="datetimeFigureOut">
               <a:rPr lang="zh-CN" altLang="en-US" smtClean="0"/>
-              <a:t>2024-05-29</a:t>
+              <a:t>2024-05-31</a:t>
             </a:fld>
             <a:endParaRPr lang="zh-CN" altLang="en-US"/>
           </a:p>
@@ -1977,7 +1981,7 @@
           <a:p>
             <a:fld id="{0E121E22-2FF5-48CA-AC53-4FC38697DE1E}" type="datetimeFigureOut">
               <a:rPr lang="zh-CN" altLang="en-US" smtClean="0"/>
-              <a:t>2024-05-29</a:t>
+              <a:t>2024-05-31</a:t>
             </a:fld>
             <a:endParaRPr lang="zh-CN" altLang="en-US"/>
           </a:p>
@@ -2090,7 +2094,7 @@
           <a:p>
             <a:fld id="{0E121E22-2FF5-48CA-AC53-4FC38697DE1E}" type="datetimeFigureOut">
               <a:rPr lang="zh-CN" altLang="en-US" smtClean="0"/>
-              <a:t>2024-05-29</a:t>
+              <a:t>2024-05-31</a:t>
             </a:fld>
             <a:endParaRPr lang="zh-CN" altLang="en-US"/>
           </a:p>
@@ -2401,7 +2405,7 @@
           <a:p>
             <a:fld id="{0E121E22-2FF5-48CA-AC53-4FC38697DE1E}" type="datetimeFigureOut">
               <a:rPr lang="zh-CN" altLang="en-US" smtClean="0"/>
-              <a:t>2024-05-29</a:t>
+              <a:t>2024-05-31</a:t>
             </a:fld>
             <a:endParaRPr lang="zh-CN" altLang="en-US"/>
           </a:p>
@@ -2689,7 +2693,7 @@
           <a:p>
             <a:fld id="{0E121E22-2FF5-48CA-AC53-4FC38697DE1E}" type="datetimeFigureOut">
               <a:rPr lang="zh-CN" altLang="en-US" smtClean="0"/>
-              <a:t>2024-05-29</a:t>
+              <a:t>2024-05-31</a:t>
             </a:fld>
             <a:endParaRPr lang="zh-CN" altLang="en-US"/>
           </a:p>
@@ -2930,7 +2934,7 @@
           <a:p>
             <a:fld id="{0E121E22-2FF5-48CA-AC53-4FC38697DE1E}" type="datetimeFigureOut">
               <a:rPr lang="zh-CN" altLang="en-US" smtClean="0"/>
-              <a:t>2024-05-29</a:t>
+              <a:t>2024-05-31</a:t>
             </a:fld>
             <a:endParaRPr lang="zh-CN" altLang="en-US"/>
           </a:p>
@@ -3347,68 +3351,1955 @@
           <a:chExt cx="0" cy="0"/>
         </a:xfrm>
       </p:grpSpPr>
-      <p:pic>
-        <p:nvPicPr>
-          <p:cNvPr id="5" name="图片 4">
-            <a:extLst>
-              <a:ext uri="{FF2B5EF4-FFF2-40B4-BE49-F238E27FC236}">
-                <a16:creationId xmlns:a16="http://schemas.microsoft.com/office/drawing/2014/main" id="{6801B51D-F132-35FC-032F-368906DE1047}"/>
-              </a:ext>
-            </a:extLst>
-          </p:cNvPr>
-          <p:cNvPicPr>
-            <a:picLocks noChangeAspect="1"/>
-          </p:cNvPicPr>
-          <p:nvPr/>
-        </p:nvPicPr>
-        <p:blipFill>
-          <a:blip r:embed="rId2"/>
-          <a:stretch>
-            <a:fillRect/>
-          </a:stretch>
-        </p:blipFill>
-        <p:spPr>
-          <a:xfrm>
-            <a:off x="599032" y="704088"/>
-            <a:ext cx="11592967" cy="5746771"/>
+      <p:graphicFrame>
+        <p:nvGraphicFramePr>
+          <p:cNvPr id="4" name="对象 3">
+            <a:extLst>
+              <a:ext uri="{FF2B5EF4-FFF2-40B4-BE49-F238E27FC236}">
+                <a16:creationId xmlns:a16="http://schemas.microsoft.com/office/drawing/2014/main" id="{6C696907-2D1D-0BE6-0458-6987D4F6D5D7}"/>
+              </a:ext>
+            </a:extLst>
+          </p:cNvPr>
+          <p:cNvGraphicFramePr>
+            <a:graphicFrameLocks noChangeAspect="1"/>
+          </p:cNvGraphicFramePr>
+          <p:nvPr>
+            <p:extLst>
+              <p:ext uri="{D42A27DB-BD31-4B8C-83A1-F6EECF244321}">
+                <p14:modId xmlns:p14="http://schemas.microsoft.com/office/powerpoint/2010/main" val="3714173696"/>
+              </p:ext>
+            </p:extLst>
+          </p:nvPr>
+        </p:nvGraphicFramePr>
+        <p:xfrm>
+          <a:off x="-1373000" y="357063"/>
+          <a:ext cx="4457700" cy="5613400"/>
+        </p:xfrm>
+        <a:graphic>
+          <a:graphicData uri="http://schemas.openxmlformats.org/presentationml/2006/ole">
+            <mc:AlternateContent xmlns:mc="http://schemas.openxmlformats.org/markup-compatibility/2006">
+              <mc:Choice xmlns:v="urn:schemas-microsoft-com:vml" Requires="v">
+                <p:oleObj name="Visio" r:id="rId2" imgW="4442112" imgH="5615741" progId="Visio.Drawing.15">
+                  <p:embed/>
+                </p:oleObj>
+              </mc:Choice>
+              <mc:Fallback>
+                <p:oleObj name="Visio" r:id="rId2" imgW="4442112" imgH="5615741" progId="Visio.Drawing.15">
+                  <p:embed/>
+                  <p:pic>
+                    <p:nvPicPr>
+                      <p:cNvPr id="0" name="Object 1"/>
+                      <p:cNvPicPr>
+                        <a:picLocks noChangeAspect="1" noChangeArrowheads="1"/>
+                      </p:cNvPicPr>
+                      <p:nvPr/>
+                    </p:nvPicPr>
+                    <p:blipFill>
+                      <a:blip r:embed="rId3">
+                        <a:extLst>
+                          <a:ext uri="{28A0092B-C50C-407E-A947-70E740481C1C}">
+                            <a14:useLocalDpi xmlns:a14="http://schemas.microsoft.com/office/drawing/2010/main" val="0"/>
+                          </a:ext>
+                        </a:extLst>
+                      </a:blip>
+                      <a:srcRect/>
+                      <a:stretch>
+                        <a:fillRect/>
+                      </a:stretch>
+                    </p:blipFill>
+                    <p:spPr bwMode="auto">
+                      <a:xfrm>
+                        <a:off x="-1373000" y="357063"/>
+                        <a:ext cx="4457700" cy="5613400"/>
+                      </a:xfrm>
+                      <a:prstGeom prst="rect">
+                        <a:avLst/>
+                      </a:prstGeom>
+                      <a:noFill/>
+                      <a:extLst>
+                        <a:ext uri="{909E8E84-426E-40DD-AFC4-6F175D3DCCD1}">
+                          <a14:hiddenFill xmlns:a14="http://schemas.microsoft.com/office/drawing/2010/main">
+                            <a:solidFill>
+                              <a:srgbClr val="FFFFFF"/>
+                            </a:solidFill>
+                          </a14:hiddenFill>
+                        </a:ext>
+                      </a:extLst>
+                    </p:spPr>
+                  </p:pic>
+                </p:oleObj>
+              </mc:Fallback>
+            </mc:AlternateContent>
+          </a:graphicData>
+        </a:graphic>
+      </p:graphicFrame>
+      <p:sp>
+        <p:nvSpPr>
+          <p:cNvPr id="5" name="缺角矩形 4">
+            <a:extLst>
+              <a:ext uri="{FF2B5EF4-FFF2-40B4-BE49-F238E27FC236}">
+                <a16:creationId xmlns:a16="http://schemas.microsoft.com/office/drawing/2014/main" id="{6E7D9C6E-FA0B-7791-3943-FFA55E9A0457}"/>
+              </a:ext>
+            </a:extLst>
+          </p:cNvPr>
+          <p:cNvSpPr/>
+          <p:nvPr/>
+        </p:nvSpPr>
+        <p:spPr>
+          <a:xfrm>
+            <a:off x="3569214" y="-1174604"/>
+            <a:ext cx="1874743" cy="1737095"/>
+          </a:xfrm>
+          <a:prstGeom prst="plaque">
+            <a:avLst/>
+          </a:prstGeom>
+          <a:solidFill>
+            <a:srgbClr val="00B0F0"/>
+          </a:solidFill>
+          <a:ln>
+            <a:noFill/>
+          </a:ln>
+        </p:spPr>
+        <p:style>
+          <a:lnRef idx="2">
+            <a:schemeClr val="accent1">
+              <a:shade val="15000"/>
+            </a:schemeClr>
+          </a:lnRef>
+          <a:fillRef idx="1">
+            <a:schemeClr val="accent1"/>
+          </a:fillRef>
+          <a:effectRef idx="0">
+            <a:schemeClr val="accent1"/>
+          </a:effectRef>
+          <a:fontRef idx="minor">
+            <a:schemeClr val="lt1"/>
+          </a:fontRef>
+        </p:style>
+        <p:txBody>
+          <a:bodyPr rtlCol="0" anchor="ctr"/>
+          <a:lstStyle/>
+          <a:p>
+            <a:pPr algn="ctr"/>
+            <a:r>
+              <a:rPr lang="zh-CN" altLang="en-US" dirty="0"/>
+              <a:t>当前节点</a:t>
+            </a:r>
+            <a:endParaRPr lang="en-US" altLang="zh-CN" dirty="0"/>
+          </a:p>
+          <a:p>
+            <a:pPr algn="ctr"/>
+            <a:r>
+              <a:rPr lang="zh-CN" altLang="en-US" dirty="0"/>
+              <a:t>微处理器</a:t>
+            </a:r>
+          </a:p>
+        </p:txBody>
+      </p:sp>
+      <p:sp>
+        <p:nvSpPr>
+          <p:cNvPr id="6" name="矩形: 圆角 5">
+            <a:extLst>
+              <a:ext uri="{FF2B5EF4-FFF2-40B4-BE49-F238E27FC236}">
+                <a16:creationId xmlns:a16="http://schemas.microsoft.com/office/drawing/2014/main" id="{10FE947E-AF3C-BDF9-4FA7-CB452BEE9176}"/>
+              </a:ext>
+            </a:extLst>
+          </p:cNvPr>
+          <p:cNvSpPr/>
+          <p:nvPr/>
+        </p:nvSpPr>
+        <p:spPr>
+          <a:xfrm>
+            <a:off x="7193055" y="442607"/>
+            <a:ext cx="1800000" cy="900000"/>
+          </a:xfrm>
+          <a:prstGeom prst="roundRect">
+            <a:avLst/>
+          </a:prstGeom>
+          <a:ln>
+            <a:noFill/>
+          </a:ln>
+        </p:spPr>
+        <p:style>
+          <a:lnRef idx="2">
+            <a:schemeClr val="accent2">
+              <a:shade val="15000"/>
+            </a:schemeClr>
+          </a:lnRef>
+          <a:fillRef idx="1">
+            <a:schemeClr val="accent2"/>
+          </a:fillRef>
+          <a:effectRef idx="0">
+            <a:schemeClr val="accent2"/>
+          </a:effectRef>
+          <a:fontRef idx="minor">
+            <a:schemeClr val="lt1"/>
+          </a:fontRef>
+        </p:style>
+        <p:txBody>
+          <a:bodyPr rtlCol="0" anchor="ctr"/>
+          <a:lstStyle/>
+          <a:p>
+            <a:pPr algn="ctr"/>
+            <a:r>
+              <a:rPr lang="zh-CN" altLang="en-US" dirty="0"/>
+              <a:t>上级节点收发逻辑模块</a:t>
+            </a:r>
+          </a:p>
+        </p:txBody>
+      </p:sp>
+      <p:sp>
+        <p:nvSpPr>
+          <p:cNvPr id="7" name="矩形: 圆角 6">
+            <a:extLst>
+              <a:ext uri="{FF2B5EF4-FFF2-40B4-BE49-F238E27FC236}">
+                <a16:creationId xmlns:a16="http://schemas.microsoft.com/office/drawing/2014/main" id="{14EBCC3E-5786-8AFA-5F37-10494C955963}"/>
+              </a:ext>
+            </a:extLst>
+          </p:cNvPr>
+          <p:cNvSpPr/>
+          <p:nvPr/>
+        </p:nvSpPr>
+        <p:spPr>
+          <a:xfrm>
+            <a:off x="3955065" y="4244763"/>
+            <a:ext cx="1800000" cy="900000"/>
+          </a:xfrm>
+          <a:prstGeom prst="roundRect">
+            <a:avLst/>
+          </a:prstGeom>
+          <a:ln>
+            <a:noFill/>
+          </a:ln>
+        </p:spPr>
+        <p:style>
+          <a:lnRef idx="2">
+            <a:schemeClr val="accent6">
+              <a:shade val="15000"/>
+            </a:schemeClr>
+          </a:lnRef>
+          <a:fillRef idx="1">
+            <a:schemeClr val="accent6"/>
+          </a:fillRef>
+          <a:effectRef idx="0">
+            <a:schemeClr val="accent6"/>
+          </a:effectRef>
+          <a:fontRef idx="minor">
+            <a:schemeClr val="lt1"/>
+          </a:fontRef>
+        </p:style>
+        <p:txBody>
+          <a:bodyPr rtlCol="0" anchor="ctr"/>
+          <a:lstStyle/>
+          <a:p>
+            <a:pPr algn="ctr"/>
+            <a:r>
+              <a:rPr lang="zh-CN" altLang="en-US" dirty="0"/>
+              <a:t>下级节点</a:t>
+            </a:r>
+            <a:r>
+              <a:rPr lang="en-US" altLang="zh-CN" dirty="0"/>
+              <a:t>1</a:t>
+            </a:r>
+            <a:r>
+              <a:rPr lang="zh-CN" altLang="en-US" dirty="0"/>
+              <a:t>收发逻辑模块</a:t>
+            </a:r>
+          </a:p>
+        </p:txBody>
+      </p:sp>
+      <p:sp>
+        <p:nvSpPr>
+          <p:cNvPr id="8" name="矩形: 圆角 7">
+            <a:extLst>
+              <a:ext uri="{FF2B5EF4-FFF2-40B4-BE49-F238E27FC236}">
+                <a16:creationId xmlns:a16="http://schemas.microsoft.com/office/drawing/2014/main" id="{409470BB-25C5-F85A-9078-23BCDC93EF19}"/>
+              </a:ext>
+            </a:extLst>
+          </p:cNvPr>
+          <p:cNvSpPr/>
+          <p:nvPr/>
+        </p:nvSpPr>
+        <p:spPr>
+          <a:xfrm>
+            <a:off x="6688417" y="4244762"/>
+            <a:ext cx="1800000" cy="900000"/>
+          </a:xfrm>
+          <a:prstGeom prst="roundRect">
+            <a:avLst/>
+          </a:prstGeom>
+          <a:ln>
+            <a:noFill/>
+          </a:ln>
+        </p:spPr>
+        <p:style>
+          <a:lnRef idx="2">
+            <a:schemeClr val="accent6">
+              <a:shade val="15000"/>
+            </a:schemeClr>
+          </a:lnRef>
+          <a:fillRef idx="1">
+            <a:schemeClr val="accent6"/>
+          </a:fillRef>
+          <a:effectRef idx="0">
+            <a:schemeClr val="accent6"/>
+          </a:effectRef>
+          <a:fontRef idx="minor">
+            <a:schemeClr val="lt1"/>
+          </a:fontRef>
+        </p:style>
+        <p:txBody>
+          <a:bodyPr rtlCol="0" anchor="ctr"/>
+          <a:lstStyle/>
+          <a:p>
+            <a:pPr algn="ctr"/>
+            <a:r>
+              <a:rPr lang="zh-CN" altLang="en-US" dirty="0"/>
+              <a:t>下级节点</a:t>
+            </a:r>
+            <a:r>
+              <a:rPr lang="en-US" altLang="zh-CN" dirty="0"/>
+              <a:t>1</a:t>
+            </a:r>
+            <a:r>
+              <a:rPr lang="zh-CN" altLang="en-US" dirty="0"/>
+              <a:t>收发逻辑模块</a:t>
+            </a:r>
+          </a:p>
+        </p:txBody>
+      </p:sp>
+      <p:sp>
+        <p:nvSpPr>
+          <p:cNvPr id="9" name="矩形: 圆角 8">
+            <a:extLst>
+              <a:ext uri="{FF2B5EF4-FFF2-40B4-BE49-F238E27FC236}">
+                <a16:creationId xmlns:a16="http://schemas.microsoft.com/office/drawing/2014/main" id="{2DF5173B-C97B-B7A8-B682-22CCE251B5A1}"/>
+              </a:ext>
+            </a:extLst>
+          </p:cNvPr>
+          <p:cNvSpPr/>
+          <p:nvPr/>
+        </p:nvSpPr>
+        <p:spPr>
+          <a:xfrm>
+            <a:off x="11069988" y="4235081"/>
+            <a:ext cx="1800000" cy="900000"/>
+          </a:xfrm>
+          <a:prstGeom prst="roundRect">
+            <a:avLst/>
+          </a:prstGeom>
+          <a:ln>
+            <a:noFill/>
+          </a:ln>
+        </p:spPr>
+        <p:style>
+          <a:lnRef idx="2">
+            <a:schemeClr val="accent6">
+              <a:shade val="15000"/>
+            </a:schemeClr>
+          </a:lnRef>
+          <a:fillRef idx="1">
+            <a:schemeClr val="accent6"/>
+          </a:fillRef>
+          <a:effectRef idx="0">
+            <a:schemeClr val="accent6"/>
+          </a:effectRef>
+          <a:fontRef idx="minor">
+            <a:schemeClr val="lt1"/>
+          </a:fontRef>
+        </p:style>
+        <p:txBody>
+          <a:bodyPr rtlCol="0" anchor="ctr"/>
+          <a:lstStyle/>
+          <a:p>
+            <a:pPr algn="ctr"/>
+            <a:r>
+              <a:rPr lang="zh-CN" altLang="en-US" dirty="0"/>
+              <a:t>下级节点</a:t>
+            </a:r>
+            <a:r>
+              <a:rPr lang="en-US" altLang="zh-CN" dirty="0"/>
+              <a:t>1</a:t>
+            </a:r>
+            <a:r>
+              <a:rPr lang="zh-CN" altLang="en-US" dirty="0"/>
+              <a:t>收发逻辑模块</a:t>
+            </a:r>
+          </a:p>
+        </p:txBody>
+      </p:sp>
+      <p:sp>
+        <p:nvSpPr>
+          <p:cNvPr id="10" name="等号 9">
+            <a:extLst>
+              <a:ext uri="{FF2B5EF4-FFF2-40B4-BE49-F238E27FC236}">
+                <a16:creationId xmlns:a16="http://schemas.microsoft.com/office/drawing/2014/main" id="{F3768B9A-C97E-0522-AA30-55E544B45F81}"/>
+              </a:ext>
+            </a:extLst>
+          </p:cNvPr>
+          <p:cNvSpPr/>
+          <p:nvPr/>
+        </p:nvSpPr>
+        <p:spPr>
+          <a:xfrm>
+            <a:off x="7095003" y="-708641"/>
+            <a:ext cx="1874743" cy="730627"/>
+          </a:xfrm>
+          <a:prstGeom prst="mathEqual">
+            <a:avLst>
+              <a:gd name="adj1" fmla="val 23520"/>
+              <a:gd name="adj2" fmla="val 37250"/>
+            </a:avLst>
+          </a:prstGeom>
+          <a:solidFill>
+            <a:schemeClr val="accent2"/>
+          </a:solidFill>
+          <a:ln>
+            <a:noFill/>
+          </a:ln>
+        </p:spPr>
+        <p:style>
+          <a:lnRef idx="2">
+            <a:schemeClr val="accent1">
+              <a:shade val="15000"/>
+            </a:schemeClr>
+          </a:lnRef>
+          <a:fillRef idx="1">
+            <a:schemeClr val="accent1"/>
+          </a:fillRef>
+          <a:effectRef idx="0">
+            <a:schemeClr val="accent1"/>
+          </a:effectRef>
+          <a:fontRef idx="minor">
+            <a:schemeClr val="lt1"/>
+          </a:fontRef>
+        </p:style>
+        <p:txBody>
+          <a:bodyPr rtlCol="0" anchor="ctr"/>
+          <a:lstStyle/>
+          <a:p>
+            <a:pPr algn="ctr"/>
+            <a:r>
+              <a:rPr lang="zh-CN" altLang="en-US" dirty="0">
+                <a:solidFill>
+                  <a:schemeClr val="tx1"/>
+                </a:solidFill>
+              </a:rPr>
+              <a:t>物理链路</a:t>
+            </a:r>
+            <a:r>
+              <a:rPr lang="en-US" altLang="zh-CN" dirty="0">
+                <a:solidFill>
+                  <a:schemeClr val="tx1"/>
+                </a:solidFill>
+              </a:rPr>
+              <a:t>0</a:t>
+            </a:r>
+            <a:endParaRPr lang="zh-CN" altLang="en-US" dirty="0">
+              <a:solidFill>
+                <a:schemeClr val="tx1"/>
+              </a:solidFill>
+            </a:endParaRPr>
+          </a:p>
+        </p:txBody>
+      </p:sp>
+      <p:sp>
+        <p:nvSpPr>
+          <p:cNvPr id="11" name="等号 10">
+            <a:extLst>
+              <a:ext uri="{FF2B5EF4-FFF2-40B4-BE49-F238E27FC236}">
+                <a16:creationId xmlns:a16="http://schemas.microsoft.com/office/drawing/2014/main" id="{FBBB6556-DE2E-9C27-3081-45317CDBB269}"/>
+              </a:ext>
+            </a:extLst>
+          </p:cNvPr>
+          <p:cNvSpPr/>
+          <p:nvPr/>
+        </p:nvSpPr>
+        <p:spPr>
+          <a:xfrm>
+            <a:off x="3955065" y="5552879"/>
+            <a:ext cx="1874743" cy="730627"/>
+          </a:xfrm>
+          <a:prstGeom prst="mathEqual">
+            <a:avLst>
+              <a:gd name="adj1" fmla="val 23520"/>
+              <a:gd name="adj2" fmla="val 37250"/>
+            </a:avLst>
+          </a:prstGeom>
+          <a:solidFill>
+            <a:schemeClr val="accent4"/>
+          </a:solidFill>
+          <a:ln>
+            <a:noFill/>
+          </a:ln>
+        </p:spPr>
+        <p:style>
+          <a:lnRef idx="2">
+            <a:schemeClr val="accent1">
+              <a:shade val="15000"/>
+            </a:schemeClr>
+          </a:lnRef>
+          <a:fillRef idx="1">
+            <a:schemeClr val="accent1"/>
+          </a:fillRef>
+          <a:effectRef idx="0">
+            <a:schemeClr val="accent1"/>
+          </a:effectRef>
+          <a:fontRef idx="minor">
+            <a:schemeClr val="lt1"/>
+          </a:fontRef>
+        </p:style>
+        <p:txBody>
+          <a:bodyPr rtlCol="0" anchor="ctr"/>
+          <a:lstStyle/>
+          <a:p>
+            <a:pPr algn="ctr"/>
+            <a:r>
+              <a:rPr lang="zh-CN" altLang="en-US" dirty="0">
+                <a:solidFill>
+                  <a:schemeClr val="tx1"/>
+                </a:solidFill>
+              </a:rPr>
+              <a:t>物理链路</a:t>
+            </a:r>
+            <a:r>
+              <a:rPr lang="en-US" altLang="zh-CN" dirty="0">
+                <a:solidFill>
+                  <a:schemeClr val="tx1"/>
+                </a:solidFill>
+              </a:rPr>
+              <a:t>1</a:t>
+            </a:r>
+            <a:endParaRPr lang="zh-CN" altLang="en-US" dirty="0">
+              <a:solidFill>
+                <a:schemeClr val="tx1"/>
+              </a:solidFill>
+            </a:endParaRPr>
+          </a:p>
+        </p:txBody>
+      </p:sp>
+      <p:sp>
+        <p:nvSpPr>
+          <p:cNvPr id="12" name="等号 11">
+            <a:extLst>
+              <a:ext uri="{FF2B5EF4-FFF2-40B4-BE49-F238E27FC236}">
+                <a16:creationId xmlns:a16="http://schemas.microsoft.com/office/drawing/2014/main" id="{AD2E894A-9472-69B5-3094-57B97368500D}"/>
+              </a:ext>
+            </a:extLst>
+          </p:cNvPr>
+          <p:cNvSpPr/>
+          <p:nvPr/>
+        </p:nvSpPr>
+        <p:spPr>
+          <a:xfrm>
+            <a:off x="6688416" y="5552878"/>
+            <a:ext cx="1874743" cy="730627"/>
+          </a:xfrm>
+          <a:prstGeom prst="mathEqual">
+            <a:avLst>
+              <a:gd name="adj1" fmla="val 23520"/>
+              <a:gd name="adj2" fmla="val 37250"/>
+            </a:avLst>
+          </a:prstGeom>
+          <a:solidFill>
+            <a:schemeClr val="accent4"/>
+          </a:solidFill>
+          <a:ln>
+            <a:noFill/>
+          </a:ln>
+        </p:spPr>
+        <p:style>
+          <a:lnRef idx="2">
+            <a:schemeClr val="accent1">
+              <a:shade val="15000"/>
+            </a:schemeClr>
+          </a:lnRef>
+          <a:fillRef idx="1">
+            <a:schemeClr val="accent1"/>
+          </a:fillRef>
+          <a:effectRef idx="0">
+            <a:schemeClr val="accent1"/>
+          </a:effectRef>
+          <a:fontRef idx="minor">
+            <a:schemeClr val="lt1"/>
+          </a:fontRef>
+        </p:style>
+        <p:txBody>
+          <a:bodyPr rtlCol="0" anchor="ctr"/>
+          <a:lstStyle/>
+          <a:p>
+            <a:pPr algn="ctr"/>
+            <a:r>
+              <a:rPr lang="zh-CN" altLang="en-US" dirty="0">
+                <a:solidFill>
+                  <a:schemeClr val="tx1"/>
+                </a:solidFill>
+              </a:rPr>
+              <a:t>物理链路</a:t>
+            </a:r>
+            <a:r>
+              <a:rPr lang="en-US" altLang="zh-CN" dirty="0">
+                <a:solidFill>
+                  <a:schemeClr val="tx1"/>
+                </a:solidFill>
+              </a:rPr>
+              <a:t>2</a:t>
+            </a:r>
+            <a:endParaRPr lang="zh-CN" altLang="en-US" dirty="0">
+              <a:solidFill>
+                <a:schemeClr val="tx1"/>
+              </a:solidFill>
+            </a:endParaRPr>
+          </a:p>
+        </p:txBody>
+      </p:sp>
+      <p:sp>
+        <p:nvSpPr>
+          <p:cNvPr id="13" name="等号 12">
+            <a:extLst>
+              <a:ext uri="{FF2B5EF4-FFF2-40B4-BE49-F238E27FC236}">
+                <a16:creationId xmlns:a16="http://schemas.microsoft.com/office/drawing/2014/main" id="{6EB2CFE3-DCCE-8FED-50EF-6CD872A8FF1B}"/>
+              </a:ext>
+            </a:extLst>
+          </p:cNvPr>
+          <p:cNvSpPr/>
+          <p:nvPr/>
+        </p:nvSpPr>
+        <p:spPr>
+          <a:xfrm>
+            <a:off x="11069987" y="5570814"/>
+            <a:ext cx="1874743" cy="730627"/>
+          </a:xfrm>
+          <a:prstGeom prst="mathEqual">
+            <a:avLst>
+              <a:gd name="adj1" fmla="val 23520"/>
+              <a:gd name="adj2" fmla="val 37250"/>
+            </a:avLst>
+          </a:prstGeom>
+          <a:solidFill>
+            <a:schemeClr val="accent4"/>
+          </a:solidFill>
+          <a:ln>
+            <a:noFill/>
+          </a:ln>
+        </p:spPr>
+        <p:style>
+          <a:lnRef idx="2">
+            <a:schemeClr val="accent1">
+              <a:shade val="15000"/>
+            </a:schemeClr>
+          </a:lnRef>
+          <a:fillRef idx="1">
+            <a:schemeClr val="accent1"/>
+          </a:fillRef>
+          <a:effectRef idx="0">
+            <a:schemeClr val="accent1"/>
+          </a:effectRef>
+          <a:fontRef idx="minor">
+            <a:schemeClr val="lt1"/>
+          </a:fontRef>
+        </p:style>
+        <p:txBody>
+          <a:bodyPr rtlCol="0" anchor="ctr"/>
+          <a:lstStyle/>
+          <a:p>
+            <a:pPr algn="ctr"/>
+            <a:r>
+              <a:rPr lang="zh-CN" altLang="en-US" dirty="0">
+                <a:solidFill>
+                  <a:schemeClr val="tx1"/>
+                </a:solidFill>
+              </a:rPr>
+              <a:t>物理链路</a:t>
+            </a:r>
+            <a:r>
+              <a:rPr lang="en-US" altLang="zh-CN" dirty="0">
+                <a:solidFill>
+                  <a:schemeClr val="tx1"/>
+                </a:solidFill>
+              </a:rPr>
+              <a:t>x</a:t>
+            </a:r>
+            <a:endParaRPr lang="zh-CN" altLang="en-US" dirty="0">
+              <a:solidFill>
+                <a:schemeClr val="tx1"/>
+              </a:solidFill>
+            </a:endParaRPr>
+          </a:p>
+        </p:txBody>
+      </p:sp>
+      <p:sp>
+        <p:nvSpPr>
+          <p:cNvPr id="14" name="流程图: 手动操作 13">
+            <a:extLst>
+              <a:ext uri="{FF2B5EF4-FFF2-40B4-BE49-F238E27FC236}">
+                <a16:creationId xmlns:a16="http://schemas.microsoft.com/office/drawing/2014/main" id="{48FB482F-070C-F97C-FF97-458CE7B60916}"/>
+              </a:ext>
+            </a:extLst>
+          </p:cNvPr>
+          <p:cNvSpPr/>
+          <p:nvPr/>
+        </p:nvSpPr>
+        <p:spPr>
+          <a:xfrm>
+            <a:off x="7013055" y="-1832541"/>
+            <a:ext cx="2160000" cy="720000"/>
+          </a:xfrm>
+          <a:prstGeom prst="flowChartManualOperation">
+            <a:avLst/>
+          </a:prstGeom>
+          <a:solidFill>
+            <a:schemeClr val="accent2"/>
+          </a:solidFill>
+          <a:ln>
+            <a:noFill/>
+          </a:ln>
+        </p:spPr>
+        <p:style>
+          <a:lnRef idx="2">
+            <a:schemeClr val="accent1">
+              <a:shade val="15000"/>
+            </a:schemeClr>
+          </a:lnRef>
+          <a:fillRef idx="1">
+            <a:schemeClr val="accent1"/>
+          </a:fillRef>
+          <a:effectRef idx="0">
+            <a:schemeClr val="accent1"/>
+          </a:effectRef>
+          <a:fontRef idx="minor">
+            <a:schemeClr val="lt1"/>
+          </a:fontRef>
+        </p:style>
+        <p:txBody>
+          <a:bodyPr rtlCol="0" anchor="ctr"/>
+          <a:lstStyle/>
+          <a:p>
+            <a:pPr algn="ctr"/>
+            <a:r>
+              <a:rPr lang="zh-CN" altLang="en-US" dirty="0"/>
+              <a:t>上级节点</a:t>
+            </a:r>
+          </a:p>
+        </p:txBody>
+      </p:sp>
+      <p:sp>
+        <p:nvSpPr>
+          <p:cNvPr id="15" name="梯形 14">
+            <a:extLst>
+              <a:ext uri="{FF2B5EF4-FFF2-40B4-BE49-F238E27FC236}">
+                <a16:creationId xmlns:a16="http://schemas.microsoft.com/office/drawing/2014/main" id="{5780F831-06C1-11C7-6720-5765FBF37735}"/>
+              </a:ext>
+            </a:extLst>
+          </p:cNvPr>
+          <p:cNvSpPr/>
+          <p:nvPr/>
+        </p:nvSpPr>
+        <p:spPr>
+          <a:xfrm>
+            <a:off x="3812436" y="7062284"/>
+            <a:ext cx="2160000" cy="720000"/>
+          </a:xfrm>
+          <a:prstGeom prst="trapezoid">
+            <a:avLst>
+              <a:gd name="adj" fmla="val 62042"/>
+            </a:avLst>
+          </a:prstGeom>
+          <a:solidFill>
+            <a:srgbClr val="FFC000"/>
+          </a:solidFill>
+          <a:ln>
+            <a:noFill/>
+          </a:ln>
+        </p:spPr>
+        <p:style>
+          <a:lnRef idx="2">
+            <a:schemeClr val="accent1">
+              <a:shade val="15000"/>
+            </a:schemeClr>
+          </a:lnRef>
+          <a:fillRef idx="1">
+            <a:schemeClr val="accent1"/>
+          </a:fillRef>
+          <a:effectRef idx="0">
+            <a:schemeClr val="accent1"/>
+          </a:effectRef>
+          <a:fontRef idx="minor">
+            <a:schemeClr val="lt1"/>
+          </a:fontRef>
+        </p:style>
+        <p:txBody>
+          <a:bodyPr rtlCol="0" anchor="ctr"/>
+          <a:lstStyle/>
+          <a:p>
+            <a:pPr algn="ctr"/>
+            <a:r>
+              <a:rPr lang="zh-CN" altLang="en-US" dirty="0"/>
+              <a:t>下级节点</a:t>
+            </a:r>
+          </a:p>
+        </p:txBody>
+      </p:sp>
+      <p:sp>
+        <p:nvSpPr>
+          <p:cNvPr id="16" name="矩形: 圆角 15">
+            <a:extLst>
+              <a:ext uri="{FF2B5EF4-FFF2-40B4-BE49-F238E27FC236}">
+                <a16:creationId xmlns:a16="http://schemas.microsoft.com/office/drawing/2014/main" id="{EEAF1DB0-137E-185B-61A1-DA64A11B088B}"/>
+              </a:ext>
+            </a:extLst>
+          </p:cNvPr>
+          <p:cNvSpPr/>
+          <p:nvPr/>
+        </p:nvSpPr>
+        <p:spPr>
+          <a:xfrm>
+            <a:off x="9920585" y="2338282"/>
+            <a:ext cx="1800000" cy="900000"/>
+          </a:xfrm>
+          <a:prstGeom prst="roundRect">
+            <a:avLst/>
+          </a:prstGeom>
+          <a:solidFill>
+            <a:srgbClr val="7030A0"/>
+          </a:solidFill>
+          <a:ln>
+            <a:noFill/>
+          </a:ln>
+        </p:spPr>
+        <p:style>
+          <a:lnRef idx="2">
+            <a:schemeClr val="accent2">
+              <a:shade val="15000"/>
+            </a:schemeClr>
+          </a:lnRef>
+          <a:fillRef idx="1">
+            <a:schemeClr val="accent2"/>
+          </a:fillRef>
+          <a:effectRef idx="0">
+            <a:schemeClr val="accent2"/>
+          </a:effectRef>
+          <a:fontRef idx="minor">
+            <a:schemeClr val="lt1"/>
+          </a:fontRef>
+        </p:style>
+        <p:txBody>
+          <a:bodyPr rtlCol="0" anchor="ctr"/>
+          <a:lstStyle/>
+          <a:p>
+            <a:pPr algn="ctr"/>
+            <a:r>
+              <a:rPr lang="zh-CN" altLang="en-US" dirty="0"/>
+              <a:t>广播</a:t>
+            </a:r>
+            <a:endParaRPr lang="en-US" altLang="zh-CN" dirty="0"/>
+          </a:p>
+          <a:p>
+            <a:pPr algn="ctr"/>
+            <a:r>
+              <a:rPr lang="zh-CN" altLang="en-US" dirty="0"/>
+              <a:t>逻辑模块</a:t>
+            </a:r>
+          </a:p>
+        </p:txBody>
+      </p:sp>
+      <p:sp>
+        <p:nvSpPr>
+          <p:cNvPr id="17" name="矩形 16">
+            <a:extLst>
+              <a:ext uri="{FF2B5EF4-FFF2-40B4-BE49-F238E27FC236}">
+                <a16:creationId xmlns:a16="http://schemas.microsoft.com/office/drawing/2014/main" id="{895C8BF2-059A-FACB-3A2A-F82AD8034F2F}"/>
+              </a:ext>
+            </a:extLst>
+          </p:cNvPr>
+          <p:cNvSpPr/>
+          <p:nvPr/>
+        </p:nvSpPr>
+        <p:spPr>
+          <a:xfrm>
+            <a:off x="4269421" y="2338282"/>
+            <a:ext cx="1800000" cy="900000"/>
           </a:xfrm>
           <a:prstGeom prst="rect">
             <a:avLst/>
           </a:prstGeom>
-        </p:spPr>
-      </p:pic>
-      <p:sp>
-        <p:nvSpPr>
-          <p:cNvPr id="6" name="标题 5">
-            <a:extLst>
-              <a:ext uri="{FF2B5EF4-FFF2-40B4-BE49-F238E27FC236}">
-                <a16:creationId xmlns:a16="http://schemas.microsoft.com/office/drawing/2014/main" id="{F965CF89-5A8C-7BB1-94D0-D2B3FFB0C5E0}"/>
-              </a:ext>
-            </a:extLst>
-          </p:cNvPr>
-          <p:cNvSpPr>
-            <a:spLocks noGrp="1"/>
-          </p:cNvSpPr>
-          <p:nvPr>
-            <p:ph type="title"/>
-          </p:nvPr>
-        </p:nvSpPr>
-        <p:spPr/>
-        <p:txBody>
-          <a:bodyPr/>
-          <a:lstStyle/>
-          <a:p>
+          <a:solidFill>
+            <a:schemeClr val="accent2">
+              <a:lumMod val="75000"/>
+            </a:schemeClr>
+          </a:solidFill>
+          <a:ln>
+            <a:noFill/>
+          </a:ln>
+        </p:spPr>
+        <p:style>
+          <a:lnRef idx="2">
+            <a:schemeClr val="accent1">
+              <a:shade val="15000"/>
+            </a:schemeClr>
+          </a:lnRef>
+          <a:fillRef idx="1">
+            <a:schemeClr val="accent1"/>
+          </a:fillRef>
+          <a:effectRef idx="0">
+            <a:schemeClr val="accent1"/>
+          </a:effectRef>
+          <a:fontRef idx="minor">
+            <a:schemeClr val="lt1"/>
+          </a:fontRef>
+        </p:style>
+        <p:txBody>
+          <a:bodyPr rtlCol="0" anchor="ctr"/>
+          <a:lstStyle/>
+          <a:p>
+            <a:pPr algn="ctr"/>
             <a:r>
               <a:rPr lang="zh-CN" altLang="en-US" dirty="0"/>
-              <a:t>时钟管理器</a:t>
-            </a:r>
-          </a:p>
-        </p:txBody>
-      </p:sp>
+              <a:t>上行帧</a:t>
+            </a:r>
+            <a:endParaRPr lang="en-US" altLang="zh-CN" dirty="0"/>
+          </a:p>
+          <a:p>
+            <a:pPr algn="ctr"/>
+            <a:r>
+              <a:rPr lang="zh-CN" altLang="en-US" dirty="0"/>
+              <a:t>转发逻辑</a:t>
+            </a:r>
+          </a:p>
+        </p:txBody>
+      </p:sp>
+      <p:sp>
+        <p:nvSpPr>
+          <p:cNvPr id="18" name="矩形 17">
+            <a:extLst>
+              <a:ext uri="{FF2B5EF4-FFF2-40B4-BE49-F238E27FC236}">
+                <a16:creationId xmlns:a16="http://schemas.microsoft.com/office/drawing/2014/main" id="{24E5D8D0-87DB-0007-1737-EFFFCFEEE2C2}"/>
+              </a:ext>
+            </a:extLst>
+          </p:cNvPr>
+          <p:cNvSpPr/>
+          <p:nvPr/>
+        </p:nvSpPr>
+        <p:spPr>
+          <a:xfrm>
+            <a:off x="7193055" y="2338282"/>
+            <a:ext cx="1800000" cy="900000"/>
+          </a:xfrm>
+          <a:prstGeom prst="rect">
+            <a:avLst/>
+          </a:prstGeom>
+          <a:solidFill>
+            <a:srgbClr val="0070C0"/>
+          </a:solidFill>
+          <a:ln>
+            <a:noFill/>
+          </a:ln>
+        </p:spPr>
+        <p:style>
+          <a:lnRef idx="2">
+            <a:schemeClr val="accent1">
+              <a:shade val="15000"/>
+            </a:schemeClr>
+          </a:lnRef>
+          <a:fillRef idx="1">
+            <a:schemeClr val="accent1"/>
+          </a:fillRef>
+          <a:effectRef idx="0">
+            <a:schemeClr val="accent1"/>
+          </a:effectRef>
+          <a:fontRef idx="minor">
+            <a:schemeClr val="lt1"/>
+          </a:fontRef>
+        </p:style>
+        <p:txBody>
+          <a:bodyPr rtlCol="0" anchor="ctr"/>
+          <a:lstStyle/>
+          <a:p>
+            <a:pPr algn="ctr"/>
+            <a:r>
+              <a:rPr lang="zh-CN" altLang="en-US" dirty="0"/>
+              <a:t>下行帧</a:t>
+            </a:r>
+            <a:endParaRPr lang="en-US" altLang="zh-CN" dirty="0"/>
+          </a:p>
+          <a:p>
+            <a:pPr algn="ctr"/>
+            <a:r>
+              <a:rPr lang="zh-CN" altLang="en-US" dirty="0"/>
+              <a:t>转发逻辑</a:t>
+            </a:r>
+          </a:p>
+        </p:txBody>
+      </p:sp>
+      <p:sp>
+        <p:nvSpPr>
+          <p:cNvPr id="19" name="梯形 18">
+            <a:extLst>
+              <a:ext uri="{FF2B5EF4-FFF2-40B4-BE49-F238E27FC236}">
+                <a16:creationId xmlns:a16="http://schemas.microsoft.com/office/drawing/2014/main" id="{3A8DED48-9D5D-9E29-87BE-980A1F5D6F06}"/>
+              </a:ext>
+            </a:extLst>
+          </p:cNvPr>
+          <p:cNvSpPr/>
+          <p:nvPr/>
+        </p:nvSpPr>
+        <p:spPr>
+          <a:xfrm>
+            <a:off x="6545787" y="7062284"/>
+            <a:ext cx="2160000" cy="720000"/>
+          </a:xfrm>
+          <a:prstGeom prst="trapezoid">
+            <a:avLst>
+              <a:gd name="adj" fmla="val 62042"/>
+            </a:avLst>
+          </a:prstGeom>
+          <a:solidFill>
+            <a:srgbClr val="FFC000"/>
+          </a:solidFill>
+          <a:ln>
+            <a:noFill/>
+          </a:ln>
+        </p:spPr>
+        <p:style>
+          <a:lnRef idx="2">
+            <a:schemeClr val="accent1">
+              <a:shade val="15000"/>
+            </a:schemeClr>
+          </a:lnRef>
+          <a:fillRef idx="1">
+            <a:schemeClr val="accent1"/>
+          </a:fillRef>
+          <a:effectRef idx="0">
+            <a:schemeClr val="accent1"/>
+          </a:effectRef>
+          <a:fontRef idx="minor">
+            <a:schemeClr val="lt1"/>
+          </a:fontRef>
+        </p:style>
+        <p:txBody>
+          <a:bodyPr rtlCol="0" anchor="ctr"/>
+          <a:lstStyle/>
+          <a:p>
+            <a:pPr algn="ctr"/>
+            <a:r>
+              <a:rPr lang="zh-CN" altLang="en-US" dirty="0"/>
+              <a:t>下级节点</a:t>
+            </a:r>
+          </a:p>
+        </p:txBody>
+      </p:sp>
+      <p:sp>
+        <p:nvSpPr>
+          <p:cNvPr id="20" name="梯形 19">
+            <a:extLst>
+              <a:ext uri="{FF2B5EF4-FFF2-40B4-BE49-F238E27FC236}">
+                <a16:creationId xmlns:a16="http://schemas.microsoft.com/office/drawing/2014/main" id="{63EF4CC1-1356-3481-C397-2E0EE863D63A}"/>
+              </a:ext>
+            </a:extLst>
+          </p:cNvPr>
+          <p:cNvSpPr/>
+          <p:nvPr/>
+        </p:nvSpPr>
+        <p:spPr>
+          <a:xfrm>
+            <a:off x="10927358" y="7062284"/>
+            <a:ext cx="2160000" cy="720000"/>
+          </a:xfrm>
+          <a:prstGeom prst="trapezoid">
+            <a:avLst>
+              <a:gd name="adj" fmla="val 62042"/>
+            </a:avLst>
+          </a:prstGeom>
+          <a:solidFill>
+            <a:srgbClr val="FFC000"/>
+          </a:solidFill>
+          <a:ln>
+            <a:noFill/>
+          </a:ln>
+        </p:spPr>
+        <p:style>
+          <a:lnRef idx="2">
+            <a:schemeClr val="accent1">
+              <a:shade val="15000"/>
+            </a:schemeClr>
+          </a:lnRef>
+          <a:fillRef idx="1">
+            <a:schemeClr val="accent1"/>
+          </a:fillRef>
+          <a:effectRef idx="0">
+            <a:schemeClr val="accent1"/>
+          </a:effectRef>
+          <a:fontRef idx="minor">
+            <a:schemeClr val="lt1"/>
+          </a:fontRef>
+        </p:style>
+        <p:txBody>
+          <a:bodyPr rtlCol="0" anchor="ctr"/>
+          <a:lstStyle/>
+          <a:p>
+            <a:pPr algn="ctr"/>
+            <a:r>
+              <a:rPr lang="zh-CN" altLang="en-US" dirty="0"/>
+              <a:t>下级节点</a:t>
+            </a:r>
+          </a:p>
+        </p:txBody>
+      </p:sp>
+      <p:cxnSp>
+        <p:nvCxnSpPr>
+          <p:cNvPr id="22" name="直接箭头连接符 21">
+            <a:extLst>
+              <a:ext uri="{FF2B5EF4-FFF2-40B4-BE49-F238E27FC236}">
+                <a16:creationId xmlns:a16="http://schemas.microsoft.com/office/drawing/2014/main" id="{020BC1E8-5BC7-18ED-85E9-6BD8D731271A}"/>
+              </a:ext>
+            </a:extLst>
+          </p:cNvPr>
+          <p:cNvCxnSpPr>
+            <a:cxnSpLocks/>
+            <a:stCxn id="18" idx="3"/>
+            <a:endCxn id="16" idx="1"/>
+          </p:cNvCxnSpPr>
+          <p:nvPr/>
+        </p:nvCxnSpPr>
+        <p:spPr>
+          <a:xfrm>
+            <a:off x="8993055" y="2788282"/>
+            <a:ext cx="927530" cy="0"/>
+          </a:xfrm>
+          <a:prstGeom prst="straightConnector1">
+            <a:avLst/>
+          </a:prstGeom>
+          <a:ln w="38100">
+            <a:solidFill>
+              <a:schemeClr val="tx1"/>
+            </a:solidFill>
+            <a:tailEnd type="triangle"/>
+          </a:ln>
+        </p:spPr>
+        <p:style>
+          <a:lnRef idx="1">
+            <a:schemeClr val="accent1"/>
+          </a:lnRef>
+          <a:fillRef idx="0">
+            <a:schemeClr val="accent1"/>
+          </a:fillRef>
+          <a:effectRef idx="0">
+            <a:schemeClr val="accent1"/>
+          </a:effectRef>
+          <a:fontRef idx="minor">
+            <a:schemeClr val="tx1"/>
+          </a:fontRef>
+        </p:style>
+      </p:cxnSp>
+      <p:cxnSp>
+        <p:nvCxnSpPr>
+          <p:cNvPr id="26" name="连接符: 肘形 25">
+            <a:extLst>
+              <a:ext uri="{FF2B5EF4-FFF2-40B4-BE49-F238E27FC236}">
+                <a16:creationId xmlns:a16="http://schemas.microsoft.com/office/drawing/2014/main" id="{32D71400-A5AD-74E9-E143-472DAB7E1ECB}"/>
+              </a:ext>
+            </a:extLst>
+          </p:cNvPr>
+          <p:cNvCxnSpPr>
+            <a:cxnSpLocks/>
+            <a:stCxn id="16" idx="2"/>
+            <a:endCxn id="7" idx="0"/>
+          </p:cNvCxnSpPr>
+          <p:nvPr/>
+        </p:nvCxnSpPr>
+        <p:spPr>
+          <a:xfrm rot="5400000">
+            <a:off x="7334585" y="758762"/>
+            <a:ext cx="1006481" cy="5965520"/>
+          </a:xfrm>
+          <a:prstGeom prst="bentConnector3">
+            <a:avLst>
+              <a:gd name="adj1" fmla="val 50000"/>
+            </a:avLst>
+          </a:prstGeom>
+          <a:ln w="38100">
+            <a:solidFill>
+              <a:schemeClr val="tx1"/>
+            </a:solidFill>
+            <a:tailEnd type="triangle"/>
+          </a:ln>
+        </p:spPr>
+        <p:style>
+          <a:lnRef idx="1">
+            <a:schemeClr val="accent1"/>
+          </a:lnRef>
+          <a:fillRef idx="0">
+            <a:schemeClr val="accent1"/>
+          </a:fillRef>
+          <a:effectRef idx="0">
+            <a:schemeClr val="accent1"/>
+          </a:effectRef>
+          <a:fontRef idx="minor">
+            <a:schemeClr val="tx1"/>
+          </a:fontRef>
+        </p:style>
+      </p:cxnSp>
+      <p:cxnSp>
+        <p:nvCxnSpPr>
+          <p:cNvPr id="28" name="连接符: 肘形 27">
+            <a:extLst>
+              <a:ext uri="{FF2B5EF4-FFF2-40B4-BE49-F238E27FC236}">
+                <a16:creationId xmlns:a16="http://schemas.microsoft.com/office/drawing/2014/main" id="{F07E682A-5A22-97D5-8899-E28C6B927D93}"/>
+              </a:ext>
+            </a:extLst>
+          </p:cNvPr>
+          <p:cNvCxnSpPr>
+            <a:cxnSpLocks/>
+            <a:stCxn id="16" idx="2"/>
+            <a:endCxn id="9" idx="0"/>
+          </p:cNvCxnSpPr>
+          <p:nvPr/>
+        </p:nvCxnSpPr>
+        <p:spPr>
+          <a:xfrm rot="16200000" flipH="1">
+            <a:off x="10896887" y="3161979"/>
+            <a:ext cx="996799" cy="1149403"/>
+          </a:xfrm>
+          <a:prstGeom prst="bentConnector3">
+            <a:avLst>
+              <a:gd name="adj1" fmla="val 50000"/>
+            </a:avLst>
+          </a:prstGeom>
+          <a:ln w="38100">
+            <a:solidFill>
+              <a:schemeClr val="tx1"/>
+            </a:solidFill>
+            <a:tailEnd type="triangle"/>
+          </a:ln>
+        </p:spPr>
+        <p:style>
+          <a:lnRef idx="1">
+            <a:schemeClr val="accent1"/>
+          </a:lnRef>
+          <a:fillRef idx="0">
+            <a:schemeClr val="accent1"/>
+          </a:fillRef>
+          <a:effectRef idx="0">
+            <a:schemeClr val="accent1"/>
+          </a:effectRef>
+          <a:fontRef idx="minor">
+            <a:schemeClr val="tx1"/>
+          </a:fontRef>
+        </p:style>
+      </p:cxnSp>
+      <p:cxnSp>
+        <p:nvCxnSpPr>
+          <p:cNvPr id="29" name="连接符: 肘形 28">
+            <a:extLst>
+              <a:ext uri="{FF2B5EF4-FFF2-40B4-BE49-F238E27FC236}">
+                <a16:creationId xmlns:a16="http://schemas.microsoft.com/office/drawing/2014/main" id="{5777CAEE-27EE-41AD-51B6-60C0071D7C35}"/>
+              </a:ext>
+            </a:extLst>
+          </p:cNvPr>
+          <p:cNvCxnSpPr>
+            <a:cxnSpLocks/>
+            <a:stCxn id="16" idx="2"/>
+            <a:endCxn id="8" idx="0"/>
+          </p:cNvCxnSpPr>
+          <p:nvPr/>
+        </p:nvCxnSpPr>
+        <p:spPr>
+          <a:xfrm rot="5400000">
+            <a:off x="8701261" y="2125438"/>
+            <a:ext cx="1006480" cy="3232168"/>
+          </a:xfrm>
+          <a:prstGeom prst="bentConnector3">
+            <a:avLst>
+              <a:gd name="adj1" fmla="val 50000"/>
+            </a:avLst>
+          </a:prstGeom>
+          <a:ln w="38100">
+            <a:solidFill>
+              <a:schemeClr val="tx1"/>
+            </a:solidFill>
+            <a:tailEnd type="triangle"/>
+          </a:ln>
+        </p:spPr>
+        <p:style>
+          <a:lnRef idx="1">
+            <a:schemeClr val="accent1"/>
+          </a:lnRef>
+          <a:fillRef idx="0">
+            <a:schemeClr val="accent1"/>
+          </a:fillRef>
+          <a:effectRef idx="0">
+            <a:schemeClr val="accent1"/>
+          </a:effectRef>
+          <a:fontRef idx="minor">
+            <a:schemeClr val="tx1"/>
+          </a:fontRef>
+        </p:style>
+      </p:cxnSp>
+      <p:cxnSp>
+        <p:nvCxnSpPr>
+          <p:cNvPr id="35" name="直接箭头连接符 34">
+            <a:extLst>
+              <a:ext uri="{FF2B5EF4-FFF2-40B4-BE49-F238E27FC236}">
+                <a16:creationId xmlns:a16="http://schemas.microsoft.com/office/drawing/2014/main" id="{51CE632A-1807-9044-9574-FB2816CB3657}"/>
+              </a:ext>
+            </a:extLst>
+          </p:cNvPr>
+          <p:cNvCxnSpPr>
+            <a:cxnSpLocks/>
+          </p:cNvCxnSpPr>
+          <p:nvPr/>
+        </p:nvCxnSpPr>
+        <p:spPr>
+          <a:xfrm flipV="1">
+            <a:off x="7719461" y="-1130300"/>
+            <a:ext cx="0" cy="482668"/>
+          </a:xfrm>
+          <a:prstGeom prst="straightConnector1">
+            <a:avLst/>
+          </a:prstGeom>
+          <a:ln w="38100">
+            <a:solidFill>
+              <a:srgbClr val="FF0000"/>
+            </a:solidFill>
+            <a:tailEnd type="triangle"/>
+          </a:ln>
+        </p:spPr>
+        <p:style>
+          <a:lnRef idx="1">
+            <a:schemeClr val="accent1"/>
+          </a:lnRef>
+          <a:fillRef idx="0">
+            <a:schemeClr val="accent1"/>
+          </a:fillRef>
+          <a:effectRef idx="0">
+            <a:schemeClr val="accent1"/>
+          </a:effectRef>
+          <a:fontRef idx="minor">
+            <a:schemeClr val="tx1"/>
+          </a:fontRef>
+        </p:style>
+      </p:cxnSp>
+      <p:cxnSp>
+        <p:nvCxnSpPr>
+          <p:cNvPr id="36" name="直接箭头连接符 35">
+            <a:extLst>
+              <a:ext uri="{FF2B5EF4-FFF2-40B4-BE49-F238E27FC236}">
+                <a16:creationId xmlns:a16="http://schemas.microsoft.com/office/drawing/2014/main" id="{C6EC8C16-B04D-BD91-7286-F868FBB7836C}"/>
+              </a:ext>
+            </a:extLst>
+          </p:cNvPr>
+          <p:cNvCxnSpPr>
+            <a:cxnSpLocks/>
+          </p:cNvCxnSpPr>
+          <p:nvPr/>
+        </p:nvCxnSpPr>
+        <p:spPr>
+          <a:xfrm>
+            <a:off x="8383604" y="-1130300"/>
+            <a:ext cx="0" cy="516536"/>
+          </a:xfrm>
+          <a:prstGeom prst="straightConnector1">
+            <a:avLst/>
+          </a:prstGeom>
+          <a:ln w="38100">
+            <a:solidFill>
+              <a:schemeClr val="tx1"/>
+            </a:solidFill>
+            <a:tailEnd type="triangle"/>
+          </a:ln>
+        </p:spPr>
+        <p:style>
+          <a:lnRef idx="1">
+            <a:schemeClr val="accent1"/>
+          </a:lnRef>
+          <a:fillRef idx="0">
+            <a:schemeClr val="accent1"/>
+          </a:fillRef>
+          <a:effectRef idx="0">
+            <a:schemeClr val="accent1"/>
+          </a:effectRef>
+          <a:fontRef idx="minor">
+            <a:schemeClr val="tx1"/>
+          </a:fontRef>
+        </p:style>
+      </p:cxnSp>
+      <p:cxnSp>
+        <p:nvCxnSpPr>
+          <p:cNvPr id="41" name="连接符: 肘形 40">
+            <a:extLst>
+              <a:ext uri="{FF2B5EF4-FFF2-40B4-BE49-F238E27FC236}">
+                <a16:creationId xmlns:a16="http://schemas.microsoft.com/office/drawing/2014/main" id="{3C1D61AD-F866-2BDF-1C16-7691B1E16371}"/>
+              </a:ext>
+            </a:extLst>
+          </p:cNvPr>
+          <p:cNvCxnSpPr>
+            <a:stCxn id="17" idx="0"/>
+            <a:endCxn id="6" idx="2"/>
+          </p:cNvCxnSpPr>
+          <p:nvPr/>
+        </p:nvCxnSpPr>
+        <p:spPr>
+          <a:xfrm rot="5400000" flipH="1" flipV="1">
+            <a:off x="6133401" y="378628"/>
+            <a:ext cx="995675" cy="2923634"/>
+          </a:xfrm>
+          <a:prstGeom prst="bentConnector3">
+            <a:avLst/>
+          </a:prstGeom>
+          <a:ln w="38100">
+            <a:solidFill>
+              <a:srgbClr val="FF0000"/>
+            </a:solidFill>
+            <a:tailEnd type="triangle"/>
+          </a:ln>
+        </p:spPr>
+        <p:style>
+          <a:lnRef idx="1">
+            <a:schemeClr val="accent1"/>
+          </a:lnRef>
+          <a:fillRef idx="0">
+            <a:schemeClr val="accent1"/>
+          </a:fillRef>
+          <a:effectRef idx="0">
+            <a:schemeClr val="accent1"/>
+          </a:effectRef>
+          <a:fontRef idx="minor">
+            <a:schemeClr val="tx1"/>
+          </a:fontRef>
+        </p:style>
+      </p:cxnSp>
+      <p:cxnSp>
+        <p:nvCxnSpPr>
+          <p:cNvPr id="43" name="直接箭头连接符 42">
+            <a:extLst>
+              <a:ext uri="{FF2B5EF4-FFF2-40B4-BE49-F238E27FC236}">
+                <a16:creationId xmlns:a16="http://schemas.microsoft.com/office/drawing/2014/main" id="{58210B4B-58E7-5EA1-C0E1-B9E0D463363D}"/>
+              </a:ext>
+            </a:extLst>
+          </p:cNvPr>
+          <p:cNvCxnSpPr>
+            <a:stCxn id="6" idx="2"/>
+            <a:endCxn id="18" idx="0"/>
+          </p:cNvCxnSpPr>
+          <p:nvPr/>
+        </p:nvCxnSpPr>
+        <p:spPr>
+          <a:xfrm>
+            <a:off x="8093055" y="1342607"/>
+            <a:ext cx="0" cy="995675"/>
+          </a:xfrm>
+          <a:prstGeom prst="straightConnector1">
+            <a:avLst/>
+          </a:prstGeom>
+          <a:ln w="38100">
+            <a:solidFill>
+              <a:schemeClr val="tx1"/>
+            </a:solidFill>
+            <a:tailEnd type="triangle"/>
+          </a:ln>
+        </p:spPr>
+        <p:style>
+          <a:lnRef idx="1">
+            <a:schemeClr val="accent1"/>
+          </a:lnRef>
+          <a:fillRef idx="0">
+            <a:schemeClr val="accent1"/>
+          </a:fillRef>
+          <a:effectRef idx="0">
+            <a:schemeClr val="accent1"/>
+          </a:effectRef>
+          <a:fontRef idx="minor">
+            <a:schemeClr val="tx1"/>
+          </a:fontRef>
+        </p:style>
+      </p:cxnSp>
+      <p:cxnSp>
+        <p:nvCxnSpPr>
+          <p:cNvPr id="46" name="直接箭头连接符 45">
+            <a:extLst>
+              <a:ext uri="{FF2B5EF4-FFF2-40B4-BE49-F238E27FC236}">
+                <a16:creationId xmlns:a16="http://schemas.microsoft.com/office/drawing/2014/main" id="{E02040A3-DA8A-25C0-8481-6C5BE6F20EFA}"/>
+              </a:ext>
+            </a:extLst>
+          </p:cNvPr>
+          <p:cNvCxnSpPr>
+            <a:cxnSpLocks/>
+          </p:cNvCxnSpPr>
+          <p:nvPr/>
+        </p:nvCxnSpPr>
+        <p:spPr>
+          <a:xfrm flipV="1">
+            <a:off x="7759647" y="-33868"/>
+            <a:ext cx="0" cy="511520"/>
+          </a:xfrm>
+          <a:prstGeom prst="straightConnector1">
+            <a:avLst/>
+          </a:prstGeom>
+          <a:ln w="38100">
+            <a:solidFill>
+              <a:srgbClr val="FF0000"/>
+            </a:solidFill>
+            <a:tailEnd type="triangle"/>
+          </a:ln>
+        </p:spPr>
+        <p:style>
+          <a:lnRef idx="1">
+            <a:schemeClr val="accent1"/>
+          </a:lnRef>
+          <a:fillRef idx="0">
+            <a:schemeClr val="accent1"/>
+          </a:fillRef>
+          <a:effectRef idx="0">
+            <a:schemeClr val="accent1"/>
+          </a:effectRef>
+          <a:fontRef idx="minor">
+            <a:schemeClr val="tx1"/>
+          </a:fontRef>
+        </p:style>
+      </p:cxnSp>
+      <p:cxnSp>
+        <p:nvCxnSpPr>
+          <p:cNvPr id="47" name="直接箭头连接符 46">
+            <a:extLst>
+              <a:ext uri="{FF2B5EF4-FFF2-40B4-BE49-F238E27FC236}">
+                <a16:creationId xmlns:a16="http://schemas.microsoft.com/office/drawing/2014/main" id="{36BA1EFC-343B-8278-FB33-E28A995046E8}"/>
+              </a:ext>
+            </a:extLst>
+          </p:cNvPr>
+          <p:cNvCxnSpPr>
+            <a:cxnSpLocks/>
+          </p:cNvCxnSpPr>
+          <p:nvPr/>
+        </p:nvCxnSpPr>
+        <p:spPr>
+          <a:xfrm>
+            <a:off x="8423790" y="0"/>
+            <a:ext cx="0" cy="477652"/>
+          </a:xfrm>
+          <a:prstGeom prst="straightConnector1">
+            <a:avLst/>
+          </a:prstGeom>
+          <a:ln w="38100">
+            <a:solidFill>
+              <a:schemeClr val="tx1"/>
+            </a:solidFill>
+            <a:tailEnd type="triangle"/>
+          </a:ln>
+        </p:spPr>
+        <p:style>
+          <a:lnRef idx="1">
+            <a:schemeClr val="accent1"/>
+          </a:lnRef>
+          <a:fillRef idx="0">
+            <a:schemeClr val="accent1"/>
+          </a:fillRef>
+          <a:effectRef idx="0">
+            <a:schemeClr val="accent1"/>
+          </a:effectRef>
+          <a:fontRef idx="minor">
+            <a:schemeClr val="tx1"/>
+          </a:fontRef>
+        </p:style>
+      </p:cxnSp>
+      <p:cxnSp>
+        <p:nvCxnSpPr>
+          <p:cNvPr id="53" name="连接符: 肘形 52">
+            <a:extLst>
+              <a:ext uri="{FF2B5EF4-FFF2-40B4-BE49-F238E27FC236}">
+                <a16:creationId xmlns:a16="http://schemas.microsoft.com/office/drawing/2014/main" id="{361F70B0-E1AF-1A81-340F-1EC91833167E}"/>
+              </a:ext>
+            </a:extLst>
+          </p:cNvPr>
+          <p:cNvCxnSpPr>
+            <a:cxnSpLocks/>
+            <a:endCxn id="17" idx="2"/>
+          </p:cNvCxnSpPr>
+          <p:nvPr/>
+        </p:nvCxnSpPr>
+        <p:spPr>
+          <a:xfrm rot="5400000" flipH="1" flipV="1">
+            <a:off x="4152798" y="3239181"/>
+            <a:ext cx="1017522" cy="1015724"/>
+          </a:xfrm>
+          <a:prstGeom prst="bentConnector3">
+            <a:avLst>
+              <a:gd name="adj1" fmla="val 50000"/>
+            </a:avLst>
+          </a:prstGeom>
+          <a:ln w="38100">
+            <a:solidFill>
+              <a:srgbClr val="FF0000"/>
+            </a:solidFill>
+            <a:tailEnd type="triangle"/>
+          </a:ln>
+        </p:spPr>
+        <p:style>
+          <a:lnRef idx="1">
+            <a:schemeClr val="accent1"/>
+          </a:lnRef>
+          <a:fillRef idx="0">
+            <a:schemeClr val="accent1"/>
+          </a:fillRef>
+          <a:effectRef idx="0">
+            <a:schemeClr val="accent1"/>
+          </a:effectRef>
+          <a:fontRef idx="minor">
+            <a:schemeClr val="tx1"/>
+          </a:fontRef>
+        </p:style>
+      </p:cxnSp>
+      <p:cxnSp>
+        <p:nvCxnSpPr>
+          <p:cNvPr id="54" name="连接符: 肘形 53">
+            <a:extLst>
+              <a:ext uri="{FF2B5EF4-FFF2-40B4-BE49-F238E27FC236}">
+                <a16:creationId xmlns:a16="http://schemas.microsoft.com/office/drawing/2014/main" id="{3D344932-FE2D-0F94-515F-33335CD90876}"/>
+              </a:ext>
+            </a:extLst>
+          </p:cNvPr>
+          <p:cNvCxnSpPr>
+            <a:cxnSpLocks/>
+            <a:stCxn id="9" idx="0"/>
+            <a:endCxn id="17" idx="2"/>
+          </p:cNvCxnSpPr>
+          <p:nvPr/>
+        </p:nvCxnSpPr>
+        <p:spPr>
+          <a:xfrm rot="16200000" flipV="1">
+            <a:off x="8071306" y="336398"/>
+            <a:ext cx="996799" cy="6800567"/>
+          </a:xfrm>
+          <a:prstGeom prst="bentConnector3">
+            <a:avLst>
+              <a:gd name="adj1" fmla="val 50000"/>
+            </a:avLst>
+          </a:prstGeom>
+          <a:ln>
+            <a:tailEnd type="triangle"/>
+          </a:ln>
+        </p:spPr>
+        <p:style>
+          <a:lnRef idx="1">
+            <a:schemeClr val="accent1"/>
+          </a:lnRef>
+          <a:fillRef idx="0">
+            <a:schemeClr val="accent1"/>
+          </a:fillRef>
+          <a:effectRef idx="0">
+            <a:schemeClr val="accent1"/>
+          </a:effectRef>
+          <a:fontRef idx="minor">
+            <a:schemeClr val="tx1"/>
+          </a:fontRef>
+        </p:style>
+      </p:cxnSp>
+      <p:cxnSp>
+        <p:nvCxnSpPr>
+          <p:cNvPr id="55" name="连接符: 肘形 54">
+            <a:extLst>
+              <a:ext uri="{FF2B5EF4-FFF2-40B4-BE49-F238E27FC236}">
+                <a16:creationId xmlns:a16="http://schemas.microsoft.com/office/drawing/2014/main" id="{DEB583EA-6902-748F-992A-FEB3B2670583}"/>
+              </a:ext>
+            </a:extLst>
+          </p:cNvPr>
+          <p:cNvCxnSpPr>
+            <a:cxnSpLocks/>
+            <a:stCxn id="8" idx="0"/>
+            <a:endCxn id="17" idx="2"/>
+          </p:cNvCxnSpPr>
+          <p:nvPr/>
+        </p:nvCxnSpPr>
+        <p:spPr>
+          <a:xfrm rot="16200000" flipV="1">
+            <a:off x="5875679" y="2532024"/>
+            <a:ext cx="1006480" cy="2418996"/>
+          </a:xfrm>
+          <a:prstGeom prst="bentConnector3">
+            <a:avLst>
+              <a:gd name="adj1" fmla="val 50000"/>
+            </a:avLst>
+          </a:prstGeom>
+          <a:ln w="38100">
+            <a:solidFill>
+              <a:srgbClr val="FF0000"/>
+            </a:solidFill>
+            <a:tailEnd type="triangle"/>
+          </a:ln>
+        </p:spPr>
+        <p:style>
+          <a:lnRef idx="1">
+            <a:schemeClr val="accent1"/>
+          </a:lnRef>
+          <a:fillRef idx="0">
+            <a:schemeClr val="accent1"/>
+          </a:fillRef>
+          <a:effectRef idx="0">
+            <a:schemeClr val="accent1"/>
+          </a:effectRef>
+          <a:fontRef idx="minor">
+            <a:schemeClr val="tx1"/>
+          </a:fontRef>
+        </p:style>
+      </p:cxnSp>
+      <p:sp>
+        <p:nvSpPr>
+          <p:cNvPr id="68" name="流程图: 多文档 67">
+            <a:extLst>
+              <a:ext uri="{FF2B5EF4-FFF2-40B4-BE49-F238E27FC236}">
+                <a16:creationId xmlns:a16="http://schemas.microsoft.com/office/drawing/2014/main" id="{0E012BA4-6925-5E4E-9BF7-64ED5CE47E7A}"/>
+              </a:ext>
+            </a:extLst>
+          </p:cNvPr>
+          <p:cNvSpPr/>
+          <p:nvPr/>
+        </p:nvSpPr>
+        <p:spPr>
+          <a:xfrm>
+            <a:off x="9830738" y="-73988"/>
+            <a:ext cx="2127166" cy="1458180"/>
+          </a:xfrm>
+          <a:prstGeom prst="flowChartMultidocument">
+            <a:avLst/>
+          </a:prstGeom>
+        </p:spPr>
+        <p:style>
+          <a:lnRef idx="2">
+            <a:schemeClr val="accent1">
+              <a:shade val="15000"/>
+            </a:schemeClr>
+          </a:lnRef>
+          <a:fillRef idx="1">
+            <a:schemeClr val="accent1"/>
+          </a:fillRef>
+          <a:effectRef idx="0">
+            <a:schemeClr val="accent1"/>
+          </a:effectRef>
+          <a:fontRef idx="minor">
+            <a:schemeClr val="lt1"/>
+          </a:fontRef>
+        </p:style>
+        <p:txBody>
+          <a:bodyPr rtlCol="0" anchor="ctr"/>
+          <a:lstStyle/>
+          <a:p>
+            <a:pPr algn="ctr"/>
+            <a:r>
+              <a:rPr lang="zh-CN" altLang="en-US" dirty="0"/>
+              <a:t>配置寄存器</a:t>
+            </a:r>
+          </a:p>
+        </p:txBody>
+      </p:sp>
+      <p:sp>
+        <p:nvSpPr>
+          <p:cNvPr id="71" name="任意多边形: 形状 70">
+            <a:extLst>
+              <a:ext uri="{FF2B5EF4-FFF2-40B4-BE49-F238E27FC236}">
+                <a16:creationId xmlns:a16="http://schemas.microsoft.com/office/drawing/2014/main" id="{D6A0CB09-00BF-D9BF-79A2-9F1E345708A9}"/>
+              </a:ext>
+            </a:extLst>
+          </p:cNvPr>
+          <p:cNvSpPr/>
+          <p:nvPr/>
+        </p:nvSpPr>
+        <p:spPr>
+          <a:xfrm>
+            <a:off x="3463047" y="-2178996"/>
+            <a:ext cx="10175132" cy="10447507"/>
+          </a:xfrm>
+          <a:custGeom>
+            <a:avLst/>
+            <a:gdLst>
+              <a:gd name="connsiteX0" fmla="*/ 3093396 w 10175132"/>
+              <a:gd name="connsiteY0" fmla="*/ 155643 h 10447507"/>
+              <a:gd name="connsiteX1" fmla="*/ 3093396 w 10175132"/>
+              <a:gd name="connsiteY1" fmla="*/ 3677056 h 10447507"/>
+              <a:gd name="connsiteX2" fmla="*/ 0 w 10175132"/>
+              <a:gd name="connsiteY2" fmla="*/ 3677056 h 10447507"/>
+              <a:gd name="connsiteX3" fmla="*/ 0 w 10175132"/>
+              <a:gd name="connsiteY3" fmla="*/ 10447507 h 10447507"/>
+              <a:gd name="connsiteX4" fmla="*/ 10175132 w 10175132"/>
+              <a:gd name="connsiteY4" fmla="*/ 10447507 h 10447507"/>
+              <a:gd name="connsiteX5" fmla="*/ 10175132 w 10175132"/>
+              <a:gd name="connsiteY5" fmla="*/ 0 h 10447507"/>
+              <a:gd name="connsiteX6" fmla="*/ 3112851 w 10175132"/>
+              <a:gd name="connsiteY6" fmla="*/ 0 h 10447507"/>
+              <a:gd name="connsiteX7" fmla="*/ 3093396 w 10175132"/>
+              <a:gd name="connsiteY7" fmla="*/ 155643 h 10447507"/>
+            </a:gdLst>
+            <a:ahLst/>
+            <a:cxnLst>
+              <a:cxn ang="0">
+                <a:pos x="connsiteX0" y="connsiteY0"/>
+              </a:cxn>
+              <a:cxn ang="0">
+                <a:pos x="connsiteX1" y="connsiteY1"/>
+              </a:cxn>
+              <a:cxn ang="0">
+                <a:pos x="connsiteX2" y="connsiteY2"/>
+              </a:cxn>
+              <a:cxn ang="0">
+                <a:pos x="connsiteX3" y="connsiteY3"/>
+              </a:cxn>
+              <a:cxn ang="0">
+                <a:pos x="connsiteX4" y="connsiteY4"/>
+              </a:cxn>
+              <a:cxn ang="0">
+                <a:pos x="connsiteX5" y="connsiteY5"/>
+              </a:cxn>
+              <a:cxn ang="0">
+                <a:pos x="connsiteX6" y="connsiteY6"/>
+              </a:cxn>
+              <a:cxn ang="0">
+                <a:pos x="connsiteX7" y="connsiteY7"/>
+              </a:cxn>
+            </a:cxnLst>
+            <a:rect l="l" t="t" r="r" b="b"/>
+            <a:pathLst>
+              <a:path w="10175132" h="10447507">
+                <a:moveTo>
+                  <a:pt x="3093396" y="155643"/>
+                </a:moveTo>
+                <a:lnTo>
+                  <a:pt x="3093396" y="3677056"/>
+                </a:lnTo>
+                <a:lnTo>
+                  <a:pt x="0" y="3677056"/>
+                </a:lnTo>
+                <a:lnTo>
+                  <a:pt x="0" y="10447507"/>
+                </a:lnTo>
+                <a:lnTo>
+                  <a:pt x="10175132" y="10447507"/>
+                </a:lnTo>
+                <a:lnTo>
+                  <a:pt x="10175132" y="0"/>
+                </a:lnTo>
+                <a:lnTo>
+                  <a:pt x="3112851" y="0"/>
+                </a:lnTo>
+                <a:lnTo>
+                  <a:pt x="3093396" y="155643"/>
+                </a:lnTo>
+                <a:close/>
+              </a:path>
+            </a:pathLst>
+          </a:custGeom>
+          <a:noFill/>
+          <a:ln w="38100">
+            <a:prstDash val="dash"/>
+          </a:ln>
+        </p:spPr>
+        <p:style>
+          <a:lnRef idx="2">
+            <a:schemeClr val="accent1">
+              <a:shade val="15000"/>
+            </a:schemeClr>
+          </a:lnRef>
+          <a:fillRef idx="1">
+            <a:schemeClr val="accent1"/>
+          </a:fillRef>
+          <a:effectRef idx="0">
+            <a:schemeClr val="accent1"/>
+          </a:effectRef>
+          <a:fontRef idx="minor">
+            <a:schemeClr val="lt1"/>
+          </a:fontRef>
+        </p:style>
+        <p:txBody>
+          <a:bodyPr rtlCol="0" anchor="ctr"/>
+          <a:lstStyle/>
+          <a:p>
+            <a:pPr algn="ctr"/>
+            <a:endParaRPr lang="zh-CN" altLang="en-US" dirty="0"/>
+          </a:p>
+        </p:txBody>
+      </p:sp>
+      <p:sp>
+        <p:nvSpPr>
+          <p:cNvPr id="72" name="文本框 71">
+            <a:extLst>
+              <a:ext uri="{FF2B5EF4-FFF2-40B4-BE49-F238E27FC236}">
+                <a16:creationId xmlns:a16="http://schemas.microsoft.com/office/drawing/2014/main" id="{4493140D-7FB9-E551-F25C-637E2414D504}"/>
+              </a:ext>
+            </a:extLst>
+          </p:cNvPr>
+          <p:cNvSpPr txBox="1"/>
+          <p:nvPr/>
+        </p:nvSpPr>
+        <p:spPr>
+          <a:xfrm>
+            <a:off x="10132703" y="-1626765"/>
+            <a:ext cx="2954655" cy="646331"/>
+          </a:xfrm>
+          <a:prstGeom prst="rect">
+            <a:avLst/>
+          </a:prstGeom>
+          <a:noFill/>
+        </p:spPr>
+        <p:txBody>
+          <a:bodyPr wrap="none" rtlCol="0">
+            <a:spAutoFit/>
+          </a:bodyPr>
+          <a:lstStyle/>
+          <a:p>
+            <a:r>
+              <a:rPr lang="zh-CN" altLang="en-US" sz="3600" b="1" dirty="0"/>
+              <a:t>链路管理模块</a:t>
+            </a:r>
+          </a:p>
+        </p:txBody>
+      </p:sp>
+      <p:cxnSp>
+        <p:nvCxnSpPr>
+          <p:cNvPr id="73" name="连接符: 肘形 72">
+            <a:extLst>
+              <a:ext uri="{FF2B5EF4-FFF2-40B4-BE49-F238E27FC236}">
+                <a16:creationId xmlns:a16="http://schemas.microsoft.com/office/drawing/2014/main" id="{BB714633-C51F-C76D-B762-98B54D28C441}"/>
+              </a:ext>
+            </a:extLst>
+          </p:cNvPr>
+          <p:cNvCxnSpPr>
+            <a:cxnSpLocks/>
+            <a:stCxn id="6" idx="1"/>
+            <a:endCxn id="5" idx="3"/>
+          </p:cNvCxnSpPr>
+          <p:nvPr/>
+        </p:nvCxnSpPr>
+        <p:spPr>
+          <a:xfrm rot="10800000">
+            <a:off x="5443957" y="-306055"/>
+            <a:ext cx="1749098" cy="1198663"/>
+          </a:xfrm>
+          <a:prstGeom prst="bentConnector3">
+            <a:avLst/>
+          </a:prstGeom>
+          <a:ln w="38100">
+            <a:solidFill>
+              <a:srgbClr val="FF0000"/>
+            </a:solidFill>
+            <a:tailEnd type="triangle"/>
+          </a:ln>
+        </p:spPr>
+        <p:style>
+          <a:lnRef idx="1">
+            <a:schemeClr val="accent1"/>
+          </a:lnRef>
+          <a:fillRef idx="0">
+            <a:schemeClr val="accent1"/>
+          </a:fillRef>
+          <a:effectRef idx="0">
+            <a:schemeClr val="accent1"/>
+          </a:effectRef>
+          <a:fontRef idx="minor">
+            <a:schemeClr val="tx1"/>
+          </a:fontRef>
+        </p:style>
+      </p:cxnSp>
     </p:spTree>
     <p:extLst>
       <p:ext uri="{BB962C8B-B14F-4D97-AF65-F5344CB8AC3E}">
-        <p14:creationId xmlns:p14="http://schemas.microsoft.com/office/powerpoint/2010/main" val="2055746639"/>
+        <p14:creationId xmlns:p14="http://schemas.microsoft.com/office/powerpoint/2010/main" val="629340785"/>
       </p:ext>
     </p:extLst>
   </p:cSld>
@@ -3440,7 +5331,7 @@
           <p:cNvPr id="3" name="图片 2">
             <a:extLst>
               <a:ext uri="{FF2B5EF4-FFF2-40B4-BE49-F238E27FC236}">
-                <a16:creationId xmlns:a16="http://schemas.microsoft.com/office/drawing/2014/main" id="{E621E686-EBC5-232B-4E44-5D8D1EF3592F}"/>
+                <a16:creationId xmlns:a16="http://schemas.microsoft.com/office/drawing/2014/main" id="{FCCDAF10-20DB-A31C-A887-426F934DA212}"/>
               </a:ext>
             </a:extLst>
           </p:cNvPr>
@@ -3449,16 +5340,15 @@
           </p:cNvPicPr>
           <p:nvPr/>
         </p:nvPicPr>
-        <p:blipFill>
+        <p:blipFill rotWithShape="1">
           <a:blip r:embed="rId2"/>
-          <a:stretch>
-            <a:fillRect/>
-          </a:stretch>
+          <a:srcRect l="8259" t="9692" r="4072" b="8154"/>
+          <a:stretch/>
         </p:blipFill>
         <p:spPr>
           <a:xfrm>
-            <a:off x="200915" y="2103120"/>
-            <a:ext cx="3390531" cy="3163824"/>
+            <a:off x="447720" y="3017609"/>
+            <a:ext cx="3033592" cy="2443345"/>
           </a:xfrm>
           <a:prstGeom prst="rect">
             <a:avLst/>
@@ -3470,7 +5360,7 @@
           <p:cNvPr id="5" name="图片 4">
             <a:extLst>
               <a:ext uri="{FF2B5EF4-FFF2-40B4-BE49-F238E27FC236}">
-                <a16:creationId xmlns:a16="http://schemas.microsoft.com/office/drawing/2014/main" id="{2D63422D-B5EF-1F05-0B3A-53FFBCE0F03B}"/>
+                <a16:creationId xmlns:a16="http://schemas.microsoft.com/office/drawing/2014/main" id="{F66C0CBB-879D-E09C-76E9-09A823CBDC8C}"/>
               </a:ext>
             </a:extLst>
           </p:cNvPr>
@@ -3487,8 +5377,8 @@
         </p:blipFill>
         <p:spPr>
           <a:xfrm>
-            <a:off x="3310128" y="1591056"/>
-            <a:ext cx="8461248" cy="3917434"/>
+            <a:off x="3578058" y="2493018"/>
+            <a:ext cx="7943792" cy="3492529"/>
           </a:xfrm>
           <a:prstGeom prst="rect">
             <a:avLst/>
@@ -3497,10 +5387,10 @@
       </p:pic>
       <p:sp>
         <p:nvSpPr>
-          <p:cNvPr id="7" name="文本框 6">
-            <a:extLst>
-              <a:ext uri="{FF2B5EF4-FFF2-40B4-BE49-F238E27FC236}">
-                <a16:creationId xmlns:a16="http://schemas.microsoft.com/office/drawing/2014/main" id="{6F70AFD7-2C86-4220-A60E-D98B6171B0F0}"/>
+          <p:cNvPr id="6" name="文本框 5">
+            <a:extLst>
+              <a:ext uri="{FF2B5EF4-FFF2-40B4-BE49-F238E27FC236}">
+                <a16:creationId xmlns:a16="http://schemas.microsoft.com/office/drawing/2014/main" id="{F06DE061-FBE3-04D0-194F-D8F9C7EECF6C}"/>
               </a:ext>
             </a:extLst>
           </p:cNvPr>
@@ -3509,8 +5399,8 @@
         </p:nvSpPr>
         <p:spPr>
           <a:xfrm>
-            <a:off x="667512" y="667512"/>
-            <a:ext cx="1029449" cy="369332"/>
+            <a:off x="594360" y="493776"/>
+            <a:ext cx="1569660" cy="369332"/>
           </a:xfrm>
           <a:prstGeom prst="rect">
             <a:avLst/>
@@ -3524,17 +5414,16 @@
           <a:lstStyle/>
           <a:p>
             <a:r>
-              <a:rPr lang="en-US" altLang="zh-CN" dirty="0" err="1"/>
-              <a:t>ExtUART</a:t>
-            </a:r>
-            <a:endParaRPr lang="zh-CN" altLang="en-US" dirty="0"/>
+              <a:rPr lang="zh-CN" altLang="en-US" dirty="0"/>
+              <a:t>时间管理模块</a:t>
+            </a:r>
           </a:p>
         </p:txBody>
       </p:sp>
     </p:spTree>
     <p:extLst>
       <p:ext uri="{BB962C8B-B14F-4D97-AF65-F5344CB8AC3E}">
-        <p14:creationId xmlns:p14="http://schemas.microsoft.com/office/powerpoint/2010/main" val="4185618548"/>
+        <p14:creationId xmlns:p14="http://schemas.microsoft.com/office/powerpoint/2010/main" val="464093984"/>
       </p:ext>
     </p:extLst>
   </p:cSld>
@@ -3566,7 +5455,7 @@
           <p:cNvPr id="3" name="图片 2">
             <a:extLst>
               <a:ext uri="{FF2B5EF4-FFF2-40B4-BE49-F238E27FC236}">
-                <a16:creationId xmlns:a16="http://schemas.microsoft.com/office/drawing/2014/main" id="{D07F1AA7-A2AE-23BF-AE06-3B511E513AD6}"/>
+                <a16:creationId xmlns:a16="http://schemas.microsoft.com/office/drawing/2014/main" id="{88977F76-5BC3-2E22-A0F4-3C6C1D1739BF}"/>
               </a:ext>
             </a:extLst>
           </p:cNvPr>
@@ -3577,25 +5466,60 @@
         </p:nvPicPr>
         <p:blipFill rotWithShape="1">
           <a:blip r:embed="rId2"/>
-          <a:srcRect l="8294" r="4206"/>
+          <a:srcRect l="11288" r="7139"/>
           <a:stretch/>
         </p:blipFill>
         <p:spPr>
           <a:xfrm>
-            <a:off x="339436" y="1979230"/>
-            <a:ext cx="2923531" cy="3649385"/>
+            <a:off x="415637" y="2475824"/>
+            <a:ext cx="2982329" cy="3286013"/>
           </a:xfrm>
           <a:prstGeom prst="rect">
             <a:avLst/>
           </a:prstGeom>
         </p:spPr>
       </p:pic>
+      <p:sp>
+        <p:nvSpPr>
+          <p:cNvPr id="4" name="文本框 3">
+            <a:extLst>
+              <a:ext uri="{FF2B5EF4-FFF2-40B4-BE49-F238E27FC236}">
+                <a16:creationId xmlns:a16="http://schemas.microsoft.com/office/drawing/2014/main" id="{12803C3E-5F8F-1CA5-5919-0D7C6D4257FE}"/>
+              </a:ext>
+            </a:extLst>
+          </p:cNvPr>
+          <p:cNvSpPr txBox="1"/>
+          <p:nvPr/>
+        </p:nvSpPr>
+        <p:spPr>
+          <a:xfrm>
+            <a:off x="905256" y="822960"/>
+            <a:ext cx="2031325" cy="369332"/>
+          </a:xfrm>
+          <a:prstGeom prst="rect">
+            <a:avLst/>
+          </a:prstGeom>
+          <a:noFill/>
+        </p:spPr>
+        <p:txBody>
+          <a:bodyPr wrap="none" rtlCol="0">
+            <a:spAutoFit/>
+          </a:bodyPr>
+          <a:lstStyle/>
+          <a:p>
+            <a:r>
+              <a:rPr lang="zh-CN" altLang="en-US" dirty="0"/>
+              <a:t>算法逻辑单元模块</a:t>
+            </a:r>
+          </a:p>
+        </p:txBody>
+      </p:sp>
       <p:pic>
         <p:nvPicPr>
-          <p:cNvPr id="5" name="图片 4">
-            <a:extLst>
-              <a:ext uri="{FF2B5EF4-FFF2-40B4-BE49-F238E27FC236}">
-                <a16:creationId xmlns:a16="http://schemas.microsoft.com/office/drawing/2014/main" id="{CCB84A25-A76A-BF6A-70CE-590B777DD8C2}"/>
+          <p:cNvPr id="8" name="图片 7">
+            <a:extLst>
+              <a:ext uri="{FF2B5EF4-FFF2-40B4-BE49-F238E27FC236}">
+                <a16:creationId xmlns:a16="http://schemas.microsoft.com/office/drawing/2014/main" id="{A4D8E8E3-A767-49F2-811D-E06EA01D9829}"/>
               </a:ext>
             </a:extLst>
           </p:cNvPr>
@@ -3612,57 +5536,18 @@
         </p:blipFill>
         <p:spPr>
           <a:xfrm>
-            <a:off x="3262967" y="1787649"/>
-            <a:ext cx="8654713" cy="4032549"/>
+            <a:off x="3602181" y="1937852"/>
+            <a:ext cx="8342526" cy="4289765"/>
           </a:xfrm>
           <a:prstGeom prst="rect">
             <a:avLst/>
           </a:prstGeom>
         </p:spPr>
       </p:pic>
-      <p:sp>
-        <p:nvSpPr>
-          <p:cNvPr id="6" name="文本框 5">
-            <a:extLst>
-              <a:ext uri="{FF2B5EF4-FFF2-40B4-BE49-F238E27FC236}">
-                <a16:creationId xmlns:a16="http://schemas.microsoft.com/office/drawing/2014/main" id="{9E1A77E3-6013-6C86-A7D6-2DD1DAABEC8C}"/>
-              </a:ext>
-            </a:extLst>
-          </p:cNvPr>
-          <p:cNvSpPr txBox="1"/>
-          <p:nvPr/>
-        </p:nvSpPr>
-        <p:spPr>
-          <a:xfrm>
-            <a:off x="566928" y="493776"/>
-            <a:ext cx="949299" cy="369332"/>
-          </a:xfrm>
-          <a:prstGeom prst="rect">
-            <a:avLst/>
-          </a:prstGeom>
-          <a:noFill/>
-        </p:spPr>
-        <p:txBody>
-          <a:bodyPr wrap="none" rtlCol="0">
-            <a:spAutoFit/>
-          </a:bodyPr>
-          <a:lstStyle/>
-          <a:p>
-            <a:r>
-              <a:rPr lang="en-US" altLang="zh-CN" dirty="0"/>
-              <a:t>SPI</a:t>
-            </a:r>
-            <a:r>
-              <a:rPr lang="zh-CN" altLang="en-US" dirty="0"/>
-              <a:t>主机</a:t>
-            </a:r>
-          </a:p>
-        </p:txBody>
-      </p:sp>
     </p:spTree>
     <p:extLst>
       <p:ext uri="{BB962C8B-B14F-4D97-AF65-F5344CB8AC3E}">
-        <p14:creationId xmlns:p14="http://schemas.microsoft.com/office/powerpoint/2010/main" val="3203456597"/>
+        <p14:creationId xmlns:p14="http://schemas.microsoft.com/office/powerpoint/2010/main" val="646237645"/>
       </p:ext>
     </p:extLst>
   </p:cSld>
@@ -3694,7 +5579,7 @@
           <p:cNvPr id="3" name="图片 2">
             <a:extLst>
               <a:ext uri="{FF2B5EF4-FFF2-40B4-BE49-F238E27FC236}">
-                <a16:creationId xmlns:a16="http://schemas.microsoft.com/office/drawing/2014/main" id="{2FE4BE10-C92B-27E2-B0D5-DA9074D8EF94}"/>
+                <a16:creationId xmlns:a16="http://schemas.microsoft.com/office/drawing/2014/main" id="{30C6D799-A98A-2747-D3E8-15181EE06FA0}"/>
               </a:ext>
             </a:extLst>
           </p:cNvPr>
@@ -3703,15 +5588,16 @@
           </p:cNvPicPr>
           <p:nvPr/>
         </p:nvPicPr>
-        <p:blipFill rotWithShape="1">
+        <p:blipFill>
           <a:blip r:embed="rId2"/>
-          <a:srcRect l="3246" r="4794"/>
-          <a:stretch/>
+          <a:stretch>
+            <a:fillRect/>
+          </a:stretch>
         </p:blipFill>
         <p:spPr>
           <a:xfrm>
-            <a:off x="248277" y="1704801"/>
-            <a:ext cx="3305413" cy="3899916"/>
+            <a:off x="141694" y="2176273"/>
+            <a:ext cx="3128185" cy="3044952"/>
           </a:xfrm>
           <a:prstGeom prst="rect">
             <a:avLst/>
@@ -3723,7 +5609,7 @@
           <p:cNvPr id="5" name="图片 4">
             <a:extLst>
               <a:ext uri="{FF2B5EF4-FFF2-40B4-BE49-F238E27FC236}">
-                <a16:creationId xmlns:a16="http://schemas.microsoft.com/office/drawing/2014/main" id="{D7121EB3-1AE0-4F8F-ED7E-DE11138743F6}"/>
+                <a16:creationId xmlns:a16="http://schemas.microsoft.com/office/drawing/2014/main" id="{5BEB75BF-06DD-06B4-6126-3FD538396695}"/>
               </a:ext>
             </a:extLst>
           </p:cNvPr>
@@ -3740,8 +5626,8 @@
         </p:blipFill>
         <p:spPr>
           <a:xfrm>
-            <a:off x="3497683" y="1626687"/>
-            <a:ext cx="8604261" cy="4056144"/>
+            <a:off x="3269879" y="1787370"/>
+            <a:ext cx="8579039" cy="3822757"/>
           </a:xfrm>
           <a:prstGeom prst="rect">
             <a:avLst/>
@@ -3750,10 +5636,10 @@
       </p:pic>
       <p:sp>
         <p:nvSpPr>
-          <p:cNvPr id="6" name="文本框 5">
-            <a:extLst>
-              <a:ext uri="{FF2B5EF4-FFF2-40B4-BE49-F238E27FC236}">
-                <a16:creationId xmlns:a16="http://schemas.microsoft.com/office/drawing/2014/main" id="{313255A3-3660-7EBE-527B-A6826CA0E99D}"/>
+          <p:cNvPr id="2" name="文本框 1">
+            <a:extLst>
+              <a:ext uri="{FF2B5EF4-FFF2-40B4-BE49-F238E27FC236}">
+                <a16:creationId xmlns:a16="http://schemas.microsoft.com/office/drawing/2014/main" id="{1CE4DF3A-FD43-B11F-0E28-CD6AB19B0B47}"/>
               </a:ext>
             </a:extLst>
           </p:cNvPr>
@@ -3762,8 +5648,8 @@
         </p:nvSpPr>
         <p:spPr>
           <a:xfrm>
-            <a:off x="603504" y="603504"/>
-            <a:ext cx="1901483" cy="369332"/>
+            <a:off x="845127" y="595745"/>
+            <a:ext cx="1800493" cy="369332"/>
           </a:xfrm>
           <a:prstGeom prst="rect">
             <a:avLst/>
@@ -3777,12 +5663,8 @@
           <a:lstStyle/>
           <a:p>
             <a:r>
-              <a:rPr lang="en-US" altLang="zh-CN" dirty="0"/>
-              <a:t>AD9910</a:t>
-            </a:r>
-            <a:r>
               <a:rPr lang="zh-CN" altLang="en-US" dirty="0"/>
-              <a:t>管理模块</a:t>
+              <a:t>触发管理模块儿</a:t>
             </a:r>
           </a:p>
         </p:txBody>
@@ -3790,7 +5672,7 @@
     </p:spTree>
     <p:extLst>
       <p:ext uri="{BB962C8B-B14F-4D97-AF65-F5344CB8AC3E}">
-        <p14:creationId xmlns:p14="http://schemas.microsoft.com/office/powerpoint/2010/main" val="3768861927"/>
+        <p14:creationId xmlns:p14="http://schemas.microsoft.com/office/powerpoint/2010/main" val="3310027567"/>
       </p:ext>
     </p:extLst>
   </p:cSld>
@@ -3822,7 +5704,7 @@
           <p:cNvPr id="3" name="图片 2">
             <a:extLst>
               <a:ext uri="{FF2B5EF4-FFF2-40B4-BE49-F238E27FC236}">
-                <a16:creationId xmlns:a16="http://schemas.microsoft.com/office/drawing/2014/main" id="{6901DB9A-1A5D-FFF3-7C16-E5950A229B0D}"/>
+                <a16:creationId xmlns:a16="http://schemas.microsoft.com/office/drawing/2014/main" id="{53C58AB6-AF41-823D-E721-27BA7BB0605F}"/>
               </a:ext>
             </a:extLst>
           </p:cNvPr>
@@ -3831,66 +5713,28 @@
           </p:cNvPicPr>
           <p:nvPr/>
         </p:nvPicPr>
-        <p:blipFill rotWithShape="1">
+        <p:blipFill>
           <a:blip r:embed="rId2"/>
-          <a:srcRect l="3640" r="2922"/>
-          <a:stretch/>
+          <a:stretch>
+            <a:fillRect/>
+          </a:stretch>
         </p:blipFill>
         <p:spPr>
           <a:xfrm>
-            <a:off x="131618" y="1780794"/>
-            <a:ext cx="3377805" cy="3296412"/>
+            <a:off x="191048" y="2709516"/>
+            <a:ext cx="3132435" cy="3106068"/>
           </a:xfrm>
           <a:prstGeom prst="rect">
             <a:avLst/>
           </a:prstGeom>
         </p:spPr>
       </p:pic>
-      <p:sp>
-        <p:nvSpPr>
-          <p:cNvPr id="4" name="文本框 3">
-            <a:extLst>
-              <a:ext uri="{FF2B5EF4-FFF2-40B4-BE49-F238E27FC236}">
-                <a16:creationId xmlns:a16="http://schemas.microsoft.com/office/drawing/2014/main" id="{C47943CC-8A5F-246B-13BE-9C16BC95A95F}"/>
-              </a:ext>
-            </a:extLst>
-          </p:cNvPr>
-          <p:cNvSpPr txBox="1"/>
-          <p:nvPr/>
-        </p:nvSpPr>
-        <p:spPr>
-          <a:xfrm>
-            <a:off x="960120" y="603504"/>
-            <a:ext cx="1556836" cy="369332"/>
-          </a:xfrm>
-          <a:prstGeom prst="rect">
-            <a:avLst/>
-          </a:prstGeom>
-          <a:noFill/>
-        </p:spPr>
-        <p:txBody>
-          <a:bodyPr wrap="none" rtlCol="0">
-            <a:spAutoFit/>
-          </a:bodyPr>
-          <a:lstStyle/>
-          <a:p>
-            <a:r>
-              <a:rPr lang="en-US" altLang="zh-CN" dirty="0"/>
-              <a:t>ADC</a:t>
-            </a:r>
-            <a:r>
-              <a:rPr lang="zh-CN" altLang="en-US" dirty="0"/>
-              <a:t>管理模块</a:t>
-            </a:r>
-          </a:p>
-        </p:txBody>
-      </p:sp>
       <p:pic>
         <p:nvPicPr>
-          <p:cNvPr id="6" name="图片 5">
-            <a:extLst>
-              <a:ext uri="{FF2B5EF4-FFF2-40B4-BE49-F238E27FC236}">
-                <a16:creationId xmlns:a16="http://schemas.microsoft.com/office/drawing/2014/main" id="{BB4D8A10-06A4-137B-8BB8-A013620E1B8D}"/>
+          <p:cNvPr id="5" name="图片 4">
+            <a:extLst>
+              <a:ext uri="{FF2B5EF4-FFF2-40B4-BE49-F238E27FC236}">
+                <a16:creationId xmlns:a16="http://schemas.microsoft.com/office/drawing/2014/main" id="{F98ADEFF-B93D-7178-1EA8-AD8988863507}"/>
               </a:ext>
             </a:extLst>
           </p:cNvPr>
@@ -3907,18 +5751,54 @@
         </p:blipFill>
         <p:spPr>
           <a:xfrm>
-            <a:off x="3509423" y="1620774"/>
-            <a:ext cx="8082349" cy="3817620"/>
+            <a:off x="3410712" y="2307180"/>
+            <a:ext cx="8431412" cy="3910740"/>
           </a:xfrm>
           <a:prstGeom prst="rect">
             <a:avLst/>
           </a:prstGeom>
         </p:spPr>
       </p:pic>
+      <p:sp>
+        <p:nvSpPr>
+          <p:cNvPr id="6" name="文本框 5">
+            <a:extLst>
+              <a:ext uri="{FF2B5EF4-FFF2-40B4-BE49-F238E27FC236}">
+                <a16:creationId xmlns:a16="http://schemas.microsoft.com/office/drawing/2014/main" id="{B6E9D544-4768-D207-257E-2E0CCA257FD8}"/>
+              </a:ext>
+            </a:extLst>
+          </p:cNvPr>
+          <p:cNvSpPr txBox="1"/>
+          <p:nvPr/>
+        </p:nvSpPr>
+        <p:spPr>
+          <a:xfrm>
+            <a:off x="749808" y="777240"/>
+            <a:ext cx="739305" cy="369332"/>
+          </a:xfrm>
+          <a:prstGeom prst="rect">
+            <a:avLst/>
+          </a:prstGeom>
+          <a:noFill/>
+        </p:spPr>
+        <p:txBody>
+          <a:bodyPr wrap="none" rtlCol="0">
+            <a:spAutoFit/>
+          </a:bodyPr>
+          <a:lstStyle/>
+          <a:p>
+            <a:r>
+              <a:rPr lang="en-US" altLang="zh-CN" dirty="0"/>
+              <a:t>UART</a:t>
+            </a:r>
+            <a:endParaRPr lang="zh-CN" altLang="en-US" dirty="0"/>
+          </a:p>
+        </p:txBody>
+      </p:sp>
     </p:spTree>
     <p:extLst>
       <p:ext uri="{BB962C8B-B14F-4D97-AF65-F5344CB8AC3E}">
-        <p14:creationId xmlns:p14="http://schemas.microsoft.com/office/powerpoint/2010/main" val="321983983"/>
+        <p14:creationId xmlns:p14="http://schemas.microsoft.com/office/powerpoint/2010/main" val="12742870"/>
       </p:ext>
     </p:extLst>
   </p:cSld>
@@ -3950,7 +5830,7 @@
           <p:cNvPr id="3" name="图片 2">
             <a:extLst>
               <a:ext uri="{FF2B5EF4-FFF2-40B4-BE49-F238E27FC236}">
-                <a16:creationId xmlns:a16="http://schemas.microsoft.com/office/drawing/2014/main" id="{22A3A7BE-462C-B389-EF18-FCD1E6263ACD}"/>
+                <a16:creationId xmlns:a16="http://schemas.microsoft.com/office/drawing/2014/main" id="{E621E686-EBC5-232B-4E44-5D8D1EF3592F}"/>
               </a:ext>
             </a:extLst>
           </p:cNvPr>
@@ -3967,8 +5847,8 @@
         </p:blipFill>
         <p:spPr>
           <a:xfrm>
-            <a:off x="334519" y="2234375"/>
-            <a:ext cx="3441657" cy="2931985"/>
+            <a:off x="200915" y="2103120"/>
+            <a:ext cx="3390531" cy="3163824"/>
           </a:xfrm>
           <a:prstGeom prst="rect">
             <a:avLst/>
@@ -3980,7 +5860,7 @@
           <p:cNvPr id="5" name="图片 4">
             <a:extLst>
               <a:ext uri="{FF2B5EF4-FFF2-40B4-BE49-F238E27FC236}">
-                <a16:creationId xmlns:a16="http://schemas.microsoft.com/office/drawing/2014/main" id="{AB84A674-96D0-3821-29B7-B987E1CCA50B}"/>
+                <a16:creationId xmlns:a16="http://schemas.microsoft.com/office/drawing/2014/main" id="{2D63422D-B5EF-1F05-0B3A-53FFBCE0F03B}"/>
               </a:ext>
             </a:extLst>
           </p:cNvPr>
@@ -3997,8 +5877,8 @@
         </p:blipFill>
         <p:spPr>
           <a:xfrm>
-            <a:off x="3853500" y="1709292"/>
-            <a:ext cx="7753284" cy="4235066"/>
+            <a:off x="3310128" y="1591056"/>
+            <a:ext cx="8461248" cy="3917434"/>
           </a:xfrm>
           <a:prstGeom prst="rect">
             <a:avLst/>
@@ -4007,10 +5887,10 @@
       </p:pic>
       <p:sp>
         <p:nvSpPr>
-          <p:cNvPr id="6" name="文本框 5">
-            <a:extLst>
-              <a:ext uri="{FF2B5EF4-FFF2-40B4-BE49-F238E27FC236}">
-                <a16:creationId xmlns:a16="http://schemas.microsoft.com/office/drawing/2014/main" id="{AD7F98D0-1270-37D2-A1EB-16C6748E7333}"/>
+          <p:cNvPr id="7" name="文本框 6">
+            <a:extLst>
+              <a:ext uri="{FF2B5EF4-FFF2-40B4-BE49-F238E27FC236}">
+                <a16:creationId xmlns:a16="http://schemas.microsoft.com/office/drawing/2014/main" id="{6F70AFD7-2C86-4220-A60E-D98B6171B0F0}"/>
               </a:ext>
             </a:extLst>
           </p:cNvPr>
@@ -4019,8 +5899,8 @@
         </p:nvSpPr>
         <p:spPr>
           <a:xfrm>
-            <a:off x="758952" y="557784"/>
-            <a:ext cx="1800493" cy="369332"/>
+            <a:off x="667512" y="667512"/>
+            <a:ext cx="1029449" cy="369332"/>
           </a:xfrm>
           <a:prstGeom prst="rect">
             <a:avLst/>
@@ -4034,16 +5914,17 @@
           <a:lstStyle/>
           <a:p>
             <a:r>
-              <a:rPr lang="zh-CN" altLang="en-US" dirty="0"/>
-              <a:t>门控计数器阵列</a:t>
-            </a:r>
+              <a:rPr lang="en-US" altLang="zh-CN" dirty="0" err="1"/>
+              <a:t>ExtUART</a:t>
+            </a:r>
+            <a:endParaRPr lang="zh-CN" altLang="en-US" dirty="0"/>
           </a:p>
         </p:txBody>
       </p:sp>
     </p:spTree>
     <p:extLst>
       <p:ext uri="{BB962C8B-B14F-4D97-AF65-F5344CB8AC3E}">
-        <p14:creationId xmlns:p14="http://schemas.microsoft.com/office/powerpoint/2010/main" val="4062385216"/>
+        <p14:creationId xmlns:p14="http://schemas.microsoft.com/office/powerpoint/2010/main" val="4185618548"/>
       </p:ext>
     </p:extLst>
   </p:cSld>
@@ -4075,7 +5956,7 @@
           <p:cNvPr id="3" name="图片 2">
             <a:extLst>
               <a:ext uri="{FF2B5EF4-FFF2-40B4-BE49-F238E27FC236}">
-                <a16:creationId xmlns:a16="http://schemas.microsoft.com/office/drawing/2014/main" id="{9F04BC56-D012-635E-1E48-FE901003DA4B}"/>
+                <a16:creationId xmlns:a16="http://schemas.microsoft.com/office/drawing/2014/main" id="{D07F1AA7-A2AE-23BF-AE06-3B511E513AD6}"/>
               </a:ext>
             </a:extLst>
           </p:cNvPr>
@@ -4084,16 +5965,15 @@
           </p:cNvPicPr>
           <p:nvPr/>
         </p:nvPicPr>
-        <p:blipFill>
+        <p:blipFill rotWithShape="1">
           <a:blip r:embed="rId2"/>
-          <a:stretch>
-            <a:fillRect/>
-          </a:stretch>
+          <a:srcRect l="8294" r="4206"/>
+          <a:stretch/>
         </p:blipFill>
         <p:spPr>
           <a:xfrm>
-            <a:off x="274321" y="1849301"/>
-            <a:ext cx="3206034" cy="3480054"/>
+            <a:off x="339436" y="1979230"/>
+            <a:ext cx="2923531" cy="3649385"/>
           </a:xfrm>
           <a:prstGeom prst="rect">
             <a:avLst/>
@@ -4105,7 +5985,7 @@
           <p:cNvPr id="5" name="图片 4">
             <a:extLst>
               <a:ext uri="{FF2B5EF4-FFF2-40B4-BE49-F238E27FC236}">
-                <a16:creationId xmlns:a16="http://schemas.microsoft.com/office/drawing/2014/main" id="{038A9542-82D4-9326-FD0F-CF443BD6DAF8}"/>
+                <a16:creationId xmlns:a16="http://schemas.microsoft.com/office/drawing/2014/main" id="{CCB84A25-A76A-BF6A-70CE-590B777DD8C2}"/>
               </a:ext>
             </a:extLst>
           </p:cNvPr>
@@ -4122,18 +6002,57 @@
         </p:blipFill>
         <p:spPr>
           <a:xfrm>
-            <a:off x="3565098" y="1728216"/>
-            <a:ext cx="8352581" cy="3959968"/>
+            <a:off x="3262967" y="1787649"/>
+            <a:ext cx="8654713" cy="4032549"/>
           </a:xfrm>
           <a:prstGeom prst="rect">
             <a:avLst/>
           </a:prstGeom>
         </p:spPr>
       </p:pic>
+      <p:sp>
+        <p:nvSpPr>
+          <p:cNvPr id="6" name="文本框 5">
+            <a:extLst>
+              <a:ext uri="{FF2B5EF4-FFF2-40B4-BE49-F238E27FC236}">
+                <a16:creationId xmlns:a16="http://schemas.microsoft.com/office/drawing/2014/main" id="{9E1A77E3-6013-6C86-A7D6-2DD1DAABEC8C}"/>
+              </a:ext>
+            </a:extLst>
+          </p:cNvPr>
+          <p:cNvSpPr txBox="1"/>
+          <p:nvPr/>
+        </p:nvSpPr>
+        <p:spPr>
+          <a:xfrm>
+            <a:off x="566928" y="493776"/>
+            <a:ext cx="949299" cy="369332"/>
+          </a:xfrm>
+          <a:prstGeom prst="rect">
+            <a:avLst/>
+          </a:prstGeom>
+          <a:noFill/>
+        </p:spPr>
+        <p:txBody>
+          <a:bodyPr wrap="none" rtlCol="0">
+            <a:spAutoFit/>
+          </a:bodyPr>
+          <a:lstStyle/>
+          <a:p>
+            <a:r>
+              <a:rPr lang="en-US" altLang="zh-CN" dirty="0"/>
+              <a:t>SPI</a:t>
+            </a:r>
+            <a:r>
+              <a:rPr lang="zh-CN" altLang="en-US" dirty="0"/>
+              <a:t>主机</a:t>
+            </a:r>
+          </a:p>
+        </p:txBody>
+      </p:sp>
     </p:spTree>
     <p:extLst>
       <p:ext uri="{BB962C8B-B14F-4D97-AF65-F5344CB8AC3E}">
-        <p14:creationId xmlns:p14="http://schemas.microsoft.com/office/powerpoint/2010/main" val="1475117195"/>
+        <p14:creationId xmlns:p14="http://schemas.microsoft.com/office/powerpoint/2010/main" val="3203456597"/>
       </p:ext>
     </p:extLst>
   </p:cSld>
@@ -4165,7 +6084,7 @@
           <p:cNvPr id="3" name="图片 2">
             <a:extLst>
               <a:ext uri="{FF2B5EF4-FFF2-40B4-BE49-F238E27FC236}">
-                <a16:creationId xmlns:a16="http://schemas.microsoft.com/office/drawing/2014/main" id="{FA95A929-9539-F038-9CCF-FA0BC2E88F8C}"/>
+                <a16:creationId xmlns:a16="http://schemas.microsoft.com/office/drawing/2014/main" id="{2FE4BE10-C92B-27E2-B0D5-DA9074D8EF94}"/>
               </a:ext>
             </a:extLst>
           </p:cNvPr>
@@ -4174,16 +6093,15 @@
           </p:cNvPicPr>
           <p:nvPr/>
         </p:nvPicPr>
-        <p:blipFill>
+        <p:blipFill rotWithShape="1">
           <a:blip r:embed="rId2"/>
-          <a:stretch>
-            <a:fillRect/>
-          </a:stretch>
+          <a:srcRect l="3246" r="4794"/>
+          <a:stretch/>
         </p:blipFill>
         <p:spPr>
           <a:xfrm>
-            <a:off x="155449" y="2219515"/>
-            <a:ext cx="3409862" cy="2498789"/>
+            <a:off x="248277" y="1704801"/>
+            <a:ext cx="3305413" cy="3899916"/>
           </a:xfrm>
           <a:prstGeom prst="rect">
             <a:avLst/>
@@ -4195,7 +6113,7 @@
           <p:cNvPr id="5" name="图片 4">
             <a:extLst>
               <a:ext uri="{FF2B5EF4-FFF2-40B4-BE49-F238E27FC236}">
-                <a16:creationId xmlns:a16="http://schemas.microsoft.com/office/drawing/2014/main" id="{E14E6AD6-9C18-B4D3-D351-6DD1D7A173AB}"/>
+                <a16:creationId xmlns:a16="http://schemas.microsoft.com/office/drawing/2014/main" id="{D7121EB3-1AE0-4F8F-ED7E-DE11138743F6}"/>
               </a:ext>
             </a:extLst>
           </p:cNvPr>
@@ -4212,8 +6130,8 @@
         </p:blipFill>
         <p:spPr>
           <a:xfrm>
-            <a:off x="3565311" y="1648160"/>
-            <a:ext cx="8040624" cy="3641498"/>
+            <a:off x="3497683" y="1626687"/>
+            <a:ext cx="8604261" cy="4056144"/>
           </a:xfrm>
           <a:prstGeom prst="rect">
             <a:avLst/>
@@ -4225,7 +6143,7 @@
           <p:cNvPr id="6" name="文本框 5">
             <a:extLst>
               <a:ext uri="{FF2B5EF4-FFF2-40B4-BE49-F238E27FC236}">
-                <a16:creationId xmlns:a16="http://schemas.microsoft.com/office/drawing/2014/main" id="{C8054301-FAA6-3D0B-572B-A59DCAC02332}"/>
+                <a16:creationId xmlns:a16="http://schemas.microsoft.com/office/drawing/2014/main" id="{313255A3-3660-7EBE-527B-A6826CA0E99D}"/>
               </a:ext>
             </a:extLst>
           </p:cNvPr>
@@ -4234,8 +6152,8 @@
         </p:nvSpPr>
         <p:spPr>
           <a:xfrm>
-            <a:off x="512064" y="585216"/>
-            <a:ext cx="1338828" cy="369332"/>
+            <a:off x="603504" y="603504"/>
+            <a:ext cx="1901483" cy="369332"/>
           </a:xfrm>
           <a:prstGeom prst="rect">
             <a:avLst/>
@@ -4249,8 +6167,12 @@
           <a:lstStyle/>
           <a:p>
             <a:r>
+              <a:rPr lang="en-US" altLang="zh-CN" dirty="0"/>
+              <a:t>AD9910</a:t>
+            </a:r>
+            <a:r>
               <a:rPr lang="zh-CN" altLang="en-US" dirty="0"/>
-              <a:t>通用寄存器</a:t>
+              <a:t>管理模块</a:t>
             </a:r>
           </a:p>
         </p:txBody>
@@ -4258,7 +6180,7 @@
     </p:spTree>
     <p:extLst>
       <p:ext uri="{BB962C8B-B14F-4D97-AF65-F5344CB8AC3E}">
-        <p14:creationId xmlns:p14="http://schemas.microsoft.com/office/powerpoint/2010/main" val="431048152"/>
+        <p14:creationId xmlns:p14="http://schemas.microsoft.com/office/powerpoint/2010/main" val="3768861927"/>
       </p:ext>
     </p:extLst>
   </p:cSld>
@@ -4290,7 +6212,7 @@
           <p:cNvPr id="3" name="图片 2">
             <a:extLst>
               <a:ext uri="{FF2B5EF4-FFF2-40B4-BE49-F238E27FC236}">
-                <a16:creationId xmlns:a16="http://schemas.microsoft.com/office/drawing/2014/main" id="{21A05783-DDE5-3C2E-5A6C-61781595053A}"/>
+                <a16:creationId xmlns:a16="http://schemas.microsoft.com/office/drawing/2014/main" id="{6901DB9A-1A5D-FFF3-7C16-E5950A229B0D}"/>
               </a:ext>
             </a:extLst>
           </p:cNvPr>
@@ -4299,28 +6221,66 @@
           </p:cNvPicPr>
           <p:nvPr/>
         </p:nvPicPr>
-        <p:blipFill>
+        <p:blipFill rotWithShape="1">
           <a:blip r:embed="rId2"/>
-          <a:stretch>
-            <a:fillRect/>
-          </a:stretch>
+          <a:srcRect l="3640" r="2922"/>
+          <a:stretch/>
         </p:blipFill>
         <p:spPr>
           <a:xfrm>
-            <a:off x="457200" y="2409458"/>
-            <a:ext cx="2855785" cy="2039084"/>
+            <a:off x="131618" y="1780794"/>
+            <a:ext cx="3377805" cy="3296412"/>
           </a:xfrm>
           <a:prstGeom prst="rect">
             <a:avLst/>
           </a:prstGeom>
         </p:spPr>
       </p:pic>
+      <p:sp>
+        <p:nvSpPr>
+          <p:cNvPr id="4" name="文本框 3">
+            <a:extLst>
+              <a:ext uri="{FF2B5EF4-FFF2-40B4-BE49-F238E27FC236}">
+                <a16:creationId xmlns:a16="http://schemas.microsoft.com/office/drawing/2014/main" id="{C47943CC-8A5F-246B-13BE-9C16BC95A95F}"/>
+              </a:ext>
+            </a:extLst>
+          </p:cNvPr>
+          <p:cNvSpPr txBox="1"/>
+          <p:nvPr/>
+        </p:nvSpPr>
+        <p:spPr>
+          <a:xfrm>
+            <a:off x="960120" y="603504"/>
+            <a:ext cx="1556836" cy="369332"/>
+          </a:xfrm>
+          <a:prstGeom prst="rect">
+            <a:avLst/>
+          </a:prstGeom>
+          <a:noFill/>
+        </p:spPr>
+        <p:txBody>
+          <a:bodyPr wrap="none" rtlCol="0">
+            <a:spAutoFit/>
+          </a:bodyPr>
+          <a:lstStyle/>
+          <a:p>
+            <a:r>
+              <a:rPr lang="en-US" altLang="zh-CN" dirty="0"/>
+              <a:t>ADC</a:t>
+            </a:r>
+            <a:r>
+              <a:rPr lang="zh-CN" altLang="en-US" dirty="0"/>
+              <a:t>管理模块</a:t>
+            </a:r>
+          </a:p>
+        </p:txBody>
+      </p:sp>
       <p:pic>
         <p:nvPicPr>
-          <p:cNvPr id="5" name="图片 4">
-            <a:extLst>
-              <a:ext uri="{FF2B5EF4-FFF2-40B4-BE49-F238E27FC236}">
-                <a16:creationId xmlns:a16="http://schemas.microsoft.com/office/drawing/2014/main" id="{56DECF58-501B-3D7A-C1EA-C9D9CBC35BBE}"/>
+          <p:cNvPr id="6" name="图片 5">
+            <a:extLst>
+              <a:ext uri="{FF2B5EF4-FFF2-40B4-BE49-F238E27FC236}">
+                <a16:creationId xmlns:a16="http://schemas.microsoft.com/office/drawing/2014/main" id="{BB4D8A10-06A4-137B-8BB8-A013620E1B8D}"/>
               </a:ext>
             </a:extLst>
           </p:cNvPr>
@@ -4337,53 +6297,18 @@
         </p:blipFill>
         <p:spPr>
           <a:xfrm>
-            <a:off x="3312985" y="1645582"/>
-            <a:ext cx="8208236" cy="3732377"/>
+            <a:off x="3509423" y="1620774"/>
+            <a:ext cx="8082349" cy="3817620"/>
           </a:xfrm>
           <a:prstGeom prst="rect">
             <a:avLst/>
           </a:prstGeom>
         </p:spPr>
       </p:pic>
-      <p:sp>
-        <p:nvSpPr>
-          <p:cNvPr id="2" name="文本框 1">
-            <a:extLst>
-              <a:ext uri="{FF2B5EF4-FFF2-40B4-BE49-F238E27FC236}">
-                <a16:creationId xmlns:a16="http://schemas.microsoft.com/office/drawing/2014/main" id="{1551F8D6-1D61-2DF0-991E-E94756CCB2E4}"/>
-              </a:ext>
-            </a:extLst>
-          </p:cNvPr>
-          <p:cNvSpPr txBox="1"/>
-          <p:nvPr/>
-        </p:nvSpPr>
-        <p:spPr>
-          <a:xfrm>
-            <a:off x="588818" y="678873"/>
-            <a:ext cx="1569660" cy="369332"/>
-          </a:xfrm>
-          <a:prstGeom prst="rect">
-            <a:avLst/>
-          </a:prstGeom>
-          <a:noFill/>
-        </p:spPr>
-        <p:txBody>
-          <a:bodyPr wrap="none" rtlCol="0">
-            <a:spAutoFit/>
-          </a:bodyPr>
-          <a:lstStyle/>
-          <a:p>
-            <a:r>
-              <a:rPr lang="zh-CN" altLang="en-US" dirty="0"/>
-              <a:t>随机数发生器</a:t>
-            </a:r>
-          </a:p>
-        </p:txBody>
-      </p:sp>
     </p:spTree>
     <p:extLst>
       <p:ext uri="{BB962C8B-B14F-4D97-AF65-F5344CB8AC3E}">
-        <p14:creationId xmlns:p14="http://schemas.microsoft.com/office/powerpoint/2010/main" val="3704196234"/>
+        <p14:creationId xmlns:p14="http://schemas.microsoft.com/office/powerpoint/2010/main" val="321983983"/>
       </p:ext>
     </p:extLst>
   </p:cSld>
@@ -4415,7 +6340,7 @@
           <p:cNvPr id="3" name="图片 2">
             <a:extLst>
               <a:ext uri="{FF2B5EF4-FFF2-40B4-BE49-F238E27FC236}">
-                <a16:creationId xmlns:a16="http://schemas.microsoft.com/office/drawing/2014/main" id="{32112AD0-5507-5E48-2517-F80DE5C22D92}"/>
+                <a16:creationId xmlns:a16="http://schemas.microsoft.com/office/drawing/2014/main" id="{22A3A7BE-462C-B389-EF18-FCD1E6263ACD}"/>
               </a:ext>
             </a:extLst>
           </p:cNvPr>
@@ -4432,8 +6357,8 @@
         </p:blipFill>
         <p:spPr>
           <a:xfrm>
-            <a:off x="297369" y="2331720"/>
-            <a:ext cx="3314512" cy="2328840"/>
+            <a:off x="334519" y="2234375"/>
+            <a:ext cx="3441657" cy="2931985"/>
           </a:xfrm>
           <a:prstGeom prst="rect">
             <a:avLst/>
@@ -4445,7 +6370,7 @@
           <p:cNvPr id="5" name="图片 4">
             <a:extLst>
               <a:ext uri="{FF2B5EF4-FFF2-40B4-BE49-F238E27FC236}">
-                <a16:creationId xmlns:a16="http://schemas.microsoft.com/office/drawing/2014/main" id="{56AEBF6F-07C6-6577-1693-99FC2EA9BF0A}"/>
+                <a16:creationId xmlns:a16="http://schemas.microsoft.com/office/drawing/2014/main" id="{AB84A674-96D0-3821-29B7-B987E1CCA50B}"/>
               </a:ext>
             </a:extLst>
           </p:cNvPr>
@@ -4462,8 +6387,8 @@
         </p:blipFill>
         <p:spPr>
           <a:xfrm>
-            <a:off x="3611881" y="1609345"/>
-            <a:ext cx="8190216" cy="3783930"/>
+            <a:off x="3853500" y="1709292"/>
+            <a:ext cx="7753284" cy="4235066"/>
           </a:xfrm>
           <a:prstGeom prst="rect">
             <a:avLst/>
@@ -4472,10 +6397,10 @@
       </p:pic>
       <p:sp>
         <p:nvSpPr>
-          <p:cNvPr id="2" name="文本框 1">
-            <a:extLst>
-              <a:ext uri="{FF2B5EF4-FFF2-40B4-BE49-F238E27FC236}">
-                <a16:creationId xmlns:a16="http://schemas.microsoft.com/office/drawing/2014/main" id="{7F480561-D90C-40C0-3314-21EB452F80D0}"/>
+          <p:cNvPr id="6" name="文本框 5">
+            <a:extLst>
+              <a:ext uri="{FF2B5EF4-FFF2-40B4-BE49-F238E27FC236}">
+                <a16:creationId xmlns:a16="http://schemas.microsoft.com/office/drawing/2014/main" id="{AD7F98D0-1270-37D2-A1EB-16C6748E7333}"/>
               </a:ext>
             </a:extLst>
           </p:cNvPr>
@@ -4484,8 +6409,8 @@
         </p:nvSpPr>
         <p:spPr>
           <a:xfrm>
-            <a:off x="858982" y="505691"/>
-            <a:ext cx="646331" cy="369332"/>
+            <a:off x="758952" y="557784"/>
+            <a:ext cx="1800493" cy="369332"/>
           </a:xfrm>
           <a:prstGeom prst="rect">
             <a:avLst/>
@@ -4500,7 +6425,7 @@
           <a:p>
             <a:r>
               <a:rPr lang="zh-CN" altLang="en-US" dirty="0"/>
-              <a:t>堆栈</a:t>
+              <a:t>门控计数器阵列</a:t>
             </a:r>
           </a:p>
         </p:txBody>
@@ -4508,7 +6433,7 @@
     </p:spTree>
     <p:extLst>
       <p:ext uri="{BB962C8B-B14F-4D97-AF65-F5344CB8AC3E}">
-        <p14:creationId xmlns:p14="http://schemas.microsoft.com/office/powerpoint/2010/main" val="3927539091"/>
+        <p14:creationId xmlns:p14="http://schemas.microsoft.com/office/powerpoint/2010/main" val="4062385216"/>
       </p:ext>
     </p:extLst>
   </p:cSld>
@@ -4540,7 +6465,7 @@
           <p:cNvPr id="3" name="图片 2">
             <a:extLst>
               <a:ext uri="{FF2B5EF4-FFF2-40B4-BE49-F238E27FC236}">
-                <a16:creationId xmlns:a16="http://schemas.microsoft.com/office/drawing/2014/main" id="{C52CBDE5-6738-7C78-2A1E-5689EDF541F1}"/>
+                <a16:creationId xmlns:a16="http://schemas.microsoft.com/office/drawing/2014/main" id="{9F04BC56-D012-635E-1E48-FE901003DA4B}"/>
               </a:ext>
             </a:extLst>
           </p:cNvPr>
@@ -4557,8 +6482,8 @@
         </p:blipFill>
         <p:spPr>
           <a:xfrm>
-            <a:off x="0" y="2092261"/>
-            <a:ext cx="4189777" cy="2673477"/>
+            <a:off x="274321" y="1849301"/>
+            <a:ext cx="3206034" cy="3480054"/>
           </a:xfrm>
           <a:prstGeom prst="rect">
             <a:avLst/>
@@ -4570,7 +6495,7 @@
           <p:cNvPr id="5" name="图片 4">
             <a:extLst>
               <a:ext uri="{FF2B5EF4-FFF2-40B4-BE49-F238E27FC236}">
-                <a16:creationId xmlns:a16="http://schemas.microsoft.com/office/drawing/2014/main" id="{E482CFF1-D147-FE5E-EC0B-B54B620186A9}"/>
+                <a16:creationId xmlns:a16="http://schemas.microsoft.com/office/drawing/2014/main" id="{038A9542-82D4-9326-FD0F-CF443BD6DAF8}"/>
               </a:ext>
             </a:extLst>
           </p:cNvPr>
@@ -4587,53 +6512,18 @@
         </p:blipFill>
         <p:spPr>
           <a:xfrm>
-            <a:off x="4082762" y="1619466"/>
-            <a:ext cx="7838926" cy="3619066"/>
+            <a:off x="3565098" y="1728216"/>
+            <a:ext cx="8352581" cy="3959968"/>
           </a:xfrm>
           <a:prstGeom prst="rect">
             <a:avLst/>
           </a:prstGeom>
         </p:spPr>
       </p:pic>
-      <p:sp>
-        <p:nvSpPr>
-          <p:cNvPr id="2" name="文本框 1">
-            <a:extLst>
-              <a:ext uri="{FF2B5EF4-FFF2-40B4-BE49-F238E27FC236}">
-                <a16:creationId xmlns:a16="http://schemas.microsoft.com/office/drawing/2014/main" id="{5E55665C-EF7E-7888-C6C8-EEDDF1E15028}"/>
-              </a:ext>
-            </a:extLst>
-          </p:cNvPr>
-          <p:cNvSpPr txBox="1"/>
-          <p:nvPr/>
-        </p:nvSpPr>
-        <p:spPr>
-          <a:xfrm>
-            <a:off x="651164" y="685800"/>
-            <a:ext cx="1107996" cy="369332"/>
-          </a:xfrm>
-          <a:prstGeom prst="rect">
-            <a:avLst/>
-          </a:prstGeom>
-          <a:noFill/>
-        </p:spPr>
-        <p:txBody>
-          <a:bodyPr wrap="none" rtlCol="0">
-            <a:spAutoFit/>
-          </a:bodyPr>
-          <a:lstStyle/>
-          <a:p>
-            <a:r>
-              <a:rPr lang="zh-CN" altLang="en-US" dirty="0"/>
-              <a:t>内存堆栈</a:t>
-            </a:r>
-          </a:p>
-        </p:txBody>
-      </p:sp>
     </p:spTree>
     <p:extLst>
       <p:ext uri="{BB962C8B-B14F-4D97-AF65-F5344CB8AC3E}">
-        <p14:creationId xmlns:p14="http://schemas.microsoft.com/office/powerpoint/2010/main" val="3406486983"/>
+        <p14:creationId xmlns:p14="http://schemas.microsoft.com/office/powerpoint/2010/main" val="1475117195"/>
       </p:ext>
     </p:extLst>
   </p:cSld>
@@ -4665,7 +6555,7 @@
           <p:cNvPr id="2" name="标题 1">
             <a:extLst>
               <a:ext uri="{FF2B5EF4-FFF2-40B4-BE49-F238E27FC236}">
-                <a16:creationId xmlns:a16="http://schemas.microsoft.com/office/drawing/2014/main" id="{A63BD77E-3DAD-D1FA-1E46-2F3A3F1E89AB}"/>
+                <a16:creationId xmlns:a16="http://schemas.microsoft.com/office/drawing/2014/main" id="{26855F02-30FE-2C6C-4592-C34953E27C52}"/>
               </a:ext>
             </a:extLst>
           </p:cNvPr>
@@ -4685,40 +6575,161 @@
           </a:p>
         </p:txBody>
       </p:sp>
-      <p:pic>
-        <p:nvPicPr>
-          <p:cNvPr id="4" name="图片 3">
-            <a:extLst>
-              <a:ext uri="{FF2B5EF4-FFF2-40B4-BE49-F238E27FC236}">
-                <a16:creationId xmlns:a16="http://schemas.microsoft.com/office/drawing/2014/main" id="{EE461C05-45D6-9B85-710D-A3E49844E235}"/>
-              </a:ext>
-            </a:extLst>
-          </p:cNvPr>
-          <p:cNvPicPr>
-            <a:picLocks noChangeAspect="1"/>
-          </p:cNvPicPr>
-          <p:nvPr/>
-        </p:nvPicPr>
-        <p:blipFill>
-          <a:blip r:embed="rId2"/>
-          <a:stretch>
-            <a:fillRect/>
-          </a:stretch>
-        </p:blipFill>
-        <p:spPr>
-          <a:xfrm>
-            <a:off x="3512757" y="-82296"/>
-            <a:ext cx="8348597" cy="6858000"/>
+      <p:sp>
+        <p:nvSpPr>
+          <p:cNvPr id="3" name="Rectangle 2">
+            <a:extLst>
+              <a:ext uri="{FF2B5EF4-FFF2-40B4-BE49-F238E27FC236}">
+                <a16:creationId xmlns:a16="http://schemas.microsoft.com/office/drawing/2014/main" id="{99C7910F-51FF-2E23-1E83-6416BCCD420F}"/>
+              </a:ext>
+            </a:extLst>
+          </p:cNvPr>
+          <p:cNvSpPr>
+            <a:spLocks noChangeArrowheads="1"/>
+          </p:cNvSpPr>
+          <p:nvPr/>
+        </p:nvSpPr>
+        <p:spPr bwMode="auto">
+          <a:xfrm>
+            <a:off x="762000" y="2259106"/>
+            <a:ext cx="12192000" cy="0"/>
           </a:xfrm>
           <a:prstGeom prst="rect">
             <a:avLst/>
           </a:prstGeom>
-        </p:spPr>
-      </p:pic>
+          <a:noFill/>
+          <a:ln>
+            <a:noFill/>
+          </a:ln>
+          <a:effectLst/>
+          <a:extLst>
+            <a:ext uri="{909E8E84-426E-40DD-AFC4-6F175D3DCCD1}">
+              <a14:hiddenFill xmlns:a14="http://schemas.microsoft.com/office/drawing/2010/main">
+                <a:solidFill>
+                  <a:schemeClr val="accent1"/>
+                </a:solidFill>
+              </a14:hiddenFill>
+            </a:ext>
+            <a:ext uri="{91240B29-F687-4F45-9708-019B960494DF}">
+              <a14:hiddenLine xmlns:a14="http://schemas.microsoft.com/office/drawing/2010/main" w="9525">
+                <a:solidFill>
+                  <a:schemeClr val="tx1"/>
+                </a:solidFill>
+                <a:miter lim="800000"/>
+                <a:headEnd/>
+                <a:tailEnd/>
+              </a14:hiddenLine>
+            </a:ext>
+            <a:ext uri="{AF507438-7753-43E0-B8FC-AC1667EBCBE1}">
+              <a14:hiddenEffects xmlns:a14="http://schemas.microsoft.com/office/drawing/2010/main">
+                <a:effectLst>
+                  <a:outerShdw dist="35921" dir="2700000" algn="ctr" rotWithShape="0">
+                    <a:schemeClr val="bg2"/>
+                  </a:outerShdw>
+                </a:effectLst>
+              </a14:hiddenEffects>
+            </a:ext>
+          </a:extLst>
+        </p:spPr>
+        <p:txBody>
+          <a:bodyPr vert="horz" wrap="none" lIns="91440" tIns="45720" rIns="91440" bIns="45720" numCol="1" anchor="ctr" anchorCtr="0" compatLnSpc="1">
+            <a:prstTxWarp prst="textNoShape">
+              <a:avLst/>
+            </a:prstTxWarp>
+            <a:spAutoFit/>
+          </a:bodyPr>
+          <a:lstStyle/>
+          <a:p>
+            <a:endParaRPr lang="zh-CN" altLang="en-US"/>
+          </a:p>
+        </p:txBody>
+      </p:sp>
+      <p:graphicFrame>
+        <p:nvGraphicFramePr>
+          <p:cNvPr id="4" name="对象 3">
+            <a:extLst>
+              <a:ext uri="{FF2B5EF4-FFF2-40B4-BE49-F238E27FC236}">
+                <a16:creationId xmlns:a16="http://schemas.microsoft.com/office/drawing/2014/main" id="{37E11BAB-B011-C0A9-8DEC-E51CCA1FDB98}"/>
+              </a:ext>
+            </a:extLst>
+          </p:cNvPr>
+          <p:cNvGraphicFramePr>
+            <a:graphicFrameLocks noChangeAspect="1"/>
+          </p:cNvGraphicFramePr>
+          <p:nvPr>
+            <p:extLst>
+              <p:ext uri="{D42A27DB-BD31-4B8C-83A1-F6EECF244321}">
+                <p14:modId xmlns:p14="http://schemas.microsoft.com/office/powerpoint/2010/main" val="1621806868"/>
+              </p:ext>
+            </p:extLst>
+          </p:nvPr>
+        </p:nvGraphicFramePr>
+        <p:xfrm>
+          <a:off x="762000" y="2259106"/>
+          <a:ext cx="5613400" cy="2559050"/>
+        </p:xfrm>
+        <a:graphic>
+          <a:graphicData uri="http://schemas.openxmlformats.org/presentationml/2006/ole">
+            <mc:AlternateContent xmlns:mc="http://schemas.openxmlformats.org/markup-compatibility/2006">
+              <mc:Choice xmlns:v="urn:schemas-microsoft-com:vml" Requires="v">
+                <p:oleObj name="Visio" r:id="rId2" imgW="5615616" imgH="2552714" progId="Visio.Drawing.15">
+                  <p:embed/>
+                </p:oleObj>
+              </mc:Choice>
+              <mc:Fallback>
+                <p:oleObj name="Visio" r:id="rId2" imgW="5615616" imgH="2552714" progId="Visio.Drawing.15">
+                  <p:embed/>
+                  <p:pic>
+                    <p:nvPicPr>
+                      <p:cNvPr id="0" name="Object 1"/>
+                      <p:cNvPicPr>
+                        <a:picLocks noChangeAspect="1" noChangeArrowheads="1"/>
+                      </p:cNvPicPr>
+                      <p:nvPr/>
+                    </p:nvPicPr>
+                    <p:blipFill>
+                      <a:blip r:embed="rId3">
+                        <a:extLst>
+                          <a:ext uri="{28A0092B-C50C-407E-A947-70E740481C1C}">
+                            <a14:useLocalDpi xmlns:a14="http://schemas.microsoft.com/office/drawing/2010/main" val="0"/>
+                          </a:ext>
+                        </a:extLst>
+                      </a:blip>
+                      <a:srcRect/>
+                      <a:stretch>
+                        <a:fillRect/>
+                      </a:stretch>
+                    </p:blipFill>
+                    <p:spPr bwMode="auto">
+                      <a:xfrm>
+                        <a:off x="762000" y="2259106"/>
+                        <a:ext cx="5613400" cy="2559050"/>
+                      </a:xfrm>
+                      <a:prstGeom prst="rect">
+                        <a:avLst/>
+                      </a:prstGeom>
+                      <a:noFill/>
+                      <a:extLst>
+                        <a:ext uri="{909E8E84-426E-40DD-AFC4-6F175D3DCCD1}">
+                          <a14:hiddenFill xmlns:a14="http://schemas.microsoft.com/office/drawing/2010/main">
+                            <a:solidFill>
+                              <a:srgbClr val="FFFFFF"/>
+                            </a:solidFill>
+                          </a14:hiddenFill>
+                        </a:ext>
+                      </a:extLst>
+                    </p:spPr>
+                  </p:pic>
+                </p:oleObj>
+              </mc:Fallback>
+            </mc:AlternateContent>
+          </a:graphicData>
+        </a:graphic>
+      </p:graphicFrame>
     </p:spTree>
     <p:extLst>
       <p:ext uri="{BB962C8B-B14F-4D97-AF65-F5344CB8AC3E}">
-        <p14:creationId xmlns:p14="http://schemas.microsoft.com/office/powerpoint/2010/main" val="1951851274"/>
+        <p14:creationId xmlns:p14="http://schemas.microsoft.com/office/powerpoint/2010/main" val="347714754"/>
       </p:ext>
     </p:extLst>
   </p:cSld>
@@ -4750,7 +6761,7 @@
           <p:cNvPr id="3" name="图片 2">
             <a:extLst>
               <a:ext uri="{FF2B5EF4-FFF2-40B4-BE49-F238E27FC236}">
-                <a16:creationId xmlns:a16="http://schemas.microsoft.com/office/drawing/2014/main" id="{D2E1AB18-3920-BC8F-F760-08149F0E1F54}"/>
+                <a16:creationId xmlns:a16="http://schemas.microsoft.com/office/drawing/2014/main" id="{FA95A929-9539-F038-9CCF-FA0BC2E88F8C}"/>
               </a:ext>
             </a:extLst>
           </p:cNvPr>
@@ -4767,8 +6778,8 @@
         </p:blipFill>
         <p:spPr>
           <a:xfrm>
-            <a:off x="545551" y="1722787"/>
-            <a:ext cx="2768729" cy="3937349"/>
+            <a:off x="155449" y="2219515"/>
+            <a:ext cx="3409862" cy="2498789"/>
           </a:xfrm>
           <a:prstGeom prst="rect">
             <a:avLst/>
@@ -4780,7 +6791,7 @@
           <p:cNvPr id="5" name="图片 4">
             <a:extLst>
               <a:ext uri="{FF2B5EF4-FFF2-40B4-BE49-F238E27FC236}">
-                <a16:creationId xmlns:a16="http://schemas.microsoft.com/office/drawing/2014/main" id="{4309DA9B-33C3-A276-9E81-106878309C50}"/>
+                <a16:creationId xmlns:a16="http://schemas.microsoft.com/office/drawing/2014/main" id="{E14E6AD6-9C18-B4D3-D351-6DD1D7A173AB}"/>
               </a:ext>
             </a:extLst>
           </p:cNvPr>
@@ -4797,8 +6808,8 @@
         </p:blipFill>
         <p:spPr>
           <a:xfrm>
-            <a:off x="3217299" y="1747856"/>
-            <a:ext cx="8543544" cy="3887209"/>
+            <a:off x="3565311" y="1648160"/>
+            <a:ext cx="8040624" cy="3641498"/>
           </a:xfrm>
           <a:prstGeom prst="rect">
             <a:avLst/>
@@ -4810,7 +6821,7 @@
           <p:cNvPr id="6" name="文本框 5">
             <a:extLst>
               <a:ext uri="{FF2B5EF4-FFF2-40B4-BE49-F238E27FC236}">
-                <a16:creationId xmlns:a16="http://schemas.microsoft.com/office/drawing/2014/main" id="{2F554A2F-443B-0495-0490-A6F074671B46}"/>
+                <a16:creationId xmlns:a16="http://schemas.microsoft.com/office/drawing/2014/main" id="{C8054301-FAA6-3D0B-572B-A59DCAC02332}"/>
               </a:ext>
             </a:extLst>
           </p:cNvPr>
@@ -4819,8 +6830,8 @@
         </p:nvSpPr>
         <p:spPr>
           <a:xfrm>
-            <a:off x="777240" y="539496"/>
-            <a:ext cx="527709" cy="369332"/>
+            <a:off x="512064" y="585216"/>
+            <a:ext cx="1338828" cy="369332"/>
           </a:xfrm>
           <a:prstGeom prst="rect">
             <a:avLst/>
@@ -4834,17 +6845,16 @@
           <a:lstStyle/>
           <a:p>
             <a:r>
-              <a:rPr lang="en-US" altLang="zh-CN" dirty="0"/>
-              <a:t>PID</a:t>
-            </a:r>
-            <a:endParaRPr lang="zh-CN" altLang="en-US" dirty="0"/>
+              <a:rPr lang="zh-CN" altLang="en-US" dirty="0"/>
+              <a:t>通用寄存器</a:t>
+            </a:r>
           </a:p>
         </p:txBody>
       </p:sp>
     </p:spTree>
     <p:extLst>
       <p:ext uri="{BB962C8B-B14F-4D97-AF65-F5344CB8AC3E}">
-        <p14:creationId xmlns:p14="http://schemas.microsoft.com/office/powerpoint/2010/main" val="3055020442"/>
+        <p14:creationId xmlns:p14="http://schemas.microsoft.com/office/powerpoint/2010/main" val="431048152"/>
       </p:ext>
     </p:extLst>
   </p:cSld>
@@ -4876,6 +6886,507 @@
           <p:cNvPr id="3" name="图片 2">
             <a:extLst>
               <a:ext uri="{FF2B5EF4-FFF2-40B4-BE49-F238E27FC236}">
+                <a16:creationId xmlns:a16="http://schemas.microsoft.com/office/drawing/2014/main" id="{21A05783-DDE5-3C2E-5A6C-61781595053A}"/>
+              </a:ext>
+            </a:extLst>
+          </p:cNvPr>
+          <p:cNvPicPr>
+            <a:picLocks noChangeAspect="1"/>
+          </p:cNvPicPr>
+          <p:nvPr/>
+        </p:nvPicPr>
+        <p:blipFill>
+          <a:blip r:embed="rId2"/>
+          <a:stretch>
+            <a:fillRect/>
+          </a:stretch>
+        </p:blipFill>
+        <p:spPr>
+          <a:xfrm>
+            <a:off x="457200" y="2409458"/>
+            <a:ext cx="2855785" cy="2039084"/>
+          </a:xfrm>
+          <a:prstGeom prst="rect">
+            <a:avLst/>
+          </a:prstGeom>
+        </p:spPr>
+      </p:pic>
+      <p:pic>
+        <p:nvPicPr>
+          <p:cNvPr id="5" name="图片 4">
+            <a:extLst>
+              <a:ext uri="{FF2B5EF4-FFF2-40B4-BE49-F238E27FC236}">
+                <a16:creationId xmlns:a16="http://schemas.microsoft.com/office/drawing/2014/main" id="{56DECF58-501B-3D7A-C1EA-C9D9CBC35BBE}"/>
+              </a:ext>
+            </a:extLst>
+          </p:cNvPr>
+          <p:cNvPicPr>
+            <a:picLocks noChangeAspect="1"/>
+          </p:cNvPicPr>
+          <p:nvPr/>
+        </p:nvPicPr>
+        <p:blipFill>
+          <a:blip r:embed="rId3"/>
+          <a:stretch>
+            <a:fillRect/>
+          </a:stretch>
+        </p:blipFill>
+        <p:spPr>
+          <a:xfrm>
+            <a:off x="3312985" y="1645582"/>
+            <a:ext cx="8208236" cy="3732377"/>
+          </a:xfrm>
+          <a:prstGeom prst="rect">
+            <a:avLst/>
+          </a:prstGeom>
+        </p:spPr>
+      </p:pic>
+      <p:sp>
+        <p:nvSpPr>
+          <p:cNvPr id="2" name="文本框 1">
+            <a:extLst>
+              <a:ext uri="{FF2B5EF4-FFF2-40B4-BE49-F238E27FC236}">
+                <a16:creationId xmlns:a16="http://schemas.microsoft.com/office/drawing/2014/main" id="{1551F8D6-1D61-2DF0-991E-E94756CCB2E4}"/>
+              </a:ext>
+            </a:extLst>
+          </p:cNvPr>
+          <p:cNvSpPr txBox="1"/>
+          <p:nvPr/>
+        </p:nvSpPr>
+        <p:spPr>
+          <a:xfrm>
+            <a:off x="588818" y="678873"/>
+            <a:ext cx="1569660" cy="369332"/>
+          </a:xfrm>
+          <a:prstGeom prst="rect">
+            <a:avLst/>
+          </a:prstGeom>
+          <a:noFill/>
+        </p:spPr>
+        <p:txBody>
+          <a:bodyPr wrap="none" rtlCol="0">
+            <a:spAutoFit/>
+          </a:bodyPr>
+          <a:lstStyle/>
+          <a:p>
+            <a:r>
+              <a:rPr lang="zh-CN" altLang="en-US" dirty="0"/>
+              <a:t>随机数发生器</a:t>
+            </a:r>
+          </a:p>
+        </p:txBody>
+      </p:sp>
+    </p:spTree>
+    <p:extLst>
+      <p:ext uri="{BB962C8B-B14F-4D97-AF65-F5344CB8AC3E}">
+        <p14:creationId xmlns:p14="http://schemas.microsoft.com/office/powerpoint/2010/main" val="3704196234"/>
+      </p:ext>
+    </p:extLst>
+  </p:cSld>
+  <p:clrMapOvr>
+    <a:masterClrMapping/>
+  </p:clrMapOvr>
+</p:sld>
+</file>
+
+<file path=ppt/slides/slide22.xml><?xml version="1.0" encoding="utf-8"?>
+<p:sld xmlns:a="http://schemas.openxmlformats.org/drawingml/2006/main" xmlns:r="http://schemas.openxmlformats.org/officeDocument/2006/relationships" xmlns:p="http://schemas.openxmlformats.org/presentationml/2006/main">
+  <p:cSld>
+    <p:spTree>
+      <p:nvGrpSpPr>
+        <p:cNvPr id="1" name=""/>
+        <p:cNvGrpSpPr/>
+        <p:nvPr/>
+      </p:nvGrpSpPr>
+      <p:grpSpPr>
+        <a:xfrm>
+          <a:off x="0" y="0"/>
+          <a:ext cx="0" cy="0"/>
+          <a:chOff x="0" y="0"/>
+          <a:chExt cx="0" cy="0"/>
+        </a:xfrm>
+      </p:grpSpPr>
+      <p:pic>
+        <p:nvPicPr>
+          <p:cNvPr id="3" name="图片 2">
+            <a:extLst>
+              <a:ext uri="{FF2B5EF4-FFF2-40B4-BE49-F238E27FC236}">
+                <a16:creationId xmlns:a16="http://schemas.microsoft.com/office/drawing/2014/main" id="{32112AD0-5507-5E48-2517-F80DE5C22D92}"/>
+              </a:ext>
+            </a:extLst>
+          </p:cNvPr>
+          <p:cNvPicPr>
+            <a:picLocks noChangeAspect="1"/>
+          </p:cNvPicPr>
+          <p:nvPr/>
+        </p:nvPicPr>
+        <p:blipFill>
+          <a:blip r:embed="rId2"/>
+          <a:stretch>
+            <a:fillRect/>
+          </a:stretch>
+        </p:blipFill>
+        <p:spPr>
+          <a:xfrm>
+            <a:off x="297369" y="2331720"/>
+            <a:ext cx="3314512" cy="2328840"/>
+          </a:xfrm>
+          <a:prstGeom prst="rect">
+            <a:avLst/>
+          </a:prstGeom>
+        </p:spPr>
+      </p:pic>
+      <p:pic>
+        <p:nvPicPr>
+          <p:cNvPr id="5" name="图片 4">
+            <a:extLst>
+              <a:ext uri="{FF2B5EF4-FFF2-40B4-BE49-F238E27FC236}">
+                <a16:creationId xmlns:a16="http://schemas.microsoft.com/office/drawing/2014/main" id="{56AEBF6F-07C6-6577-1693-99FC2EA9BF0A}"/>
+              </a:ext>
+            </a:extLst>
+          </p:cNvPr>
+          <p:cNvPicPr>
+            <a:picLocks noChangeAspect="1"/>
+          </p:cNvPicPr>
+          <p:nvPr/>
+        </p:nvPicPr>
+        <p:blipFill>
+          <a:blip r:embed="rId3"/>
+          <a:stretch>
+            <a:fillRect/>
+          </a:stretch>
+        </p:blipFill>
+        <p:spPr>
+          <a:xfrm>
+            <a:off x="3611881" y="1609345"/>
+            <a:ext cx="8190216" cy="3783930"/>
+          </a:xfrm>
+          <a:prstGeom prst="rect">
+            <a:avLst/>
+          </a:prstGeom>
+        </p:spPr>
+      </p:pic>
+      <p:sp>
+        <p:nvSpPr>
+          <p:cNvPr id="2" name="文本框 1">
+            <a:extLst>
+              <a:ext uri="{FF2B5EF4-FFF2-40B4-BE49-F238E27FC236}">
+                <a16:creationId xmlns:a16="http://schemas.microsoft.com/office/drawing/2014/main" id="{7F480561-D90C-40C0-3314-21EB452F80D0}"/>
+              </a:ext>
+            </a:extLst>
+          </p:cNvPr>
+          <p:cNvSpPr txBox="1"/>
+          <p:nvPr/>
+        </p:nvSpPr>
+        <p:spPr>
+          <a:xfrm>
+            <a:off x="858982" y="505691"/>
+            <a:ext cx="646331" cy="369332"/>
+          </a:xfrm>
+          <a:prstGeom prst="rect">
+            <a:avLst/>
+          </a:prstGeom>
+          <a:noFill/>
+        </p:spPr>
+        <p:txBody>
+          <a:bodyPr wrap="none" rtlCol="0">
+            <a:spAutoFit/>
+          </a:bodyPr>
+          <a:lstStyle/>
+          <a:p>
+            <a:r>
+              <a:rPr lang="zh-CN" altLang="en-US" dirty="0"/>
+              <a:t>堆栈</a:t>
+            </a:r>
+          </a:p>
+        </p:txBody>
+      </p:sp>
+    </p:spTree>
+    <p:extLst>
+      <p:ext uri="{BB962C8B-B14F-4D97-AF65-F5344CB8AC3E}">
+        <p14:creationId xmlns:p14="http://schemas.microsoft.com/office/powerpoint/2010/main" val="3927539091"/>
+      </p:ext>
+    </p:extLst>
+  </p:cSld>
+  <p:clrMapOvr>
+    <a:masterClrMapping/>
+  </p:clrMapOvr>
+</p:sld>
+</file>
+
+<file path=ppt/slides/slide23.xml><?xml version="1.0" encoding="utf-8"?>
+<p:sld xmlns:a="http://schemas.openxmlformats.org/drawingml/2006/main" xmlns:r="http://schemas.openxmlformats.org/officeDocument/2006/relationships" xmlns:p="http://schemas.openxmlformats.org/presentationml/2006/main">
+  <p:cSld>
+    <p:spTree>
+      <p:nvGrpSpPr>
+        <p:cNvPr id="1" name=""/>
+        <p:cNvGrpSpPr/>
+        <p:nvPr/>
+      </p:nvGrpSpPr>
+      <p:grpSpPr>
+        <a:xfrm>
+          <a:off x="0" y="0"/>
+          <a:ext cx="0" cy="0"/>
+          <a:chOff x="0" y="0"/>
+          <a:chExt cx="0" cy="0"/>
+        </a:xfrm>
+      </p:grpSpPr>
+      <p:pic>
+        <p:nvPicPr>
+          <p:cNvPr id="3" name="图片 2">
+            <a:extLst>
+              <a:ext uri="{FF2B5EF4-FFF2-40B4-BE49-F238E27FC236}">
+                <a16:creationId xmlns:a16="http://schemas.microsoft.com/office/drawing/2014/main" id="{C52CBDE5-6738-7C78-2A1E-5689EDF541F1}"/>
+              </a:ext>
+            </a:extLst>
+          </p:cNvPr>
+          <p:cNvPicPr>
+            <a:picLocks noChangeAspect="1"/>
+          </p:cNvPicPr>
+          <p:nvPr/>
+        </p:nvPicPr>
+        <p:blipFill>
+          <a:blip r:embed="rId2"/>
+          <a:stretch>
+            <a:fillRect/>
+          </a:stretch>
+        </p:blipFill>
+        <p:spPr>
+          <a:xfrm>
+            <a:off x="0" y="2092261"/>
+            <a:ext cx="4189777" cy="2673477"/>
+          </a:xfrm>
+          <a:prstGeom prst="rect">
+            <a:avLst/>
+          </a:prstGeom>
+        </p:spPr>
+      </p:pic>
+      <p:pic>
+        <p:nvPicPr>
+          <p:cNvPr id="5" name="图片 4">
+            <a:extLst>
+              <a:ext uri="{FF2B5EF4-FFF2-40B4-BE49-F238E27FC236}">
+                <a16:creationId xmlns:a16="http://schemas.microsoft.com/office/drawing/2014/main" id="{E482CFF1-D147-FE5E-EC0B-B54B620186A9}"/>
+              </a:ext>
+            </a:extLst>
+          </p:cNvPr>
+          <p:cNvPicPr>
+            <a:picLocks noChangeAspect="1"/>
+          </p:cNvPicPr>
+          <p:nvPr/>
+        </p:nvPicPr>
+        <p:blipFill>
+          <a:blip r:embed="rId3"/>
+          <a:stretch>
+            <a:fillRect/>
+          </a:stretch>
+        </p:blipFill>
+        <p:spPr>
+          <a:xfrm>
+            <a:off x="4082762" y="1619466"/>
+            <a:ext cx="7838926" cy="3619066"/>
+          </a:xfrm>
+          <a:prstGeom prst="rect">
+            <a:avLst/>
+          </a:prstGeom>
+        </p:spPr>
+      </p:pic>
+      <p:sp>
+        <p:nvSpPr>
+          <p:cNvPr id="2" name="文本框 1">
+            <a:extLst>
+              <a:ext uri="{FF2B5EF4-FFF2-40B4-BE49-F238E27FC236}">
+                <a16:creationId xmlns:a16="http://schemas.microsoft.com/office/drawing/2014/main" id="{5E55665C-EF7E-7888-C6C8-EEDDF1E15028}"/>
+              </a:ext>
+            </a:extLst>
+          </p:cNvPr>
+          <p:cNvSpPr txBox="1"/>
+          <p:nvPr/>
+        </p:nvSpPr>
+        <p:spPr>
+          <a:xfrm>
+            <a:off x="651164" y="685800"/>
+            <a:ext cx="1107996" cy="369332"/>
+          </a:xfrm>
+          <a:prstGeom prst="rect">
+            <a:avLst/>
+          </a:prstGeom>
+          <a:noFill/>
+        </p:spPr>
+        <p:txBody>
+          <a:bodyPr wrap="none" rtlCol="0">
+            <a:spAutoFit/>
+          </a:bodyPr>
+          <a:lstStyle/>
+          <a:p>
+            <a:r>
+              <a:rPr lang="zh-CN" altLang="en-US" dirty="0"/>
+              <a:t>内存堆栈</a:t>
+            </a:r>
+          </a:p>
+        </p:txBody>
+      </p:sp>
+    </p:spTree>
+    <p:extLst>
+      <p:ext uri="{BB962C8B-B14F-4D97-AF65-F5344CB8AC3E}">
+        <p14:creationId xmlns:p14="http://schemas.microsoft.com/office/powerpoint/2010/main" val="3406486983"/>
+      </p:ext>
+    </p:extLst>
+  </p:cSld>
+  <p:clrMapOvr>
+    <a:masterClrMapping/>
+  </p:clrMapOvr>
+</p:sld>
+</file>
+
+<file path=ppt/slides/slide24.xml><?xml version="1.0" encoding="utf-8"?>
+<p:sld xmlns:a="http://schemas.openxmlformats.org/drawingml/2006/main" xmlns:r="http://schemas.openxmlformats.org/officeDocument/2006/relationships" xmlns:p="http://schemas.openxmlformats.org/presentationml/2006/main">
+  <p:cSld>
+    <p:spTree>
+      <p:nvGrpSpPr>
+        <p:cNvPr id="1" name=""/>
+        <p:cNvGrpSpPr/>
+        <p:nvPr/>
+      </p:nvGrpSpPr>
+      <p:grpSpPr>
+        <a:xfrm>
+          <a:off x="0" y="0"/>
+          <a:ext cx="0" cy="0"/>
+          <a:chOff x="0" y="0"/>
+          <a:chExt cx="0" cy="0"/>
+        </a:xfrm>
+      </p:grpSpPr>
+      <p:pic>
+        <p:nvPicPr>
+          <p:cNvPr id="3" name="图片 2">
+            <a:extLst>
+              <a:ext uri="{FF2B5EF4-FFF2-40B4-BE49-F238E27FC236}">
+                <a16:creationId xmlns:a16="http://schemas.microsoft.com/office/drawing/2014/main" id="{D2E1AB18-3920-BC8F-F760-08149F0E1F54}"/>
+              </a:ext>
+            </a:extLst>
+          </p:cNvPr>
+          <p:cNvPicPr>
+            <a:picLocks noChangeAspect="1"/>
+          </p:cNvPicPr>
+          <p:nvPr/>
+        </p:nvPicPr>
+        <p:blipFill>
+          <a:blip r:embed="rId2"/>
+          <a:stretch>
+            <a:fillRect/>
+          </a:stretch>
+        </p:blipFill>
+        <p:spPr>
+          <a:xfrm>
+            <a:off x="545551" y="1722787"/>
+            <a:ext cx="2768729" cy="3937349"/>
+          </a:xfrm>
+          <a:prstGeom prst="rect">
+            <a:avLst/>
+          </a:prstGeom>
+        </p:spPr>
+      </p:pic>
+      <p:pic>
+        <p:nvPicPr>
+          <p:cNvPr id="5" name="图片 4">
+            <a:extLst>
+              <a:ext uri="{FF2B5EF4-FFF2-40B4-BE49-F238E27FC236}">
+                <a16:creationId xmlns:a16="http://schemas.microsoft.com/office/drawing/2014/main" id="{4309DA9B-33C3-A276-9E81-106878309C50}"/>
+              </a:ext>
+            </a:extLst>
+          </p:cNvPr>
+          <p:cNvPicPr>
+            <a:picLocks noChangeAspect="1"/>
+          </p:cNvPicPr>
+          <p:nvPr/>
+        </p:nvPicPr>
+        <p:blipFill>
+          <a:blip r:embed="rId3"/>
+          <a:stretch>
+            <a:fillRect/>
+          </a:stretch>
+        </p:blipFill>
+        <p:spPr>
+          <a:xfrm>
+            <a:off x="3217299" y="1747856"/>
+            <a:ext cx="8543544" cy="3887209"/>
+          </a:xfrm>
+          <a:prstGeom prst="rect">
+            <a:avLst/>
+          </a:prstGeom>
+        </p:spPr>
+      </p:pic>
+      <p:sp>
+        <p:nvSpPr>
+          <p:cNvPr id="6" name="文本框 5">
+            <a:extLst>
+              <a:ext uri="{FF2B5EF4-FFF2-40B4-BE49-F238E27FC236}">
+                <a16:creationId xmlns:a16="http://schemas.microsoft.com/office/drawing/2014/main" id="{2F554A2F-443B-0495-0490-A6F074671B46}"/>
+              </a:ext>
+            </a:extLst>
+          </p:cNvPr>
+          <p:cNvSpPr txBox="1"/>
+          <p:nvPr/>
+        </p:nvSpPr>
+        <p:spPr>
+          <a:xfrm>
+            <a:off x="777240" y="539496"/>
+            <a:ext cx="527709" cy="369332"/>
+          </a:xfrm>
+          <a:prstGeom prst="rect">
+            <a:avLst/>
+          </a:prstGeom>
+          <a:noFill/>
+        </p:spPr>
+        <p:txBody>
+          <a:bodyPr wrap="none" rtlCol="0">
+            <a:spAutoFit/>
+          </a:bodyPr>
+          <a:lstStyle/>
+          <a:p>
+            <a:r>
+              <a:rPr lang="en-US" altLang="zh-CN" dirty="0"/>
+              <a:t>PID</a:t>
+            </a:r>
+            <a:endParaRPr lang="zh-CN" altLang="en-US" dirty="0"/>
+          </a:p>
+        </p:txBody>
+      </p:sp>
+    </p:spTree>
+    <p:extLst>
+      <p:ext uri="{BB962C8B-B14F-4D97-AF65-F5344CB8AC3E}">
+        <p14:creationId xmlns:p14="http://schemas.microsoft.com/office/powerpoint/2010/main" val="3055020442"/>
+      </p:ext>
+    </p:extLst>
+  </p:cSld>
+  <p:clrMapOvr>
+    <a:masterClrMapping/>
+  </p:clrMapOvr>
+</p:sld>
+</file>
+
+<file path=ppt/slides/slide25.xml><?xml version="1.0" encoding="utf-8"?>
+<p:sld xmlns:a="http://schemas.openxmlformats.org/drawingml/2006/main" xmlns:r="http://schemas.openxmlformats.org/officeDocument/2006/relationships" xmlns:p="http://schemas.openxmlformats.org/presentationml/2006/main">
+  <p:cSld>
+    <p:spTree>
+      <p:nvGrpSpPr>
+        <p:cNvPr id="1" name=""/>
+        <p:cNvGrpSpPr/>
+        <p:nvPr/>
+      </p:nvGrpSpPr>
+      <p:grpSpPr>
+        <a:xfrm>
+          <a:off x="0" y="0"/>
+          <a:ext cx="0" cy="0"/>
+          <a:chOff x="0" y="0"/>
+          <a:chExt cx="0" cy="0"/>
+        </a:xfrm>
+      </p:grpSpPr>
+      <p:pic>
+        <p:nvPicPr>
+          <p:cNvPr id="3" name="图片 2">
+            <a:extLst>
+              <a:ext uri="{FF2B5EF4-FFF2-40B4-BE49-F238E27FC236}">
                 <a16:creationId xmlns:a16="http://schemas.microsoft.com/office/drawing/2014/main" id="{086665F9-B046-546C-92B5-307807B814F9}"/>
               </a:ext>
             </a:extLst>
@@ -4980,7 +7491,7 @@
 </p:sld>
 </file>
 
-<file path=ppt/slides/slide22.xml><?xml version="1.0" encoding="utf-8"?>
+<file path=ppt/slides/slide26.xml><?xml version="1.0" encoding="utf-8"?>
 <p:sld xmlns:a="http://schemas.openxmlformats.org/drawingml/2006/main" xmlns:r="http://schemas.openxmlformats.org/officeDocument/2006/relationships" xmlns:p="http://schemas.openxmlformats.org/presentationml/2006/main">
   <p:cSld>
     <p:spTree>
@@ -5142,107 +7653,184 @@
       </p:grpSpPr>
       <p:sp>
         <p:nvSpPr>
-          <p:cNvPr id="4" name="文本框 3">
-            <a:extLst>
-              <a:ext uri="{FF2B5EF4-FFF2-40B4-BE49-F238E27FC236}">
-                <a16:creationId xmlns:a16="http://schemas.microsoft.com/office/drawing/2014/main" id="{4E6B49C2-DE95-F978-00C5-D9FAC18F79E4}"/>
-              </a:ext>
-            </a:extLst>
-          </p:cNvPr>
-          <p:cNvSpPr txBox="1"/>
-          <p:nvPr/>
-        </p:nvSpPr>
-        <p:spPr>
-          <a:xfrm>
-            <a:off x="438912" y="438912"/>
-            <a:ext cx="1274708" cy="369332"/>
+          <p:cNvPr id="2" name="标题 1">
+            <a:extLst>
+              <a:ext uri="{FF2B5EF4-FFF2-40B4-BE49-F238E27FC236}">
+                <a16:creationId xmlns:a16="http://schemas.microsoft.com/office/drawing/2014/main" id="{84327DE1-CC93-26B2-0841-39741218895C}"/>
+              </a:ext>
+            </a:extLst>
+          </p:cNvPr>
+          <p:cNvSpPr>
+            <a:spLocks noGrp="1"/>
+          </p:cNvSpPr>
+          <p:nvPr>
+            <p:ph type="title"/>
+          </p:nvPr>
+        </p:nvSpPr>
+        <p:spPr/>
+        <p:txBody>
+          <a:bodyPr/>
+          <a:lstStyle/>
+          <a:p>
+            <a:endParaRPr lang="zh-CN" altLang="en-US"/>
+          </a:p>
+        </p:txBody>
+      </p:sp>
+      <p:sp>
+        <p:nvSpPr>
+          <p:cNvPr id="3" name="Rectangle 2">
+            <a:extLst>
+              <a:ext uri="{FF2B5EF4-FFF2-40B4-BE49-F238E27FC236}">
+                <a16:creationId xmlns:a16="http://schemas.microsoft.com/office/drawing/2014/main" id="{A34C3CB7-4FD8-5BFE-BA7B-B80EEA6A88CF}"/>
+              </a:ext>
+            </a:extLst>
+          </p:cNvPr>
+          <p:cNvSpPr>
+            <a:spLocks noChangeArrowheads="1"/>
+          </p:cNvSpPr>
+          <p:nvPr/>
+        </p:nvSpPr>
+        <p:spPr bwMode="auto">
+          <a:xfrm>
+            <a:off x="2008094" y="1936377"/>
+            <a:ext cx="12192000" cy="0"/>
           </a:xfrm>
           <a:prstGeom prst="rect">
             <a:avLst/>
           </a:prstGeom>
           <a:noFill/>
-        </p:spPr>
-        <p:txBody>
-          <a:bodyPr wrap="none" rtlCol="0">
+          <a:ln>
+            <a:noFill/>
+          </a:ln>
+          <a:effectLst/>
+          <a:extLst>
+            <a:ext uri="{909E8E84-426E-40DD-AFC4-6F175D3DCCD1}">
+              <a14:hiddenFill xmlns:a14="http://schemas.microsoft.com/office/drawing/2010/main">
+                <a:solidFill>
+                  <a:schemeClr val="accent1"/>
+                </a:solidFill>
+              </a14:hiddenFill>
+            </a:ext>
+            <a:ext uri="{91240B29-F687-4F45-9708-019B960494DF}">
+              <a14:hiddenLine xmlns:a14="http://schemas.microsoft.com/office/drawing/2010/main" w="9525">
+                <a:solidFill>
+                  <a:schemeClr val="tx1"/>
+                </a:solidFill>
+                <a:miter lim="800000"/>
+                <a:headEnd/>
+                <a:tailEnd/>
+              </a14:hiddenLine>
+            </a:ext>
+            <a:ext uri="{AF507438-7753-43E0-B8FC-AC1667EBCBE1}">
+              <a14:hiddenEffects xmlns:a14="http://schemas.microsoft.com/office/drawing/2010/main">
+                <a:effectLst>
+                  <a:outerShdw dist="35921" dir="2700000" algn="ctr" rotWithShape="0">
+                    <a:schemeClr val="bg2"/>
+                  </a:outerShdw>
+                </a:effectLst>
+              </a14:hiddenEffects>
+            </a:ext>
+          </a:extLst>
+        </p:spPr>
+        <p:txBody>
+          <a:bodyPr vert="horz" wrap="none" lIns="91440" tIns="45720" rIns="91440" bIns="45720" numCol="1" anchor="ctr" anchorCtr="0" compatLnSpc="1">
+            <a:prstTxWarp prst="textNoShape">
+              <a:avLst/>
+            </a:prstTxWarp>
             <a:spAutoFit/>
           </a:bodyPr>
           <a:lstStyle/>
           <a:p>
-            <a:r>
-              <a:rPr lang="en-US" altLang="zh-CN" dirty="0"/>
-              <a:t>RTMQ</a:t>
-            </a:r>
-            <a:r>
-              <a:rPr lang="zh-CN" altLang="en-US" dirty="0"/>
-              <a:t>核心</a:t>
-            </a:r>
-          </a:p>
-        </p:txBody>
-      </p:sp>
-      <p:pic>
-        <p:nvPicPr>
-          <p:cNvPr id="8" name="图片 7">
-            <a:extLst>
-              <a:ext uri="{FF2B5EF4-FFF2-40B4-BE49-F238E27FC236}">
-                <a16:creationId xmlns:a16="http://schemas.microsoft.com/office/drawing/2014/main" id="{C2B5A2A7-B358-1767-3E3D-83D0A2BFA27D}"/>
-              </a:ext>
-            </a:extLst>
-          </p:cNvPr>
-          <p:cNvPicPr>
-            <a:picLocks noChangeAspect="1"/>
-          </p:cNvPicPr>
-          <p:nvPr/>
-        </p:nvPicPr>
-        <p:blipFill>
-          <a:blip r:embed="rId2"/>
-          <a:stretch>
-            <a:fillRect/>
-          </a:stretch>
-        </p:blipFill>
-        <p:spPr>
-          <a:xfrm>
-            <a:off x="336275" y="1866898"/>
-            <a:ext cx="2996449" cy="3540916"/>
-          </a:xfrm>
-          <a:prstGeom prst="rect">
-            <a:avLst/>
-          </a:prstGeom>
-        </p:spPr>
-      </p:pic>
-      <p:pic>
-        <p:nvPicPr>
-          <p:cNvPr id="10" name="图片 9">
-            <a:extLst>
-              <a:ext uri="{FF2B5EF4-FFF2-40B4-BE49-F238E27FC236}">
-                <a16:creationId xmlns:a16="http://schemas.microsoft.com/office/drawing/2014/main" id="{3818F086-CA42-788D-CB17-A13676CE4849}"/>
-              </a:ext>
-            </a:extLst>
-          </p:cNvPr>
-          <p:cNvPicPr>
-            <a:picLocks noChangeAspect="1"/>
-          </p:cNvPicPr>
-          <p:nvPr/>
-        </p:nvPicPr>
-        <p:blipFill>
-          <a:blip r:embed="rId3"/>
-          <a:stretch>
-            <a:fillRect/>
-          </a:stretch>
-        </p:blipFill>
-        <p:spPr>
-          <a:xfrm>
-            <a:off x="3255550" y="1866898"/>
-            <a:ext cx="8459853" cy="3709557"/>
-          </a:xfrm>
-          <a:prstGeom prst="rect">
-            <a:avLst/>
-          </a:prstGeom>
-        </p:spPr>
-      </p:pic>
+            <a:endParaRPr lang="zh-CN" altLang="en-US"/>
+          </a:p>
+        </p:txBody>
+      </p:sp>
+      <p:graphicFrame>
+        <p:nvGraphicFramePr>
+          <p:cNvPr id="4" name="对象 3">
+            <a:extLst>
+              <a:ext uri="{FF2B5EF4-FFF2-40B4-BE49-F238E27FC236}">
+                <a16:creationId xmlns:a16="http://schemas.microsoft.com/office/drawing/2014/main" id="{CF7BB10A-3EEA-826B-F659-C8EFF0240B1D}"/>
+              </a:ext>
+            </a:extLst>
+          </p:cNvPr>
+          <p:cNvGraphicFramePr>
+            <a:graphicFrameLocks noChangeAspect="1"/>
+          </p:cNvGraphicFramePr>
+          <p:nvPr>
+            <p:extLst>
+              <p:ext uri="{D42A27DB-BD31-4B8C-83A1-F6EECF244321}">
+                <p14:modId xmlns:p14="http://schemas.microsoft.com/office/powerpoint/2010/main" val="2994542362"/>
+              </p:ext>
+            </p:extLst>
+          </p:nvPr>
+        </p:nvGraphicFramePr>
+        <p:xfrm>
+          <a:off x="2008094" y="1936377"/>
+          <a:ext cx="5092700" cy="3225800"/>
+        </p:xfrm>
+        <a:graphic>
+          <a:graphicData uri="http://schemas.openxmlformats.org/presentationml/2006/ole">
+            <mc:AlternateContent xmlns:mc="http://schemas.openxmlformats.org/markup-compatibility/2006">
+              <mc:Choice xmlns:v="urn:schemas-microsoft-com:vml" Requires="v">
+                <p:oleObj name="Visio" r:id="rId2" imgW="4716672" imgH="3002266" progId="Visio.Drawing.15">
+                  <p:embed/>
+                </p:oleObj>
+              </mc:Choice>
+              <mc:Fallback>
+                <p:oleObj name="Visio" r:id="rId2" imgW="4716672" imgH="3002266" progId="Visio.Drawing.15">
+                  <p:embed/>
+                  <p:pic>
+                    <p:nvPicPr>
+                      <p:cNvPr id="0" name="Object 1"/>
+                      <p:cNvPicPr>
+                        <a:picLocks noChangeAspect="1" noChangeArrowheads="1"/>
+                      </p:cNvPicPr>
+                      <p:nvPr/>
+                    </p:nvPicPr>
+                    <p:blipFill>
+                      <a:blip r:embed="rId3">
+                        <a:extLst>
+                          <a:ext uri="{28A0092B-C50C-407E-A947-70E740481C1C}">
+                            <a14:useLocalDpi xmlns:a14="http://schemas.microsoft.com/office/drawing/2010/main" val="0"/>
+                          </a:ext>
+                        </a:extLst>
+                      </a:blip>
+                      <a:srcRect/>
+                      <a:stretch>
+                        <a:fillRect/>
+                      </a:stretch>
+                    </p:blipFill>
+                    <p:spPr bwMode="auto">
+                      <a:xfrm>
+                        <a:off x="2008094" y="1936377"/>
+                        <a:ext cx="5092700" cy="3225800"/>
+                      </a:xfrm>
+                      <a:prstGeom prst="rect">
+                        <a:avLst/>
+                      </a:prstGeom>
+                      <a:noFill/>
+                      <a:extLst>
+                        <a:ext uri="{909E8E84-426E-40DD-AFC4-6F175D3DCCD1}">
+                          <a14:hiddenFill xmlns:a14="http://schemas.microsoft.com/office/drawing/2010/main">
+                            <a:solidFill>
+                              <a:srgbClr val="FFFFFF"/>
+                            </a:solidFill>
+                          </a14:hiddenFill>
+                        </a:ext>
+                      </a:extLst>
+                    </p:spPr>
+                  </p:pic>
+                </p:oleObj>
+              </mc:Fallback>
+            </mc:AlternateContent>
+          </a:graphicData>
+        </a:graphic>
+      </p:graphicFrame>
     </p:spTree>
     <p:extLst>
       <p:ext uri="{BB962C8B-B14F-4D97-AF65-F5344CB8AC3E}">
-        <p14:creationId xmlns:p14="http://schemas.microsoft.com/office/powerpoint/2010/main" val="2894608505"/>
+        <p14:creationId xmlns:p14="http://schemas.microsoft.com/office/powerpoint/2010/main" val="4088100311"/>
       </p:ext>
     </p:extLst>
   </p:cSld>
@@ -5271,97 +7859,184 @@
       </p:grpSpPr>
       <p:sp>
         <p:nvSpPr>
-          <p:cNvPr id="3" name="文本框 2">
-            <a:extLst>
-              <a:ext uri="{FF2B5EF4-FFF2-40B4-BE49-F238E27FC236}">
-                <a16:creationId xmlns:a16="http://schemas.microsoft.com/office/drawing/2014/main" id="{9ECD097B-0711-545A-DF45-CC569AFCE1F1}"/>
-              </a:ext>
-            </a:extLst>
-          </p:cNvPr>
-          <p:cNvSpPr txBox="1"/>
-          <p:nvPr/>
-        </p:nvSpPr>
-        <p:spPr>
-          <a:xfrm>
-            <a:off x="3367278" y="3046952"/>
-            <a:ext cx="6094476" cy="1477328"/>
+          <p:cNvPr id="2" name="标题 1">
+            <a:extLst>
+              <a:ext uri="{FF2B5EF4-FFF2-40B4-BE49-F238E27FC236}">
+                <a16:creationId xmlns:a16="http://schemas.microsoft.com/office/drawing/2014/main" id="{38ABCADA-8DD5-66AC-1327-DE57B31C2BDC}"/>
+              </a:ext>
+            </a:extLst>
+          </p:cNvPr>
+          <p:cNvSpPr>
+            <a:spLocks noGrp="1"/>
+          </p:cNvSpPr>
+          <p:nvPr>
+            <p:ph type="title"/>
+          </p:nvPr>
+        </p:nvSpPr>
+        <p:spPr/>
+        <p:txBody>
+          <a:bodyPr/>
+          <a:lstStyle/>
+          <a:p>
+            <a:endParaRPr lang="zh-CN" altLang="en-US"/>
+          </a:p>
+        </p:txBody>
+      </p:sp>
+      <p:sp>
+        <p:nvSpPr>
+          <p:cNvPr id="3" name="Rectangle 2">
+            <a:extLst>
+              <a:ext uri="{FF2B5EF4-FFF2-40B4-BE49-F238E27FC236}">
+                <a16:creationId xmlns:a16="http://schemas.microsoft.com/office/drawing/2014/main" id="{F726AE2D-C678-1DB5-4F52-AECFF1B8F220}"/>
+              </a:ext>
+            </a:extLst>
+          </p:cNvPr>
+          <p:cNvSpPr>
+            <a:spLocks noChangeArrowheads="1"/>
+          </p:cNvSpPr>
+          <p:nvPr/>
+        </p:nvSpPr>
+        <p:spPr bwMode="auto">
+          <a:xfrm>
+            <a:off x="1425388" y="1965325"/>
+            <a:ext cx="12192000" cy="0"/>
           </a:xfrm>
           <a:prstGeom prst="rect">
             <a:avLst/>
           </a:prstGeom>
           <a:noFill/>
-        </p:spPr>
-        <p:txBody>
-          <a:bodyPr wrap="square">
+          <a:ln>
+            <a:noFill/>
+          </a:ln>
+          <a:effectLst/>
+          <a:extLst>
+            <a:ext uri="{909E8E84-426E-40DD-AFC4-6F175D3DCCD1}">
+              <a14:hiddenFill xmlns:a14="http://schemas.microsoft.com/office/drawing/2010/main">
+                <a:solidFill>
+                  <a:schemeClr val="accent1"/>
+                </a:solidFill>
+              </a14:hiddenFill>
+            </a:ext>
+            <a:ext uri="{91240B29-F687-4F45-9708-019B960494DF}">
+              <a14:hiddenLine xmlns:a14="http://schemas.microsoft.com/office/drawing/2010/main" w="9525">
+                <a:solidFill>
+                  <a:schemeClr val="tx1"/>
+                </a:solidFill>
+                <a:miter lim="800000"/>
+                <a:headEnd/>
+                <a:tailEnd/>
+              </a14:hiddenLine>
+            </a:ext>
+            <a:ext uri="{AF507438-7753-43E0-B8FC-AC1667EBCBE1}">
+              <a14:hiddenEffects xmlns:a14="http://schemas.microsoft.com/office/drawing/2010/main">
+                <a:effectLst>
+                  <a:outerShdw dist="35921" dir="2700000" algn="ctr" rotWithShape="0">
+                    <a:schemeClr val="bg2"/>
+                  </a:outerShdw>
+                </a:effectLst>
+              </a14:hiddenEffects>
+            </a:ext>
+          </a:extLst>
+        </p:spPr>
+        <p:txBody>
+          <a:bodyPr vert="horz" wrap="none" lIns="91440" tIns="45720" rIns="91440" bIns="45720" numCol="1" anchor="ctr" anchorCtr="0" compatLnSpc="1">
+            <a:prstTxWarp prst="textNoShape">
+              <a:avLst/>
+            </a:prstTxWarp>
             <a:spAutoFit/>
           </a:bodyPr>
           <a:lstStyle/>
           <a:p>
-            <a:r>
-              <a:rPr lang="zh-CN" altLang="en-US" dirty="0"/>
-              <a:t>LUT	4440	134600	3.2986627</a:t>
-            </a:r>
-          </a:p>
-          <a:p>
-            <a:r>
-              <a:rPr lang="zh-CN" altLang="en-US" dirty="0"/>
-              <a:t>LUTRAM	33	46200	0.07142857</a:t>
-            </a:r>
-          </a:p>
-          <a:p>
-            <a:r>
-              <a:rPr lang="zh-CN" altLang="en-US" dirty="0"/>
-              <a:t>FF	1525	269200	0.5664933</a:t>
-            </a:r>
-          </a:p>
-          <a:p>
-            <a:r>
-              <a:rPr lang="zh-CN" altLang="en-US" dirty="0"/>
-              <a:t>IO	8294	400	2073.5</a:t>
-            </a:r>
-          </a:p>
-          <a:p>
-            <a:r>
-              <a:rPr lang="zh-CN" altLang="en-US" dirty="0"/>
-              <a:t>BUFG	1	32	3.125</a:t>
-            </a:r>
-          </a:p>
-        </p:txBody>
-      </p:sp>
-      <p:pic>
-        <p:nvPicPr>
-          <p:cNvPr id="5" name="图片 4">
-            <a:extLst>
-              <a:ext uri="{FF2B5EF4-FFF2-40B4-BE49-F238E27FC236}">
-                <a16:creationId xmlns:a16="http://schemas.microsoft.com/office/drawing/2014/main" id="{02EB6554-B0F6-6121-993D-2A235CCBA22F}"/>
-              </a:ext>
-            </a:extLst>
-          </p:cNvPr>
-          <p:cNvPicPr>
-            <a:picLocks noChangeAspect="1"/>
-          </p:cNvPicPr>
-          <p:nvPr/>
-        </p:nvPicPr>
-        <p:blipFill>
-          <a:blip r:embed="rId2"/>
-          <a:stretch>
-            <a:fillRect/>
-          </a:stretch>
-        </p:blipFill>
-        <p:spPr>
-          <a:xfrm>
-            <a:off x="2582227" y="277558"/>
-            <a:ext cx="7210425" cy="2352675"/>
-          </a:xfrm>
-          <a:prstGeom prst="rect">
-            <a:avLst/>
-          </a:prstGeom>
-        </p:spPr>
-      </p:pic>
+            <a:endParaRPr lang="zh-CN" altLang="en-US"/>
+          </a:p>
+        </p:txBody>
+      </p:sp>
+      <p:graphicFrame>
+        <p:nvGraphicFramePr>
+          <p:cNvPr id="4" name="对象 3">
+            <a:extLst>
+              <a:ext uri="{FF2B5EF4-FFF2-40B4-BE49-F238E27FC236}">
+                <a16:creationId xmlns:a16="http://schemas.microsoft.com/office/drawing/2014/main" id="{5831764D-9734-0A43-80FC-1B2BAF95E8D6}"/>
+              </a:ext>
+            </a:extLst>
+          </p:cNvPr>
+          <p:cNvGraphicFramePr>
+            <a:graphicFrameLocks noChangeAspect="1"/>
+          </p:cNvGraphicFramePr>
+          <p:nvPr>
+            <p:extLst>
+              <p:ext uri="{D42A27DB-BD31-4B8C-83A1-F6EECF244321}">
+                <p14:modId xmlns:p14="http://schemas.microsoft.com/office/powerpoint/2010/main" val="2652177995"/>
+              </p:ext>
+            </p:extLst>
+          </p:nvPr>
+        </p:nvGraphicFramePr>
+        <p:xfrm>
+          <a:off x="838200" y="1902572"/>
+          <a:ext cx="4464050" cy="2927350"/>
+        </p:xfrm>
+        <a:graphic>
+          <a:graphicData uri="http://schemas.openxmlformats.org/presentationml/2006/ole">
+            <mc:AlternateContent xmlns:mc="http://schemas.openxmlformats.org/markup-compatibility/2006">
+              <mc:Choice xmlns:v="urn:schemas-microsoft-com:vml" Requires="v">
+                <p:oleObj name="Visio" r:id="rId2" imgW="3634560" imgH="2377355" progId="Visio.Drawing.15">
+                  <p:embed/>
+                </p:oleObj>
+              </mc:Choice>
+              <mc:Fallback>
+                <p:oleObj name="Visio" r:id="rId2" imgW="3634560" imgH="2377355" progId="Visio.Drawing.15">
+                  <p:embed/>
+                  <p:pic>
+                    <p:nvPicPr>
+                      <p:cNvPr id="0" name="Object 1"/>
+                      <p:cNvPicPr>
+                        <a:picLocks noChangeAspect="1" noChangeArrowheads="1"/>
+                      </p:cNvPicPr>
+                      <p:nvPr/>
+                    </p:nvPicPr>
+                    <p:blipFill>
+                      <a:blip r:embed="rId3">
+                        <a:extLst>
+                          <a:ext uri="{28A0092B-C50C-407E-A947-70E740481C1C}">
+                            <a14:useLocalDpi xmlns:a14="http://schemas.microsoft.com/office/drawing/2010/main" val="0"/>
+                          </a:ext>
+                        </a:extLst>
+                      </a:blip>
+                      <a:srcRect/>
+                      <a:stretch>
+                        <a:fillRect/>
+                      </a:stretch>
+                    </p:blipFill>
+                    <p:spPr bwMode="auto">
+                      <a:xfrm>
+                        <a:off x="838200" y="1902572"/>
+                        <a:ext cx="4464050" cy="2927350"/>
+                      </a:xfrm>
+                      <a:prstGeom prst="rect">
+                        <a:avLst/>
+                      </a:prstGeom>
+                      <a:noFill/>
+                      <a:extLst>
+                        <a:ext uri="{909E8E84-426E-40DD-AFC4-6F175D3DCCD1}">
+                          <a14:hiddenFill xmlns:a14="http://schemas.microsoft.com/office/drawing/2010/main">
+                            <a:solidFill>
+                              <a:srgbClr val="FFFFFF"/>
+                            </a:solidFill>
+                          </a14:hiddenFill>
+                        </a:ext>
+                      </a:extLst>
+                    </p:spPr>
+                  </p:pic>
+                </p:oleObj>
+              </mc:Fallback>
+            </mc:AlternateContent>
+          </a:graphicData>
+        </a:graphic>
+      </p:graphicFrame>
     </p:spTree>
     <p:extLst>
       <p:ext uri="{BB962C8B-B14F-4D97-AF65-F5344CB8AC3E}">
-        <p14:creationId xmlns:p14="http://schemas.microsoft.com/office/powerpoint/2010/main" val="2279343953"/>
+        <p14:creationId xmlns:p14="http://schemas.microsoft.com/office/powerpoint/2010/main" val="2699796137"/>
       </p:ext>
     </p:extLst>
   </p:cSld>
@@ -5390,10 +8065,10 @@
       </p:grpSpPr>
       <p:pic>
         <p:nvPicPr>
-          <p:cNvPr id="3" name="图片 2">
-            <a:extLst>
-              <a:ext uri="{FF2B5EF4-FFF2-40B4-BE49-F238E27FC236}">
-                <a16:creationId xmlns:a16="http://schemas.microsoft.com/office/drawing/2014/main" id="{090E2843-D019-7D05-7918-196D67C508F3}"/>
+          <p:cNvPr id="5" name="图片 4">
+            <a:extLst>
+              <a:ext uri="{FF2B5EF4-FFF2-40B4-BE49-F238E27FC236}">
+                <a16:creationId xmlns:a16="http://schemas.microsoft.com/office/drawing/2014/main" id="{6801B51D-F132-35FC-032F-368906DE1047}"/>
               </a:ext>
             </a:extLst>
           </p:cNvPr>
@@ -5402,90 +8077,54 @@
           </p:cNvPicPr>
           <p:nvPr/>
         </p:nvPicPr>
-        <p:blipFill rotWithShape="1">
+        <p:blipFill>
           <a:blip r:embed="rId2"/>
-          <a:srcRect l="16006" t="4257" r="17182" b="7828"/>
-          <a:stretch/>
-        </p:blipFill>
-        <p:spPr>
-          <a:xfrm>
-            <a:off x="568036" y="2382271"/>
-            <a:ext cx="2601884" cy="3391471"/>
-          </a:xfrm>
-          <a:prstGeom prst="rect">
-            <a:avLst/>
-          </a:prstGeom>
-        </p:spPr>
-      </p:pic>
-      <p:sp>
-        <p:nvSpPr>
-          <p:cNvPr id="4" name="文本框 3">
-            <a:extLst>
-              <a:ext uri="{FF2B5EF4-FFF2-40B4-BE49-F238E27FC236}">
-                <a16:creationId xmlns:a16="http://schemas.microsoft.com/office/drawing/2014/main" id="{A1127DEA-3BC5-BF94-A29D-ECC3339C4DE2}"/>
-              </a:ext>
-            </a:extLst>
-          </p:cNvPr>
-          <p:cNvSpPr txBox="1"/>
-          <p:nvPr/>
-        </p:nvSpPr>
-        <p:spPr>
-          <a:xfrm>
-            <a:off x="758952" y="649224"/>
-            <a:ext cx="1569660" cy="369332"/>
-          </a:xfrm>
-          <a:prstGeom prst="rect">
-            <a:avLst/>
-          </a:prstGeom>
-          <a:noFill/>
-        </p:spPr>
-        <p:txBody>
-          <a:bodyPr wrap="none" rtlCol="0">
-            <a:spAutoFit/>
-          </a:bodyPr>
-          <a:lstStyle/>
-          <a:p>
-            <a:r>
-              <a:rPr lang="zh-CN" altLang="en-US" dirty="0"/>
-              <a:t>流控制器模块</a:t>
-            </a:r>
-          </a:p>
-        </p:txBody>
-      </p:sp>
-      <p:pic>
-        <p:nvPicPr>
-          <p:cNvPr id="12" name="图片 11">
-            <a:extLst>
-              <a:ext uri="{FF2B5EF4-FFF2-40B4-BE49-F238E27FC236}">
-                <a16:creationId xmlns:a16="http://schemas.microsoft.com/office/drawing/2014/main" id="{0AF4E318-7BC1-979C-6986-348FB6EAB04A}"/>
-              </a:ext>
-            </a:extLst>
-          </p:cNvPr>
-          <p:cNvPicPr>
-            <a:picLocks noChangeAspect="1"/>
-          </p:cNvPicPr>
-          <p:nvPr/>
-        </p:nvPicPr>
-        <p:blipFill>
-          <a:blip r:embed="rId3"/>
           <a:stretch>
             <a:fillRect/>
           </a:stretch>
         </p:blipFill>
         <p:spPr>
           <a:xfrm>
-            <a:off x="3297381" y="2382271"/>
-            <a:ext cx="8043395" cy="3527075"/>
+            <a:off x="599032" y="704088"/>
+            <a:ext cx="11592967" cy="5746771"/>
           </a:xfrm>
           <a:prstGeom prst="rect">
             <a:avLst/>
           </a:prstGeom>
         </p:spPr>
       </p:pic>
+      <p:sp>
+        <p:nvSpPr>
+          <p:cNvPr id="6" name="标题 5">
+            <a:extLst>
+              <a:ext uri="{FF2B5EF4-FFF2-40B4-BE49-F238E27FC236}">
+                <a16:creationId xmlns:a16="http://schemas.microsoft.com/office/drawing/2014/main" id="{F965CF89-5A8C-7BB1-94D0-D2B3FFB0C5E0}"/>
+              </a:ext>
+            </a:extLst>
+          </p:cNvPr>
+          <p:cNvSpPr>
+            <a:spLocks noGrp="1"/>
+          </p:cNvSpPr>
+          <p:nvPr>
+            <p:ph type="title"/>
+          </p:nvPr>
+        </p:nvSpPr>
+        <p:spPr/>
+        <p:txBody>
+          <a:bodyPr/>
+          <a:lstStyle/>
+          <a:p>
+            <a:r>
+              <a:rPr lang="zh-CN" altLang="en-US" dirty="0"/>
+              <a:t>时钟管理器</a:t>
+            </a:r>
+          </a:p>
+        </p:txBody>
+      </p:sp>
     </p:spTree>
     <p:extLst>
       <p:ext uri="{BB962C8B-B14F-4D97-AF65-F5344CB8AC3E}">
-        <p14:creationId xmlns:p14="http://schemas.microsoft.com/office/powerpoint/2010/main" val="2372786023"/>
+        <p14:creationId xmlns:p14="http://schemas.microsoft.com/office/powerpoint/2010/main" val="2055746639"/>
       </p:ext>
     </p:extLst>
   </p:cSld>
@@ -5512,12 +8151,37 @@
           <a:chExt cx="0" cy="0"/>
         </a:xfrm>
       </p:grpSpPr>
+      <p:sp>
+        <p:nvSpPr>
+          <p:cNvPr id="2" name="标题 1">
+            <a:extLst>
+              <a:ext uri="{FF2B5EF4-FFF2-40B4-BE49-F238E27FC236}">
+                <a16:creationId xmlns:a16="http://schemas.microsoft.com/office/drawing/2014/main" id="{A63BD77E-3DAD-D1FA-1E46-2F3A3F1E89AB}"/>
+              </a:ext>
+            </a:extLst>
+          </p:cNvPr>
+          <p:cNvSpPr>
+            <a:spLocks noGrp="1"/>
+          </p:cNvSpPr>
+          <p:nvPr>
+            <p:ph type="title"/>
+          </p:nvPr>
+        </p:nvSpPr>
+        <p:spPr/>
+        <p:txBody>
+          <a:bodyPr/>
+          <a:lstStyle/>
+          <a:p>
+            <a:endParaRPr lang="zh-CN" altLang="en-US"/>
+          </a:p>
+        </p:txBody>
+      </p:sp>
       <p:pic>
         <p:nvPicPr>
-          <p:cNvPr id="3" name="图片 2">
-            <a:extLst>
-              <a:ext uri="{FF2B5EF4-FFF2-40B4-BE49-F238E27FC236}">
-                <a16:creationId xmlns:a16="http://schemas.microsoft.com/office/drawing/2014/main" id="{FCCDAF10-20DB-A31C-A887-426F934DA212}"/>
+          <p:cNvPr id="4" name="图片 3">
+            <a:extLst>
+              <a:ext uri="{FF2B5EF4-FFF2-40B4-BE49-F238E27FC236}">
+                <a16:creationId xmlns:a16="http://schemas.microsoft.com/office/drawing/2014/main" id="{EE461C05-45D6-9B85-710D-A3E49844E235}"/>
               </a:ext>
             </a:extLst>
           </p:cNvPr>
@@ -5526,90 +8190,26 @@
           </p:cNvPicPr>
           <p:nvPr/>
         </p:nvPicPr>
-        <p:blipFill rotWithShape="1">
+        <p:blipFill>
           <a:blip r:embed="rId2"/>
-          <a:srcRect l="8259" t="9692" r="4072" b="8154"/>
-          <a:stretch/>
-        </p:blipFill>
-        <p:spPr>
-          <a:xfrm>
-            <a:off x="447720" y="3017609"/>
-            <a:ext cx="3033592" cy="2443345"/>
-          </a:xfrm>
-          <a:prstGeom prst="rect">
-            <a:avLst/>
-          </a:prstGeom>
-        </p:spPr>
-      </p:pic>
-      <p:pic>
-        <p:nvPicPr>
-          <p:cNvPr id="5" name="图片 4">
-            <a:extLst>
-              <a:ext uri="{FF2B5EF4-FFF2-40B4-BE49-F238E27FC236}">
-                <a16:creationId xmlns:a16="http://schemas.microsoft.com/office/drawing/2014/main" id="{F66C0CBB-879D-E09C-76E9-09A823CBDC8C}"/>
-              </a:ext>
-            </a:extLst>
-          </p:cNvPr>
-          <p:cNvPicPr>
-            <a:picLocks noChangeAspect="1"/>
-          </p:cNvPicPr>
-          <p:nvPr/>
-        </p:nvPicPr>
-        <p:blipFill>
-          <a:blip r:embed="rId3"/>
           <a:stretch>
             <a:fillRect/>
           </a:stretch>
         </p:blipFill>
         <p:spPr>
           <a:xfrm>
-            <a:off x="3578058" y="2493018"/>
-            <a:ext cx="7943792" cy="3492529"/>
+            <a:off x="3512757" y="-82296"/>
+            <a:ext cx="8348597" cy="6858000"/>
           </a:xfrm>
           <a:prstGeom prst="rect">
             <a:avLst/>
           </a:prstGeom>
         </p:spPr>
       </p:pic>
-      <p:sp>
-        <p:nvSpPr>
-          <p:cNvPr id="6" name="文本框 5">
-            <a:extLst>
-              <a:ext uri="{FF2B5EF4-FFF2-40B4-BE49-F238E27FC236}">
-                <a16:creationId xmlns:a16="http://schemas.microsoft.com/office/drawing/2014/main" id="{F06DE061-FBE3-04D0-194F-D8F9C7EECF6C}"/>
-              </a:ext>
-            </a:extLst>
-          </p:cNvPr>
-          <p:cNvSpPr txBox="1"/>
-          <p:nvPr/>
-        </p:nvSpPr>
-        <p:spPr>
-          <a:xfrm>
-            <a:off x="594360" y="493776"/>
-            <a:ext cx="1569660" cy="369332"/>
-          </a:xfrm>
-          <a:prstGeom prst="rect">
-            <a:avLst/>
-          </a:prstGeom>
-          <a:noFill/>
-        </p:spPr>
-        <p:txBody>
-          <a:bodyPr wrap="none" rtlCol="0">
-            <a:spAutoFit/>
-          </a:bodyPr>
-          <a:lstStyle/>
-          <a:p>
-            <a:r>
-              <a:rPr lang="zh-CN" altLang="en-US" dirty="0"/>
-              <a:t>时间管理模块</a:t>
-            </a:r>
-          </a:p>
-        </p:txBody>
-      </p:sp>
     </p:spTree>
     <p:extLst>
       <p:ext uri="{BB962C8B-B14F-4D97-AF65-F5344CB8AC3E}">
-        <p14:creationId xmlns:p14="http://schemas.microsoft.com/office/powerpoint/2010/main" val="464093984"/>
+        <p14:creationId xmlns:p14="http://schemas.microsoft.com/office/powerpoint/2010/main" val="1951851274"/>
       </p:ext>
     </p:extLst>
   </p:cSld>
@@ -5636,12 +8236,51 @@
           <a:chExt cx="0" cy="0"/>
         </a:xfrm>
       </p:grpSpPr>
+      <p:sp>
+        <p:nvSpPr>
+          <p:cNvPr id="4" name="文本框 3">
+            <a:extLst>
+              <a:ext uri="{FF2B5EF4-FFF2-40B4-BE49-F238E27FC236}">
+                <a16:creationId xmlns:a16="http://schemas.microsoft.com/office/drawing/2014/main" id="{4E6B49C2-DE95-F978-00C5-D9FAC18F79E4}"/>
+              </a:ext>
+            </a:extLst>
+          </p:cNvPr>
+          <p:cNvSpPr txBox="1"/>
+          <p:nvPr/>
+        </p:nvSpPr>
+        <p:spPr>
+          <a:xfrm>
+            <a:off x="438912" y="438912"/>
+            <a:ext cx="1274708" cy="369332"/>
+          </a:xfrm>
+          <a:prstGeom prst="rect">
+            <a:avLst/>
+          </a:prstGeom>
+          <a:noFill/>
+        </p:spPr>
+        <p:txBody>
+          <a:bodyPr wrap="none" rtlCol="0">
+            <a:spAutoFit/>
+          </a:bodyPr>
+          <a:lstStyle/>
+          <a:p>
+            <a:r>
+              <a:rPr lang="en-US" altLang="zh-CN" dirty="0"/>
+              <a:t>RTMQ</a:t>
+            </a:r>
+            <a:r>
+              <a:rPr lang="zh-CN" altLang="en-US" dirty="0"/>
+              <a:t>核心</a:t>
+            </a:r>
+          </a:p>
+        </p:txBody>
+      </p:sp>
       <p:pic>
         <p:nvPicPr>
-          <p:cNvPr id="3" name="图片 2">
-            <a:extLst>
-              <a:ext uri="{FF2B5EF4-FFF2-40B4-BE49-F238E27FC236}">
-                <a16:creationId xmlns:a16="http://schemas.microsoft.com/office/drawing/2014/main" id="{88977F76-5BC3-2E22-A0F4-3C6C1D1739BF}"/>
+          <p:cNvPr id="8" name="图片 7">
+            <a:extLst>
+              <a:ext uri="{FF2B5EF4-FFF2-40B4-BE49-F238E27FC236}">
+                <a16:creationId xmlns:a16="http://schemas.microsoft.com/office/drawing/2014/main" id="{C2B5A2A7-B358-1767-3E3D-83D0A2BFA27D}"/>
               </a:ext>
             </a:extLst>
           </p:cNvPr>
@@ -5650,62 +8289,28 @@
           </p:cNvPicPr>
           <p:nvPr/>
         </p:nvPicPr>
-        <p:blipFill rotWithShape="1">
+        <p:blipFill>
           <a:blip r:embed="rId2"/>
-          <a:srcRect l="11288" r="7139"/>
-          <a:stretch/>
+          <a:stretch>
+            <a:fillRect/>
+          </a:stretch>
         </p:blipFill>
         <p:spPr>
           <a:xfrm>
-            <a:off x="415637" y="2475824"/>
-            <a:ext cx="2982329" cy="3286013"/>
+            <a:off x="336275" y="1866898"/>
+            <a:ext cx="2996449" cy="3540916"/>
           </a:xfrm>
           <a:prstGeom prst="rect">
             <a:avLst/>
           </a:prstGeom>
         </p:spPr>
       </p:pic>
-      <p:sp>
-        <p:nvSpPr>
-          <p:cNvPr id="4" name="文本框 3">
-            <a:extLst>
-              <a:ext uri="{FF2B5EF4-FFF2-40B4-BE49-F238E27FC236}">
-                <a16:creationId xmlns:a16="http://schemas.microsoft.com/office/drawing/2014/main" id="{12803C3E-5F8F-1CA5-5919-0D7C6D4257FE}"/>
-              </a:ext>
-            </a:extLst>
-          </p:cNvPr>
-          <p:cNvSpPr txBox="1"/>
-          <p:nvPr/>
-        </p:nvSpPr>
-        <p:spPr>
-          <a:xfrm>
-            <a:off x="905256" y="822960"/>
-            <a:ext cx="2031325" cy="369332"/>
-          </a:xfrm>
-          <a:prstGeom prst="rect">
-            <a:avLst/>
-          </a:prstGeom>
-          <a:noFill/>
-        </p:spPr>
-        <p:txBody>
-          <a:bodyPr wrap="none" rtlCol="0">
-            <a:spAutoFit/>
-          </a:bodyPr>
-          <a:lstStyle/>
-          <a:p>
-            <a:r>
-              <a:rPr lang="zh-CN" altLang="en-US" dirty="0"/>
-              <a:t>算法逻辑单元模块</a:t>
-            </a:r>
-          </a:p>
-        </p:txBody>
-      </p:sp>
       <p:pic>
         <p:nvPicPr>
-          <p:cNvPr id="8" name="图片 7">
-            <a:extLst>
-              <a:ext uri="{FF2B5EF4-FFF2-40B4-BE49-F238E27FC236}">
-                <a16:creationId xmlns:a16="http://schemas.microsoft.com/office/drawing/2014/main" id="{A4D8E8E3-A767-49F2-811D-E06EA01D9829}"/>
+          <p:cNvPr id="10" name="图片 9">
+            <a:extLst>
+              <a:ext uri="{FF2B5EF4-FFF2-40B4-BE49-F238E27FC236}">
+                <a16:creationId xmlns:a16="http://schemas.microsoft.com/office/drawing/2014/main" id="{3818F086-CA42-788D-CB17-A13676CE4849}"/>
               </a:ext>
             </a:extLst>
           </p:cNvPr>
@@ -5722,8 +8327,8 @@
         </p:blipFill>
         <p:spPr>
           <a:xfrm>
-            <a:off x="3602181" y="1937852"/>
-            <a:ext cx="8342526" cy="4289765"/>
+            <a:off x="3255550" y="1866898"/>
+            <a:ext cx="8459853" cy="3709557"/>
           </a:xfrm>
           <a:prstGeom prst="rect">
             <a:avLst/>
@@ -5733,7 +8338,7 @@
     </p:spTree>
     <p:extLst>
       <p:ext uri="{BB962C8B-B14F-4D97-AF65-F5344CB8AC3E}">
-        <p14:creationId xmlns:p14="http://schemas.microsoft.com/office/powerpoint/2010/main" val="646237645"/>
+        <p14:creationId xmlns:p14="http://schemas.microsoft.com/office/powerpoint/2010/main" val="2894608505"/>
       </p:ext>
     </p:extLst>
   </p:cSld>
@@ -5760,12 +8365,71 @@
           <a:chExt cx="0" cy="0"/>
         </a:xfrm>
       </p:grpSpPr>
+      <p:sp>
+        <p:nvSpPr>
+          <p:cNvPr id="3" name="文本框 2">
+            <a:extLst>
+              <a:ext uri="{FF2B5EF4-FFF2-40B4-BE49-F238E27FC236}">
+                <a16:creationId xmlns:a16="http://schemas.microsoft.com/office/drawing/2014/main" id="{9ECD097B-0711-545A-DF45-CC569AFCE1F1}"/>
+              </a:ext>
+            </a:extLst>
+          </p:cNvPr>
+          <p:cNvSpPr txBox="1"/>
+          <p:nvPr/>
+        </p:nvSpPr>
+        <p:spPr>
+          <a:xfrm>
+            <a:off x="3367278" y="3046952"/>
+            <a:ext cx="6094476" cy="1477328"/>
+          </a:xfrm>
+          <a:prstGeom prst="rect">
+            <a:avLst/>
+          </a:prstGeom>
+          <a:noFill/>
+        </p:spPr>
+        <p:txBody>
+          <a:bodyPr wrap="square">
+            <a:spAutoFit/>
+          </a:bodyPr>
+          <a:lstStyle/>
+          <a:p>
+            <a:r>
+              <a:rPr lang="zh-CN" altLang="en-US" dirty="0"/>
+              <a:t>LUT	4440	134600	3.2986627</a:t>
+            </a:r>
+          </a:p>
+          <a:p>
+            <a:r>
+              <a:rPr lang="zh-CN" altLang="en-US" dirty="0"/>
+              <a:t>LUTRAM	33	46200	0.07142857</a:t>
+            </a:r>
+          </a:p>
+          <a:p>
+            <a:r>
+              <a:rPr lang="zh-CN" altLang="en-US" dirty="0"/>
+              <a:t>FF	1525	269200	0.5664933</a:t>
+            </a:r>
+          </a:p>
+          <a:p>
+            <a:r>
+              <a:rPr lang="zh-CN" altLang="en-US" dirty="0"/>
+              <a:t>IO	8294	400	2073.5</a:t>
+            </a:r>
+          </a:p>
+          <a:p>
+            <a:r>
+              <a:rPr lang="zh-CN" altLang="en-US" dirty="0"/>
+              <a:t>BUFG	1	32	3.125</a:t>
+            </a:r>
+          </a:p>
+        </p:txBody>
+      </p:sp>
       <p:pic>
         <p:nvPicPr>
-          <p:cNvPr id="3" name="图片 2">
-            <a:extLst>
-              <a:ext uri="{FF2B5EF4-FFF2-40B4-BE49-F238E27FC236}">
-                <a16:creationId xmlns:a16="http://schemas.microsoft.com/office/drawing/2014/main" id="{30C6D799-A98A-2747-D3E8-15181EE06FA0}"/>
+          <p:cNvPr id="5" name="图片 4">
+            <a:extLst>
+              <a:ext uri="{FF2B5EF4-FFF2-40B4-BE49-F238E27FC236}">
+                <a16:creationId xmlns:a16="http://schemas.microsoft.com/office/drawing/2014/main" id="{02EB6554-B0F6-6121-993D-2A235CCBA22F}"/>
               </a:ext>
             </a:extLst>
           </p:cNvPr>
@@ -5782,83 +8446,18 @@
         </p:blipFill>
         <p:spPr>
           <a:xfrm>
-            <a:off x="141694" y="2176273"/>
-            <a:ext cx="3128185" cy="3044952"/>
+            <a:off x="2582227" y="277558"/>
+            <a:ext cx="7210425" cy="2352675"/>
           </a:xfrm>
           <a:prstGeom prst="rect">
             <a:avLst/>
           </a:prstGeom>
         </p:spPr>
       </p:pic>
-      <p:pic>
-        <p:nvPicPr>
-          <p:cNvPr id="5" name="图片 4">
-            <a:extLst>
-              <a:ext uri="{FF2B5EF4-FFF2-40B4-BE49-F238E27FC236}">
-                <a16:creationId xmlns:a16="http://schemas.microsoft.com/office/drawing/2014/main" id="{5BEB75BF-06DD-06B4-6126-3FD538396695}"/>
-              </a:ext>
-            </a:extLst>
-          </p:cNvPr>
-          <p:cNvPicPr>
-            <a:picLocks noChangeAspect="1"/>
-          </p:cNvPicPr>
-          <p:nvPr/>
-        </p:nvPicPr>
-        <p:blipFill>
-          <a:blip r:embed="rId3"/>
-          <a:stretch>
-            <a:fillRect/>
-          </a:stretch>
-        </p:blipFill>
-        <p:spPr>
-          <a:xfrm>
-            <a:off x="3269879" y="1787370"/>
-            <a:ext cx="8579039" cy="3822757"/>
-          </a:xfrm>
-          <a:prstGeom prst="rect">
-            <a:avLst/>
-          </a:prstGeom>
-        </p:spPr>
-      </p:pic>
-      <p:sp>
-        <p:nvSpPr>
-          <p:cNvPr id="2" name="文本框 1">
-            <a:extLst>
-              <a:ext uri="{FF2B5EF4-FFF2-40B4-BE49-F238E27FC236}">
-                <a16:creationId xmlns:a16="http://schemas.microsoft.com/office/drawing/2014/main" id="{1CE4DF3A-FD43-B11F-0E28-CD6AB19B0B47}"/>
-              </a:ext>
-            </a:extLst>
-          </p:cNvPr>
-          <p:cNvSpPr txBox="1"/>
-          <p:nvPr/>
-        </p:nvSpPr>
-        <p:spPr>
-          <a:xfrm>
-            <a:off x="845127" y="595745"/>
-            <a:ext cx="1800493" cy="369332"/>
-          </a:xfrm>
-          <a:prstGeom prst="rect">
-            <a:avLst/>
-          </a:prstGeom>
-          <a:noFill/>
-        </p:spPr>
-        <p:txBody>
-          <a:bodyPr wrap="none" rtlCol="0">
-            <a:spAutoFit/>
-          </a:bodyPr>
-          <a:lstStyle/>
-          <a:p>
-            <a:r>
-              <a:rPr lang="zh-CN" altLang="en-US" dirty="0"/>
-              <a:t>触发管理模块儿</a:t>
-            </a:r>
-          </a:p>
-        </p:txBody>
-      </p:sp>
     </p:spTree>
     <p:extLst>
       <p:ext uri="{BB962C8B-B14F-4D97-AF65-F5344CB8AC3E}">
-        <p14:creationId xmlns:p14="http://schemas.microsoft.com/office/powerpoint/2010/main" val="3310027567"/>
+        <p14:creationId xmlns:p14="http://schemas.microsoft.com/office/powerpoint/2010/main" val="2279343953"/>
       </p:ext>
     </p:extLst>
   </p:cSld>
@@ -5890,7 +8489,7 @@
           <p:cNvPr id="3" name="图片 2">
             <a:extLst>
               <a:ext uri="{FF2B5EF4-FFF2-40B4-BE49-F238E27FC236}">
-                <a16:creationId xmlns:a16="http://schemas.microsoft.com/office/drawing/2014/main" id="{53C58AB6-AF41-823D-E721-27BA7BB0605F}"/>
+                <a16:creationId xmlns:a16="http://schemas.microsoft.com/office/drawing/2014/main" id="{090E2843-D019-7D05-7918-196D67C508F3}"/>
               </a:ext>
             </a:extLst>
           </p:cNvPr>
@@ -5899,28 +8498,62 @@
           </p:cNvPicPr>
           <p:nvPr/>
         </p:nvPicPr>
-        <p:blipFill>
+        <p:blipFill rotWithShape="1">
           <a:blip r:embed="rId2"/>
-          <a:stretch>
-            <a:fillRect/>
-          </a:stretch>
+          <a:srcRect l="16006" t="4257" r="17182" b="7828"/>
+          <a:stretch/>
         </p:blipFill>
         <p:spPr>
           <a:xfrm>
-            <a:off x="191048" y="2709516"/>
-            <a:ext cx="3132435" cy="3106068"/>
+            <a:off x="568036" y="2382271"/>
+            <a:ext cx="2601884" cy="3391471"/>
           </a:xfrm>
           <a:prstGeom prst="rect">
             <a:avLst/>
           </a:prstGeom>
         </p:spPr>
       </p:pic>
+      <p:sp>
+        <p:nvSpPr>
+          <p:cNvPr id="4" name="文本框 3">
+            <a:extLst>
+              <a:ext uri="{FF2B5EF4-FFF2-40B4-BE49-F238E27FC236}">
+                <a16:creationId xmlns:a16="http://schemas.microsoft.com/office/drawing/2014/main" id="{A1127DEA-3BC5-BF94-A29D-ECC3339C4DE2}"/>
+              </a:ext>
+            </a:extLst>
+          </p:cNvPr>
+          <p:cNvSpPr txBox="1"/>
+          <p:nvPr/>
+        </p:nvSpPr>
+        <p:spPr>
+          <a:xfrm>
+            <a:off x="758952" y="649224"/>
+            <a:ext cx="1569660" cy="369332"/>
+          </a:xfrm>
+          <a:prstGeom prst="rect">
+            <a:avLst/>
+          </a:prstGeom>
+          <a:noFill/>
+        </p:spPr>
+        <p:txBody>
+          <a:bodyPr wrap="none" rtlCol="0">
+            <a:spAutoFit/>
+          </a:bodyPr>
+          <a:lstStyle/>
+          <a:p>
+            <a:r>
+              <a:rPr lang="zh-CN" altLang="en-US" dirty="0"/>
+              <a:t>流控制器模块</a:t>
+            </a:r>
+          </a:p>
+        </p:txBody>
+      </p:sp>
       <p:pic>
         <p:nvPicPr>
-          <p:cNvPr id="5" name="图片 4">
-            <a:extLst>
-              <a:ext uri="{FF2B5EF4-FFF2-40B4-BE49-F238E27FC236}">
-                <a16:creationId xmlns:a16="http://schemas.microsoft.com/office/drawing/2014/main" id="{F98ADEFF-B93D-7178-1EA8-AD8988863507}"/>
+          <p:cNvPr id="12" name="图片 11">
+            <a:extLst>
+              <a:ext uri="{FF2B5EF4-FFF2-40B4-BE49-F238E27FC236}">
+                <a16:creationId xmlns:a16="http://schemas.microsoft.com/office/drawing/2014/main" id="{0AF4E318-7BC1-979C-6986-348FB6EAB04A}"/>
               </a:ext>
             </a:extLst>
           </p:cNvPr>
@@ -5937,54 +8570,18 @@
         </p:blipFill>
         <p:spPr>
           <a:xfrm>
-            <a:off x="3410712" y="2307180"/>
-            <a:ext cx="8431412" cy="3910740"/>
+            <a:off x="3297381" y="2382271"/>
+            <a:ext cx="8043395" cy="3527075"/>
           </a:xfrm>
           <a:prstGeom prst="rect">
             <a:avLst/>
           </a:prstGeom>
         </p:spPr>
       </p:pic>
-      <p:sp>
-        <p:nvSpPr>
-          <p:cNvPr id="6" name="文本框 5">
-            <a:extLst>
-              <a:ext uri="{FF2B5EF4-FFF2-40B4-BE49-F238E27FC236}">
-                <a16:creationId xmlns:a16="http://schemas.microsoft.com/office/drawing/2014/main" id="{B6E9D544-4768-D207-257E-2E0CCA257FD8}"/>
-              </a:ext>
-            </a:extLst>
-          </p:cNvPr>
-          <p:cNvSpPr txBox="1"/>
-          <p:nvPr/>
-        </p:nvSpPr>
-        <p:spPr>
-          <a:xfrm>
-            <a:off x="749808" y="777240"/>
-            <a:ext cx="739305" cy="369332"/>
-          </a:xfrm>
-          <a:prstGeom prst="rect">
-            <a:avLst/>
-          </a:prstGeom>
-          <a:noFill/>
-        </p:spPr>
-        <p:txBody>
-          <a:bodyPr wrap="none" rtlCol="0">
-            <a:spAutoFit/>
-          </a:bodyPr>
-          <a:lstStyle/>
-          <a:p>
-            <a:r>
-              <a:rPr lang="en-US" altLang="zh-CN" dirty="0"/>
-              <a:t>UART</a:t>
-            </a:r>
-            <a:endParaRPr lang="zh-CN" altLang="en-US" dirty="0"/>
-          </a:p>
-        </p:txBody>
-      </p:sp>
     </p:spTree>
     <p:extLst>
       <p:ext uri="{BB962C8B-B14F-4D97-AF65-F5344CB8AC3E}">
-        <p14:creationId xmlns:p14="http://schemas.microsoft.com/office/powerpoint/2010/main" val="12742870"/>
+        <p14:creationId xmlns:p14="http://schemas.microsoft.com/office/powerpoint/2010/main" val="2372786023"/>
       </p:ext>
     </p:extLst>
   </p:cSld>

--- a/figures/2024年5月29日-RTMQ系统图片.pptx
+++ b/figures/2024年5月29日-RTMQ系统图片.pptx
@@ -6,31 +6,35 @@
   </p:sldMasterIdLst>
   <p:sldIdLst>
     <p:sldId id="278" r:id="rId2"/>
-    <p:sldId id="279" r:id="rId3"/>
-    <p:sldId id="280" r:id="rId4"/>
-    <p:sldId id="281" r:id="rId5"/>
-    <p:sldId id="256" r:id="rId6"/>
-    <p:sldId id="263" r:id="rId7"/>
-    <p:sldId id="257" r:id="rId8"/>
-    <p:sldId id="262" r:id="rId9"/>
-    <p:sldId id="258" r:id="rId10"/>
-    <p:sldId id="261" r:id="rId11"/>
-    <p:sldId id="260" r:id="rId12"/>
-    <p:sldId id="276" r:id="rId13"/>
-    <p:sldId id="269" r:id="rId14"/>
-    <p:sldId id="270" r:id="rId15"/>
-    <p:sldId id="264" r:id="rId16"/>
-    <p:sldId id="265" r:id="rId17"/>
-    <p:sldId id="266" r:id="rId18"/>
-    <p:sldId id="271" r:id="rId19"/>
-    <p:sldId id="272" r:id="rId20"/>
-    <p:sldId id="277" r:id="rId21"/>
-    <p:sldId id="273" r:id="rId22"/>
-    <p:sldId id="274" r:id="rId23"/>
-    <p:sldId id="275" r:id="rId24"/>
-    <p:sldId id="268" r:id="rId25"/>
-    <p:sldId id="267" r:id="rId26"/>
-    <p:sldId id="259" r:id="rId27"/>
+    <p:sldId id="282" r:id="rId3"/>
+    <p:sldId id="279" r:id="rId4"/>
+    <p:sldId id="280" r:id="rId5"/>
+    <p:sldId id="281" r:id="rId6"/>
+    <p:sldId id="256" r:id="rId7"/>
+    <p:sldId id="263" r:id="rId8"/>
+    <p:sldId id="285" r:id="rId9"/>
+    <p:sldId id="257" r:id="rId10"/>
+    <p:sldId id="262" r:id="rId11"/>
+    <p:sldId id="258" r:id="rId12"/>
+    <p:sldId id="261" r:id="rId13"/>
+    <p:sldId id="260" r:id="rId14"/>
+    <p:sldId id="276" r:id="rId15"/>
+    <p:sldId id="269" r:id="rId16"/>
+    <p:sldId id="270" r:id="rId17"/>
+    <p:sldId id="264" r:id="rId18"/>
+    <p:sldId id="265" r:id="rId19"/>
+    <p:sldId id="266" r:id="rId20"/>
+    <p:sldId id="271" r:id="rId21"/>
+    <p:sldId id="272" r:id="rId22"/>
+    <p:sldId id="277" r:id="rId23"/>
+    <p:sldId id="273" r:id="rId24"/>
+    <p:sldId id="274" r:id="rId25"/>
+    <p:sldId id="275" r:id="rId26"/>
+    <p:sldId id="268" r:id="rId27"/>
+    <p:sldId id="283" r:id="rId28"/>
+    <p:sldId id="267" r:id="rId29"/>
+    <p:sldId id="284" r:id="rId30"/>
+    <p:sldId id="259" r:id="rId31"/>
   </p:sldIdLst>
   <p:sldSz cx="12192000" cy="6858000"/>
   <p:notesSz cx="6858000" cy="9144000"/>
@@ -284,7 +288,7 @@
           <a:p>
             <a:fld id="{0E121E22-2FF5-48CA-AC53-4FC38697DE1E}" type="datetimeFigureOut">
               <a:rPr lang="zh-CN" altLang="en-US" smtClean="0"/>
-              <a:t>2024-05-31</a:t>
+              <a:t>2024-06-10</a:t>
             </a:fld>
             <a:endParaRPr lang="zh-CN" altLang="en-US"/>
           </a:p>
@@ -482,7 +486,7 @@
           <a:p>
             <a:fld id="{0E121E22-2FF5-48CA-AC53-4FC38697DE1E}" type="datetimeFigureOut">
               <a:rPr lang="zh-CN" altLang="en-US" smtClean="0"/>
-              <a:t>2024-05-31</a:t>
+              <a:t>2024-06-10</a:t>
             </a:fld>
             <a:endParaRPr lang="zh-CN" altLang="en-US"/>
           </a:p>
@@ -690,7 +694,7 @@
           <a:p>
             <a:fld id="{0E121E22-2FF5-48CA-AC53-4FC38697DE1E}" type="datetimeFigureOut">
               <a:rPr lang="zh-CN" altLang="en-US" smtClean="0"/>
-              <a:t>2024-05-31</a:t>
+              <a:t>2024-06-10</a:t>
             </a:fld>
             <a:endParaRPr lang="zh-CN" altLang="en-US"/>
           </a:p>
@@ -888,7 +892,7 @@
           <a:p>
             <a:fld id="{0E121E22-2FF5-48CA-AC53-4FC38697DE1E}" type="datetimeFigureOut">
               <a:rPr lang="zh-CN" altLang="en-US" smtClean="0"/>
-              <a:t>2024-05-31</a:t>
+              <a:t>2024-06-10</a:t>
             </a:fld>
             <a:endParaRPr lang="zh-CN" altLang="en-US"/>
           </a:p>
@@ -1163,7 +1167,7 @@
           <a:p>
             <a:fld id="{0E121E22-2FF5-48CA-AC53-4FC38697DE1E}" type="datetimeFigureOut">
               <a:rPr lang="zh-CN" altLang="en-US" smtClean="0"/>
-              <a:t>2024-05-31</a:t>
+              <a:t>2024-06-10</a:t>
             </a:fld>
             <a:endParaRPr lang="zh-CN" altLang="en-US"/>
           </a:p>
@@ -1428,7 +1432,7 @@
           <a:p>
             <a:fld id="{0E121E22-2FF5-48CA-AC53-4FC38697DE1E}" type="datetimeFigureOut">
               <a:rPr lang="zh-CN" altLang="en-US" smtClean="0"/>
-              <a:t>2024-05-31</a:t>
+              <a:t>2024-06-10</a:t>
             </a:fld>
             <a:endParaRPr lang="zh-CN" altLang="en-US"/>
           </a:p>
@@ -1840,7 +1844,7 @@
           <a:p>
             <a:fld id="{0E121E22-2FF5-48CA-AC53-4FC38697DE1E}" type="datetimeFigureOut">
               <a:rPr lang="zh-CN" altLang="en-US" smtClean="0"/>
-              <a:t>2024-05-31</a:t>
+              <a:t>2024-06-10</a:t>
             </a:fld>
             <a:endParaRPr lang="zh-CN" altLang="en-US"/>
           </a:p>
@@ -1981,7 +1985,7 @@
           <a:p>
             <a:fld id="{0E121E22-2FF5-48CA-AC53-4FC38697DE1E}" type="datetimeFigureOut">
               <a:rPr lang="zh-CN" altLang="en-US" smtClean="0"/>
-              <a:t>2024-05-31</a:t>
+              <a:t>2024-06-10</a:t>
             </a:fld>
             <a:endParaRPr lang="zh-CN" altLang="en-US"/>
           </a:p>
@@ -2094,7 +2098,7 @@
           <a:p>
             <a:fld id="{0E121E22-2FF5-48CA-AC53-4FC38697DE1E}" type="datetimeFigureOut">
               <a:rPr lang="zh-CN" altLang="en-US" smtClean="0"/>
-              <a:t>2024-05-31</a:t>
+              <a:t>2024-06-10</a:t>
             </a:fld>
             <a:endParaRPr lang="zh-CN" altLang="en-US"/>
           </a:p>
@@ -2405,7 +2409,7 @@
           <a:p>
             <a:fld id="{0E121E22-2FF5-48CA-AC53-4FC38697DE1E}" type="datetimeFigureOut">
               <a:rPr lang="zh-CN" altLang="en-US" smtClean="0"/>
-              <a:t>2024-05-31</a:t>
+              <a:t>2024-06-10</a:t>
             </a:fld>
             <a:endParaRPr lang="zh-CN" altLang="en-US"/>
           </a:p>
@@ -2693,7 +2697,7 @@
           <a:p>
             <a:fld id="{0E121E22-2FF5-48CA-AC53-4FC38697DE1E}" type="datetimeFigureOut">
               <a:rPr lang="zh-CN" altLang="en-US" smtClean="0"/>
-              <a:t>2024-05-31</a:t>
+              <a:t>2024-06-10</a:t>
             </a:fld>
             <a:endParaRPr lang="zh-CN" altLang="en-US"/>
           </a:p>
@@ -2934,7 +2938,7 @@
           <a:p>
             <a:fld id="{0E121E22-2FF5-48CA-AC53-4FC38697DE1E}" type="datetimeFigureOut">
               <a:rPr lang="zh-CN" altLang="en-US" smtClean="0"/>
-              <a:t>2024-05-31</a:t>
+              <a:t>2024-06-10</a:t>
             </a:fld>
             <a:endParaRPr lang="zh-CN" altLang="en-US"/>
           </a:p>
@@ -5326,12 +5330,71 @@
           <a:chExt cx="0" cy="0"/>
         </a:xfrm>
       </p:grpSpPr>
+      <p:sp>
+        <p:nvSpPr>
+          <p:cNvPr id="3" name="文本框 2">
+            <a:extLst>
+              <a:ext uri="{FF2B5EF4-FFF2-40B4-BE49-F238E27FC236}">
+                <a16:creationId xmlns:a16="http://schemas.microsoft.com/office/drawing/2014/main" id="{9ECD097B-0711-545A-DF45-CC569AFCE1F1}"/>
+              </a:ext>
+            </a:extLst>
+          </p:cNvPr>
+          <p:cNvSpPr txBox="1"/>
+          <p:nvPr/>
+        </p:nvSpPr>
+        <p:spPr>
+          <a:xfrm>
+            <a:off x="3367278" y="3046952"/>
+            <a:ext cx="6094476" cy="1477328"/>
+          </a:xfrm>
+          <a:prstGeom prst="rect">
+            <a:avLst/>
+          </a:prstGeom>
+          <a:noFill/>
+        </p:spPr>
+        <p:txBody>
+          <a:bodyPr wrap="square">
+            <a:spAutoFit/>
+          </a:bodyPr>
+          <a:lstStyle/>
+          <a:p>
+            <a:r>
+              <a:rPr lang="zh-CN" altLang="en-US" dirty="0"/>
+              <a:t>LUT	4440	134600	3.2986627</a:t>
+            </a:r>
+          </a:p>
+          <a:p>
+            <a:r>
+              <a:rPr lang="zh-CN" altLang="en-US" dirty="0"/>
+              <a:t>LUTRAM	33	46200	0.07142857</a:t>
+            </a:r>
+          </a:p>
+          <a:p>
+            <a:r>
+              <a:rPr lang="zh-CN" altLang="en-US" dirty="0"/>
+              <a:t>FF	1525	269200	0.5664933</a:t>
+            </a:r>
+          </a:p>
+          <a:p>
+            <a:r>
+              <a:rPr lang="zh-CN" altLang="en-US" dirty="0"/>
+              <a:t>IO	8294	400	2073.5</a:t>
+            </a:r>
+          </a:p>
+          <a:p>
+            <a:r>
+              <a:rPr lang="zh-CN" altLang="en-US" dirty="0"/>
+              <a:t>BUFG	1	32	3.125</a:t>
+            </a:r>
+          </a:p>
+        </p:txBody>
+      </p:sp>
       <p:pic>
         <p:nvPicPr>
-          <p:cNvPr id="3" name="图片 2">
-            <a:extLst>
-              <a:ext uri="{FF2B5EF4-FFF2-40B4-BE49-F238E27FC236}">
-                <a16:creationId xmlns:a16="http://schemas.microsoft.com/office/drawing/2014/main" id="{FCCDAF10-20DB-A31C-A887-426F934DA212}"/>
+          <p:cNvPr id="5" name="图片 4">
+            <a:extLst>
+              <a:ext uri="{FF2B5EF4-FFF2-40B4-BE49-F238E27FC236}">
+                <a16:creationId xmlns:a16="http://schemas.microsoft.com/office/drawing/2014/main" id="{02EB6554-B0F6-6121-993D-2A235CCBA22F}"/>
               </a:ext>
             </a:extLst>
           </p:cNvPr>
@@ -5340,90 +5403,26 @@
           </p:cNvPicPr>
           <p:nvPr/>
         </p:nvPicPr>
-        <p:blipFill rotWithShape="1">
+        <p:blipFill>
           <a:blip r:embed="rId2"/>
-          <a:srcRect l="8259" t="9692" r="4072" b="8154"/>
-          <a:stretch/>
-        </p:blipFill>
-        <p:spPr>
-          <a:xfrm>
-            <a:off x="447720" y="3017609"/>
-            <a:ext cx="3033592" cy="2443345"/>
-          </a:xfrm>
-          <a:prstGeom prst="rect">
-            <a:avLst/>
-          </a:prstGeom>
-        </p:spPr>
-      </p:pic>
-      <p:pic>
-        <p:nvPicPr>
-          <p:cNvPr id="5" name="图片 4">
-            <a:extLst>
-              <a:ext uri="{FF2B5EF4-FFF2-40B4-BE49-F238E27FC236}">
-                <a16:creationId xmlns:a16="http://schemas.microsoft.com/office/drawing/2014/main" id="{F66C0CBB-879D-E09C-76E9-09A823CBDC8C}"/>
-              </a:ext>
-            </a:extLst>
-          </p:cNvPr>
-          <p:cNvPicPr>
-            <a:picLocks noChangeAspect="1"/>
-          </p:cNvPicPr>
-          <p:nvPr/>
-        </p:nvPicPr>
-        <p:blipFill>
-          <a:blip r:embed="rId3"/>
           <a:stretch>
             <a:fillRect/>
           </a:stretch>
         </p:blipFill>
         <p:spPr>
           <a:xfrm>
-            <a:off x="3578058" y="2493018"/>
-            <a:ext cx="7943792" cy="3492529"/>
+            <a:off x="2582227" y="277558"/>
+            <a:ext cx="7210425" cy="2352675"/>
           </a:xfrm>
           <a:prstGeom prst="rect">
             <a:avLst/>
           </a:prstGeom>
         </p:spPr>
       </p:pic>
-      <p:sp>
-        <p:nvSpPr>
-          <p:cNvPr id="6" name="文本框 5">
-            <a:extLst>
-              <a:ext uri="{FF2B5EF4-FFF2-40B4-BE49-F238E27FC236}">
-                <a16:creationId xmlns:a16="http://schemas.microsoft.com/office/drawing/2014/main" id="{F06DE061-FBE3-04D0-194F-D8F9C7EECF6C}"/>
-              </a:ext>
-            </a:extLst>
-          </p:cNvPr>
-          <p:cNvSpPr txBox="1"/>
-          <p:nvPr/>
-        </p:nvSpPr>
-        <p:spPr>
-          <a:xfrm>
-            <a:off x="594360" y="493776"/>
-            <a:ext cx="1569660" cy="369332"/>
-          </a:xfrm>
-          <a:prstGeom prst="rect">
-            <a:avLst/>
-          </a:prstGeom>
-          <a:noFill/>
-        </p:spPr>
-        <p:txBody>
-          <a:bodyPr wrap="none" rtlCol="0">
-            <a:spAutoFit/>
-          </a:bodyPr>
-          <a:lstStyle/>
-          <a:p>
-            <a:r>
-              <a:rPr lang="zh-CN" altLang="en-US" dirty="0"/>
-              <a:t>时间管理模块</a:t>
-            </a:r>
-          </a:p>
-        </p:txBody>
-      </p:sp>
     </p:spTree>
     <p:extLst>
       <p:ext uri="{BB962C8B-B14F-4D97-AF65-F5344CB8AC3E}">
-        <p14:creationId xmlns:p14="http://schemas.microsoft.com/office/powerpoint/2010/main" val="464093984"/>
+        <p14:creationId xmlns:p14="http://schemas.microsoft.com/office/powerpoint/2010/main" val="2279343953"/>
       </p:ext>
     </p:extLst>
   </p:cSld>
@@ -5455,7 +5454,7 @@
           <p:cNvPr id="3" name="图片 2">
             <a:extLst>
               <a:ext uri="{FF2B5EF4-FFF2-40B4-BE49-F238E27FC236}">
-                <a16:creationId xmlns:a16="http://schemas.microsoft.com/office/drawing/2014/main" id="{88977F76-5BC3-2E22-A0F4-3C6C1D1739BF}"/>
+                <a16:creationId xmlns:a16="http://schemas.microsoft.com/office/drawing/2014/main" id="{090E2843-D019-7D05-7918-196D67C508F3}"/>
               </a:ext>
             </a:extLst>
           </p:cNvPr>
@@ -5466,13 +5465,13 @@
         </p:nvPicPr>
         <p:blipFill rotWithShape="1">
           <a:blip r:embed="rId2"/>
-          <a:srcRect l="11288" r="7139"/>
+          <a:srcRect l="16006" t="4257" r="17182" b="7828"/>
           <a:stretch/>
         </p:blipFill>
         <p:spPr>
           <a:xfrm>
-            <a:off x="415637" y="2475824"/>
-            <a:ext cx="2982329" cy="3286013"/>
+            <a:off x="568036" y="2382271"/>
+            <a:ext cx="2601884" cy="3391471"/>
           </a:xfrm>
           <a:prstGeom prst="rect">
             <a:avLst/>
@@ -5484,7 +5483,7 @@
           <p:cNvPr id="4" name="文本框 3">
             <a:extLst>
               <a:ext uri="{FF2B5EF4-FFF2-40B4-BE49-F238E27FC236}">
-                <a16:creationId xmlns:a16="http://schemas.microsoft.com/office/drawing/2014/main" id="{12803C3E-5F8F-1CA5-5919-0D7C6D4257FE}"/>
+                <a16:creationId xmlns:a16="http://schemas.microsoft.com/office/drawing/2014/main" id="{A1127DEA-3BC5-BF94-A29D-ECC3339C4DE2}"/>
               </a:ext>
             </a:extLst>
           </p:cNvPr>
@@ -5493,8 +5492,8 @@
         </p:nvSpPr>
         <p:spPr>
           <a:xfrm>
-            <a:off x="905256" y="822960"/>
-            <a:ext cx="2031325" cy="369332"/>
+            <a:off x="758952" y="649224"/>
+            <a:ext cx="1569660" cy="369332"/>
           </a:xfrm>
           <a:prstGeom prst="rect">
             <a:avLst/>
@@ -5509,17 +5508,17 @@
           <a:p>
             <a:r>
               <a:rPr lang="zh-CN" altLang="en-US" dirty="0"/>
-              <a:t>算法逻辑单元模块</a:t>
+              <a:t>流控制器模块</a:t>
             </a:r>
           </a:p>
         </p:txBody>
       </p:sp>
       <p:pic>
         <p:nvPicPr>
-          <p:cNvPr id="8" name="图片 7">
-            <a:extLst>
-              <a:ext uri="{FF2B5EF4-FFF2-40B4-BE49-F238E27FC236}">
-                <a16:creationId xmlns:a16="http://schemas.microsoft.com/office/drawing/2014/main" id="{A4D8E8E3-A767-49F2-811D-E06EA01D9829}"/>
+          <p:cNvPr id="12" name="图片 11">
+            <a:extLst>
+              <a:ext uri="{FF2B5EF4-FFF2-40B4-BE49-F238E27FC236}">
+                <a16:creationId xmlns:a16="http://schemas.microsoft.com/office/drawing/2014/main" id="{0AF4E318-7BC1-979C-6986-348FB6EAB04A}"/>
               </a:ext>
             </a:extLst>
           </p:cNvPr>
@@ -5536,8 +5535,8 @@
         </p:blipFill>
         <p:spPr>
           <a:xfrm>
-            <a:off x="3602181" y="1937852"/>
-            <a:ext cx="8342526" cy="4289765"/>
+            <a:off x="3297381" y="2382271"/>
+            <a:ext cx="8043395" cy="3527075"/>
           </a:xfrm>
           <a:prstGeom prst="rect">
             <a:avLst/>
@@ -5547,7 +5546,7 @@
     </p:spTree>
     <p:extLst>
       <p:ext uri="{BB962C8B-B14F-4D97-AF65-F5344CB8AC3E}">
-        <p14:creationId xmlns:p14="http://schemas.microsoft.com/office/powerpoint/2010/main" val="646237645"/>
+        <p14:creationId xmlns:p14="http://schemas.microsoft.com/office/powerpoint/2010/main" val="2372786023"/>
       </p:ext>
     </p:extLst>
   </p:cSld>
@@ -5579,7 +5578,7 @@
           <p:cNvPr id="3" name="图片 2">
             <a:extLst>
               <a:ext uri="{FF2B5EF4-FFF2-40B4-BE49-F238E27FC236}">
-                <a16:creationId xmlns:a16="http://schemas.microsoft.com/office/drawing/2014/main" id="{30C6D799-A98A-2747-D3E8-15181EE06FA0}"/>
+                <a16:creationId xmlns:a16="http://schemas.microsoft.com/office/drawing/2014/main" id="{FCCDAF10-20DB-A31C-A887-426F934DA212}"/>
               </a:ext>
             </a:extLst>
           </p:cNvPr>
@@ -5588,16 +5587,15 @@
           </p:cNvPicPr>
           <p:nvPr/>
         </p:nvPicPr>
-        <p:blipFill>
+        <p:blipFill rotWithShape="1">
           <a:blip r:embed="rId2"/>
-          <a:stretch>
-            <a:fillRect/>
-          </a:stretch>
+          <a:srcRect l="8259" t="9692" r="4072" b="8154"/>
+          <a:stretch/>
         </p:blipFill>
         <p:spPr>
           <a:xfrm>
-            <a:off x="141694" y="2176273"/>
-            <a:ext cx="3128185" cy="3044952"/>
+            <a:off x="447720" y="3017609"/>
+            <a:ext cx="3033592" cy="2443345"/>
           </a:xfrm>
           <a:prstGeom prst="rect">
             <a:avLst/>
@@ -5609,7 +5607,7 @@
           <p:cNvPr id="5" name="图片 4">
             <a:extLst>
               <a:ext uri="{FF2B5EF4-FFF2-40B4-BE49-F238E27FC236}">
-                <a16:creationId xmlns:a16="http://schemas.microsoft.com/office/drawing/2014/main" id="{5BEB75BF-06DD-06B4-6126-3FD538396695}"/>
+                <a16:creationId xmlns:a16="http://schemas.microsoft.com/office/drawing/2014/main" id="{F66C0CBB-879D-E09C-76E9-09A823CBDC8C}"/>
               </a:ext>
             </a:extLst>
           </p:cNvPr>
@@ -5626,8 +5624,8 @@
         </p:blipFill>
         <p:spPr>
           <a:xfrm>
-            <a:off x="3269879" y="1787370"/>
-            <a:ext cx="8579039" cy="3822757"/>
+            <a:off x="3578058" y="2493018"/>
+            <a:ext cx="7943792" cy="3492529"/>
           </a:xfrm>
           <a:prstGeom prst="rect">
             <a:avLst/>
@@ -5636,10 +5634,10 @@
       </p:pic>
       <p:sp>
         <p:nvSpPr>
-          <p:cNvPr id="2" name="文本框 1">
-            <a:extLst>
-              <a:ext uri="{FF2B5EF4-FFF2-40B4-BE49-F238E27FC236}">
-                <a16:creationId xmlns:a16="http://schemas.microsoft.com/office/drawing/2014/main" id="{1CE4DF3A-FD43-B11F-0E28-CD6AB19B0B47}"/>
+          <p:cNvPr id="6" name="文本框 5">
+            <a:extLst>
+              <a:ext uri="{FF2B5EF4-FFF2-40B4-BE49-F238E27FC236}">
+                <a16:creationId xmlns:a16="http://schemas.microsoft.com/office/drawing/2014/main" id="{F06DE061-FBE3-04D0-194F-D8F9C7EECF6C}"/>
               </a:ext>
             </a:extLst>
           </p:cNvPr>
@@ -5648,8 +5646,8 @@
         </p:nvSpPr>
         <p:spPr>
           <a:xfrm>
-            <a:off x="845127" y="595745"/>
-            <a:ext cx="1800493" cy="369332"/>
+            <a:off x="594360" y="493776"/>
+            <a:ext cx="1569660" cy="369332"/>
           </a:xfrm>
           <a:prstGeom prst="rect">
             <a:avLst/>
@@ -5664,7 +5662,7 @@
           <a:p>
             <a:r>
               <a:rPr lang="zh-CN" altLang="en-US" dirty="0"/>
-              <a:t>触发管理模块儿</a:t>
+              <a:t>时间管理模块</a:t>
             </a:r>
           </a:p>
         </p:txBody>
@@ -5672,7 +5670,7 @@
     </p:spTree>
     <p:extLst>
       <p:ext uri="{BB962C8B-B14F-4D97-AF65-F5344CB8AC3E}">
-        <p14:creationId xmlns:p14="http://schemas.microsoft.com/office/powerpoint/2010/main" val="3310027567"/>
+        <p14:creationId xmlns:p14="http://schemas.microsoft.com/office/powerpoint/2010/main" val="464093984"/>
       </p:ext>
     </p:extLst>
   </p:cSld>
@@ -5704,7 +5702,7 @@
           <p:cNvPr id="3" name="图片 2">
             <a:extLst>
               <a:ext uri="{FF2B5EF4-FFF2-40B4-BE49-F238E27FC236}">
-                <a16:creationId xmlns:a16="http://schemas.microsoft.com/office/drawing/2014/main" id="{53C58AB6-AF41-823D-E721-27BA7BB0605F}"/>
+                <a16:creationId xmlns:a16="http://schemas.microsoft.com/office/drawing/2014/main" id="{88977F76-5BC3-2E22-A0F4-3C6C1D1739BF}"/>
               </a:ext>
             </a:extLst>
           </p:cNvPr>
@@ -5713,28 +5711,62 @@
           </p:cNvPicPr>
           <p:nvPr/>
         </p:nvPicPr>
-        <p:blipFill>
+        <p:blipFill rotWithShape="1">
           <a:blip r:embed="rId2"/>
-          <a:stretch>
-            <a:fillRect/>
-          </a:stretch>
+          <a:srcRect l="11288" r="7139"/>
+          <a:stretch/>
         </p:blipFill>
         <p:spPr>
           <a:xfrm>
-            <a:off x="191048" y="2709516"/>
-            <a:ext cx="3132435" cy="3106068"/>
+            <a:off x="415637" y="2475824"/>
+            <a:ext cx="2982329" cy="3286013"/>
           </a:xfrm>
           <a:prstGeom prst="rect">
             <a:avLst/>
           </a:prstGeom>
         </p:spPr>
       </p:pic>
+      <p:sp>
+        <p:nvSpPr>
+          <p:cNvPr id="4" name="文本框 3">
+            <a:extLst>
+              <a:ext uri="{FF2B5EF4-FFF2-40B4-BE49-F238E27FC236}">
+                <a16:creationId xmlns:a16="http://schemas.microsoft.com/office/drawing/2014/main" id="{12803C3E-5F8F-1CA5-5919-0D7C6D4257FE}"/>
+              </a:ext>
+            </a:extLst>
+          </p:cNvPr>
+          <p:cNvSpPr txBox="1"/>
+          <p:nvPr/>
+        </p:nvSpPr>
+        <p:spPr>
+          <a:xfrm>
+            <a:off x="905256" y="822960"/>
+            <a:ext cx="2031325" cy="369332"/>
+          </a:xfrm>
+          <a:prstGeom prst="rect">
+            <a:avLst/>
+          </a:prstGeom>
+          <a:noFill/>
+        </p:spPr>
+        <p:txBody>
+          <a:bodyPr wrap="none" rtlCol="0">
+            <a:spAutoFit/>
+          </a:bodyPr>
+          <a:lstStyle/>
+          <a:p>
+            <a:r>
+              <a:rPr lang="zh-CN" altLang="en-US" dirty="0"/>
+              <a:t>算法逻辑单元模块</a:t>
+            </a:r>
+          </a:p>
+        </p:txBody>
+      </p:sp>
       <p:pic>
         <p:nvPicPr>
-          <p:cNvPr id="5" name="图片 4">
-            <a:extLst>
-              <a:ext uri="{FF2B5EF4-FFF2-40B4-BE49-F238E27FC236}">
-                <a16:creationId xmlns:a16="http://schemas.microsoft.com/office/drawing/2014/main" id="{F98ADEFF-B93D-7178-1EA8-AD8988863507}"/>
+          <p:cNvPr id="8" name="图片 7">
+            <a:extLst>
+              <a:ext uri="{FF2B5EF4-FFF2-40B4-BE49-F238E27FC236}">
+                <a16:creationId xmlns:a16="http://schemas.microsoft.com/office/drawing/2014/main" id="{A4D8E8E3-A767-49F2-811D-E06EA01D9829}"/>
               </a:ext>
             </a:extLst>
           </p:cNvPr>
@@ -5751,54 +5783,18 @@
         </p:blipFill>
         <p:spPr>
           <a:xfrm>
-            <a:off x="3410712" y="2307180"/>
-            <a:ext cx="8431412" cy="3910740"/>
+            <a:off x="3602181" y="1937852"/>
+            <a:ext cx="8342526" cy="4289765"/>
           </a:xfrm>
           <a:prstGeom prst="rect">
             <a:avLst/>
           </a:prstGeom>
         </p:spPr>
       </p:pic>
-      <p:sp>
-        <p:nvSpPr>
-          <p:cNvPr id="6" name="文本框 5">
-            <a:extLst>
-              <a:ext uri="{FF2B5EF4-FFF2-40B4-BE49-F238E27FC236}">
-                <a16:creationId xmlns:a16="http://schemas.microsoft.com/office/drawing/2014/main" id="{B6E9D544-4768-D207-257E-2E0CCA257FD8}"/>
-              </a:ext>
-            </a:extLst>
-          </p:cNvPr>
-          <p:cNvSpPr txBox="1"/>
-          <p:nvPr/>
-        </p:nvSpPr>
-        <p:spPr>
-          <a:xfrm>
-            <a:off x="749808" y="777240"/>
-            <a:ext cx="739305" cy="369332"/>
-          </a:xfrm>
-          <a:prstGeom prst="rect">
-            <a:avLst/>
-          </a:prstGeom>
-          <a:noFill/>
-        </p:spPr>
-        <p:txBody>
-          <a:bodyPr wrap="none" rtlCol="0">
-            <a:spAutoFit/>
-          </a:bodyPr>
-          <a:lstStyle/>
-          <a:p>
-            <a:r>
-              <a:rPr lang="en-US" altLang="zh-CN" dirty="0"/>
-              <a:t>UART</a:t>
-            </a:r>
-            <a:endParaRPr lang="zh-CN" altLang="en-US" dirty="0"/>
-          </a:p>
-        </p:txBody>
-      </p:sp>
     </p:spTree>
     <p:extLst>
       <p:ext uri="{BB962C8B-B14F-4D97-AF65-F5344CB8AC3E}">
-        <p14:creationId xmlns:p14="http://schemas.microsoft.com/office/powerpoint/2010/main" val="12742870"/>
+        <p14:creationId xmlns:p14="http://schemas.microsoft.com/office/powerpoint/2010/main" val="646237645"/>
       </p:ext>
     </p:extLst>
   </p:cSld>
@@ -5830,7 +5826,7 @@
           <p:cNvPr id="3" name="图片 2">
             <a:extLst>
               <a:ext uri="{FF2B5EF4-FFF2-40B4-BE49-F238E27FC236}">
-                <a16:creationId xmlns:a16="http://schemas.microsoft.com/office/drawing/2014/main" id="{E621E686-EBC5-232B-4E44-5D8D1EF3592F}"/>
+                <a16:creationId xmlns:a16="http://schemas.microsoft.com/office/drawing/2014/main" id="{30C6D799-A98A-2747-D3E8-15181EE06FA0}"/>
               </a:ext>
             </a:extLst>
           </p:cNvPr>
@@ -5847,8 +5843,8 @@
         </p:blipFill>
         <p:spPr>
           <a:xfrm>
-            <a:off x="200915" y="2103120"/>
-            <a:ext cx="3390531" cy="3163824"/>
+            <a:off x="141694" y="2176273"/>
+            <a:ext cx="3128185" cy="3044952"/>
           </a:xfrm>
           <a:prstGeom prst="rect">
             <a:avLst/>
@@ -5860,7 +5856,7 @@
           <p:cNvPr id="5" name="图片 4">
             <a:extLst>
               <a:ext uri="{FF2B5EF4-FFF2-40B4-BE49-F238E27FC236}">
-                <a16:creationId xmlns:a16="http://schemas.microsoft.com/office/drawing/2014/main" id="{2D63422D-B5EF-1F05-0B3A-53FFBCE0F03B}"/>
+                <a16:creationId xmlns:a16="http://schemas.microsoft.com/office/drawing/2014/main" id="{5BEB75BF-06DD-06B4-6126-3FD538396695}"/>
               </a:ext>
             </a:extLst>
           </p:cNvPr>
@@ -5877,8 +5873,8 @@
         </p:blipFill>
         <p:spPr>
           <a:xfrm>
-            <a:off x="3310128" y="1591056"/>
-            <a:ext cx="8461248" cy="3917434"/>
+            <a:off x="3269879" y="1787370"/>
+            <a:ext cx="8579039" cy="3822757"/>
           </a:xfrm>
           <a:prstGeom prst="rect">
             <a:avLst/>
@@ -5887,10 +5883,10 @@
       </p:pic>
       <p:sp>
         <p:nvSpPr>
-          <p:cNvPr id="7" name="文本框 6">
-            <a:extLst>
-              <a:ext uri="{FF2B5EF4-FFF2-40B4-BE49-F238E27FC236}">
-                <a16:creationId xmlns:a16="http://schemas.microsoft.com/office/drawing/2014/main" id="{6F70AFD7-2C86-4220-A60E-D98B6171B0F0}"/>
+          <p:cNvPr id="2" name="文本框 1">
+            <a:extLst>
+              <a:ext uri="{FF2B5EF4-FFF2-40B4-BE49-F238E27FC236}">
+                <a16:creationId xmlns:a16="http://schemas.microsoft.com/office/drawing/2014/main" id="{1CE4DF3A-FD43-B11F-0E28-CD6AB19B0B47}"/>
               </a:ext>
             </a:extLst>
           </p:cNvPr>
@@ -5899,8 +5895,8 @@
         </p:nvSpPr>
         <p:spPr>
           <a:xfrm>
-            <a:off x="667512" y="667512"/>
-            <a:ext cx="1029449" cy="369332"/>
+            <a:off x="845127" y="595745"/>
+            <a:ext cx="1800493" cy="369332"/>
           </a:xfrm>
           <a:prstGeom prst="rect">
             <a:avLst/>
@@ -5914,17 +5910,16 @@
           <a:lstStyle/>
           <a:p>
             <a:r>
-              <a:rPr lang="en-US" altLang="zh-CN" dirty="0" err="1"/>
-              <a:t>ExtUART</a:t>
-            </a:r>
-            <a:endParaRPr lang="zh-CN" altLang="en-US" dirty="0"/>
+              <a:rPr lang="zh-CN" altLang="en-US" dirty="0"/>
+              <a:t>触发管理模块儿</a:t>
+            </a:r>
           </a:p>
         </p:txBody>
       </p:sp>
     </p:spTree>
     <p:extLst>
       <p:ext uri="{BB962C8B-B14F-4D97-AF65-F5344CB8AC3E}">
-        <p14:creationId xmlns:p14="http://schemas.microsoft.com/office/powerpoint/2010/main" val="4185618548"/>
+        <p14:creationId xmlns:p14="http://schemas.microsoft.com/office/powerpoint/2010/main" val="3310027567"/>
       </p:ext>
     </p:extLst>
   </p:cSld>
@@ -5956,7 +5951,7 @@
           <p:cNvPr id="3" name="图片 2">
             <a:extLst>
               <a:ext uri="{FF2B5EF4-FFF2-40B4-BE49-F238E27FC236}">
-                <a16:creationId xmlns:a16="http://schemas.microsoft.com/office/drawing/2014/main" id="{D07F1AA7-A2AE-23BF-AE06-3B511E513AD6}"/>
+                <a16:creationId xmlns:a16="http://schemas.microsoft.com/office/drawing/2014/main" id="{53C58AB6-AF41-823D-E721-27BA7BB0605F}"/>
               </a:ext>
             </a:extLst>
           </p:cNvPr>
@@ -5965,15 +5960,16 @@
           </p:cNvPicPr>
           <p:nvPr/>
         </p:nvPicPr>
-        <p:blipFill rotWithShape="1">
+        <p:blipFill>
           <a:blip r:embed="rId2"/>
-          <a:srcRect l="8294" r="4206"/>
-          <a:stretch/>
+          <a:stretch>
+            <a:fillRect/>
+          </a:stretch>
         </p:blipFill>
         <p:spPr>
           <a:xfrm>
-            <a:off x="339436" y="1979230"/>
-            <a:ext cx="2923531" cy="3649385"/>
+            <a:off x="191048" y="2709516"/>
+            <a:ext cx="3132435" cy="3106068"/>
           </a:xfrm>
           <a:prstGeom prst="rect">
             <a:avLst/>
@@ -5985,7 +5981,7 @@
           <p:cNvPr id="5" name="图片 4">
             <a:extLst>
               <a:ext uri="{FF2B5EF4-FFF2-40B4-BE49-F238E27FC236}">
-                <a16:creationId xmlns:a16="http://schemas.microsoft.com/office/drawing/2014/main" id="{CCB84A25-A76A-BF6A-70CE-590B777DD8C2}"/>
+                <a16:creationId xmlns:a16="http://schemas.microsoft.com/office/drawing/2014/main" id="{F98ADEFF-B93D-7178-1EA8-AD8988863507}"/>
               </a:ext>
             </a:extLst>
           </p:cNvPr>
@@ -6002,8 +5998,8 @@
         </p:blipFill>
         <p:spPr>
           <a:xfrm>
-            <a:off x="3262967" y="1787649"/>
-            <a:ext cx="8654713" cy="4032549"/>
+            <a:off x="3410712" y="2307180"/>
+            <a:ext cx="8431412" cy="3910740"/>
           </a:xfrm>
           <a:prstGeom prst="rect">
             <a:avLst/>
@@ -6015,7 +6011,7 @@
           <p:cNvPr id="6" name="文本框 5">
             <a:extLst>
               <a:ext uri="{FF2B5EF4-FFF2-40B4-BE49-F238E27FC236}">
-                <a16:creationId xmlns:a16="http://schemas.microsoft.com/office/drawing/2014/main" id="{9E1A77E3-6013-6C86-A7D6-2DD1DAABEC8C}"/>
+                <a16:creationId xmlns:a16="http://schemas.microsoft.com/office/drawing/2014/main" id="{B6E9D544-4768-D207-257E-2E0CCA257FD8}"/>
               </a:ext>
             </a:extLst>
           </p:cNvPr>
@@ -6024,8 +6020,8 @@
         </p:nvSpPr>
         <p:spPr>
           <a:xfrm>
-            <a:off x="566928" y="493776"/>
-            <a:ext cx="949299" cy="369332"/>
+            <a:off x="749808" y="777240"/>
+            <a:ext cx="739305" cy="369332"/>
           </a:xfrm>
           <a:prstGeom prst="rect">
             <a:avLst/>
@@ -6040,19 +6036,16 @@
           <a:p>
             <a:r>
               <a:rPr lang="en-US" altLang="zh-CN" dirty="0"/>
-              <a:t>SPI</a:t>
-            </a:r>
-            <a:r>
-              <a:rPr lang="zh-CN" altLang="en-US" dirty="0"/>
-              <a:t>主机</a:t>
-            </a:r>
+              <a:t>UART</a:t>
+            </a:r>
+            <a:endParaRPr lang="zh-CN" altLang="en-US" dirty="0"/>
           </a:p>
         </p:txBody>
       </p:sp>
     </p:spTree>
     <p:extLst>
       <p:ext uri="{BB962C8B-B14F-4D97-AF65-F5344CB8AC3E}">
-        <p14:creationId xmlns:p14="http://schemas.microsoft.com/office/powerpoint/2010/main" val="3203456597"/>
+        <p14:creationId xmlns:p14="http://schemas.microsoft.com/office/powerpoint/2010/main" val="12742870"/>
       </p:ext>
     </p:extLst>
   </p:cSld>
@@ -6084,7 +6077,7 @@
           <p:cNvPr id="3" name="图片 2">
             <a:extLst>
               <a:ext uri="{FF2B5EF4-FFF2-40B4-BE49-F238E27FC236}">
-                <a16:creationId xmlns:a16="http://schemas.microsoft.com/office/drawing/2014/main" id="{2FE4BE10-C92B-27E2-B0D5-DA9074D8EF94}"/>
+                <a16:creationId xmlns:a16="http://schemas.microsoft.com/office/drawing/2014/main" id="{E621E686-EBC5-232B-4E44-5D8D1EF3592F}"/>
               </a:ext>
             </a:extLst>
           </p:cNvPr>
@@ -6093,15 +6086,16 @@
           </p:cNvPicPr>
           <p:nvPr/>
         </p:nvPicPr>
-        <p:blipFill rotWithShape="1">
+        <p:blipFill>
           <a:blip r:embed="rId2"/>
-          <a:srcRect l="3246" r="4794"/>
-          <a:stretch/>
+          <a:stretch>
+            <a:fillRect/>
+          </a:stretch>
         </p:blipFill>
         <p:spPr>
           <a:xfrm>
-            <a:off x="248277" y="1704801"/>
-            <a:ext cx="3305413" cy="3899916"/>
+            <a:off x="200915" y="2103120"/>
+            <a:ext cx="3390531" cy="3163824"/>
           </a:xfrm>
           <a:prstGeom prst="rect">
             <a:avLst/>
@@ -6113,7 +6107,7 @@
           <p:cNvPr id="5" name="图片 4">
             <a:extLst>
               <a:ext uri="{FF2B5EF4-FFF2-40B4-BE49-F238E27FC236}">
-                <a16:creationId xmlns:a16="http://schemas.microsoft.com/office/drawing/2014/main" id="{D7121EB3-1AE0-4F8F-ED7E-DE11138743F6}"/>
+                <a16:creationId xmlns:a16="http://schemas.microsoft.com/office/drawing/2014/main" id="{2D63422D-B5EF-1F05-0B3A-53FFBCE0F03B}"/>
               </a:ext>
             </a:extLst>
           </p:cNvPr>
@@ -6130,8 +6124,8 @@
         </p:blipFill>
         <p:spPr>
           <a:xfrm>
-            <a:off x="3497683" y="1626687"/>
-            <a:ext cx="8604261" cy="4056144"/>
+            <a:off x="3310128" y="1591056"/>
+            <a:ext cx="8461248" cy="3917434"/>
           </a:xfrm>
           <a:prstGeom prst="rect">
             <a:avLst/>
@@ -6140,10 +6134,10 @@
       </p:pic>
       <p:sp>
         <p:nvSpPr>
-          <p:cNvPr id="6" name="文本框 5">
-            <a:extLst>
-              <a:ext uri="{FF2B5EF4-FFF2-40B4-BE49-F238E27FC236}">
-                <a16:creationId xmlns:a16="http://schemas.microsoft.com/office/drawing/2014/main" id="{313255A3-3660-7EBE-527B-A6826CA0E99D}"/>
+          <p:cNvPr id="7" name="文本框 6">
+            <a:extLst>
+              <a:ext uri="{FF2B5EF4-FFF2-40B4-BE49-F238E27FC236}">
+                <a16:creationId xmlns:a16="http://schemas.microsoft.com/office/drawing/2014/main" id="{6F70AFD7-2C86-4220-A60E-D98B6171B0F0}"/>
               </a:ext>
             </a:extLst>
           </p:cNvPr>
@@ -6152,8 +6146,8 @@
         </p:nvSpPr>
         <p:spPr>
           <a:xfrm>
-            <a:off x="603504" y="603504"/>
-            <a:ext cx="1901483" cy="369332"/>
+            <a:off x="667512" y="667512"/>
+            <a:ext cx="1029449" cy="369332"/>
           </a:xfrm>
           <a:prstGeom prst="rect">
             <a:avLst/>
@@ -6167,20 +6161,17 @@
           <a:lstStyle/>
           <a:p>
             <a:r>
-              <a:rPr lang="en-US" altLang="zh-CN" dirty="0"/>
-              <a:t>AD9910</a:t>
-            </a:r>
-            <a:r>
-              <a:rPr lang="zh-CN" altLang="en-US" dirty="0"/>
-              <a:t>管理模块</a:t>
-            </a:r>
+              <a:rPr lang="en-US" altLang="zh-CN" dirty="0" err="1"/>
+              <a:t>ExtUART</a:t>
+            </a:r>
+            <a:endParaRPr lang="zh-CN" altLang="en-US" dirty="0"/>
           </a:p>
         </p:txBody>
       </p:sp>
     </p:spTree>
     <p:extLst>
       <p:ext uri="{BB962C8B-B14F-4D97-AF65-F5344CB8AC3E}">
-        <p14:creationId xmlns:p14="http://schemas.microsoft.com/office/powerpoint/2010/main" val="3768861927"/>
+        <p14:creationId xmlns:p14="http://schemas.microsoft.com/office/powerpoint/2010/main" val="4185618548"/>
       </p:ext>
     </p:extLst>
   </p:cSld>
@@ -6212,7 +6203,7 @@
           <p:cNvPr id="3" name="图片 2">
             <a:extLst>
               <a:ext uri="{FF2B5EF4-FFF2-40B4-BE49-F238E27FC236}">
-                <a16:creationId xmlns:a16="http://schemas.microsoft.com/office/drawing/2014/main" id="{6901DB9A-1A5D-FFF3-7C16-E5950A229B0D}"/>
+                <a16:creationId xmlns:a16="http://schemas.microsoft.com/office/drawing/2014/main" id="{D07F1AA7-A2AE-23BF-AE06-3B511E513AD6}"/>
               </a:ext>
             </a:extLst>
           </p:cNvPr>
@@ -6223,64 +6214,25 @@
         </p:nvPicPr>
         <p:blipFill rotWithShape="1">
           <a:blip r:embed="rId2"/>
-          <a:srcRect l="3640" r="2922"/>
+          <a:srcRect l="8294" r="4206"/>
           <a:stretch/>
         </p:blipFill>
         <p:spPr>
           <a:xfrm>
-            <a:off x="131618" y="1780794"/>
-            <a:ext cx="3377805" cy="3296412"/>
+            <a:off x="339436" y="1979230"/>
+            <a:ext cx="2923531" cy="3649385"/>
           </a:xfrm>
           <a:prstGeom prst="rect">
             <a:avLst/>
           </a:prstGeom>
         </p:spPr>
       </p:pic>
-      <p:sp>
-        <p:nvSpPr>
-          <p:cNvPr id="4" name="文本框 3">
-            <a:extLst>
-              <a:ext uri="{FF2B5EF4-FFF2-40B4-BE49-F238E27FC236}">
-                <a16:creationId xmlns:a16="http://schemas.microsoft.com/office/drawing/2014/main" id="{C47943CC-8A5F-246B-13BE-9C16BC95A95F}"/>
-              </a:ext>
-            </a:extLst>
-          </p:cNvPr>
-          <p:cNvSpPr txBox="1"/>
-          <p:nvPr/>
-        </p:nvSpPr>
-        <p:spPr>
-          <a:xfrm>
-            <a:off x="960120" y="603504"/>
-            <a:ext cx="1556836" cy="369332"/>
-          </a:xfrm>
-          <a:prstGeom prst="rect">
-            <a:avLst/>
-          </a:prstGeom>
-          <a:noFill/>
-        </p:spPr>
-        <p:txBody>
-          <a:bodyPr wrap="none" rtlCol="0">
-            <a:spAutoFit/>
-          </a:bodyPr>
-          <a:lstStyle/>
-          <a:p>
-            <a:r>
-              <a:rPr lang="en-US" altLang="zh-CN" dirty="0"/>
-              <a:t>ADC</a:t>
-            </a:r>
-            <a:r>
-              <a:rPr lang="zh-CN" altLang="en-US" dirty="0"/>
-              <a:t>管理模块</a:t>
-            </a:r>
-          </a:p>
-        </p:txBody>
-      </p:sp>
       <p:pic>
         <p:nvPicPr>
-          <p:cNvPr id="6" name="图片 5">
-            <a:extLst>
-              <a:ext uri="{FF2B5EF4-FFF2-40B4-BE49-F238E27FC236}">
-                <a16:creationId xmlns:a16="http://schemas.microsoft.com/office/drawing/2014/main" id="{BB4D8A10-06A4-137B-8BB8-A013620E1B8D}"/>
+          <p:cNvPr id="5" name="图片 4">
+            <a:extLst>
+              <a:ext uri="{FF2B5EF4-FFF2-40B4-BE49-F238E27FC236}">
+                <a16:creationId xmlns:a16="http://schemas.microsoft.com/office/drawing/2014/main" id="{CCB84A25-A76A-BF6A-70CE-590B777DD8C2}"/>
               </a:ext>
             </a:extLst>
           </p:cNvPr>
@@ -6297,18 +6249,57 @@
         </p:blipFill>
         <p:spPr>
           <a:xfrm>
-            <a:off x="3509423" y="1620774"/>
-            <a:ext cx="8082349" cy="3817620"/>
+            <a:off x="3262967" y="1787649"/>
+            <a:ext cx="8654713" cy="4032549"/>
           </a:xfrm>
           <a:prstGeom prst="rect">
             <a:avLst/>
           </a:prstGeom>
         </p:spPr>
       </p:pic>
+      <p:sp>
+        <p:nvSpPr>
+          <p:cNvPr id="6" name="文本框 5">
+            <a:extLst>
+              <a:ext uri="{FF2B5EF4-FFF2-40B4-BE49-F238E27FC236}">
+                <a16:creationId xmlns:a16="http://schemas.microsoft.com/office/drawing/2014/main" id="{9E1A77E3-6013-6C86-A7D6-2DD1DAABEC8C}"/>
+              </a:ext>
+            </a:extLst>
+          </p:cNvPr>
+          <p:cNvSpPr txBox="1"/>
+          <p:nvPr/>
+        </p:nvSpPr>
+        <p:spPr>
+          <a:xfrm>
+            <a:off x="566928" y="493776"/>
+            <a:ext cx="949299" cy="369332"/>
+          </a:xfrm>
+          <a:prstGeom prst="rect">
+            <a:avLst/>
+          </a:prstGeom>
+          <a:noFill/>
+        </p:spPr>
+        <p:txBody>
+          <a:bodyPr wrap="none" rtlCol="0">
+            <a:spAutoFit/>
+          </a:bodyPr>
+          <a:lstStyle/>
+          <a:p>
+            <a:r>
+              <a:rPr lang="en-US" altLang="zh-CN" dirty="0"/>
+              <a:t>SPI</a:t>
+            </a:r>
+            <a:r>
+              <a:rPr lang="zh-CN" altLang="en-US" dirty="0"/>
+              <a:t>主机</a:t>
+            </a:r>
+          </a:p>
+        </p:txBody>
+      </p:sp>
     </p:spTree>
     <p:extLst>
       <p:ext uri="{BB962C8B-B14F-4D97-AF65-F5344CB8AC3E}">
-        <p14:creationId xmlns:p14="http://schemas.microsoft.com/office/powerpoint/2010/main" val="321983983"/>
+        <p14:creationId xmlns:p14="http://schemas.microsoft.com/office/powerpoint/2010/main" val="3203456597"/>
       </p:ext>
     </p:extLst>
   </p:cSld>
@@ -6340,7 +6331,7 @@
           <p:cNvPr id="3" name="图片 2">
             <a:extLst>
               <a:ext uri="{FF2B5EF4-FFF2-40B4-BE49-F238E27FC236}">
-                <a16:creationId xmlns:a16="http://schemas.microsoft.com/office/drawing/2014/main" id="{22A3A7BE-462C-B389-EF18-FCD1E6263ACD}"/>
+                <a16:creationId xmlns:a16="http://schemas.microsoft.com/office/drawing/2014/main" id="{2FE4BE10-C92B-27E2-B0D5-DA9074D8EF94}"/>
               </a:ext>
             </a:extLst>
           </p:cNvPr>
@@ -6349,16 +6340,15 @@
           </p:cNvPicPr>
           <p:nvPr/>
         </p:nvPicPr>
-        <p:blipFill>
+        <p:blipFill rotWithShape="1">
           <a:blip r:embed="rId2"/>
-          <a:stretch>
-            <a:fillRect/>
-          </a:stretch>
+          <a:srcRect l="3246" r="4794"/>
+          <a:stretch/>
         </p:blipFill>
         <p:spPr>
           <a:xfrm>
-            <a:off x="334519" y="2234375"/>
-            <a:ext cx="3441657" cy="2931985"/>
+            <a:off x="248277" y="1704801"/>
+            <a:ext cx="3305413" cy="3899916"/>
           </a:xfrm>
           <a:prstGeom prst="rect">
             <a:avLst/>
@@ -6370,7 +6360,7 @@
           <p:cNvPr id="5" name="图片 4">
             <a:extLst>
               <a:ext uri="{FF2B5EF4-FFF2-40B4-BE49-F238E27FC236}">
-                <a16:creationId xmlns:a16="http://schemas.microsoft.com/office/drawing/2014/main" id="{AB84A674-96D0-3821-29B7-B987E1CCA50B}"/>
+                <a16:creationId xmlns:a16="http://schemas.microsoft.com/office/drawing/2014/main" id="{D7121EB3-1AE0-4F8F-ED7E-DE11138743F6}"/>
               </a:ext>
             </a:extLst>
           </p:cNvPr>
@@ -6387,8 +6377,8 @@
         </p:blipFill>
         <p:spPr>
           <a:xfrm>
-            <a:off x="3853500" y="1709292"/>
-            <a:ext cx="7753284" cy="4235066"/>
+            <a:off x="3497683" y="1626687"/>
+            <a:ext cx="8604261" cy="4056144"/>
           </a:xfrm>
           <a:prstGeom prst="rect">
             <a:avLst/>
@@ -6400,7 +6390,7 @@
           <p:cNvPr id="6" name="文本框 5">
             <a:extLst>
               <a:ext uri="{FF2B5EF4-FFF2-40B4-BE49-F238E27FC236}">
-                <a16:creationId xmlns:a16="http://schemas.microsoft.com/office/drawing/2014/main" id="{AD7F98D0-1270-37D2-A1EB-16C6748E7333}"/>
+                <a16:creationId xmlns:a16="http://schemas.microsoft.com/office/drawing/2014/main" id="{313255A3-3660-7EBE-527B-A6826CA0E99D}"/>
               </a:ext>
             </a:extLst>
           </p:cNvPr>
@@ -6409,8 +6399,8 @@
         </p:nvSpPr>
         <p:spPr>
           <a:xfrm>
-            <a:off x="758952" y="557784"/>
-            <a:ext cx="1800493" cy="369332"/>
+            <a:off x="603504" y="603504"/>
+            <a:ext cx="1901483" cy="369332"/>
           </a:xfrm>
           <a:prstGeom prst="rect">
             <a:avLst/>
@@ -6424,8 +6414,12 @@
           <a:lstStyle/>
           <a:p>
             <a:r>
+              <a:rPr lang="en-US" altLang="zh-CN" dirty="0"/>
+              <a:t>AD9910</a:t>
+            </a:r>
+            <a:r>
               <a:rPr lang="zh-CN" altLang="en-US" dirty="0"/>
-              <a:t>门控计数器阵列</a:t>
+              <a:t>管理模块</a:t>
             </a:r>
           </a:p>
         </p:txBody>
@@ -6433,7 +6427,7 @@
     </p:spTree>
     <p:extLst>
       <p:ext uri="{BB962C8B-B14F-4D97-AF65-F5344CB8AC3E}">
-        <p14:creationId xmlns:p14="http://schemas.microsoft.com/office/powerpoint/2010/main" val="4062385216"/>
+        <p14:creationId xmlns:p14="http://schemas.microsoft.com/office/powerpoint/2010/main" val="3768861927"/>
       </p:ext>
     </p:extLst>
   </p:cSld>
@@ -6465,6 +6459,395 @@
           <p:cNvPr id="3" name="图片 2">
             <a:extLst>
               <a:ext uri="{FF2B5EF4-FFF2-40B4-BE49-F238E27FC236}">
+                <a16:creationId xmlns:a16="http://schemas.microsoft.com/office/drawing/2014/main" id="{6901DB9A-1A5D-FFF3-7C16-E5950A229B0D}"/>
+              </a:ext>
+            </a:extLst>
+          </p:cNvPr>
+          <p:cNvPicPr>
+            <a:picLocks noChangeAspect="1"/>
+          </p:cNvPicPr>
+          <p:nvPr/>
+        </p:nvPicPr>
+        <p:blipFill rotWithShape="1">
+          <a:blip r:embed="rId2"/>
+          <a:srcRect l="3640" r="2922"/>
+          <a:stretch/>
+        </p:blipFill>
+        <p:spPr>
+          <a:xfrm>
+            <a:off x="131618" y="1780794"/>
+            <a:ext cx="3377805" cy="3296412"/>
+          </a:xfrm>
+          <a:prstGeom prst="rect">
+            <a:avLst/>
+          </a:prstGeom>
+        </p:spPr>
+      </p:pic>
+      <p:sp>
+        <p:nvSpPr>
+          <p:cNvPr id="4" name="文本框 3">
+            <a:extLst>
+              <a:ext uri="{FF2B5EF4-FFF2-40B4-BE49-F238E27FC236}">
+                <a16:creationId xmlns:a16="http://schemas.microsoft.com/office/drawing/2014/main" id="{C47943CC-8A5F-246B-13BE-9C16BC95A95F}"/>
+              </a:ext>
+            </a:extLst>
+          </p:cNvPr>
+          <p:cNvSpPr txBox="1"/>
+          <p:nvPr/>
+        </p:nvSpPr>
+        <p:spPr>
+          <a:xfrm>
+            <a:off x="960120" y="603504"/>
+            <a:ext cx="1556836" cy="369332"/>
+          </a:xfrm>
+          <a:prstGeom prst="rect">
+            <a:avLst/>
+          </a:prstGeom>
+          <a:noFill/>
+        </p:spPr>
+        <p:txBody>
+          <a:bodyPr wrap="none" rtlCol="0">
+            <a:spAutoFit/>
+          </a:bodyPr>
+          <a:lstStyle/>
+          <a:p>
+            <a:r>
+              <a:rPr lang="en-US" altLang="zh-CN" dirty="0"/>
+              <a:t>ADC</a:t>
+            </a:r>
+            <a:r>
+              <a:rPr lang="zh-CN" altLang="en-US" dirty="0"/>
+              <a:t>管理模块</a:t>
+            </a:r>
+          </a:p>
+        </p:txBody>
+      </p:sp>
+      <p:pic>
+        <p:nvPicPr>
+          <p:cNvPr id="6" name="图片 5">
+            <a:extLst>
+              <a:ext uri="{FF2B5EF4-FFF2-40B4-BE49-F238E27FC236}">
+                <a16:creationId xmlns:a16="http://schemas.microsoft.com/office/drawing/2014/main" id="{BB4D8A10-06A4-137B-8BB8-A013620E1B8D}"/>
+              </a:ext>
+            </a:extLst>
+          </p:cNvPr>
+          <p:cNvPicPr>
+            <a:picLocks noChangeAspect="1"/>
+          </p:cNvPicPr>
+          <p:nvPr/>
+        </p:nvPicPr>
+        <p:blipFill>
+          <a:blip r:embed="rId3"/>
+          <a:stretch>
+            <a:fillRect/>
+          </a:stretch>
+        </p:blipFill>
+        <p:spPr>
+          <a:xfrm>
+            <a:off x="3509423" y="1620774"/>
+            <a:ext cx="8082349" cy="3817620"/>
+          </a:xfrm>
+          <a:prstGeom prst="rect">
+            <a:avLst/>
+          </a:prstGeom>
+        </p:spPr>
+      </p:pic>
+    </p:spTree>
+    <p:extLst>
+      <p:ext uri="{BB962C8B-B14F-4D97-AF65-F5344CB8AC3E}">
+        <p14:creationId xmlns:p14="http://schemas.microsoft.com/office/powerpoint/2010/main" val="321983983"/>
+      </p:ext>
+    </p:extLst>
+  </p:cSld>
+  <p:clrMapOvr>
+    <a:masterClrMapping/>
+  </p:clrMapOvr>
+</p:sld>
+</file>
+
+<file path=ppt/slides/slide2.xml><?xml version="1.0" encoding="utf-8"?>
+<p:sld xmlns:a="http://schemas.openxmlformats.org/drawingml/2006/main" xmlns:r="http://schemas.openxmlformats.org/officeDocument/2006/relationships" xmlns:p="http://schemas.openxmlformats.org/presentationml/2006/main">
+  <p:cSld>
+    <p:spTree>
+      <p:nvGrpSpPr>
+        <p:cNvPr id="1" name=""/>
+        <p:cNvGrpSpPr/>
+        <p:nvPr/>
+      </p:nvGrpSpPr>
+      <p:grpSpPr>
+        <a:xfrm>
+          <a:off x="0" y="0"/>
+          <a:ext cx="0" cy="0"/>
+          <a:chOff x="0" y="0"/>
+          <a:chExt cx="0" cy="0"/>
+        </a:xfrm>
+      </p:grpSpPr>
+      <p:pic>
+        <p:nvPicPr>
+          <p:cNvPr id="4" name="图片 3">
+            <a:extLst>
+              <a:ext uri="{FF2B5EF4-FFF2-40B4-BE49-F238E27FC236}">
+                <a16:creationId xmlns:a16="http://schemas.microsoft.com/office/drawing/2014/main" id="{B2388003-D758-7592-B239-E4A5F6D52A5D}"/>
+              </a:ext>
+            </a:extLst>
+          </p:cNvPr>
+          <p:cNvPicPr>
+            <a:picLocks noChangeAspect="1"/>
+          </p:cNvPicPr>
+          <p:nvPr/>
+        </p:nvPicPr>
+        <p:blipFill>
+          <a:blip r:embed="rId2">
+            <a:extLst>
+              <a:ext uri="{28A0092B-C50C-407E-A947-70E740481C1C}">
+                <a14:useLocalDpi xmlns:a14="http://schemas.microsoft.com/office/drawing/2010/main" val="0"/>
+              </a:ext>
+            </a:extLst>
+          </a:blip>
+          <a:stretch>
+            <a:fillRect/>
+          </a:stretch>
+        </p:blipFill>
+        <p:spPr>
+          <a:xfrm>
+            <a:off x="858651" y="0"/>
+            <a:ext cx="6619875" cy="6391275"/>
+          </a:xfrm>
+          <a:prstGeom prst="rect">
+            <a:avLst/>
+          </a:prstGeom>
+        </p:spPr>
+      </p:pic>
+      <p:sp>
+        <p:nvSpPr>
+          <p:cNvPr id="5" name="文本框 4">
+            <a:extLst>
+              <a:ext uri="{FF2B5EF4-FFF2-40B4-BE49-F238E27FC236}">
+                <a16:creationId xmlns:a16="http://schemas.microsoft.com/office/drawing/2014/main" id="{FDDDC2F6-404B-4DA6-9940-CD1C0E3B6AB0}"/>
+              </a:ext>
+            </a:extLst>
+          </p:cNvPr>
+          <p:cNvSpPr txBox="1"/>
+          <p:nvPr/>
+        </p:nvSpPr>
+        <p:spPr>
+          <a:xfrm>
+            <a:off x="1111624" y="1156448"/>
+            <a:ext cx="1569660" cy="369332"/>
+          </a:xfrm>
+          <a:prstGeom prst="rect">
+            <a:avLst/>
+          </a:prstGeom>
+          <a:noFill/>
+        </p:spPr>
+        <p:txBody>
+          <a:bodyPr wrap="none" rtlCol="0">
+            <a:spAutoFit/>
+          </a:bodyPr>
+          <a:lstStyle/>
+          <a:p>
+            <a:r>
+              <a:rPr lang="zh-CN" altLang="en-US" b="1" dirty="0"/>
+              <a:t>链路管理模块</a:t>
+            </a:r>
+          </a:p>
+        </p:txBody>
+      </p:sp>
+      <p:sp>
+        <p:nvSpPr>
+          <p:cNvPr id="6" name="文本框 5">
+            <a:extLst>
+              <a:ext uri="{FF2B5EF4-FFF2-40B4-BE49-F238E27FC236}">
+                <a16:creationId xmlns:a16="http://schemas.microsoft.com/office/drawing/2014/main" id="{B2DDF942-6CB5-50F9-D7B3-21A8A559FEE9}"/>
+              </a:ext>
+            </a:extLst>
+          </p:cNvPr>
+          <p:cNvSpPr txBox="1"/>
+          <p:nvPr/>
+        </p:nvSpPr>
+        <p:spPr>
+          <a:xfrm>
+            <a:off x="5773271" y="1525780"/>
+            <a:ext cx="1004047" cy="523220"/>
+          </a:xfrm>
+          <a:prstGeom prst="rect">
+            <a:avLst/>
+          </a:prstGeom>
+          <a:noFill/>
+        </p:spPr>
+        <p:txBody>
+          <a:bodyPr wrap="square" rtlCol="0">
+            <a:spAutoFit/>
+          </a:bodyPr>
+          <a:lstStyle/>
+          <a:p>
+            <a:r>
+              <a:rPr lang="zh-CN" altLang="en-US" sz="1400" dirty="0"/>
+              <a:t>当前节点微处理器</a:t>
+            </a:r>
+          </a:p>
+        </p:txBody>
+      </p:sp>
+    </p:spTree>
+    <p:extLst>
+      <p:ext uri="{BB962C8B-B14F-4D97-AF65-F5344CB8AC3E}">
+        <p14:creationId xmlns:p14="http://schemas.microsoft.com/office/powerpoint/2010/main" val="350033717"/>
+      </p:ext>
+    </p:extLst>
+  </p:cSld>
+  <p:clrMapOvr>
+    <a:masterClrMapping/>
+  </p:clrMapOvr>
+</p:sld>
+</file>
+
+<file path=ppt/slides/slide20.xml><?xml version="1.0" encoding="utf-8"?>
+<p:sld xmlns:a="http://schemas.openxmlformats.org/drawingml/2006/main" xmlns:r="http://schemas.openxmlformats.org/officeDocument/2006/relationships" xmlns:p="http://schemas.openxmlformats.org/presentationml/2006/main">
+  <p:cSld>
+    <p:spTree>
+      <p:nvGrpSpPr>
+        <p:cNvPr id="1" name=""/>
+        <p:cNvGrpSpPr/>
+        <p:nvPr/>
+      </p:nvGrpSpPr>
+      <p:grpSpPr>
+        <a:xfrm>
+          <a:off x="0" y="0"/>
+          <a:ext cx="0" cy="0"/>
+          <a:chOff x="0" y="0"/>
+          <a:chExt cx="0" cy="0"/>
+        </a:xfrm>
+      </p:grpSpPr>
+      <p:pic>
+        <p:nvPicPr>
+          <p:cNvPr id="3" name="图片 2">
+            <a:extLst>
+              <a:ext uri="{FF2B5EF4-FFF2-40B4-BE49-F238E27FC236}">
+                <a16:creationId xmlns:a16="http://schemas.microsoft.com/office/drawing/2014/main" id="{22A3A7BE-462C-B389-EF18-FCD1E6263ACD}"/>
+              </a:ext>
+            </a:extLst>
+          </p:cNvPr>
+          <p:cNvPicPr>
+            <a:picLocks noChangeAspect="1"/>
+          </p:cNvPicPr>
+          <p:nvPr/>
+        </p:nvPicPr>
+        <p:blipFill>
+          <a:blip r:embed="rId2"/>
+          <a:stretch>
+            <a:fillRect/>
+          </a:stretch>
+        </p:blipFill>
+        <p:spPr>
+          <a:xfrm>
+            <a:off x="334519" y="2234375"/>
+            <a:ext cx="3441657" cy="2931985"/>
+          </a:xfrm>
+          <a:prstGeom prst="rect">
+            <a:avLst/>
+          </a:prstGeom>
+        </p:spPr>
+      </p:pic>
+      <p:pic>
+        <p:nvPicPr>
+          <p:cNvPr id="5" name="图片 4">
+            <a:extLst>
+              <a:ext uri="{FF2B5EF4-FFF2-40B4-BE49-F238E27FC236}">
+                <a16:creationId xmlns:a16="http://schemas.microsoft.com/office/drawing/2014/main" id="{AB84A674-96D0-3821-29B7-B987E1CCA50B}"/>
+              </a:ext>
+            </a:extLst>
+          </p:cNvPr>
+          <p:cNvPicPr>
+            <a:picLocks noChangeAspect="1"/>
+          </p:cNvPicPr>
+          <p:nvPr/>
+        </p:nvPicPr>
+        <p:blipFill>
+          <a:blip r:embed="rId3"/>
+          <a:stretch>
+            <a:fillRect/>
+          </a:stretch>
+        </p:blipFill>
+        <p:spPr>
+          <a:xfrm>
+            <a:off x="3853500" y="1709292"/>
+            <a:ext cx="7753284" cy="4235066"/>
+          </a:xfrm>
+          <a:prstGeom prst="rect">
+            <a:avLst/>
+          </a:prstGeom>
+        </p:spPr>
+      </p:pic>
+      <p:sp>
+        <p:nvSpPr>
+          <p:cNvPr id="6" name="文本框 5">
+            <a:extLst>
+              <a:ext uri="{FF2B5EF4-FFF2-40B4-BE49-F238E27FC236}">
+                <a16:creationId xmlns:a16="http://schemas.microsoft.com/office/drawing/2014/main" id="{AD7F98D0-1270-37D2-A1EB-16C6748E7333}"/>
+              </a:ext>
+            </a:extLst>
+          </p:cNvPr>
+          <p:cNvSpPr txBox="1"/>
+          <p:nvPr/>
+        </p:nvSpPr>
+        <p:spPr>
+          <a:xfrm>
+            <a:off x="758952" y="557784"/>
+            <a:ext cx="1800493" cy="369332"/>
+          </a:xfrm>
+          <a:prstGeom prst="rect">
+            <a:avLst/>
+          </a:prstGeom>
+          <a:noFill/>
+        </p:spPr>
+        <p:txBody>
+          <a:bodyPr wrap="none" rtlCol="0">
+            <a:spAutoFit/>
+          </a:bodyPr>
+          <a:lstStyle/>
+          <a:p>
+            <a:r>
+              <a:rPr lang="zh-CN" altLang="en-US" dirty="0"/>
+              <a:t>门控计数器阵列</a:t>
+            </a:r>
+          </a:p>
+        </p:txBody>
+      </p:sp>
+    </p:spTree>
+    <p:extLst>
+      <p:ext uri="{BB962C8B-B14F-4D97-AF65-F5344CB8AC3E}">
+        <p14:creationId xmlns:p14="http://schemas.microsoft.com/office/powerpoint/2010/main" val="4062385216"/>
+      </p:ext>
+    </p:extLst>
+  </p:cSld>
+  <p:clrMapOvr>
+    <a:masterClrMapping/>
+  </p:clrMapOvr>
+</p:sld>
+</file>
+
+<file path=ppt/slides/slide21.xml><?xml version="1.0" encoding="utf-8"?>
+<p:sld xmlns:a="http://schemas.openxmlformats.org/drawingml/2006/main" xmlns:r="http://schemas.openxmlformats.org/officeDocument/2006/relationships" xmlns:p="http://schemas.openxmlformats.org/presentationml/2006/main">
+  <p:cSld>
+    <p:spTree>
+      <p:nvGrpSpPr>
+        <p:cNvPr id="1" name=""/>
+        <p:cNvGrpSpPr/>
+        <p:nvPr/>
+      </p:nvGrpSpPr>
+      <p:grpSpPr>
+        <a:xfrm>
+          <a:off x="0" y="0"/>
+          <a:ext cx="0" cy="0"/>
+          <a:chOff x="0" y="0"/>
+          <a:chExt cx="0" cy="0"/>
+        </a:xfrm>
+      </p:grpSpPr>
+      <p:pic>
+        <p:nvPicPr>
+          <p:cNvPr id="3" name="图片 2">
+            <a:extLst>
+              <a:ext uri="{FF2B5EF4-FFF2-40B4-BE49-F238E27FC236}">
                 <a16:creationId xmlns:a16="http://schemas.microsoft.com/office/drawing/2014/main" id="{9F04BC56-D012-635E-1E48-FE901003DA4B}"/>
               </a:ext>
             </a:extLst>
@@ -6533,7 +6916,879 @@
 </p:sld>
 </file>
 
-<file path=ppt/slides/slide2.xml><?xml version="1.0" encoding="utf-8"?>
+<file path=ppt/slides/slide22.xml><?xml version="1.0" encoding="utf-8"?>
+<p:sld xmlns:a="http://schemas.openxmlformats.org/drawingml/2006/main" xmlns:r="http://schemas.openxmlformats.org/officeDocument/2006/relationships" xmlns:p="http://schemas.openxmlformats.org/presentationml/2006/main">
+  <p:cSld>
+    <p:spTree>
+      <p:nvGrpSpPr>
+        <p:cNvPr id="1" name=""/>
+        <p:cNvGrpSpPr/>
+        <p:nvPr/>
+      </p:nvGrpSpPr>
+      <p:grpSpPr>
+        <a:xfrm>
+          <a:off x="0" y="0"/>
+          <a:ext cx="0" cy="0"/>
+          <a:chOff x="0" y="0"/>
+          <a:chExt cx="0" cy="0"/>
+        </a:xfrm>
+      </p:grpSpPr>
+      <p:pic>
+        <p:nvPicPr>
+          <p:cNvPr id="3" name="图片 2">
+            <a:extLst>
+              <a:ext uri="{FF2B5EF4-FFF2-40B4-BE49-F238E27FC236}">
+                <a16:creationId xmlns:a16="http://schemas.microsoft.com/office/drawing/2014/main" id="{FA95A929-9539-F038-9CCF-FA0BC2E88F8C}"/>
+              </a:ext>
+            </a:extLst>
+          </p:cNvPr>
+          <p:cNvPicPr>
+            <a:picLocks noChangeAspect="1"/>
+          </p:cNvPicPr>
+          <p:nvPr/>
+        </p:nvPicPr>
+        <p:blipFill>
+          <a:blip r:embed="rId2"/>
+          <a:stretch>
+            <a:fillRect/>
+          </a:stretch>
+        </p:blipFill>
+        <p:spPr>
+          <a:xfrm>
+            <a:off x="155449" y="2219515"/>
+            <a:ext cx="3409862" cy="2498789"/>
+          </a:xfrm>
+          <a:prstGeom prst="rect">
+            <a:avLst/>
+          </a:prstGeom>
+        </p:spPr>
+      </p:pic>
+      <p:pic>
+        <p:nvPicPr>
+          <p:cNvPr id="5" name="图片 4">
+            <a:extLst>
+              <a:ext uri="{FF2B5EF4-FFF2-40B4-BE49-F238E27FC236}">
+                <a16:creationId xmlns:a16="http://schemas.microsoft.com/office/drawing/2014/main" id="{E14E6AD6-9C18-B4D3-D351-6DD1D7A173AB}"/>
+              </a:ext>
+            </a:extLst>
+          </p:cNvPr>
+          <p:cNvPicPr>
+            <a:picLocks noChangeAspect="1"/>
+          </p:cNvPicPr>
+          <p:nvPr/>
+        </p:nvPicPr>
+        <p:blipFill>
+          <a:blip r:embed="rId3"/>
+          <a:stretch>
+            <a:fillRect/>
+          </a:stretch>
+        </p:blipFill>
+        <p:spPr>
+          <a:xfrm>
+            <a:off x="3565311" y="1648160"/>
+            <a:ext cx="8040624" cy="3641498"/>
+          </a:xfrm>
+          <a:prstGeom prst="rect">
+            <a:avLst/>
+          </a:prstGeom>
+        </p:spPr>
+      </p:pic>
+      <p:sp>
+        <p:nvSpPr>
+          <p:cNvPr id="6" name="文本框 5">
+            <a:extLst>
+              <a:ext uri="{FF2B5EF4-FFF2-40B4-BE49-F238E27FC236}">
+                <a16:creationId xmlns:a16="http://schemas.microsoft.com/office/drawing/2014/main" id="{C8054301-FAA6-3D0B-572B-A59DCAC02332}"/>
+              </a:ext>
+            </a:extLst>
+          </p:cNvPr>
+          <p:cNvSpPr txBox="1"/>
+          <p:nvPr/>
+        </p:nvSpPr>
+        <p:spPr>
+          <a:xfrm>
+            <a:off x="512064" y="585216"/>
+            <a:ext cx="1338828" cy="369332"/>
+          </a:xfrm>
+          <a:prstGeom prst="rect">
+            <a:avLst/>
+          </a:prstGeom>
+          <a:noFill/>
+        </p:spPr>
+        <p:txBody>
+          <a:bodyPr wrap="none" rtlCol="0">
+            <a:spAutoFit/>
+          </a:bodyPr>
+          <a:lstStyle/>
+          <a:p>
+            <a:r>
+              <a:rPr lang="zh-CN" altLang="en-US" dirty="0"/>
+              <a:t>通用寄存器</a:t>
+            </a:r>
+          </a:p>
+        </p:txBody>
+      </p:sp>
+    </p:spTree>
+    <p:extLst>
+      <p:ext uri="{BB962C8B-B14F-4D97-AF65-F5344CB8AC3E}">
+        <p14:creationId xmlns:p14="http://schemas.microsoft.com/office/powerpoint/2010/main" val="431048152"/>
+      </p:ext>
+    </p:extLst>
+  </p:cSld>
+  <p:clrMapOvr>
+    <a:masterClrMapping/>
+  </p:clrMapOvr>
+</p:sld>
+</file>
+
+<file path=ppt/slides/slide23.xml><?xml version="1.0" encoding="utf-8"?>
+<p:sld xmlns:a="http://schemas.openxmlformats.org/drawingml/2006/main" xmlns:r="http://schemas.openxmlformats.org/officeDocument/2006/relationships" xmlns:p="http://schemas.openxmlformats.org/presentationml/2006/main">
+  <p:cSld>
+    <p:spTree>
+      <p:nvGrpSpPr>
+        <p:cNvPr id="1" name=""/>
+        <p:cNvGrpSpPr/>
+        <p:nvPr/>
+      </p:nvGrpSpPr>
+      <p:grpSpPr>
+        <a:xfrm>
+          <a:off x="0" y="0"/>
+          <a:ext cx="0" cy="0"/>
+          <a:chOff x="0" y="0"/>
+          <a:chExt cx="0" cy="0"/>
+        </a:xfrm>
+      </p:grpSpPr>
+      <p:pic>
+        <p:nvPicPr>
+          <p:cNvPr id="3" name="图片 2">
+            <a:extLst>
+              <a:ext uri="{FF2B5EF4-FFF2-40B4-BE49-F238E27FC236}">
+                <a16:creationId xmlns:a16="http://schemas.microsoft.com/office/drawing/2014/main" id="{21A05783-DDE5-3C2E-5A6C-61781595053A}"/>
+              </a:ext>
+            </a:extLst>
+          </p:cNvPr>
+          <p:cNvPicPr>
+            <a:picLocks noChangeAspect="1"/>
+          </p:cNvPicPr>
+          <p:nvPr/>
+        </p:nvPicPr>
+        <p:blipFill>
+          <a:blip r:embed="rId2"/>
+          <a:stretch>
+            <a:fillRect/>
+          </a:stretch>
+        </p:blipFill>
+        <p:spPr>
+          <a:xfrm>
+            <a:off x="457200" y="2409458"/>
+            <a:ext cx="2855785" cy="2039084"/>
+          </a:xfrm>
+          <a:prstGeom prst="rect">
+            <a:avLst/>
+          </a:prstGeom>
+        </p:spPr>
+      </p:pic>
+      <p:pic>
+        <p:nvPicPr>
+          <p:cNvPr id="5" name="图片 4">
+            <a:extLst>
+              <a:ext uri="{FF2B5EF4-FFF2-40B4-BE49-F238E27FC236}">
+                <a16:creationId xmlns:a16="http://schemas.microsoft.com/office/drawing/2014/main" id="{56DECF58-501B-3D7A-C1EA-C9D9CBC35BBE}"/>
+              </a:ext>
+            </a:extLst>
+          </p:cNvPr>
+          <p:cNvPicPr>
+            <a:picLocks noChangeAspect="1"/>
+          </p:cNvPicPr>
+          <p:nvPr/>
+        </p:nvPicPr>
+        <p:blipFill>
+          <a:blip r:embed="rId3"/>
+          <a:stretch>
+            <a:fillRect/>
+          </a:stretch>
+        </p:blipFill>
+        <p:spPr>
+          <a:xfrm>
+            <a:off x="3312985" y="1645582"/>
+            <a:ext cx="8208236" cy="3732377"/>
+          </a:xfrm>
+          <a:prstGeom prst="rect">
+            <a:avLst/>
+          </a:prstGeom>
+        </p:spPr>
+      </p:pic>
+      <p:sp>
+        <p:nvSpPr>
+          <p:cNvPr id="2" name="文本框 1">
+            <a:extLst>
+              <a:ext uri="{FF2B5EF4-FFF2-40B4-BE49-F238E27FC236}">
+                <a16:creationId xmlns:a16="http://schemas.microsoft.com/office/drawing/2014/main" id="{1551F8D6-1D61-2DF0-991E-E94756CCB2E4}"/>
+              </a:ext>
+            </a:extLst>
+          </p:cNvPr>
+          <p:cNvSpPr txBox="1"/>
+          <p:nvPr/>
+        </p:nvSpPr>
+        <p:spPr>
+          <a:xfrm>
+            <a:off x="588818" y="678873"/>
+            <a:ext cx="1569660" cy="369332"/>
+          </a:xfrm>
+          <a:prstGeom prst="rect">
+            <a:avLst/>
+          </a:prstGeom>
+          <a:noFill/>
+        </p:spPr>
+        <p:txBody>
+          <a:bodyPr wrap="none" rtlCol="0">
+            <a:spAutoFit/>
+          </a:bodyPr>
+          <a:lstStyle/>
+          <a:p>
+            <a:r>
+              <a:rPr lang="zh-CN" altLang="en-US" dirty="0"/>
+              <a:t>随机数发生器</a:t>
+            </a:r>
+          </a:p>
+        </p:txBody>
+      </p:sp>
+    </p:spTree>
+    <p:extLst>
+      <p:ext uri="{BB962C8B-B14F-4D97-AF65-F5344CB8AC3E}">
+        <p14:creationId xmlns:p14="http://schemas.microsoft.com/office/powerpoint/2010/main" val="3704196234"/>
+      </p:ext>
+    </p:extLst>
+  </p:cSld>
+  <p:clrMapOvr>
+    <a:masterClrMapping/>
+  </p:clrMapOvr>
+</p:sld>
+</file>
+
+<file path=ppt/slides/slide24.xml><?xml version="1.0" encoding="utf-8"?>
+<p:sld xmlns:a="http://schemas.openxmlformats.org/drawingml/2006/main" xmlns:r="http://schemas.openxmlformats.org/officeDocument/2006/relationships" xmlns:p="http://schemas.openxmlformats.org/presentationml/2006/main">
+  <p:cSld>
+    <p:spTree>
+      <p:nvGrpSpPr>
+        <p:cNvPr id="1" name=""/>
+        <p:cNvGrpSpPr/>
+        <p:nvPr/>
+      </p:nvGrpSpPr>
+      <p:grpSpPr>
+        <a:xfrm>
+          <a:off x="0" y="0"/>
+          <a:ext cx="0" cy="0"/>
+          <a:chOff x="0" y="0"/>
+          <a:chExt cx="0" cy="0"/>
+        </a:xfrm>
+      </p:grpSpPr>
+      <p:pic>
+        <p:nvPicPr>
+          <p:cNvPr id="3" name="图片 2">
+            <a:extLst>
+              <a:ext uri="{FF2B5EF4-FFF2-40B4-BE49-F238E27FC236}">
+                <a16:creationId xmlns:a16="http://schemas.microsoft.com/office/drawing/2014/main" id="{32112AD0-5507-5E48-2517-F80DE5C22D92}"/>
+              </a:ext>
+            </a:extLst>
+          </p:cNvPr>
+          <p:cNvPicPr>
+            <a:picLocks noChangeAspect="1"/>
+          </p:cNvPicPr>
+          <p:nvPr/>
+        </p:nvPicPr>
+        <p:blipFill>
+          <a:blip r:embed="rId2"/>
+          <a:stretch>
+            <a:fillRect/>
+          </a:stretch>
+        </p:blipFill>
+        <p:spPr>
+          <a:xfrm>
+            <a:off x="297369" y="2331720"/>
+            <a:ext cx="3314512" cy="2328840"/>
+          </a:xfrm>
+          <a:prstGeom prst="rect">
+            <a:avLst/>
+          </a:prstGeom>
+        </p:spPr>
+      </p:pic>
+      <p:pic>
+        <p:nvPicPr>
+          <p:cNvPr id="5" name="图片 4">
+            <a:extLst>
+              <a:ext uri="{FF2B5EF4-FFF2-40B4-BE49-F238E27FC236}">
+                <a16:creationId xmlns:a16="http://schemas.microsoft.com/office/drawing/2014/main" id="{56AEBF6F-07C6-6577-1693-99FC2EA9BF0A}"/>
+              </a:ext>
+            </a:extLst>
+          </p:cNvPr>
+          <p:cNvPicPr>
+            <a:picLocks noChangeAspect="1"/>
+          </p:cNvPicPr>
+          <p:nvPr/>
+        </p:nvPicPr>
+        <p:blipFill>
+          <a:blip r:embed="rId3"/>
+          <a:stretch>
+            <a:fillRect/>
+          </a:stretch>
+        </p:blipFill>
+        <p:spPr>
+          <a:xfrm>
+            <a:off x="3611881" y="1609345"/>
+            <a:ext cx="8190216" cy="3783930"/>
+          </a:xfrm>
+          <a:prstGeom prst="rect">
+            <a:avLst/>
+          </a:prstGeom>
+        </p:spPr>
+      </p:pic>
+      <p:sp>
+        <p:nvSpPr>
+          <p:cNvPr id="2" name="文本框 1">
+            <a:extLst>
+              <a:ext uri="{FF2B5EF4-FFF2-40B4-BE49-F238E27FC236}">
+                <a16:creationId xmlns:a16="http://schemas.microsoft.com/office/drawing/2014/main" id="{7F480561-D90C-40C0-3314-21EB452F80D0}"/>
+              </a:ext>
+            </a:extLst>
+          </p:cNvPr>
+          <p:cNvSpPr txBox="1"/>
+          <p:nvPr/>
+        </p:nvSpPr>
+        <p:spPr>
+          <a:xfrm>
+            <a:off x="858982" y="505691"/>
+            <a:ext cx="646331" cy="369332"/>
+          </a:xfrm>
+          <a:prstGeom prst="rect">
+            <a:avLst/>
+          </a:prstGeom>
+          <a:noFill/>
+        </p:spPr>
+        <p:txBody>
+          <a:bodyPr wrap="none" rtlCol="0">
+            <a:spAutoFit/>
+          </a:bodyPr>
+          <a:lstStyle/>
+          <a:p>
+            <a:r>
+              <a:rPr lang="zh-CN" altLang="en-US" dirty="0"/>
+              <a:t>堆栈</a:t>
+            </a:r>
+          </a:p>
+        </p:txBody>
+      </p:sp>
+    </p:spTree>
+    <p:extLst>
+      <p:ext uri="{BB962C8B-B14F-4D97-AF65-F5344CB8AC3E}">
+        <p14:creationId xmlns:p14="http://schemas.microsoft.com/office/powerpoint/2010/main" val="3927539091"/>
+      </p:ext>
+    </p:extLst>
+  </p:cSld>
+  <p:clrMapOvr>
+    <a:masterClrMapping/>
+  </p:clrMapOvr>
+</p:sld>
+</file>
+
+<file path=ppt/slides/slide25.xml><?xml version="1.0" encoding="utf-8"?>
+<p:sld xmlns:a="http://schemas.openxmlformats.org/drawingml/2006/main" xmlns:r="http://schemas.openxmlformats.org/officeDocument/2006/relationships" xmlns:p="http://schemas.openxmlformats.org/presentationml/2006/main">
+  <p:cSld>
+    <p:spTree>
+      <p:nvGrpSpPr>
+        <p:cNvPr id="1" name=""/>
+        <p:cNvGrpSpPr/>
+        <p:nvPr/>
+      </p:nvGrpSpPr>
+      <p:grpSpPr>
+        <a:xfrm>
+          <a:off x="0" y="0"/>
+          <a:ext cx="0" cy="0"/>
+          <a:chOff x="0" y="0"/>
+          <a:chExt cx="0" cy="0"/>
+        </a:xfrm>
+      </p:grpSpPr>
+      <p:pic>
+        <p:nvPicPr>
+          <p:cNvPr id="3" name="图片 2">
+            <a:extLst>
+              <a:ext uri="{FF2B5EF4-FFF2-40B4-BE49-F238E27FC236}">
+                <a16:creationId xmlns:a16="http://schemas.microsoft.com/office/drawing/2014/main" id="{C52CBDE5-6738-7C78-2A1E-5689EDF541F1}"/>
+              </a:ext>
+            </a:extLst>
+          </p:cNvPr>
+          <p:cNvPicPr>
+            <a:picLocks noChangeAspect="1"/>
+          </p:cNvPicPr>
+          <p:nvPr/>
+        </p:nvPicPr>
+        <p:blipFill>
+          <a:blip r:embed="rId2"/>
+          <a:stretch>
+            <a:fillRect/>
+          </a:stretch>
+        </p:blipFill>
+        <p:spPr>
+          <a:xfrm>
+            <a:off x="0" y="2092261"/>
+            <a:ext cx="4189777" cy="2673477"/>
+          </a:xfrm>
+          <a:prstGeom prst="rect">
+            <a:avLst/>
+          </a:prstGeom>
+        </p:spPr>
+      </p:pic>
+      <p:pic>
+        <p:nvPicPr>
+          <p:cNvPr id="5" name="图片 4">
+            <a:extLst>
+              <a:ext uri="{FF2B5EF4-FFF2-40B4-BE49-F238E27FC236}">
+                <a16:creationId xmlns:a16="http://schemas.microsoft.com/office/drawing/2014/main" id="{E482CFF1-D147-FE5E-EC0B-B54B620186A9}"/>
+              </a:ext>
+            </a:extLst>
+          </p:cNvPr>
+          <p:cNvPicPr>
+            <a:picLocks noChangeAspect="1"/>
+          </p:cNvPicPr>
+          <p:nvPr/>
+        </p:nvPicPr>
+        <p:blipFill>
+          <a:blip r:embed="rId3"/>
+          <a:stretch>
+            <a:fillRect/>
+          </a:stretch>
+        </p:blipFill>
+        <p:spPr>
+          <a:xfrm>
+            <a:off x="4082762" y="1619466"/>
+            <a:ext cx="7838926" cy="3619066"/>
+          </a:xfrm>
+          <a:prstGeom prst="rect">
+            <a:avLst/>
+          </a:prstGeom>
+        </p:spPr>
+      </p:pic>
+      <p:sp>
+        <p:nvSpPr>
+          <p:cNvPr id="2" name="文本框 1">
+            <a:extLst>
+              <a:ext uri="{FF2B5EF4-FFF2-40B4-BE49-F238E27FC236}">
+                <a16:creationId xmlns:a16="http://schemas.microsoft.com/office/drawing/2014/main" id="{5E55665C-EF7E-7888-C6C8-EEDDF1E15028}"/>
+              </a:ext>
+            </a:extLst>
+          </p:cNvPr>
+          <p:cNvSpPr txBox="1"/>
+          <p:nvPr/>
+        </p:nvSpPr>
+        <p:spPr>
+          <a:xfrm>
+            <a:off x="651164" y="685800"/>
+            <a:ext cx="1107996" cy="369332"/>
+          </a:xfrm>
+          <a:prstGeom prst="rect">
+            <a:avLst/>
+          </a:prstGeom>
+          <a:noFill/>
+        </p:spPr>
+        <p:txBody>
+          <a:bodyPr wrap="none" rtlCol="0">
+            <a:spAutoFit/>
+          </a:bodyPr>
+          <a:lstStyle/>
+          <a:p>
+            <a:r>
+              <a:rPr lang="zh-CN" altLang="en-US" dirty="0"/>
+              <a:t>内存堆栈</a:t>
+            </a:r>
+          </a:p>
+        </p:txBody>
+      </p:sp>
+    </p:spTree>
+    <p:extLst>
+      <p:ext uri="{BB962C8B-B14F-4D97-AF65-F5344CB8AC3E}">
+        <p14:creationId xmlns:p14="http://schemas.microsoft.com/office/powerpoint/2010/main" val="3406486983"/>
+      </p:ext>
+    </p:extLst>
+  </p:cSld>
+  <p:clrMapOvr>
+    <a:masterClrMapping/>
+  </p:clrMapOvr>
+</p:sld>
+</file>
+
+<file path=ppt/slides/slide26.xml><?xml version="1.0" encoding="utf-8"?>
+<p:sld xmlns:a="http://schemas.openxmlformats.org/drawingml/2006/main" xmlns:r="http://schemas.openxmlformats.org/officeDocument/2006/relationships" xmlns:p="http://schemas.openxmlformats.org/presentationml/2006/main">
+  <p:cSld>
+    <p:spTree>
+      <p:nvGrpSpPr>
+        <p:cNvPr id="1" name=""/>
+        <p:cNvGrpSpPr/>
+        <p:nvPr/>
+      </p:nvGrpSpPr>
+      <p:grpSpPr>
+        <a:xfrm>
+          <a:off x="0" y="0"/>
+          <a:ext cx="0" cy="0"/>
+          <a:chOff x="0" y="0"/>
+          <a:chExt cx="0" cy="0"/>
+        </a:xfrm>
+      </p:grpSpPr>
+      <p:pic>
+        <p:nvPicPr>
+          <p:cNvPr id="3" name="图片 2">
+            <a:extLst>
+              <a:ext uri="{FF2B5EF4-FFF2-40B4-BE49-F238E27FC236}">
+                <a16:creationId xmlns:a16="http://schemas.microsoft.com/office/drawing/2014/main" id="{D2E1AB18-3920-BC8F-F760-08149F0E1F54}"/>
+              </a:ext>
+            </a:extLst>
+          </p:cNvPr>
+          <p:cNvPicPr>
+            <a:picLocks noChangeAspect="1"/>
+          </p:cNvPicPr>
+          <p:nvPr/>
+        </p:nvPicPr>
+        <p:blipFill>
+          <a:blip r:embed="rId2"/>
+          <a:stretch>
+            <a:fillRect/>
+          </a:stretch>
+        </p:blipFill>
+        <p:spPr>
+          <a:xfrm>
+            <a:off x="545551" y="1722787"/>
+            <a:ext cx="2768729" cy="3937349"/>
+          </a:xfrm>
+          <a:prstGeom prst="rect">
+            <a:avLst/>
+          </a:prstGeom>
+        </p:spPr>
+      </p:pic>
+      <p:pic>
+        <p:nvPicPr>
+          <p:cNvPr id="5" name="图片 4">
+            <a:extLst>
+              <a:ext uri="{FF2B5EF4-FFF2-40B4-BE49-F238E27FC236}">
+                <a16:creationId xmlns:a16="http://schemas.microsoft.com/office/drawing/2014/main" id="{4309DA9B-33C3-A276-9E81-106878309C50}"/>
+              </a:ext>
+            </a:extLst>
+          </p:cNvPr>
+          <p:cNvPicPr>
+            <a:picLocks noChangeAspect="1"/>
+          </p:cNvPicPr>
+          <p:nvPr/>
+        </p:nvPicPr>
+        <p:blipFill>
+          <a:blip r:embed="rId3"/>
+          <a:stretch>
+            <a:fillRect/>
+          </a:stretch>
+        </p:blipFill>
+        <p:spPr>
+          <a:xfrm>
+            <a:off x="3217299" y="1747856"/>
+            <a:ext cx="8543544" cy="3887209"/>
+          </a:xfrm>
+          <a:prstGeom prst="rect">
+            <a:avLst/>
+          </a:prstGeom>
+        </p:spPr>
+      </p:pic>
+      <p:sp>
+        <p:nvSpPr>
+          <p:cNvPr id="6" name="文本框 5">
+            <a:extLst>
+              <a:ext uri="{FF2B5EF4-FFF2-40B4-BE49-F238E27FC236}">
+                <a16:creationId xmlns:a16="http://schemas.microsoft.com/office/drawing/2014/main" id="{2F554A2F-443B-0495-0490-A6F074671B46}"/>
+              </a:ext>
+            </a:extLst>
+          </p:cNvPr>
+          <p:cNvSpPr txBox="1"/>
+          <p:nvPr/>
+        </p:nvSpPr>
+        <p:spPr>
+          <a:xfrm>
+            <a:off x="777240" y="539496"/>
+            <a:ext cx="527709" cy="369332"/>
+          </a:xfrm>
+          <a:prstGeom prst="rect">
+            <a:avLst/>
+          </a:prstGeom>
+          <a:noFill/>
+        </p:spPr>
+        <p:txBody>
+          <a:bodyPr wrap="none" rtlCol="0">
+            <a:spAutoFit/>
+          </a:bodyPr>
+          <a:lstStyle/>
+          <a:p>
+            <a:r>
+              <a:rPr lang="en-US" altLang="zh-CN" dirty="0"/>
+              <a:t>PID</a:t>
+            </a:r>
+            <a:endParaRPr lang="zh-CN" altLang="en-US" dirty="0"/>
+          </a:p>
+        </p:txBody>
+      </p:sp>
+    </p:spTree>
+    <p:extLst>
+      <p:ext uri="{BB962C8B-B14F-4D97-AF65-F5344CB8AC3E}">
+        <p14:creationId xmlns:p14="http://schemas.microsoft.com/office/powerpoint/2010/main" val="3055020442"/>
+      </p:ext>
+    </p:extLst>
+  </p:cSld>
+  <p:clrMapOvr>
+    <a:masterClrMapping/>
+  </p:clrMapOvr>
+</p:sld>
+</file>
+
+<file path=ppt/slides/slide27.xml><?xml version="1.0" encoding="utf-8"?>
+<p:sld xmlns:a="http://schemas.openxmlformats.org/drawingml/2006/main" xmlns:r="http://schemas.openxmlformats.org/officeDocument/2006/relationships" xmlns:p="http://schemas.openxmlformats.org/presentationml/2006/main">
+  <p:cSld>
+    <p:spTree>
+      <p:nvGrpSpPr>
+        <p:cNvPr id="1" name=""/>
+        <p:cNvGrpSpPr/>
+        <p:nvPr/>
+      </p:nvGrpSpPr>
+      <p:grpSpPr>
+        <a:xfrm>
+          <a:off x="0" y="0"/>
+          <a:ext cx="0" cy="0"/>
+          <a:chOff x="0" y="0"/>
+          <a:chExt cx="0" cy="0"/>
+        </a:xfrm>
+      </p:grpSpPr>
+      <p:pic>
+        <p:nvPicPr>
+          <p:cNvPr id="3" name="图片 2">
+            <a:extLst>
+              <a:ext uri="{FF2B5EF4-FFF2-40B4-BE49-F238E27FC236}">
+                <a16:creationId xmlns:a16="http://schemas.microsoft.com/office/drawing/2014/main" id="{CC7B2C04-D46A-AEBD-D613-C16672E9B1D5}"/>
+              </a:ext>
+            </a:extLst>
+          </p:cNvPr>
+          <p:cNvPicPr>
+            <a:picLocks noChangeAspect="1"/>
+          </p:cNvPicPr>
+          <p:nvPr/>
+        </p:nvPicPr>
+        <p:blipFill>
+          <a:blip r:embed="rId2"/>
+          <a:stretch>
+            <a:fillRect/>
+          </a:stretch>
+        </p:blipFill>
+        <p:spPr>
+          <a:xfrm>
+            <a:off x="976312" y="1038225"/>
+            <a:ext cx="9307905" cy="4346575"/>
+          </a:xfrm>
+          <a:prstGeom prst="rect">
+            <a:avLst/>
+          </a:prstGeom>
+        </p:spPr>
+      </p:pic>
+    </p:spTree>
+    <p:extLst>
+      <p:ext uri="{BB962C8B-B14F-4D97-AF65-F5344CB8AC3E}">
+        <p14:creationId xmlns:p14="http://schemas.microsoft.com/office/powerpoint/2010/main" val="2015064120"/>
+      </p:ext>
+    </p:extLst>
+  </p:cSld>
+  <p:clrMapOvr>
+    <a:masterClrMapping/>
+  </p:clrMapOvr>
+</p:sld>
+</file>
+
+<file path=ppt/slides/slide28.xml><?xml version="1.0" encoding="utf-8"?>
+<p:sld xmlns:a="http://schemas.openxmlformats.org/drawingml/2006/main" xmlns:r="http://schemas.openxmlformats.org/officeDocument/2006/relationships" xmlns:p="http://schemas.openxmlformats.org/presentationml/2006/main">
+  <p:cSld>
+    <p:spTree>
+      <p:nvGrpSpPr>
+        <p:cNvPr id="1" name=""/>
+        <p:cNvGrpSpPr/>
+        <p:nvPr/>
+      </p:nvGrpSpPr>
+      <p:grpSpPr>
+        <a:xfrm>
+          <a:off x="0" y="0"/>
+          <a:ext cx="0" cy="0"/>
+          <a:chOff x="0" y="0"/>
+          <a:chExt cx="0" cy="0"/>
+        </a:xfrm>
+      </p:grpSpPr>
+      <p:pic>
+        <p:nvPicPr>
+          <p:cNvPr id="3" name="图片 2">
+            <a:extLst>
+              <a:ext uri="{FF2B5EF4-FFF2-40B4-BE49-F238E27FC236}">
+                <a16:creationId xmlns:a16="http://schemas.microsoft.com/office/drawing/2014/main" id="{086665F9-B046-546C-92B5-307807B814F9}"/>
+              </a:ext>
+            </a:extLst>
+          </p:cNvPr>
+          <p:cNvPicPr>
+            <a:picLocks noChangeAspect="1"/>
+          </p:cNvPicPr>
+          <p:nvPr/>
+        </p:nvPicPr>
+        <p:blipFill>
+          <a:blip r:embed="rId2"/>
+          <a:stretch>
+            <a:fillRect/>
+          </a:stretch>
+        </p:blipFill>
+        <p:spPr>
+          <a:xfrm>
+            <a:off x="151257" y="1860227"/>
+            <a:ext cx="3658743" cy="3737621"/>
+          </a:xfrm>
+          <a:prstGeom prst="rect">
+            <a:avLst/>
+          </a:prstGeom>
+        </p:spPr>
+      </p:pic>
+      <p:pic>
+        <p:nvPicPr>
+          <p:cNvPr id="5" name="图片 4">
+            <a:extLst>
+              <a:ext uri="{FF2B5EF4-FFF2-40B4-BE49-F238E27FC236}">
+                <a16:creationId xmlns:a16="http://schemas.microsoft.com/office/drawing/2014/main" id="{9B0B6D93-BEB6-97B8-1E64-738D164418B2}"/>
+              </a:ext>
+            </a:extLst>
+          </p:cNvPr>
+          <p:cNvPicPr>
+            <a:picLocks noChangeAspect="1"/>
+          </p:cNvPicPr>
+          <p:nvPr/>
+        </p:nvPicPr>
+        <p:blipFill>
+          <a:blip r:embed="rId3"/>
+          <a:stretch>
+            <a:fillRect/>
+          </a:stretch>
+        </p:blipFill>
+        <p:spPr>
+          <a:xfrm>
+            <a:off x="3810000" y="1815852"/>
+            <a:ext cx="7790072" cy="3826370"/>
+          </a:xfrm>
+          <a:prstGeom prst="rect">
+            <a:avLst/>
+          </a:prstGeom>
+        </p:spPr>
+      </p:pic>
+      <p:sp>
+        <p:nvSpPr>
+          <p:cNvPr id="6" name="文本框 5">
+            <a:extLst>
+              <a:ext uri="{FF2B5EF4-FFF2-40B4-BE49-F238E27FC236}">
+                <a16:creationId xmlns:a16="http://schemas.microsoft.com/office/drawing/2014/main" id="{F5FB60F2-3093-7402-EB0E-768263BBEE4C}"/>
+              </a:ext>
+            </a:extLst>
+          </p:cNvPr>
+          <p:cNvSpPr txBox="1"/>
+          <p:nvPr/>
+        </p:nvSpPr>
+        <p:spPr>
+          <a:xfrm>
+            <a:off x="768096" y="585216"/>
+            <a:ext cx="1013419" cy="369332"/>
+          </a:xfrm>
+          <a:prstGeom prst="rect">
+            <a:avLst/>
+          </a:prstGeom>
+          <a:noFill/>
+        </p:spPr>
+        <p:txBody>
+          <a:bodyPr wrap="none" rtlCol="0">
+            <a:spAutoFit/>
+          </a:bodyPr>
+          <a:lstStyle/>
+          <a:p>
+            <a:r>
+              <a:rPr lang="en-US" altLang="zh-CN" dirty="0" err="1"/>
+              <a:t>IIR_Filter</a:t>
+            </a:r>
+            <a:endParaRPr lang="zh-CN" altLang="en-US" dirty="0"/>
+          </a:p>
+        </p:txBody>
+      </p:sp>
+    </p:spTree>
+    <p:extLst>
+      <p:ext uri="{BB962C8B-B14F-4D97-AF65-F5344CB8AC3E}">
+        <p14:creationId xmlns:p14="http://schemas.microsoft.com/office/powerpoint/2010/main" val="3777806015"/>
+      </p:ext>
+    </p:extLst>
+  </p:cSld>
+  <p:clrMapOvr>
+    <a:masterClrMapping/>
+  </p:clrMapOvr>
+</p:sld>
+</file>
+
+<file path=ppt/slides/slide29.xml><?xml version="1.0" encoding="utf-8"?>
+<p:sld xmlns:a="http://schemas.openxmlformats.org/drawingml/2006/main" xmlns:r="http://schemas.openxmlformats.org/officeDocument/2006/relationships" xmlns:p="http://schemas.openxmlformats.org/presentationml/2006/main">
+  <p:cSld>
+    <p:spTree>
+      <p:nvGrpSpPr>
+        <p:cNvPr id="1" name=""/>
+        <p:cNvGrpSpPr/>
+        <p:nvPr/>
+      </p:nvGrpSpPr>
+      <p:grpSpPr>
+        <a:xfrm>
+          <a:off x="0" y="0"/>
+          <a:ext cx="0" cy="0"/>
+          <a:chOff x="0" y="0"/>
+          <a:chExt cx="0" cy="0"/>
+        </a:xfrm>
+      </p:grpSpPr>
+      <p:pic>
+        <p:nvPicPr>
+          <p:cNvPr id="3" name="图片 2">
+            <a:extLst>
+              <a:ext uri="{FF2B5EF4-FFF2-40B4-BE49-F238E27FC236}">
+                <a16:creationId xmlns:a16="http://schemas.microsoft.com/office/drawing/2014/main" id="{80953F82-410F-808A-600D-65652E271449}"/>
+              </a:ext>
+            </a:extLst>
+          </p:cNvPr>
+          <p:cNvPicPr>
+            <a:picLocks noChangeAspect="1"/>
+          </p:cNvPicPr>
+          <p:nvPr/>
+        </p:nvPicPr>
+        <p:blipFill>
+          <a:blip r:embed="rId2"/>
+          <a:stretch>
+            <a:fillRect/>
+          </a:stretch>
+        </p:blipFill>
+        <p:spPr>
+          <a:xfrm>
+            <a:off x="1519237" y="300037"/>
+            <a:ext cx="9153525" cy="6257925"/>
+          </a:xfrm>
+          <a:prstGeom prst="rect">
+            <a:avLst/>
+          </a:prstGeom>
+        </p:spPr>
+      </p:pic>
+    </p:spTree>
+    <p:extLst>
+      <p:ext uri="{BB962C8B-B14F-4D97-AF65-F5344CB8AC3E}">
+        <p14:creationId xmlns:p14="http://schemas.microsoft.com/office/powerpoint/2010/main" val="51084646"/>
+      </p:ext>
+    </p:extLst>
+  </p:cSld>
+  <p:clrMapOvr>
+    <a:masterClrMapping/>
+  </p:clrMapOvr>
+</p:sld>
+</file>
+
+<file path=ppt/slides/slide3.xml><?xml version="1.0" encoding="utf-8"?>
 <p:sld xmlns:a="http://schemas.openxmlformats.org/drawingml/2006/main" xmlns:r="http://schemas.openxmlformats.org/officeDocument/2006/relationships" xmlns:p="http://schemas.openxmlformats.org/presentationml/2006/main">
   <p:cSld>
     <p:spTree>
@@ -6739,7 +7994,7 @@
 </p:sld>
 </file>
 
-<file path=ppt/slides/slide20.xml><?xml version="1.0" encoding="utf-8"?>
+<file path=ppt/slides/slide30.xml><?xml version="1.0" encoding="utf-8"?>
 <p:sld xmlns:a="http://schemas.openxmlformats.org/drawingml/2006/main" xmlns:r="http://schemas.openxmlformats.org/officeDocument/2006/relationships" xmlns:p="http://schemas.openxmlformats.org/presentationml/2006/main">
   <p:cSld>
     <p:spTree>
@@ -6756,758 +8011,6 @@
           <a:chExt cx="0" cy="0"/>
         </a:xfrm>
       </p:grpSpPr>
-      <p:pic>
-        <p:nvPicPr>
-          <p:cNvPr id="3" name="图片 2">
-            <a:extLst>
-              <a:ext uri="{FF2B5EF4-FFF2-40B4-BE49-F238E27FC236}">
-                <a16:creationId xmlns:a16="http://schemas.microsoft.com/office/drawing/2014/main" id="{FA95A929-9539-F038-9CCF-FA0BC2E88F8C}"/>
-              </a:ext>
-            </a:extLst>
-          </p:cNvPr>
-          <p:cNvPicPr>
-            <a:picLocks noChangeAspect="1"/>
-          </p:cNvPicPr>
-          <p:nvPr/>
-        </p:nvPicPr>
-        <p:blipFill>
-          <a:blip r:embed="rId2"/>
-          <a:stretch>
-            <a:fillRect/>
-          </a:stretch>
-        </p:blipFill>
-        <p:spPr>
-          <a:xfrm>
-            <a:off x="155449" y="2219515"/>
-            <a:ext cx="3409862" cy="2498789"/>
-          </a:xfrm>
-          <a:prstGeom prst="rect">
-            <a:avLst/>
-          </a:prstGeom>
-        </p:spPr>
-      </p:pic>
-      <p:pic>
-        <p:nvPicPr>
-          <p:cNvPr id="5" name="图片 4">
-            <a:extLst>
-              <a:ext uri="{FF2B5EF4-FFF2-40B4-BE49-F238E27FC236}">
-                <a16:creationId xmlns:a16="http://schemas.microsoft.com/office/drawing/2014/main" id="{E14E6AD6-9C18-B4D3-D351-6DD1D7A173AB}"/>
-              </a:ext>
-            </a:extLst>
-          </p:cNvPr>
-          <p:cNvPicPr>
-            <a:picLocks noChangeAspect="1"/>
-          </p:cNvPicPr>
-          <p:nvPr/>
-        </p:nvPicPr>
-        <p:blipFill>
-          <a:blip r:embed="rId3"/>
-          <a:stretch>
-            <a:fillRect/>
-          </a:stretch>
-        </p:blipFill>
-        <p:spPr>
-          <a:xfrm>
-            <a:off x="3565311" y="1648160"/>
-            <a:ext cx="8040624" cy="3641498"/>
-          </a:xfrm>
-          <a:prstGeom prst="rect">
-            <a:avLst/>
-          </a:prstGeom>
-        </p:spPr>
-      </p:pic>
-      <p:sp>
-        <p:nvSpPr>
-          <p:cNvPr id="6" name="文本框 5">
-            <a:extLst>
-              <a:ext uri="{FF2B5EF4-FFF2-40B4-BE49-F238E27FC236}">
-                <a16:creationId xmlns:a16="http://schemas.microsoft.com/office/drawing/2014/main" id="{C8054301-FAA6-3D0B-572B-A59DCAC02332}"/>
-              </a:ext>
-            </a:extLst>
-          </p:cNvPr>
-          <p:cNvSpPr txBox="1"/>
-          <p:nvPr/>
-        </p:nvSpPr>
-        <p:spPr>
-          <a:xfrm>
-            <a:off x="512064" y="585216"/>
-            <a:ext cx="1338828" cy="369332"/>
-          </a:xfrm>
-          <a:prstGeom prst="rect">
-            <a:avLst/>
-          </a:prstGeom>
-          <a:noFill/>
-        </p:spPr>
-        <p:txBody>
-          <a:bodyPr wrap="none" rtlCol="0">
-            <a:spAutoFit/>
-          </a:bodyPr>
-          <a:lstStyle/>
-          <a:p>
-            <a:r>
-              <a:rPr lang="zh-CN" altLang="en-US" dirty="0"/>
-              <a:t>通用寄存器</a:t>
-            </a:r>
-          </a:p>
-        </p:txBody>
-      </p:sp>
-    </p:spTree>
-    <p:extLst>
-      <p:ext uri="{BB962C8B-B14F-4D97-AF65-F5344CB8AC3E}">
-        <p14:creationId xmlns:p14="http://schemas.microsoft.com/office/powerpoint/2010/main" val="431048152"/>
-      </p:ext>
-    </p:extLst>
-  </p:cSld>
-  <p:clrMapOvr>
-    <a:masterClrMapping/>
-  </p:clrMapOvr>
-</p:sld>
-</file>
-
-<file path=ppt/slides/slide21.xml><?xml version="1.0" encoding="utf-8"?>
-<p:sld xmlns:a="http://schemas.openxmlformats.org/drawingml/2006/main" xmlns:r="http://schemas.openxmlformats.org/officeDocument/2006/relationships" xmlns:p="http://schemas.openxmlformats.org/presentationml/2006/main">
-  <p:cSld>
-    <p:spTree>
-      <p:nvGrpSpPr>
-        <p:cNvPr id="1" name=""/>
-        <p:cNvGrpSpPr/>
-        <p:nvPr/>
-      </p:nvGrpSpPr>
-      <p:grpSpPr>
-        <a:xfrm>
-          <a:off x="0" y="0"/>
-          <a:ext cx="0" cy="0"/>
-          <a:chOff x="0" y="0"/>
-          <a:chExt cx="0" cy="0"/>
-        </a:xfrm>
-      </p:grpSpPr>
-      <p:pic>
-        <p:nvPicPr>
-          <p:cNvPr id="3" name="图片 2">
-            <a:extLst>
-              <a:ext uri="{FF2B5EF4-FFF2-40B4-BE49-F238E27FC236}">
-                <a16:creationId xmlns:a16="http://schemas.microsoft.com/office/drawing/2014/main" id="{21A05783-DDE5-3C2E-5A6C-61781595053A}"/>
-              </a:ext>
-            </a:extLst>
-          </p:cNvPr>
-          <p:cNvPicPr>
-            <a:picLocks noChangeAspect="1"/>
-          </p:cNvPicPr>
-          <p:nvPr/>
-        </p:nvPicPr>
-        <p:blipFill>
-          <a:blip r:embed="rId2"/>
-          <a:stretch>
-            <a:fillRect/>
-          </a:stretch>
-        </p:blipFill>
-        <p:spPr>
-          <a:xfrm>
-            <a:off x="457200" y="2409458"/>
-            <a:ext cx="2855785" cy="2039084"/>
-          </a:xfrm>
-          <a:prstGeom prst="rect">
-            <a:avLst/>
-          </a:prstGeom>
-        </p:spPr>
-      </p:pic>
-      <p:pic>
-        <p:nvPicPr>
-          <p:cNvPr id="5" name="图片 4">
-            <a:extLst>
-              <a:ext uri="{FF2B5EF4-FFF2-40B4-BE49-F238E27FC236}">
-                <a16:creationId xmlns:a16="http://schemas.microsoft.com/office/drawing/2014/main" id="{56DECF58-501B-3D7A-C1EA-C9D9CBC35BBE}"/>
-              </a:ext>
-            </a:extLst>
-          </p:cNvPr>
-          <p:cNvPicPr>
-            <a:picLocks noChangeAspect="1"/>
-          </p:cNvPicPr>
-          <p:nvPr/>
-        </p:nvPicPr>
-        <p:blipFill>
-          <a:blip r:embed="rId3"/>
-          <a:stretch>
-            <a:fillRect/>
-          </a:stretch>
-        </p:blipFill>
-        <p:spPr>
-          <a:xfrm>
-            <a:off x="3312985" y="1645582"/>
-            <a:ext cx="8208236" cy="3732377"/>
-          </a:xfrm>
-          <a:prstGeom prst="rect">
-            <a:avLst/>
-          </a:prstGeom>
-        </p:spPr>
-      </p:pic>
-      <p:sp>
-        <p:nvSpPr>
-          <p:cNvPr id="2" name="文本框 1">
-            <a:extLst>
-              <a:ext uri="{FF2B5EF4-FFF2-40B4-BE49-F238E27FC236}">
-                <a16:creationId xmlns:a16="http://schemas.microsoft.com/office/drawing/2014/main" id="{1551F8D6-1D61-2DF0-991E-E94756CCB2E4}"/>
-              </a:ext>
-            </a:extLst>
-          </p:cNvPr>
-          <p:cNvSpPr txBox="1"/>
-          <p:nvPr/>
-        </p:nvSpPr>
-        <p:spPr>
-          <a:xfrm>
-            <a:off x="588818" y="678873"/>
-            <a:ext cx="1569660" cy="369332"/>
-          </a:xfrm>
-          <a:prstGeom prst="rect">
-            <a:avLst/>
-          </a:prstGeom>
-          <a:noFill/>
-        </p:spPr>
-        <p:txBody>
-          <a:bodyPr wrap="none" rtlCol="0">
-            <a:spAutoFit/>
-          </a:bodyPr>
-          <a:lstStyle/>
-          <a:p>
-            <a:r>
-              <a:rPr lang="zh-CN" altLang="en-US" dirty="0"/>
-              <a:t>随机数发生器</a:t>
-            </a:r>
-          </a:p>
-        </p:txBody>
-      </p:sp>
-    </p:spTree>
-    <p:extLst>
-      <p:ext uri="{BB962C8B-B14F-4D97-AF65-F5344CB8AC3E}">
-        <p14:creationId xmlns:p14="http://schemas.microsoft.com/office/powerpoint/2010/main" val="3704196234"/>
-      </p:ext>
-    </p:extLst>
-  </p:cSld>
-  <p:clrMapOvr>
-    <a:masterClrMapping/>
-  </p:clrMapOvr>
-</p:sld>
-</file>
-
-<file path=ppt/slides/slide22.xml><?xml version="1.0" encoding="utf-8"?>
-<p:sld xmlns:a="http://schemas.openxmlformats.org/drawingml/2006/main" xmlns:r="http://schemas.openxmlformats.org/officeDocument/2006/relationships" xmlns:p="http://schemas.openxmlformats.org/presentationml/2006/main">
-  <p:cSld>
-    <p:spTree>
-      <p:nvGrpSpPr>
-        <p:cNvPr id="1" name=""/>
-        <p:cNvGrpSpPr/>
-        <p:nvPr/>
-      </p:nvGrpSpPr>
-      <p:grpSpPr>
-        <a:xfrm>
-          <a:off x="0" y="0"/>
-          <a:ext cx="0" cy="0"/>
-          <a:chOff x="0" y="0"/>
-          <a:chExt cx="0" cy="0"/>
-        </a:xfrm>
-      </p:grpSpPr>
-      <p:pic>
-        <p:nvPicPr>
-          <p:cNvPr id="3" name="图片 2">
-            <a:extLst>
-              <a:ext uri="{FF2B5EF4-FFF2-40B4-BE49-F238E27FC236}">
-                <a16:creationId xmlns:a16="http://schemas.microsoft.com/office/drawing/2014/main" id="{32112AD0-5507-5E48-2517-F80DE5C22D92}"/>
-              </a:ext>
-            </a:extLst>
-          </p:cNvPr>
-          <p:cNvPicPr>
-            <a:picLocks noChangeAspect="1"/>
-          </p:cNvPicPr>
-          <p:nvPr/>
-        </p:nvPicPr>
-        <p:blipFill>
-          <a:blip r:embed="rId2"/>
-          <a:stretch>
-            <a:fillRect/>
-          </a:stretch>
-        </p:blipFill>
-        <p:spPr>
-          <a:xfrm>
-            <a:off x="297369" y="2331720"/>
-            <a:ext cx="3314512" cy="2328840"/>
-          </a:xfrm>
-          <a:prstGeom prst="rect">
-            <a:avLst/>
-          </a:prstGeom>
-        </p:spPr>
-      </p:pic>
-      <p:pic>
-        <p:nvPicPr>
-          <p:cNvPr id="5" name="图片 4">
-            <a:extLst>
-              <a:ext uri="{FF2B5EF4-FFF2-40B4-BE49-F238E27FC236}">
-                <a16:creationId xmlns:a16="http://schemas.microsoft.com/office/drawing/2014/main" id="{56AEBF6F-07C6-6577-1693-99FC2EA9BF0A}"/>
-              </a:ext>
-            </a:extLst>
-          </p:cNvPr>
-          <p:cNvPicPr>
-            <a:picLocks noChangeAspect="1"/>
-          </p:cNvPicPr>
-          <p:nvPr/>
-        </p:nvPicPr>
-        <p:blipFill>
-          <a:blip r:embed="rId3"/>
-          <a:stretch>
-            <a:fillRect/>
-          </a:stretch>
-        </p:blipFill>
-        <p:spPr>
-          <a:xfrm>
-            <a:off x="3611881" y="1609345"/>
-            <a:ext cx="8190216" cy="3783930"/>
-          </a:xfrm>
-          <a:prstGeom prst="rect">
-            <a:avLst/>
-          </a:prstGeom>
-        </p:spPr>
-      </p:pic>
-      <p:sp>
-        <p:nvSpPr>
-          <p:cNvPr id="2" name="文本框 1">
-            <a:extLst>
-              <a:ext uri="{FF2B5EF4-FFF2-40B4-BE49-F238E27FC236}">
-                <a16:creationId xmlns:a16="http://schemas.microsoft.com/office/drawing/2014/main" id="{7F480561-D90C-40C0-3314-21EB452F80D0}"/>
-              </a:ext>
-            </a:extLst>
-          </p:cNvPr>
-          <p:cNvSpPr txBox="1"/>
-          <p:nvPr/>
-        </p:nvSpPr>
-        <p:spPr>
-          <a:xfrm>
-            <a:off x="858982" y="505691"/>
-            <a:ext cx="646331" cy="369332"/>
-          </a:xfrm>
-          <a:prstGeom prst="rect">
-            <a:avLst/>
-          </a:prstGeom>
-          <a:noFill/>
-        </p:spPr>
-        <p:txBody>
-          <a:bodyPr wrap="none" rtlCol="0">
-            <a:spAutoFit/>
-          </a:bodyPr>
-          <a:lstStyle/>
-          <a:p>
-            <a:r>
-              <a:rPr lang="zh-CN" altLang="en-US" dirty="0"/>
-              <a:t>堆栈</a:t>
-            </a:r>
-          </a:p>
-        </p:txBody>
-      </p:sp>
-    </p:spTree>
-    <p:extLst>
-      <p:ext uri="{BB962C8B-B14F-4D97-AF65-F5344CB8AC3E}">
-        <p14:creationId xmlns:p14="http://schemas.microsoft.com/office/powerpoint/2010/main" val="3927539091"/>
-      </p:ext>
-    </p:extLst>
-  </p:cSld>
-  <p:clrMapOvr>
-    <a:masterClrMapping/>
-  </p:clrMapOvr>
-</p:sld>
-</file>
-
-<file path=ppt/slides/slide23.xml><?xml version="1.0" encoding="utf-8"?>
-<p:sld xmlns:a="http://schemas.openxmlformats.org/drawingml/2006/main" xmlns:r="http://schemas.openxmlformats.org/officeDocument/2006/relationships" xmlns:p="http://schemas.openxmlformats.org/presentationml/2006/main">
-  <p:cSld>
-    <p:spTree>
-      <p:nvGrpSpPr>
-        <p:cNvPr id="1" name=""/>
-        <p:cNvGrpSpPr/>
-        <p:nvPr/>
-      </p:nvGrpSpPr>
-      <p:grpSpPr>
-        <a:xfrm>
-          <a:off x="0" y="0"/>
-          <a:ext cx="0" cy="0"/>
-          <a:chOff x="0" y="0"/>
-          <a:chExt cx="0" cy="0"/>
-        </a:xfrm>
-      </p:grpSpPr>
-      <p:pic>
-        <p:nvPicPr>
-          <p:cNvPr id="3" name="图片 2">
-            <a:extLst>
-              <a:ext uri="{FF2B5EF4-FFF2-40B4-BE49-F238E27FC236}">
-                <a16:creationId xmlns:a16="http://schemas.microsoft.com/office/drawing/2014/main" id="{C52CBDE5-6738-7C78-2A1E-5689EDF541F1}"/>
-              </a:ext>
-            </a:extLst>
-          </p:cNvPr>
-          <p:cNvPicPr>
-            <a:picLocks noChangeAspect="1"/>
-          </p:cNvPicPr>
-          <p:nvPr/>
-        </p:nvPicPr>
-        <p:blipFill>
-          <a:blip r:embed="rId2"/>
-          <a:stretch>
-            <a:fillRect/>
-          </a:stretch>
-        </p:blipFill>
-        <p:spPr>
-          <a:xfrm>
-            <a:off x="0" y="2092261"/>
-            <a:ext cx="4189777" cy="2673477"/>
-          </a:xfrm>
-          <a:prstGeom prst="rect">
-            <a:avLst/>
-          </a:prstGeom>
-        </p:spPr>
-      </p:pic>
-      <p:pic>
-        <p:nvPicPr>
-          <p:cNvPr id="5" name="图片 4">
-            <a:extLst>
-              <a:ext uri="{FF2B5EF4-FFF2-40B4-BE49-F238E27FC236}">
-                <a16:creationId xmlns:a16="http://schemas.microsoft.com/office/drawing/2014/main" id="{E482CFF1-D147-FE5E-EC0B-B54B620186A9}"/>
-              </a:ext>
-            </a:extLst>
-          </p:cNvPr>
-          <p:cNvPicPr>
-            <a:picLocks noChangeAspect="1"/>
-          </p:cNvPicPr>
-          <p:nvPr/>
-        </p:nvPicPr>
-        <p:blipFill>
-          <a:blip r:embed="rId3"/>
-          <a:stretch>
-            <a:fillRect/>
-          </a:stretch>
-        </p:blipFill>
-        <p:spPr>
-          <a:xfrm>
-            <a:off x="4082762" y="1619466"/>
-            <a:ext cx="7838926" cy="3619066"/>
-          </a:xfrm>
-          <a:prstGeom prst="rect">
-            <a:avLst/>
-          </a:prstGeom>
-        </p:spPr>
-      </p:pic>
-      <p:sp>
-        <p:nvSpPr>
-          <p:cNvPr id="2" name="文本框 1">
-            <a:extLst>
-              <a:ext uri="{FF2B5EF4-FFF2-40B4-BE49-F238E27FC236}">
-                <a16:creationId xmlns:a16="http://schemas.microsoft.com/office/drawing/2014/main" id="{5E55665C-EF7E-7888-C6C8-EEDDF1E15028}"/>
-              </a:ext>
-            </a:extLst>
-          </p:cNvPr>
-          <p:cNvSpPr txBox="1"/>
-          <p:nvPr/>
-        </p:nvSpPr>
-        <p:spPr>
-          <a:xfrm>
-            <a:off x="651164" y="685800"/>
-            <a:ext cx="1107996" cy="369332"/>
-          </a:xfrm>
-          <a:prstGeom prst="rect">
-            <a:avLst/>
-          </a:prstGeom>
-          <a:noFill/>
-        </p:spPr>
-        <p:txBody>
-          <a:bodyPr wrap="none" rtlCol="0">
-            <a:spAutoFit/>
-          </a:bodyPr>
-          <a:lstStyle/>
-          <a:p>
-            <a:r>
-              <a:rPr lang="zh-CN" altLang="en-US" dirty="0"/>
-              <a:t>内存堆栈</a:t>
-            </a:r>
-          </a:p>
-        </p:txBody>
-      </p:sp>
-    </p:spTree>
-    <p:extLst>
-      <p:ext uri="{BB962C8B-B14F-4D97-AF65-F5344CB8AC3E}">
-        <p14:creationId xmlns:p14="http://schemas.microsoft.com/office/powerpoint/2010/main" val="3406486983"/>
-      </p:ext>
-    </p:extLst>
-  </p:cSld>
-  <p:clrMapOvr>
-    <a:masterClrMapping/>
-  </p:clrMapOvr>
-</p:sld>
-</file>
-
-<file path=ppt/slides/slide24.xml><?xml version="1.0" encoding="utf-8"?>
-<p:sld xmlns:a="http://schemas.openxmlformats.org/drawingml/2006/main" xmlns:r="http://schemas.openxmlformats.org/officeDocument/2006/relationships" xmlns:p="http://schemas.openxmlformats.org/presentationml/2006/main">
-  <p:cSld>
-    <p:spTree>
-      <p:nvGrpSpPr>
-        <p:cNvPr id="1" name=""/>
-        <p:cNvGrpSpPr/>
-        <p:nvPr/>
-      </p:nvGrpSpPr>
-      <p:grpSpPr>
-        <a:xfrm>
-          <a:off x="0" y="0"/>
-          <a:ext cx="0" cy="0"/>
-          <a:chOff x="0" y="0"/>
-          <a:chExt cx="0" cy="0"/>
-        </a:xfrm>
-      </p:grpSpPr>
-      <p:pic>
-        <p:nvPicPr>
-          <p:cNvPr id="3" name="图片 2">
-            <a:extLst>
-              <a:ext uri="{FF2B5EF4-FFF2-40B4-BE49-F238E27FC236}">
-                <a16:creationId xmlns:a16="http://schemas.microsoft.com/office/drawing/2014/main" id="{D2E1AB18-3920-BC8F-F760-08149F0E1F54}"/>
-              </a:ext>
-            </a:extLst>
-          </p:cNvPr>
-          <p:cNvPicPr>
-            <a:picLocks noChangeAspect="1"/>
-          </p:cNvPicPr>
-          <p:nvPr/>
-        </p:nvPicPr>
-        <p:blipFill>
-          <a:blip r:embed="rId2"/>
-          <a:stretch>
-            <a:fillRect/>
-          </a:stretch>
-        </p:blipFill>
-        <p:spPr>
-          <a:xfrm>
-            <a:off x="545551" y="1722787"/>
-            <a:ext cx="2768729" cy="3937349"/>
-          </a:xfrm>
-          <a:prstGeom prst="rect">
-            <a:avLst/>
-          </a:prstGeom>
-        </p:spPr>
-      </p:pic>
-      <p:pic>
-        <p:nvPicPr>
-          <p:cNvPr id="5" name="图片 4">
-            <a:extLst>
-              <a:ext uri="{FF2B5EF4-FFF2-40B4-BE49-F238E27FC236}">
-                <a16:creationId xmlns:a16="http://schemas.microsoft.com/office/drawing/2014/main" id="{4309DA9B-33C3-A276-9E81-106878309C50}"/>
-              </a:ext>
-            </a:extLst>
-          </p:cNvPr>
-          <p:cNvPicPr>
-            <a:picLocks noChangeAspect="1"/>
-          </p:cNvPicPr>
-          <p:nvPr/>
-        </p:nvPicPr>
-        <p:blipFill>
-          <a:blip r:embed="rId3"/>
-          <a:stretch>
-            <a:fillRect/>
-          </a:stretch>
-        </p:blipFill>
-        <p:spPr>
-          <a:xfrm>
-            <a:off x="3217299" y="1747856"/>
-            <a:ext cx="8543544" cy="3887209"/>
-          </a:xfrm>
-          <a:prstGeom prst="rect">
-            <a:avLst/>
-          </a:prstGeom>
-        </p:spPr>
-      </p:pic>
-      <p:sp>
-        <p:nvSpPr>
-          <p:cNvPr id="6" name="文本框 5">
-            <a:extLst>
-              <a:ext uri="{FF2B5EF4-FFF2-40B4-BE49-F238E27FC236}">
-                <a16:creationId xmlns:a16="http://schemas.microsoft.com/office/drawing/2014/main" id="{2F554A2F-443B-0495-0490-A6F074671B46}"/>
-              </a:ext>
-            </a:extLst>
-          </p:cNvPr>
-          <p:cNvSpPr txBox="1"/>
-          <p:nvPr/>
-        </p:nvSpPr>
-        <p:spPr>
-          <a:xfrm>
-            <a:off x="777240" y="539496"/>
-            <a:ext cx="527709" cy="369332"/>
-          </a:xfrm>
-          <a:prstGeom prst="rect">
-            <a:avLst/>
-          </a:prstGeom>
-          <a:noFill/>
-        </p:spPr>
-        <p:txBody>
-          <a:bodyPr wrap="none" rtlCol="0">
-            <a:spAutoFit/>
-          </a:bodyPr>
-          <a:lstStyle/>
-          <a:p>
-            <a:r>
-              <a:rPr lang="en-US" altLang="zh-CN" dirty="0"/>
-              <a:t>PID</a:t>
-            </a:r>
-            <a:endParaRPr lang="zh-CN" altLang="en-US" dirty="0"/>
-          </a:p>
-        </p:txBody>
-      </p:sp>
-    </p:spTree>
-    <p:extLst>
-      <p:ext uri="{BB962C8B-B14F-4D97-AF65-F5344CB8AC3E}">
-        <p14:creationId xmlns:p14="http://schemas.microsoft.com/office/powerpoint/2010/main" val="3055020442"/>
-      </p:ext>
-    </p:extLst>
-  </p:cSld>
-  <p:clrMapOvr>
-    <a:masterClrMapping/>
-  </p:clrMapOvr>
-</p:sld>
-</file>
-
-<file path=ppt/slides/slide25.xml><?xml version="1.0" encoding="utf-8"?>
-<p:sld xmlns:a="http://schemas.openxmlformats.org/drawingml/2006/main" xmlns:r="http://schemas.openxmlformats.org/officeDocument/2006/relationships" xmlns:p="http://schemas.openxmlformats.org/presentationml/2006/main">
-  <p:cSld>
-    <p:spTree>
-      <p:nvGrpSpPr>
-        <p:cNvPr id="1" name=""/>
-        <p:cNvGrpSpPr/>
-        <p:nvPr/>
-      </p:nvGrpSpPr>
-      <p:grpSpPr>
-        <a:xfrm>
-          <a:off x="0" y="0"/>
-          <a:ext cx="0" cy="0"/>
-          <a:chOff x="0" y="0"/>
-          <a:chExt cx="0" cy="0"/>
-        </a:xfrm>
-      </p:grpSpPr>
-      <p:pic>
-        <p:nvPicPr>
-          <p:cNvPr id="3" name="图片 2">
-            <a:extLst>
-              <a:ext uri="{FF2B5EF4-FFF2-40B4-BE49-F238E27FC236}">
-                <a16:creationId xmlns:a16="http://schemas.microsoft.com/office/drawing/2014/main" id="{086665F9-B046-546C-92B5-307807B814F9}"/>
-              </a:ext>
-            </a:extLst>
-          </p:cNvPr>
-          <p:cNvPicPr>
-            <a:picLocks noChangeAspect="1"/>
-          </p:cNvPicPr>
-          <p:nvPr/>
-        </p:nvPicPr>
-        <p:blipFill>
-          <a:blip r:embed="rId2"/>
-          <a:stretch>
-            <a:fillRect/>
-          </a:stretch>
-        </p:blipFill>
-        <p:spPr>
-          <a:xfrm>
-            <a:off x="151257" y="1860227"/>
-            <a:ext cx="3658743" cy="3737621"/>
-          </a:xfrm>
-          <a:prstGeom prst="rect">
-            <a:avLst/>
-          </a:prstGeom>
-        </p:spPr>
-      </p:pic>
-      <p:pic>
-        <p:nvPicPr>
-          <p:cNvPr id="5" name="图片 4">
-            <a:extLst>
-              <a:ext uri="{FF2B5EF4-FFF2-40B4-BE49-F238E27FC236}">
-                <a16:creationId xmlns:a16="http://schemas.microsoft.com/office/drawing/2014/main" id="{9B0B6D93-BEB6-97B8-1E64-738D164418B2}"/>
-              </a:ext>
-            </a:extLst>
-          </p:cNvPr>
-          <p:cNvPicPr>
-            <a:picLocks noChangeAspect="1"/>
-          </p:cNvPicPr>
-          <p:nvPr/>
-        </p:nvPicPr>
-        <p:blipFill>
-          <a:blip r:embed="rId3"/>
-          <a:stretch>
-            <a:fillRect/>
-          </a:stretch>
-        </p:blipFill>
-        <p:spPr>
-          <a:xfrm>
-            <a:off x="3810000" y="1815852"/>
-            <a:ext cx="7790072" cy="3826370"/>
-          </a:xfrm>
-          <a:prstGeom prst="rect">
-            <a:avLst/>
-          </a:prstGeom>
-        </p:spPr>
-      </p:pic>
-      <p:sp>
-        <p:nvSpPr>
-          <p:cNvPr id="6" name="文本框 5">
-            <a:extLst>
-              <a:ext uri="{FF2B5EF4-FFF2-40B4-BE49-F238E27FC236}">
-                <a16:creationId xmlns:a16="http://schemas.microsoft.com/office/drawing/2014/main" id="{F5FB60F2-3093-7402-EB0E-768263BBEE4C}"/>
-              </a:ext>
-            </a:extLst>
-          </p:cNvPr>
-          <p:cNvSpPr txBox="1"/>
-          <p:nvPr/>
-        </p:nvSpPr>
-        <p:spPr>
-          <a:xfrm>
-            <a:off x="768096" y="585216"/>
-            <a:ext cx="1013419" cy="369332"/>
-          </a:xfrm>
-          <a:prstGeom prst="rect">
-            <a:avLst/>
-          </a:prstGeom>
-          <a:noFill/>
-        </p:spPr>
-        <p:txBody>
-          <a:bodyPr wrap="none" rtlCol="0">
-            <a:spAutoFit/>
-          </a:bodyPr>
-          <a:lstStyle/>
-          <a:p>
-            <a:r>
-              <a:rPr lang="en-US" altLang="zh-CN" dirty="0" err="1"/>
-              <a:t>IIR_Filter</a:t>
-            </a:r>
-            <a:endParaRPr lang="zh-CN" altLang="en-US" dirty="0"/>
-          </a:p>
-        </p:txBody>
-      </p:sp>
-    </p:spTree>
-    <p:extLst>
-      <p:ext uri="{BB962C8B-B14F-4D97-AF65-F5344CB8AC3E}">
-        <p14:creationId xmlns:p14="http://schemas.microsoft.com/office/powerpoint/2010/main" val="3777806015"/>
-      </p:ext>
-    </p:extLst>
-  </p:cSld>
-  <p:clrMapOvr>
-    <a:masterClrMapping/>
-  </p:clrMapOvr>
-</p:sld>
-</file>
-
-<file path=ppt/slides/slide26.xml><?xml version="1.0" encoding="utf-8"?>
-<p:sld xmlns:a="http://schemas.openxmlformats.org/drawingml/2006/main" xmlns:r="http://schemas.openxmlformats.org/officeDocument/2006/relationships" xmlns:p="http://schemas.openxmlformats.org/presentationml/2006/main">
-  <p:cSld>
-    <p:spTree>
-      <p:nvGrpSpPr>
-        <p:cNvPr id="1" name=""/>
-        <p:cNvGrpSpPr/>
-        <p:nvPr/>
-      </p:nvGrpSpPr>
-      <p:grpSpPr>
-        <a:xfrm>
-          <a:off x="0" y="0"/>
-          <a:ext cx="0" cy="0"/>
-          <a:chOff x="0" y="0"/>
-          <a:chExt cx="0" cy="0"/>
-        </a:xfrm>
-      </p:grpSpPr>
       <p:sp>
         <p:nvSpPr>
           <p:cNvPr id="3" name="文本框 2">
@@ -7634,7 +8137,7 @@
 </p:sld>
 </file>
 
-<file path=ppt/slides/slide3.xml><?xml version="1.0" encoding="utf-8"?>
+<file path=ppt/slides/slide4.xml><?xml version="1.0" encoding="utf-8"?>
 <p:sld xmlns:a="http://schemas.openxmlformats.org/drawingml/2006/main" xmlns:r="http://schemas.openxmlformats.org/officeDocument/2006/relationships" xmlns:p="http://schemas.openxmlformats.org/presentationml/2006/main">
   <p:cSld>
     <p:spTree>
@@ -7840,7 +8343,7 @@
 </p:sld>
 </file>
 
-<file path=ppt/slides/slide4.xml><?xml version="1.0" encoding="utf-8"?>
+<file path=ppt/slides/slide5.xml><?xml version="1.0" encoding="utf-8"?>
 <p:sld xmlns:a="http://schemas.openxmlformats.org/drawingml/2006/main" xmlns:r="http://schemas.openxmlformats.org/officeDocument/2006/relationships" xmlns:p="http://schemas.openxmlformats.org/presentationml/2006/main">
   <p:cSld>
     <p:spTree>
@@ -8046,7 +8549,7 @@
 </p:sld>
 </file>
 
-<file path=ppt/slides/slide5.xml><?xml version="1.0" encoding="utf-8"?>
+<file path=ppt/slides/slide6.xml><?xml version="1.0" encoding="utf-8"?>
 <p:sld xmlns:a="http://schemas.openxmlformats.org/drawingml/2006/main" xmlns:r="http://schemas.openxmlformats.org/officeDocument/2006/relationships" xmlns:p="http://schemas.openxmlformats.org/presentationml/2006/main">
   <p:cSld>
     <p:spTree>
@@ -8125,91 +8628,6 @@
     <p:extLst>
       <p:ext uri="{BB962C8B-B14F-4D97-AF65-F5344CB8AC3E}">
         <p14:creationId xmlns:p14="http://schemas.microsoft.com/office/powerpoint/2010/main" val="2055746639"/>
-      </p:ext>
-    </p:extLst>
-  </p:cSld>
-  <p:clrMapOvr>
-    <a:masterClrMapping/>
-  </p:clrMapOvr>
-</p:sld>
-</file>
-
-<file path=ppt/slides/slide6.xml><?xml version="1.0" encoding="utf-8"?>
-<p:sld xmlns:a="http://schemas.openxmlformats.org/drawingml/2006/main" xmlns:r="http://schemas.openxmlformats.org/officeDocument/2006/relationships" xmlns:p="http://schemas.openxmlformats.org/presentationml/2006/main">
-  <p:cSld>
-    <p:spTree>
-      <p:nvGrpSpPr>
-        <p:cNvPr id="1" name=""/>
-        <p:cNvGrpSpPr/>
-        <p:nvPr/>
-      </p:nvGrpSpPr>
-      <p:grpSpPr>
-        <a:xfrm>
-          <a:off x="0" y="0"/>
-          <a:ext cx="0" cy="0"/>
-          <a:chOff x="0" y="0"/>
-          <a:chExt cx="0" cy="0"/>
-        </a:xfrm>
-      </p:grpSpPr>
-      <p:sp>
-        <p:nvSpPr>
-          <p:cNvPr id="2" name="标题 1">
-            <a:extLst>
-              <a:ext uri="{FF2B5EF4-FFF2-40B4-BE49-F238E27FC236}">
-                <a16:creationId xmlns:a16="http://schemas.microsoft.com/office/drawing/2014/main" id="{A63BD77E-3DAD-D1FA-1E46-2F3A3F1E89AB}"/>
-              </a:ext>
-            </a:extLst>
-          </p:cNvPr>
-          <p:cNvSpPr>
-            <a:spLocks noGrp="1"/>
-          </p:cNvSpPr>
-          <p:nvPr>
-            <p:ph type="title"/>
-          </p:nvPr>
-        </p:nvSpPr>
-        <p:spPr/>
-        <p:txBody>
-          <a:bodyPr/>
-          <a:lstStyle/>
-          <a:p>
-            <a:endParaRPr lang="zh-CN" altLang="en-US"/>
-          </a:p>
-        </p:txBody>
-      </p:sp>
-      <p:pic>
-        <p:nvPicPr>
-          <p:cNvPr id="4" name="图片 3">
-            <a:extLst>
-              <a:ext uri="{FF2B5EF4-FFF2-40B4-BE49-F238E27FC236}">
-                <a16:creationId xmlns:a16="http://schemas.microsoft.com/office/drawing/2014/main" id="{EE461C05-45D6-9B85-710D-A3E49844E235}"/>
-              </a:ext>
-            </a:extLst>
-          </p:cNvPr>
-          <p:cNvPicPr>
-            <a:picLocks noChangeAspect="1"/>
-          </p:cNvPicPr>
-          <p:nvPr/>
-        </p:nvPicPr>
-        <p:blipFill>
-          <a:blip r:embed="rId2"/>
-          <a:stretch>
-            <a:fillRect/>
-          </a:stretch>
-        </p:blipFill>
-        <p:spPr>
-          <a:xfrm>
-            <a:off x="3512757" y="-82296"/>
-            <a:ext cx="8348597" cy="6858000"/>
-          </a:xfrm>
-          <a:prstGeom prst="rect">
-            <a:avLst/>
-          </a:prstGeom>
-        </p:spPr>
-      </p:pic>
-    </p:spTree>
-    <p:extLst>
-      <p:ext uri="{BB962C8B-B14F-4D97-AF65-F5344CB8AC3E}">
-        <p14:creationId xmlns:p14="http://schemas.microsoft.com/office/powerpoint/2010/main" val="1951851274"/>
       </p:ext>
     </p:extLst>
   </p:cSld>
@@ -8238,49 +8656,35 @@
       </p:grpSpPr>
       <p:sp>
         <p:nvSpPr>
-          <p:cNvPr id="4" name="文本框 3">
-            <a:extLst>
-              <a:ext uri="{FF2B5EF4-FFF2-40B4-BE49-F238E27FC236}">
-                <a16:creationId xmlns:a16="http://schemas.microsoft.com/office/drawing/2014/main" id="{4E6B49C2-DE95-F978-00C5-D9FAC18F79E4}"/>
-              </a:ext>
-            </a:extLst>
-          </p:cNvPr>
-          <p:cNvSpPr txBox="1"/>
-          <p:nvPr/>
-        </p:nvSpPr>
-        <p:spPr>
-          <a:xfrm>
-            <a:off x="438912" y="438912"/>
-            <a:ext cx="1274708" cy="369332"/>
-          </a:xfrm>
-          <a:prstGeom prst="rect">
-            <a:avLst/>
-          </a:prstGeom>
-          <a:noFill/>
-        </p:spPr>
-        <p:txBody>
-          <a:bodyPr wrap="none" rtlCol="0">
-            <a:spAutoFit/>
-          </a:bodyPr>
-          <a:lstStyle/>
-          <a:p>
-            <a:r>
-              <a:rPr lang="en-US" altLang="zh-CN" dirty="0"/>
-              <a:t>RTMQ</a:t>
-            </a:r>
-            <a:r>
-              <a:rPr lang="zh-CN" altLang="en-US" dirty="0"/>
-              <a:t>核心</a:t>
-            </a:r>
+          <p:cNvPr id="2" name="标题 1">
+            <a:extLst>
+              <a:ext uri="{FF2B5EF4-FFF2-40B4-BE49-F238E27FC236}">
+                <a16:creationId xmlns:a16="http://schemas.microsoft.com/office/drawing/2014/main" id="{A63BD77E-3DAD-D1FA-1E46-2F3A3F1E89AB}"/>
+              </a:ext>
+            </a:extLst>
+          </p:cNvPr>
+          <p:cNvSpPr>
+            <a:spLocks noGrp="1"/>
+          </p:cNvSpPr>
+          <p:nvPr>
+            <p:ph type="title"/>
+          </p:nvPr>
+        </p:nvSpPr>
+        <p:spPr/>
+        <p:txBody>
+          <a:bodyPr/>
+          <a:lstStyle/>
+          <a:p>
+            <a:endParaRPr lang="zh-CN" altLang="en-US"/>
           </a:p>
         </p:txBody>
       </p:sp>
       <p:pic>
         <p:nvPicPr>
-          <p:cNvPr id="8" name="图片 7">
-            <a:extLst>
-              <a:ext uri="{FF2B5EF4-FFF2-40B4-BE49-F238E27FC236}">
-                <a16:creationId xmlns:a16="http://schemas.microsoft.com/office/drawing/2014/main" id="{C2B5A2A7-B358-1767-3E3D-83D0A2BFA27D}"/>
+          <p:cNvPr id="4" name="图片 3">
+            <a:extLst>
+              <a:ext uri="{FF2B5EF4-FFF2-40B4-BE49-F238E27FC236}">
+                <a16:creationId xmlns:a16="http://schemas.microsoft.com/office/drawing/2014/main" id="{EE461C05-45D6-9B85-710D-A3E49844E235}"/>
               </a:ext>
             </a:extLst>
           </p:cNvPr>
@@ -8297,38 +8701,8 @@
         </p:blipFill>
         <p:spPr>
           <a:xfrm>
-            <a:off x="336275" y="1866898"/>
-            <a:ext cx="2996449" cy="3540916"/>
-          </a:xfrm>
-          <a:prstGeom prst="rect">
-            <a:avLst/>
-          </a:prstGeom>
-        </p:spPr>
-      </p:pic>
-      <p:pic>
-        <p:nvPicPr>
-          <p:cNvPr id="10" name="图片 9">
-            <a:extLst>
-              <a:ext uri="{FF2B5EF4-FFF2-40B4-BE49-F238E27FC236}">
-                <a16:creationId xmlns:a16="http://schemas.microsoft.com/office/drawing/2014/main" id="{3818F086-CA42-788D-CB17-A13676CE4849}"/>
-              </a:ext>
-            </a:extLst>
-          </p:cNvPr>
-          <p:cNvPicPr>
-            <a:picLocks noChangeAspect="1"/>
-          </p:cNvPicPr>
-          <p:nvPr/>
-        </p:nvPicPr>
-        <p:blipFill>
-          <a:blip r:embed="rId3"/>
-          <a:stretch>
-            <a:fillRect/>
-          </a:stretch>
-        </p:blipFill>
-        <p:spPr>
-          <a:xfrm>
-            <a:off x="3255550" y="1866898"/>
-            <a:ext cx="8459853" cy="3709557"/>
+            <a:off x="3512757" y="-82296"/>
+            <a:ext cx="8348597" cy="6858000"/>
           </a:xfrm>
           <a:prstGeom prst="rect">
             <a:avLst/>
@@ -8338,7 +8712,7 @@
     </p:spTree>
     <p:extLst>
       <p:ext uri="{BB962C8B-B14F-4D97-AF65-F5344CB8AC3E}">
-        <p14:creationId xmlns:p14="http://schemas.microsoft.com/office/powerpoint/2010/main" val="2894608505"/>
+        <p14:creationId xmlns:p14="http://schemas.microsoft.com/office/powerpoint/2010/main" val="1951851274"/>
       </p:ext>
     </p:extLst>
   </p:cSld>
@@ -8367,69 +8741,35 @@
       </p:grpSpPr>
       <p:sp>
         <p:nvSpPr>
-          <p:cNvPr id="3" name="文本框 2">
-            <a:extLst>
-              <a:ext uri="{FF2B5EF4-FFF2-40B4-BE49-F238E27FC236}">
-                <a16:creationId xmlns:a16="http://schemas.microsoft.com/office/drawing/2014/main" id="{9ECD097B-0711-545A-DF45-CC569AFCE1F1}"/>
-              </a:ext>
-            </a:extLst>
-          </p:cNvPr>
-          <p:cNvSpPr txBox="1"/>
-          <p:nvPr/>
-        </p:nvSpPr>
-        <p:spPr>
-          <a:xfrm>
-            <a:off x="3367278" y="3046952"/>
-            <a:ext cx="6094476" cy="1477328"/>
-          </a:xfrm>
-          <a:prstGeom prst="rect">
-            <a:avLst/>
-          </a:prstGeom>
-          <a:noFill/>
-        </p:spPr>
-        <p:txBody>
-          <a:bodyPr wrap="square">
-            <a:spAutoFit/>
-          </a:bodyPr>
-          <a:lstStyle/>
-          <a:p>
-            <a:r>
-              <a:rPr lang="zh-CN" altLang="en-US" dirty="0"/>
-              <a:t>LUT	4440	134600	3.2986627</a:t>
-            </a:r>
-          </a:p>
-          <a:p>
-            <a:r>
-              <a:rPr lang="zh-CN" altLang="en-US" dirty="0"/>
-              <a:t>LUTRAM	33	46200	0.07142857</a:t>
-            </a:r>
-          </a:p>
-          <a:p>
-            <a:r>
-              <a:rPr lang="zh-CN" altLang="en-US" dirty="0"/>
-              <a:t>FF	1525	269200	0.5664933</a:t>
-            </a:r>
-          </a:p>
-          <a:p>
-            <a:r>
-              <a:rPr lang="zh-CN" altLang="en-US" dirty="0"/>
-              <a:t>IO	8294	400	2073.5</a:t>
-            </a:r>
-          </a:p>
-          <a:p>
-            <a:r>
-              <a:rPr lang="zh-CN" altLang="en-US" dirty="0"/>
-              <a:t>BUFG	1	32	3.125</a:t>
-            </a:r>
+          <p:cNvPr id="2" name="标题 1">
+            <a:extLst>
+              <a:ext uri="{FF2B5EF4-FFF2-40B4-BE49-F238E27FC236}">
+                <a16:creationId xmlns:a16="http://schemas.microsoft.com/office/drawing/2014/main" id="{F1876782-C503-07EF-6C80-43408FA5FC9D}"/>
+              </a:ext>
+            </a:extLst>
+          </p:cNvPr>
+          <p:cNvSpPr>
+            <a:spLocks noGrp="1"/>
+          </p:cNvSpPr>
+          <p:nvPr>
+            <p:ph type="title"/>
+          </p:nvPr>
+        </p:nvSpPr>
+        <p:spPr/>
+        <p:txBody>
+          <a:bodyPr/>
+          <a:lstStyle/>
+          <a:p>
+            <a:endParaRPr lang="zh-CN" altLang="en-US"/>
           </a:p>
         </p:txBody>
       </p:sp>
       <p:pic>
         <p:nvPicPr>
-          <p:cNvPr id="5" name="图片 4">
-            <a:extLst>
-              <a:ext uri="{FF2B5EF4-FFF2-40B4-BE49-F238E27FC236}">
-                <a16:creationId xmlns:a16="http://schemas.microsoft.com/office/drawing/2014/main" id="{02EB6554-B0F6-6121-993D-2A235CCBA22F}"/>
+          <p:cNvPr id="4" name="图片 3">
+            <a:extLst>
+              <a:ext uri="{FF2B5EF4-FFF2-40B4-BE49-F238E27FC236}">
+                <a16:creationId xmlns:a16="http://schemas.microsoft.com/office/drawing/2014/main" id="{95CE2C93-71C0-F8CB-4672-DBE9226AF82C}"/>
               </a:ext>
             </a:extLst>
           </p:cNvPr>
@@ -8446,8 +8786,8 @@
         </p:blipFill>
         <p:spPr>
           <a:xfrm>
-            <a:off x="2582227" y="277558"/>
-            <a:ext cx="7210425" cy="2352675"/>
+            <a:off x="818295" y="0"/>
+            <a:ext cx="10555409" cy="6858000"/>
           </a:xfrm>
           <a:prstGeom prst="rect">
             <a:avLst/>
@@ -8457,7 +8797,7 @@
     </p:spTree>
     <p:extLst>
       <p:ext uri="{BB962C8B-B14F-4D97-AF65-F5344CB8AC3E}">
-        <p14:creationId xmlns:p14="http://schemas.microsoft.com/office/powerpoint/2010/main" val="2279343953"/>
+        <p14:creationId xmlns:p14="http://schemas.microsoft.com/office/powerpoint/2010/main" val="2008528644"/>
       </p:ext>
     </p:extLst>
   </p:cSld>
@@ -8484,12 +8824,51 @@
           <a:chExt cx="0" cy="0"/>
         </a:xfrm>
       </p:grpSpPr>
+      <p:sp>
+        <p:nvSpPr>
+          <p:cNvPr id="4" name="文本框 3">
+            <a:extLst>
+              <a:ext uri="{FF2B5EF4-FFF2-40B4-BE49-F238E27FC236}">
+                <a16:creationId xmlns:a16="http://schemas.microsoft.com/office/drawing/2014/main" id="{4E6B49C2-DE95-F978-00C5-D9FAC18F79E4}"/>
+              </a:ext>
+            </a:extLst>
+          </p:cNvPr>
+          <p:cNvSpPr txBox="1"/>
+          <p:nvPr/>
+        </p:nvSpPr>
+        <p:spPr>
+          <a:xfrm>
+            <a:off x="438912" y="438912"/>
+            <a:ext cx="1274708" cy="369332"/>
+          </a:xfrm>
+          <a:prstGeom prst="rect">
+            <a:avLst/>
+          </a:prstGeom>
+          <a:noFill/>
+        </p:spPr>
+        <p:txBody>
+          <a:bodyPr wrap="none" rtlCol="0">
+            <a:spAutoFit/>
+          </a:bodyPr>
+          <a:lstStyle/>
+          <a:p>
+            <a:r>
+              <a:rPr lang="en-US" altLang="zh-CN" dirty="0"/>
+              <a:t>RTMQ</a:t>
+            </a:r>
+            <a:r>
+              <a:rPr lang="zh-CN" altLang="en-US" dirty="0"/>
+              <a:t>核心</a:t>
+            </a:r>
+          </a:p>
+        </p:txBody>
+      </p:sp>
       <p:pic>
         <p:nvPicPr>
-          <p:cNvPr id="3" name="图片 2">
-            <a:extLst>
-              <a:ext uri="{FF2B5EF4-FFF2-40B4-BE49-F238E27FC236}">
-                <a16:creationId xmlns:a16="http://schemas.microsoft.com/office/drawing/2014/main" id="{090E2843-D019-7D05-7918-196D67C508F3}"/>
+          <p:cNvPr id="8" name="图片 7">
+            <a:extLst>
+              <a:ext uri="{FF2B5EF4-FFF2-40B4-BE49-F238E27FC236}">
+                <a16:creationId xmlns:a16="http://schemas.microsoft.com/office/drawing/2014/main" id="{C2B5A2A7-B358-1767-3E3D-83D0A2BFA27D}"/>
               </a:ext>
             </a:extLst>
           </p:cNvPr>
@@ -8498,62 +8877,28 @@
           </p:cNvPicPr>
           <p:nvPr/>
         </p:nvPicPr>
-        <p:blipFill rotWithShape="1">
+        <p:blipFill>
           <a:blip r:embed="rId2"/>
-          <a:srcRect l="16006" t="4257" r="17182" b="7828"/>
-          <a:stretch/>
+          <a:stretch>
+            <a:fillRect/>
+          </a:stretch>
         </p:blipFill>
         <p:spPr>
           <a:xfrm>
-            <a:off x="568036" y="2382271"/>
-            <a:ext cx="2601884" cy="3391471"/>
+            <a:off x="336275" y="1866898"/>
+            <a:ext cx="2996449" cy="3540916"/>
           </a:xfrm>
           <a:prstGeom prst="rect">
             <a:avLst/>
           </a:prstGeom>
         </p:spPr>
       </p:pic>
-      <p:sp>
-        <p:nvSpPr>
-          <p:cNvPr id="4" name="文本框 3">
-            <a:extLst>
-              <a:ext uri="{FF2B5EF4-FFF2-40B4-BE49-F238E27FC236}">
-                <a16:creationId xmlns:a16="http://schemas.microsoft.com/office/drawing/2014/main" id="{A1127DEA-3BC5-BF94-A29D-ECC3339C4DE2}"/>
-              </a:ext>
-            </a:extLst>
-          </p:cNvPr>
-          <p:cNvSpPr txBox="1"/>
-          <p:nvPr/>
-        </p:nvSpPr>
-        <p:spPr>
-          <a:xfrm>
-            <a:off x="758952" y="649224"/>
-            <a:ext cx="1569660" cy="369332"/>
-          </a:xfrm>
-          <a:prstGeom prst="rect">
-            <a:avLst/>
-          </a:prstGeom>
-          <a:noFill/>
-        </p:spPr>
-        <p:txBody>
-          <a:bodyPr wrap="none" rtlCol="0">
-            <a:spAutoFit/>
-          </a:bodyPr>
-          <a:lstStyle/>
-          <a:p>
-            <a:r>
-              <a:rPr lang="zh-CN" altLang="en-US" dirty="0"/>
-              <a:t>流控制器模块</a:t>
-            </a:r>
-          </a:p>
-        </p:txBody>
-      </p:sp>
       <p:pic>
         <p:nvPicPr>
-          <p:cNvPr id="12" name="图片 11">
-            <a:extLst>
-              <a:ext uri="{FF2B5EF4-FFF2-40B4-BE49-F238E27FC236}">
-                <a16:creationId xmlns:a16="http://schemas.microsoft.com/office/drawing/2014/main" id="{0AF4E318-7BC1-979C-6986-348FB6EAB04A}"/>
+          <p:cNvPr id="10" name="图片 9">
+            <a:extLst>
+              <a:ext uri="{FF2B5EF4-FFF2-40B4-BE49-F238E27FC236}">
+                <a16:creationId xmlns:a16="http://schemas.microsoft.com/office/drawing/2014/main" id="{3818F086-CA42-788D-CB17-A13676CE4849}"/>
               </a:ext>
             </a:extLst>
           </p:cNvPr>
@@ -8570,8 +8915,8 @@
         </p:blipFill>
         <p:spPr>
           <a:xfrm>
-            <a:off x="3297381" y="2382271"/>
-            <a:ext cx="8043395" cy="3527075"/>
+            <a:off x="3255550" y="1866898"/>
+            <a:ext cx="8459853" cy="3709557"/>
           </a:xfrm>
           <a:prstGeom prst="rect">
             <a:avLst/>
@@ -8581,7 +8926,7 @@
     </p:spTree>
     <p:extLst>
       <p:ext uri="{BB962C8B-B14F-4D97-AF65-F5344CB8AC3E}">
-        <p14:creationId xmlns:p14="http://schemas.microsoft.com/office/powerpoint/2010/main" val="2372786023"/>
+        <p14:creationId xmlns:p14="http://schemas.microsoft.com/office/powerpoint/2010/main" val="2894608505"/>
       </p:ext>
     </p:extLst>
   </p:cSld>

--- a/figures/2024年5月29日-RTMQ系统图片.pptx
+++ b/figures/2024年5月29日-RTMQ系统图片.pptx
@@ -7,34 +7,38 @@
   <p:sldIdLst>
     <p:sldId id="278" r:id="rId2"/>
     <p:sldId id="282" r:id="rId3"/>
-    <p:sldId id="279" r:id="rId4"/>
-    <p:sldId id="280" r:id="rId5"/>
-    <p:sldId id="281" r:id="rId6"/>
-    <p:sldId id="256" r:id="rId7"/>
-    <p:sldId id="263" r:id="rId8"/>
-    <p:sldId id="285" r:id="rId9"/>
-    <p:sldId id="257" r:id="rId10"/>
-    <p:sldId id="262" r:id="rId11"/>
-    <p:sldId id="258" r:id="rId12"/>
-    <p:sldId id="261" r:id="rId13"/>
-    <p:sldId id="260" r:id="rId14"/>
-    <p:sldId id="276" r:id="rId15"/>
-    <p:sldId id="269" r:id="rId16"/>
-    <p:sldId id="270" r:id="rId17"/>
-    <p:sldId id="264" r:id="rId18"/>
-    <p:sldId id="265" r:id="rId19"/>
-    <p:sldId id="266" r:id="rId20"/>
-    <p:sldId id="271" r:id="rId21"/>
-    <p:sldId id="272" r:id="rId22"/>
-    <p:sldId id="277" r:id="rId23"/>
-    <p:sldId id="273" r:id="rId24"/>
-    <p:sldId id="274" r:id="rId25"/>
-    <p:sldId id="275" r:id="rId26"/>
-    <p:sldId id="268" r:id="rId27"/>
-    <p:sldId id="283" r:id="rId28"/>
-    <p:sldId id="267" r:id="rId29"/>
-    <p:sldId id="284" r:id="rId30"/>
-    <p:sldId id="259" r:id="rId31"/>
+    <p:sldId id="288" r:id="rId4"/>
+    <p:sldId id="289" r:id="rId5"/>
+    <p:sldId id="286" r:id="rId6"/>
+    <p:sldId id="279" r:id="rId7"/>
+    <p:sldId id="280" r:id="rId8"/>
+    <p:sldId id="281" r:id="rId9"/>
+    <p:sldId id="256" r:id="rId10"/>
+    <p:sldId id="263" r:id="rId11"/>
+    <p:sldId id="285" r:id="rId12"/>
+    <p:sldId id="257" r:id="rId13"/>
+    <p:sldId id="262" r:id="rId14"/>
+    <p:sldId id="287" r:id="rId15"/>
+    <p:sldId id="258" r:id="rId16"/>
+    <p:sldId id="261" r:id="rId17"/>
+    <p:sldId id="260" r:id="rId18"/>
+    <p:sldId id="276" r:id="rId19"/>
+    <p:sldId id="269" r:id="rId20"/>
+    <p:sldId id="270" r:id="rId21"/>
+    <p:sldId id="264" r:id="rId22"/>
+    <p:sldId id="265" r:id="rId23"/>
+    <p:sldId id="266" r:id="rId24"/>
+    <p:sldId id="271" r:id="rId25"/>
+    <p:sldId id="272" r:id="rId26"/>
+    <p:sldId id="277" r:id="rId27"/>
+    <p:sldId id="273" r:id="rId28"/>
+    <p:sldId id="274" r:id="rId29"/>
+    <p:sldId id="275" r:id="rId30"/>
+    <p:sldId id="268" r:id="rId31"/>
+    <p:sldId id="283" r:id="rId32"/>
+    <p:sldId id="267" r:id="rId33"/>
+    <p:sldId id="284" r:id="rId34"/>
+    <p:sldId id="259" r:id="rId35"/>
   </p:sldIdLst>
   <p:sldSz cx="12192000" cy="6858000"/>
   <p:notesSz cx="6858000" cy="9144000"/>
@@ -288,7 +292,7 @@
           <a:p>
             <a:fld id="{0E121E22-2FF5-48CA-AC53-4FC38697DE1E}" type="datetimeFigureOut">
               <a:rPr lang="zh-CN" altLang="en-US" smtClean="0"/>
-              <a:t>2024-06-10</a:t>
+              <a:t>2024-06-21</a:t>
             </a:fld>
             <a:endParaRPr lang="zh-CN" altLang="en-US"/>
           </a:p>
@@ -486,7 +490,7 @@
           <a:p>
             <a:fld id="{0E121E22-2FF5-48CA-AC53-4FC38697DE1E}" type="datetimeFigureOut">
               <a:rPr lang="zh-CN" altLang="en-US" smtClean="0"/>
-              <a:t>2024-06-10</a:t>
+              <a:t>2024-06-21</a:t>
             </a:fld>
             <a:endParaRPr lang="zh-CN" altLang="en-US"/>
           </a:p>
@@ -694,7 +698,7 @@
           <a:p>
             <a:fld id="{0E121E22-2FF5-48CA-AC53-4FC38697DE1E}" type="datetimeFigureOut">
               <a:rPr lang="zh-CN" altLang="en-US" smtClean="0"/>
-              <a:t>2024-06-10</a:t>
+              <a:t>2024-06-21</a:t>
             </a:fld>
             <a:endParaRPr lang="zh-CN" altLang="en-US"/>
           </a:p>
@@ -892,7 +896,7 @@
           <a:p>
             <a:fld id="{0E121E22-2FF5-48CA-AC53-4FC38697DE1E}" type="datetimeFigureOut">
               <a:rPr lang="zh-CN" altLang="en-US" smtClean="0"/>
-              <a:t>2024-06-10</a:t>
+              <a:t>2024-06-21</a:t>
             </a:fld>
             <a:endParaRPr lang="zh-CN" altLang="en-US"/>
           </a:p>
@@ -1167,7 +1171,7 @@
           <a:p>
             <a:fld id="{0E121E22-2FF5-48CA-AC53-4FC38697DE1E}" type="datetimeFigureOut">
               <a:rPr lang="zh-CN" altLang="en-US" smtClean="0"/>
-              <a:t>2024-06-10</a:t>
+              <a:t>2024-06-21</a:t>
             </a:fld>
             <a:endParaRPr lang="zh-CN" altLang="en-US"/>
           </a:p>
@@ -1432,7 +1436,7 @@
           <a:p>
             <a:fld id="{0E121E22-2FF5-48CA-AC53-4FC38697DE1E}" type="datetimeFigureOut">
               <a:rPr lang="zh-CN" altLang="en-US" smtClean="0"/>
-              <a:t>2024-06-10</a:t>
+              <a:t>2024-06-21</a:t>
             </a:fld>
             <a:endParaRPr lang="zh-CN" altLang="en-US"/>
           </a:p>
@@ -1844,7 +1848,7 @@
           <a:p>
             <a:fld id="{0E121E22-2FF5-48CA-AC53-4FC38697DE1E}" type="datetimeFigureOut">
               <a:rPr lang="zh-CN" altLang="en-US" smtClean="0"/>
-              <a:t>2024-06-10</a:t>
+              <a:t>2024-06-21</a:t>
             </a:fld>
             <a:endParaRPr lang="zh-CN" altLang="en-US"/>
           </a:p>
@@ -1985,7 +1989,7 @@
           <a:p>
             <a:fld id="{0E121E22-2FF5-48CA-AC53-4FC38697DE1E}" type="datetimeFigureOut">
               <a:rPr lang="zh-CN" altLang="en-US" smtClean="0"/>
-              <a:t>2024-06-10</a:t>
+              <a:t>2024-06-21</a:t>
             </a:fld>
             <a:endParaRPr lang="zh-CN" altLang="en-US"/>
           </a:p>
@@ -2098,7 +2102,7 @@
           <a:p>
             <a:fld id="{0E121E22-2FF5-48CA-AC53-4FC38697DE1E}" type="datetimeFigureOut">
               <a:rPr lang="zh-CN" altLang="en-US" smtClean="0"/>
-              <a:t>2024-06-10</a:t>
+              <a:t>2024-06-21</a:t>
             </a:fld>
             <a:endParaRPr lang="zh-CN" altLang="en-US"/>
           </a:p>
@@ -2409,7 +2413,7 @@
           <a:p>
             <a:fld id="{0E121E22-2FF5-48CA-AC53-4FC38697DE1E}" type="datetimeFigureOut">
               <a:rPr lang="zh-CN" altLang="en-US" smtClean="0"/>
-              <a:t>2024-06-10</a:t>
+              <a:t>2024-06-21</a:t>
             </a:fld>
             <a:endParaRPr lang="zh-CN" altLang="en-US"/>
           </a:p>
@@ -2697,7 +2701,7 @@
           <a:p>
             <a:fld id="{0E121E22-2FF5-48CA-AC53-4FC38697DE1E}" type="datetimeFigureOut">
               <a:rPr lang="zh-CN" altLang="en-US" smtClean="0"/>
-              <a:t>2024-06-10</a:t>
+              <a:t>2024-06-21</a:t>
             </a:fld>
             <a:endParaRPr lang="zh-CN" altLang="en-US"/>
           </a:p>
@@ -2938,7 +2942,7 @@
           <a:p>
             <a:fld id="{0E121E22-2FF5-48CA-AC53-4FC38697DE1E}" type="datetimeFigureOut">
               <a:rPr lang="zh-CN" altLang="en-US" smtClean="0"/>
-              <a:t>2024-06-10</a:t>
+              <a:t>2024-06-21</a:t>
             </a:fld>
             <a:endParaRPr lang="zh-CN" altLang="en-US"/>
           </a:p>
@@ -5332,69 +5336,35 @@
       </p:grpSpPr>
       <p:sp>
         <p:nvSpPr>
-          <p:cNvPr id="3" name="文本框 2">
-            <a:extLst>
-              <a:ext uri="{FF2B5EF4-FFF2-40B4-BE49-F238E27FC236}">
-                <a16:creationId xmlns:a16="http://schemas.microsoft.com/office/drawing/2014/main" id="{9ECD097B-0711-545A-DF45-CC569AFCE1F1}"/>
-              </a:ext>
-            </a:extLst>
-          </p:cNvPr>
-          <p:cNvSpPr txBox="1"/>
-          <p:nvPr/>
-        </p:nvSpPr>
-        <p:spPr>
-          <a:xfrm>
-            <a:off x="3367278" y="3046952"/>
-            <a:ext cx="6094476" cy="1477328"/>
-          </a:xfrm>
-          <a:prstGeom prst="rect">
-            <a:avLst/>
-          </a:prstGeom>
-          <a:noFill/>
-        </p:spPr>
-        <p:txBody>
-          <a:bodyPr wrap="square">
-            <a:spAutoFit/>
-          </a:bodyPr>
-          <a:lstStyle/>
-          <a:p>
-            <a:r>
-              <a:rPr lang="zh-CN" altLang="en-US" dirty="0"/>
-              <a:t>LUT	4440	134600	3.2986627</a:t>
-            </a:r>
-          </a:p>
-          <a:p>
-            <a:r>
-              <a:rPr lang="zh-CN" altLang="en-US" dirty="0"/>
-              <a:t>LUTRAM	33	46200	0.07142857</a:t>
-            </a:r>
-          </a:p>
-          <a:p>
-            <a:r>
-              <a:rPr lang="zh-CN" altLang="en-US" dirty="0"/>
-              <a:t>FF	1525	269200	0.5664933</a:t>
-            </a:r>
-          </a:p>
-          <a:p>
-            <a:r>
-              <a:rPr lang="zh-CN" altLang="en-US" dirty="0"/>
-              <a:t>IO	8294	400	2073.5</a:t>
-            </a:r>
-          </a:p>
-          <a:p>
-            <a:r>
-              <a:rPr lang="zh-CN" altLang="en-US" dirty="0"/>
-              <a:t>BUFG	1	32	3.125</a:t>
-            </a:r>
+          <p:cNvPr id="2" name="标题 1">
+            <a:extLst>
+              <a:ext uri="{FF2B5EF4-FFF2-40B4-BE49-F238E27FC236}">
+                <a16:creationId xmlns:a16="http://schemas.microsoft.com/office/drawing/2014/main" id="{A63BD77E-3DAD-D1FA-1E46-2F3A3F1E89AB}"/>
+              </a:ext>
+            </a:extLst>
+          </p:cNvPr>
+          <p:cNvSpPr>
+            <a:spLocks noGrp="1"/>
+          </p:cNvSpPr>
+          <p:nvPr>
+            <p:ph type="title"/>
+          </p:nvPr>
+        </p:nvSpPr>
+        <p:spPr/>
+        <p:txBody>
+          <a:bodyPr/>
+          <a:lstStyle/>
+          <a:p>
+            <a:endParaRPr lang="zh-CN" altLang="en-US"/>
           </a:p>
         </p:txBody>
       </p:sp>
       <p:pic>
         <p:nvPicPr>
-          <p:cNvPr id="5" name="图片 4">
-            <a:extLst>
-              <a:ext uri="{FF2B5EF4-FFF2-40B4-BE49-F238E27FC236}">
-                <a16:creationId xmlns:a16="http://schemas.microsoft.com/office/drawing/2014/main" id="{02EB6554-B0F6-6121-993D-2A235CCBA22F}"/>
+          <p:cNvPr id="4" name="图片 3">
+            <a:extLst>
+              <a:ext uri="{FF2B5EF4-FFF2-40B4-BE49-F238E27FC236}">
+                <a16:creationId xmlns:a16="http://schemas.microsoft.com/office/drawing/2014/main" id="{EE461C05-45D6-9B85-710D-A3E49844E235}"/>
               </a:ext>
             </a:extLst>
           </p:cNvPr>
@@ -5411,8 +5381,8 @@
         </p:blipFill>
         <p:spPr>
           <a:xfrm>
-            <a:off x="2582227" y="277558"/>
-            <a:ext cx="7210425" cy="2352675"/>
+            <a:off x="3512757" y="-82296"/>
+            <a:ext cx="8348597" cy="6858000"/>
           </a:xfrm>
           <a:prstGeom prst="rect">
             <a:avLst/>
@@ -5422,7 +5392,7 @@
     </p:spTree>
     <p:extLst>
       <p:ext uri="{BB962C8B-B14F-4D97-AF65-F5344CB8AC3E}">
-        <p14:creationId xmlns:p14="http://schemas.microsoft.com/office/powerpoint/2010/main" val="2279343953"/>
+        <p14:creationId xmlns:p14="http://schemas.microsoft.com/office/powerpoint/2010/main" val="1951851274"/>
       </p:ext>
     </p:extLst>
   </p:cSld>
@@ -5449,12 +5419,37 @@
           <a:chExt cx="0" cy="0"/>
         </a:xfrm>
       </p:grpSpPr>
+      <p:sp>
+        <p:nvSpPr>
+          <p:cNvPr id="2" name="标题 1">
+            <a:extLst>
+              <a:ext uri="{FF2B5EF4-FFF2-40B4-BE49-F238E27FC236}">
+                <a16:creationId xmlns:a16="http://schemas.microsoft.com/office/drawing/2014/main" id="{F1876782-C503-07EF-6C80-43408FA5FC9D}"/>
+              </a:ext>
+            </a:extLst>
+          </p:cNvPr>
+          <p:cNvSpPr>
+            <a:spLocks noGrp="1"/>
+          </p:cNvSpPr>
+          <p:nvPr>
+            <p:ph type="title"/>
+          </p:nvPr>
+        </p:nvSpPr>
+        <p:spPr/>
+        <p:txBody>
+          <a:bodyPr/>
+          <a:lstStyle/>
+          <a:p>
+            <a:endParaRPr lang="zh-CN" altLang="en-US"/>
+          </a:p>
+        </p:txBody>
+      </p:sp>
       <p:pic>
         <p:nvPicPr>
-          <p:cNvPr id="3" name="图片 2">
-            <a:extLst>
-              <a:ext uri="{FF2B5EF4-FFF2-40B4-BE49-F238E27FC236}">
-                <a16:creationId xmlns:a16="http://schemas.microsoft.com/office/drawing/2014/main" id="{090E2843-D019-7D05-7918-196D67C508F3}"/>
+          <p:cNvPr id="4" name="图片 3">
+            <a:extLst>
+              <a:ext uri="{FF2B5EF4-FFF2-40B4-BE49-F238E27FC236}">
+                <a16:creationId xmlns:a16="http://schemas.microsoft.com/office/drawing/2014/main" id="{95CE2C93-71C0-F8CB-4672-DBE9226AF82C}"/>
               </a:ext>
             </a:extLst>
           </p:cNvPr>
@@ -5463,80 +5458,16 @@
           </p:cNvPicPr>
           <p:nvPr/>
         </p:nvPicPr>
-        <p:blipFill rotWithShape="1">
+        <p:blipFill>
           <a:blip r:embed="rId2"/>
-          <a:srcRect l="16006" t="4257" r="17182" b="7828"/>
-          <a:stretch/>
-        </p:blipFill>
-        <p:spPr>
-          <a:xfrm>
-            <a:off x="568036" y="2382271"/>
-            <a:ext cx="2601884" cy="3391471"/>
-          </a:xfrm>
-          <a:prstGeom prst="rect">
-            <a:avLst/>
-          </a:prstGeom>
-        </p:spPr>
-      </p:pic>
-      <p:sp>
-        <p:nvSpPr>
-          <p:cNvPr id="4" name="文本框 3">
-            <a:extLst>
-              <a:ext uri="{FF2B5EF4-FFF2-40B4-BE49-F238E27FC236}">
-                <a16:creationId xmlns:a16="http://schemas.microsoft.com/office/drawing/2014/main" id="{A1127DEA-3BC5-BF94-A29D-ECC3339C4DE2}"/>
-              </a:ext>
-            </a:extLst>
-          </p:cNvPr>
-          <p:cNvSpPr txBox="1"/>
-          <p:nvPr/>
-        </p:nvSpPr>
-        <p:spPr>
-          <a:xfrm>
-            <a:off x="758952" y="649224"/>
-            <a:ext cx="1569660" cy="369332"/>
-          </a:xfrm>
-          <a:prstGeom prst="rect">
-            <a:avLst/>
-          </a:prstGeom>
-          <a:noFill/>
-        </p:spPr>
-        <p:txBody>
-          <a:bodyPr wrap="none" rtlCol="0">
-            <a:spAutoFit/>
-          </a:bodyPr>
-          <a:lstStyle/>
-          <a:p>
-            <a:r>
-              <a:rPr lang="zh-CN" altLang="en-US" dirty="0"/>
-              <a:t>流控制器模块</a:t>
-            </a:r>
-          </a:p>
-        </p:txBody>
-      </p:sp>
-      <p:pic>
-        <p:nvPicPr>
-          <p:cNvPr id="12" name="图片 11">
-            <a:extLst>
-              <a:ext uri="{FF2B5EF4-FFF2-40B4-BE49-F238E27FC236}">
-                <a16:creationId xmlns:a16="http://schemas.microsoft.com/office/drawing/2014/main" id="{0AF4E318-7BC1-979C-6986-348FB6EAB04A}"/>
-              </a:ext>
-            </a:extLst>
-          </p:cNvPr>
-          <p:cNvPicPr>
-            <a:picLocks noChangeAspect="1"/>
-          </p:cNvPicPr>
-          <p:nvPr/>
-        </p:nvPicPr>
-        <p:blipFill>
-          <a:blip r:embed="rId3"/>
           <a:stretch>
             <a:fillRect/>
           </a:stretch>
         </p:blipFill>
         <p:spPr>
           <a:xfrm>
-            <a:off x="3297381" y="2382271"/>
-            <a:ext cx="8043395" cy="3527075"/>
+            <a:off x="818295" y="0"/>
+            <a:ext cx="10555409" cy="6858000"/>
           </a:xfrm>
           <a:prstGeom prst="rect">
             <a:avLst/>
@@ -5546,7 +5477,7 @@
     </p:spTree>
     <p:extLst>
       <p:ext uri="{BB962C8B-B14F-4D97-AF65-F5344CB8AC3E}">
-        <p14:creationId xmlns:p14="http://schemas.microsoft.com/office/powerpoint/2010/main" val="2372786023"/>
+        <p14:creationId xmlns:p14="http://schemas.microsoft.com/office/powerpoint/2010/main" val="2008528644"/>
       </p:ext>
     </p:extLst>
   </p:cSld>
@@ -5573,12 +5504,51 @@
           <a:chExt cx="0" cy="0"/>
         </a:xfrm>
       </p:grpSpPr>
+      <p:sp>
+        <p:nvSpPr>
+          <p:cNvPr id="4" name="文本框 3">
+            <a:extLst>
+              <a:ext uri="{FF2B5EF4-FFF2-40B4-BE49-F238E27FC236}">
+                <a16:creationId xmlns:a16="http://schemas.microsoft.com/office/drawing/2014/main" id="{4E6B49C2-DE95-F978-00C5-D9FAC18F79E4}"/>
+              </a:ext>
+            </a:extLst>
+          </p:cNvPr>
+          <p:cNvSpPr txBox="1"/>
+          <p:nvPr/>
+        </p:nvSpPr>
+        <p:spPr>
+          <a:xfrm>
+            <a:off x="438912" y="438912"/>
+            <a:ext cx="1274708" cy="369332"/>
+          </a:xfrm>
+          <a:prstGeom prst="rect">
+            <a:avLst/>
+          </a:prstGeom>
+          <a:noFill/>
+        </p:spPr>
+        <p:txBody>
+          <a:bodyPr wrap="none" rtlCol="0">
+            <a:spAutoFit/>
+          </a:bodyPr>
+          <a:lstStyle/>
+          <a:p>
+            <a:r>
+              <a:rPr lang="en-US" altLang="zh-CN" dirty="0"/>
+              <a:t>RTMQ</a:t>
+            </a:r>
+            <a:r>
+              <a:rPr lang="zh-CN" altLang="en-US" dirty="0"/>
+              <a:t>核心</a:t>
+            </a:r>
+          </a:p>
+        </p:txBody>
+      </p:sp>
       <p:pic>
         <p:nvPicPr>
-          <p:cNvPr id="3" name="图片 2">
-            <a:extLst>
-              <a:ext uri="{FF2B5EF4-FFF2-40B4-BE49-F238E27FC236}">
-                <a16:creationId xmlns:a16="http://schemas.microsoft.com/office/drawing/2014/main" id="{FCCDAF10-20DB-A31C-A887-426F934DA212}"/>
+          <p:cNvPr id="8" name="图片 7">
+            <a:extLst>
+              <a:ext uri="{FF2B5EF4-FFF2-40B4-BE49-F238E27FC236}">
+                <a16:creationId xmlns:a16="http://schemas.microsoft.com/office/drawing/2014/main" id="{C2B5A2A7-B358-1767-3E3D-83D0A2BFA27D}"/>
               </a:ext>
             </a:extLst>
           </p:cNvPr>
@@ -5587,15 +5557,16 @@
           </p:cNvPicPr>
           <p:nvPr/>
         </p:nvPicPr>
-        <p:blipFill rotWithShape="1">
+        <p:blipFill>
           <a:blip r:embed="rId2"/>
-          <a:srcRect l="8259" t="9692" r="4072" b="8154"/>
-          <a:stretch/>
+          <a:stretch>
+            <a:fillRect/>
+          </a:stretch>
         </p:blipFill>
         <p:spPr>
           <a:xfrm>
-            <a:off x="447720" y="3017609"/>
-            <a:ext cx="3033592" cy="2443345"/>
+            <a:off x="336275" y="1866898"/>
+            <a:ext cx="2996449" cy="3540916"/>
           </a:xfrm>
           <a:prstGeom prst="rect">
             <a:avLst/>
@@ -5604,10 +5575,10 @@
       </p:pic>
       <p:pic>
         <p:nvPicPr>
-          <p:cNvPr id="5" name="图片 4">
-            <a:extLst>
-              <a:ext uri="{FF2B5EF4-FFF2-40B4-BE49-F238E27FC236}">
-                <a16:creationId xmlns:a16="http://schemas.microsoft.com/office/drawing/2014/main" id="{F66C0CBB-879D-E09C-76E9-09A823CBDC8C}"/>
+          <p:cNvPr id="10" name="图片 9">
+            <a:extLst>
+              <a:ext uri="{FF2B5EF4-FFF2-40B4-BE49-F238E27FC236}">
+                <a16:creationId xmlns:a16="http://schemas.microsoft.com/office/drawing/2014/main" id="{3818F086-CA42-788D-CB17-A13676CE4849}"/>
               </a:ext>
             </a:extLst>
           </p:cNvPr>
@@ -5624,53 +5595,18 @@
         </p:blipFill>
         <p:spPr>
           <a:xfrm>
-            <a:off x="3578058" y="2493018"/>
-            <a:ext cx="7943792" cy="3492529"/>
+            <a:off x="3255550" y="1866898"/>
+            <a:ext cx="8459853" cy="3709557"/>
           </a:xfrm>
           <a:prstGeom prst="rect">
             <a:avLst/>
           </a:prstGeom>
         </p:spPr>
       </p:pic>
-      <p:sp>
-        <p:nvSpPr>
-          <p:cNvPr id="6" name="文本框 5">
-            <a:extLst>
-              <a:ext uri="{FF2B5EF4-FFF2-40B4-BE49-F238E27FC236}">
-                <a16:creationId xmlns:a16="http://schemas.microsoft.com/office/drawing/2014/main" id="{F06DE061-FBE3-04D0-194F-D8F9C7EECF6C}"/>
-              </a:ext>
-            </a:extLst>
-          </p:cNvPr>
-          <p:cNvSpPr txBox="1"/>
-          <p:nvPr/>
-        </p:nvSpPr>
-        <p:spPr>
-          <a:xfrm>
-            <a:off x="594360" y="493776"/>
-            <a:ext cx="1569660" cy="369332"/>
-          </a:xfrm>
-          <a:prstGeom prst="rect">
-            <a:avLst/>
-          </a:prstGeom>
-          <a:noFill/>
-        </p:spPr>
-        <p:txBody>
-          <a:bodyPr wrap="none" rtlCol="0">
-            <a:spAutoFit/>
-          </a:bodyPr>
-          <a:lstStyle/>
-          <a:p>
-            <a:r>
-              <a:rPr lang="zh-CN" altLang="en-US" dirty="0"/>
-              <a:t>时间管理模块</a:t>
-            </a:r>
-          </a:p>
-        </p:txBody>
-      </p:sp>
     </p:spTree>
     <p:extLst>
       <p:ext uri="{BB962C8B-B14F-4D97-AF65-F5344CB8AC3E}">
-        <p14:creationId xmlns:p14="http://schemas.microsoft.com/office/powerpoint/2010/main" val="464093984"/>
+        <p14:creationId xmlns:p14="http://schemas.microsoft.com/office/powerpoint/2010/main" val="2894608505"/>
       </p:ext>
     </p:extLst>
   </p:cSld>
@@ -5697,12 +5633,71 @@
           <a:chExt cx="0" cy="0"/>
         </a:xfrm>
       </p:grpSpPr>
+      <p:sp>
+        <p:nvSpPr>
+          <p:cNvPr id="3" name="文本框 2">
+            <a:extLst>
+              <a:ext uri="{FF2B5EF4-FFF2-40B4-BE49-F238E27FC236}">
+                <a16:creationId xmlns:a16="http://schemas.microsoft.com/office/drawing/2014/main" id="{9ECD097B-0711-545A-DF45-CC569AFCE1F1}"/>
+              </a:ext>
+            </a:extLst>
+          </p:cNvPr>
+          <p:cNvSpPr txBox="1"/>
+          <p:nvPr/>
+        </p:nvSpPr>
+        <p:spPr>
+          <a:xfrm>
+            <a:off x="3367278" y="3046952"/>
+            <a:ext cx="6094476" cy="1477328"/>
+          </a:xfrm>
+          <a:prstGeom prst="rect">
+            <a:avLst/>
+          </a:prstGeom>
+          <a:noFill/>
+        </p:spPr>
+        <p:txBody>
+          <a:bodyPr wrap="square">
+            <a:spAutoFit/>
+          </a:bodyPr>
+          <a:lstStyle/>
+          <a:p>
+            <a:r>
+              <a:rPr lang="zh-CN" altLang="en-US" dirty="0"/>
+              <a:t>LUT	4440	134600	3.2986627</a:t>
+            </a:r>
+          </a:p>
+          <a:p>
+            <a:r>
+              <a:rPr lang="zh-CN" altLang="en-US" dirty="0"/>
+              <a:t>LUTRAM	33	46200	0.07142857</a:t>
+            </a:r>
+          </a:p>
+          <a:p>
+            <a:r>
+              <a:rPr lang="zh-CN" altLang="en-US" dirty="0"/>
+              <a:t>FF	1525	269200	0.5664933</a:t>
+            </a:r>
+          </a:p>
+          <a:p>
+            <a:r>
+              <a:rPr lang="zh-CN" altLang="en-US" dirty="0"/>
+              <a:t>IO	8294	400	2073.5</a:t>
+            </a:r>
+          </a:p>
+          <a:p>
+            <a:r>
+              <a:rPr lang="zh-CN" altLang="en-US" dirty="0"/>
+              <a:t>BUFG	1	32	3.125</a:t>
+            </a:r>
+          </a:p>
+        </p:txBody>
+      </p:sp>
       <p:pic>
         <p:nvPicPr>
-          <p:cNvPr id="3" name="图片 2">
-            <a:extLst>
-              <a:ext uri="{FF2B5EF4-FFF2-40B4-BE49-F238E27FC236}">
-                <a16:creationId xmlns:a16="http://schemas.microsoft.com/office/drawing/2014/main" id="{88977F76-5BC3-2E22-A0F4-3C6C1D1739BF}"/>
+          <p:cNvPr id="5" name="图片 4">
+            <a:extLst>
+              <a:ext uri="{FF2B5EF4-FFF2-40B4-BE49-F238E27FC236}">
+                <a16:creationId xmlns:a16="http://schemas.microsoft.com/office/drawing/2014/main" id="{02EB6554-B0F6-6121-993D-2A235CCBA22F}"/>
               </a:ext>
             </a:extLst>
           </p:cNvPr>
@@ -5711,80 +5706,16 @@
           </p:cNvPicPr>
           <p:nvPr/>
         </p:nvPicPr>
-        <p:blipFill rotWithShape="1">
+        <p:blipFill>
           <a:blip r:embed="rId2"/>
-          <a:srcRect l="11288" r="7139"/>
-          <a:stretch/>
-        </p:blipFill>
-        <p:spPr>
-          <a:xfrm>
-            <a:off x="415637" y="2475824"/>
-            <a:ext cx="2982329" cy="3286013"/>
-          </a:xfrm>
-          <a:prstGeom prst="rect">
-            <a:avLst/>
-          </a:prstGeom>
-        </p:spPr>
-      </p:pic>
-      <p:sp>
-        <p:nvSpPr>
-          <p:cNvPr id="4" name="文本框 3">
-            <a:extLst>
-              <a:ext uri="{FF2B5EF4-FFF2-40B4-BE49-F238E27FC236}">
-                <a16:creationId xmlns:a16="http://schemas.microsoft.com/office/drawing/2014/main" id="{12803C3E-5F8F-1CA5-5919-0D7C6D4257FE}"/>
-              </a:ext>
-            </a:extLst>
-          </p:cNvPr>
-          <p:cNvSpPr txBox="1"/>
-          <p:nvPr/>
-        </p:nvSpPr>
-        <p:spPr>
-          <a:xfrm>
-            <a:off x="905256" y="822960"/>
-            <a:ext cx="2031325" cy="369332"/>
-          </a:xfrm>
-          <a:prstGeom prst="rect">
-            <a:avLst/>
-          </a:prstGeom>
-          <a:noFill/>
-        </p:spPr>
-        <p:txBody>
-          <a:bodyPr wrap="none" rtlCol="0">
-            <a:spAutoFit/>
-          </a:bodyPr>
-          <a:lstStyle/>
-          <a:p>
-            <a:r>
-              <a:rPr lang="zh-CN" altLang="en-US" dirty="0"/>
-              <a:t>算法逻辑单元模块</a:t>
-            </a:r>
-          </a:p>
-        </p:txBody>
-      </p:sp>
-      <p:pic>
-        <p:nvPicPr>
-          <p:cNvPr id="8" name="图片 7">
-            <a:extLst>
-              <a:ext uri="{FF2B5EF4-FFF2-40B4-BE49-F238E27FC236}">
-                <a16:creationId xmlns:a16="http://schemas.microsoft.com/office/drawing/2014/main" id="{A4D8E8E3-A767-49F2-811D-E06EA01D9829}"/>
-              </a:ext>
-            </a:extLst>
-          </p:cNvPr>
-          <p:cNvPicPr>
-            <a:picLocks noChangeAspect="1"/>
-          </p:cNvPicPr>
-          <p:nvPr/>
-        </p:nvPicPr>
-        <p:blipFill>
-          <a:blip r:embed="rId3"/>
           <a:stretch>
             <a:fillRect/>
           </a:stretch>
         </p:blipFill>
         <p:spPr>
           <a:xfrm>
-            <a:off x="3602181" y="1937852"/>
-            <a:ext cx="8342526" cy="4289765"/>
+            <a:off x="2582227" y="277558"/>
+            <a:ext cx="7210425" cy="2352675"/>
           </a:xfrm>
           <a:prstGeom prst="rect">
             <a:avLst/>
@@ -5794,7 +5725,7 @@
     </p:spTree>
     <p:extLst>
       <p:ext uri="{BB962C8B-B14F-4D97-AF65-F5344CB8AC3E}">
-        <p14:creationId xmlns:p14="http://schemas.microsoft.com/office/powerpoint/2010/main" val="646237645"/>
+        <p14:creationId xmlns:p14="http://schemas.microsoft.com/office/powerpoint/2010/main" val="2279343953"/>
       </p:ext>
     </p:extLst>
   </p:cSld>
@@ -5826,7 +5757,7 @@
           <p:cNvPr id="3" name="图片 2">
             <a:extLst>
               <a:ext uri="{FF2B5EF4-FFF2-40B4-BE49-F238E27FC236}">
-                <a16:creationId xmlns:a16="http://schemas.microsoft.com/office/drawing/2014/main" id="{30C6D799-A98A-2747-D3E8-15181EE06FA0}"/>
+                <a16:creationId xmlns:a16="http://schemas.microsoft.com/office/drawing/2014/main" id="{7F5052FC-9343-D649-13AE-770791F7F02D}"/>
               </a:ext>
             </a:extLst>
           </p:cNvPr>
@@ -5835,91 +5766,31 @@
           </p:cNvPicPr>
           <p:nvPr/>
         </p:nvPicPr>
-        <p:blipFill>
-          <a:blip r:embed="rId2"/>
-          <a:stretch>
-            <a:fillRect/>
-          </a:stretch>
+        <p:blipFill rotWithShape="1">
+          <a:blip r:embed="rId2">
+            <a:extLst>
+              <a:ext uri="{28A0092B-C50C-407E-A947-70E740481C1C}">
+                <a14:useLocalDpi xmlns:a14="http://schemas.microsoft.com/office/drawing/2010/main" val="0"/>
+              </a:ext>
+            </a:extLst>
+          </a:blip>
+          <a:srcRect t="13638" b="7633"/>
+          <a:stretch/>
         </p:blipFill>
         <p:spPr>
           <a:xfrm>
-            <a:off x="141694" y="2176273"/>
-            <a:ext cx="3128185" cy="3044952"/>
+            <a:off x="0" y="0"/>
+            <a:ext cx="11609998" cy="6858000"/>
           </a:xfrm>
           <a:prstGeom prst="rect">
             <a:avLst/>
           </a:prstGeom>
         </p:spPr>
       </p:pic>
-      <p:pic>
-        <p:nvPicPr>
-          <p:cNvPr id="5" name="图片 4">
-            <a:extLst>
-              <a:ext uri="{FF2B5EF4-FFF2-40B4-BE49-F238E27FC236}">
-                <a16:creationId xmlns:a16="http://schemas.microsoft.com/office/drawing/2014/main" id="{5BEB75BF-06DD-06B4-6126-3FD538396695}"/>
-              </a:ext>
-            </a:extLst>
-          </p:cNvPr>
-          <p:cNvPicPr>
-            <a:picLocks noChangeAspect="1"/>
-          </p:cNvPicPr>
-          <p:nvPr/>
-        </p:nvPicPr>
-        <p:blipFill>
-          <a:blip r:embed="rId3"/>
-          <a:stretch>
-            <a:fillRect/>
-          </a:stretch>
-        </p:blipFill>
-        <p:spPr>
-          <a:xfrm>
-            <a:off x="3269879" y="1787370"/>
-            <a:ext cx="8579039" cy="3822757"/>
-          </a:xfrm>
-          <a:prstGeom prst="rect">
-            <a:avLst/>
-          </a:prstGeom>
-        </p:spPr>
-      </p:pic>
-      <p:sp>
-        <p:nvSpPr>
-          <p:cNvPr id="2" name="文本框 1">
-            <a:extLst>
-              <a:ext uri="{FF2B5EF4-FFF2-40B4-BE49-F238E27FC236}">
-                <a16:creationId xmlns:a16="http://schemas.microsoft.com/office/drawing/2014/main" id="{1CE4DF3A-FD43-B11F-0E28-CD6AB19B0B47}"/>
-              </a:ext>
-            </a:extLst>
-          </p:cNvPr>
-          <p:cNvSpPr txBox="1"/>
-          <p:nvPr/>
-        </p:nvSpPr>
-        <p:spPr>
-          <a:xfrm>
-            <a:off x="845127" y="595745"/>
-            <a:ext cx="1800493" cy="369332"/>
-          </a:xfrm>
-          <a:prstGeom prst="rect">
-            <a:avLst/>
-          </a:prstGeom>
-          <a:noFill/>
-        </p:spPr>
-        <p:txBody>
-          <a:bodyPr wrap="none" rtlCol="0">
-            <a:spAutoFit/>
-          </a:bodyPr>
-          <a:lstStyle/>
-          <a:p>
-            <a:r>
-              <a:rPr lang="zh-CN" altLang="en-US" dirty="0"/>
-              <a:t>触发管理模块儿</a:t>
-            </a:r>
-          </a:p>
-        </p:txBody>
-      </p:sp>
     </p:spTree>
     <p:extLst>
       <p:ext uri="{BB962C8B-B14F-4D97-AF65-F5344CB8AC3E}">
-        <p14:creationId xmlns:p14="http://schemas.microsoft.com/office/powerpoint/2010/main" val="3310027567"/>
+        <p14:creationId xmlns:p14="http://schemas.microsoft.com/office/powerpoint/2010/main" val="2256273189"/>
       </p:ext>
     </p:extLst>
   </p:cSld>
@@ -5951,7 +5822,7 @@
           <p:cNvPr id="3" name="图片 2">
             <a:extLst>
               <a:ext uri="{FF2B5EF4-FFF2-40B4-BE49-F238E27FC236}">
-                <a16:creationId xmlns:a16="http://schemas.microsoft.com/office/drawing/2014/main" id="{53C58AB6-AF41-823D-E721-27BA7BB0605F}"/>
+                <a16:creationId xmlns:a16="http://schemas.microsoft.com/office/drawing/2014/main" id="{090E2843-D019-7D05-7918-196D67C508F3}"/>
               </a:ext>
             </a:extLst>
           </p:cNvPr>
@@ -5960,28 +5831,62 @@
           </p:cNvPicPr>
           <p:nvPr/>
         </p:nvPicPr>
-        <p:blipFill>
+        <p:blipFill rotWithShape="1">
           <a:blip r:embed="rId2"/>
-          <a:stretch>
-            <a:fillRect/>
-          </a:stretch>
+          <a:srcRect l="16006" t="4257" r="17182" b="7828"/>
+          <a:stretch/>
         </p:blipFill>
         <p:spPr>
           <a:xfrm>
-            <a:off x="191048" y="2709516"/>
-            <a:ext cx="3132435" cy="3106068"/>
+            <a:off x="568036" y="2382271"/>
+            <a:ext cx="2601884" cy="3391471"/>
           </a:xfrm>
           <a:prstGeom prst="rect">
             <a:avLst/>
           </a:prstGeom>
         </p:spPr>
       </p:pic>
+      <p:sp>
+        <p:nvSpPr>
+          <p:cNvPr id="4" name="文本框 3">
+            <a:extLst>
+              <a:ext uri="{FF2B5EF4-FFF2-40B4-BE49-F238E27FC236}">
+                <a16:creationId xmlns:a16="http://schemas.microsoft.com/office/drawing/2014/main" id="{A1127DEA-3BC5-BF94-A29D-ECC3339C4DE2}"/>
+              </a:ext>
+            </a:extLst>
+          </p:cNvPr>
+          <p:cNvSpPr txBox="1"/>
+          <p:nvPr/>
+        </p:nvSpPr>
+        <p:spPr>
+          <a:xfrm>
+            <a:off x="758952" y="649224"/>
+            <a:ext cx="1569660" cy="369332"/>
+          </a:xfrm>
+          <a:prstGeom prst="rect">
+            <a:avLst/>
+          </a:prstGeom>
+          <a:noFill/>
+        </p:spPr>
+        <p:txBody>
+          <a:bodyPr wrap="none" rtlCol="0">
+            <a:spAutoFit/>
+          </a:bodyPr>
+          <a:lstStyle/>
+          <a:p>
+            <a:r>
+              <a:rPr lang="zh-CN" altLang="en-US" dirty="0"/>
+              <a:t>流控制器模块</a:t>
+            </a:r>
+          </a:p>
+        </p:txBody>
+      </p:sp>
       <p:pic>
         <p:nvPicPr>
-          <p:cNvPr id="5" name="图片 4">
-            <a:extLst>
-              <a:ext uri="{FF2B5EF4-FFF2-40B4-BE49-F238E27FC236}">
-                <a16:creationId xmlns:a16="http://schemas.microsoft.com/office/drawing/2014/main" id="{F98ADEFF-B93D-7178-1EA8-AD8988863507}"/>
+          <p:cNvPr id="12" name="图片 11">
+            <a:extLst>
+              <a:ext uri="{FF2B5EF4-FFF2-40B4-BE49-F238E27FC236}">
+                <a16:creationId xmlns:a16="http://schemas.microsoft.com/office/drawing/2014/main" id="{0AF4E318-7BC1-979C-6986-348FB6EAB04A}"/>
               </a:ext>
             </a:extLst>
           </p:cNvPr>
@@ -5998,54 +5903,18 @@
         </p:blipFill>
         <p:spPr>
           <a:xfrm>
-            <a:off x="3410712" y="2307180"/>
-            <a:ext cx="8431412" cy="3910740"/>
+            <a:off x="3297381" y="2382271"/>
+            <a:ext cx="8043395" cy="3527075"/>
           </a:xfrm>
           <a:prstGeom prst="rect">
             <a:avLst/>
           </a:prstGeom>
         </p:spPr>
       </p:pic>
-      <p:sp>
-        <p:nvSpPr>
-          <p:cNvPr id="6" name="文本框 5">
-            <a:extLst>
-              <a:ext uri="{FF2B5EF4-FFF2-40B4-BE49-F238E27FC236}">
-                <a16:creationId xmlns:a16="http://schemas.microsoft.com/office/drawing/2014/main" id="{B6E9D544-4768-D207-257E-2E0CCA257FD8}"/>
-              </a:ext>
-            </a:extLst>
-          </p:cNvPr>
-          <p:cNvSpPr txBox="1"/>
-          <p:nvPr/>
-        </p:nvSpPr>
-        <p:spPr>
-          <a:xfrm>
-            <a:off x="749808" y="777240"/>
-            <a:ext cx="739305" cy="369332"/>
-          </a:xfrm>
-          <a:prstGeom prst="rect">
-            <a:avLst/>
-          </a:prstGeom>
-          <a:noFill/>
-        </p:spPr>
-        <p:txBody>
-          <a:bodyPr wrap="none" rtlCol="0">
-            <a:spAutoFit/>
-          </a:bodyPr>
-          <a:lstStyle/>
-          <a:p>
-            <a:r>
-              <a:rPr lang="en-US" altLang="zh-CN" dirty="0"/>
-              <a:t>UART</a:t>
-            </a:r>
-            <a:endParaRPr lang="zh-CN" altLang="en-US" dirty="0"/>
-          </a:p>
-        </p:txBody>
-      </p:sp>
     </p:spTree>
     <p:extLst>
       <p:ext uri="{BB962C8B-B14F-4D97-AF65-F5344CB8AC3E}">
-        <p14:creationId xmlns:p14="http://schemas.microsoft.com/office/powerpoint/2010/main" val="12742870"/>
+        <p14:creationId xmlns:p14="http://schemas.microsoft.com/office/powerpoint/2010/main" val="2372786023"/>
       </p:ext>
     </p:extLst>
   </p:cSld>
@@ -6077,7 +5946,7 @@
           <p:cNvPr id="3" name="图片 2">
             <a:extLst>
               <a:ext uri="{FF2B5EF4-FFF2-40B4-BE49-F238E27FC236}">
-                <a16:creationId xmlns:a16="http://schemas.microsoft.com/office/drawing/2014/main" id="{E621E686-EBC5-232B-4E44-5D8D1EF3592F}"/>
+                <a16:creationId xmlns:a16="http://schemas.microsoft.com/office/drawing/2014/main" id="{FCCDAF10-20DB-A31C-A887-426F934DA212}"/>
               </a:ext>
             </a:extLst>
           </p:cNvPr>
@@ -6086,16 +5955,15 @@
           </p:cNvPicPr>
           <p:nvPr/>
         </p:nvPicPr>
-        <p:blipFill>
+        <p:blipFill rotWithShape="1">
           <a:blip r:embed="rId2"/>
-          <a:stretch>
-            <a:fillRect/>
-          </a:stretch>
+          <a:srcRect l="8259" t="9692" r="4072" b="8154"/>
+          <a:stretch/>
         </p:blipFill>
         <p:spPr>
           <a:xfrm>
-            <a:off x="200915" y="2103120"/>
-            <a:ext cx="3390531" cy="3163824"/>
+            <a:off x="447720" y="3017609"/>
+            <a:ext cx="3033592" cy="2443345"/>
           </a:xfrm>
           <a:prstGeom prst="rect">
             <a:avLst/>
@@ -6107,7 +5975,7 @@
           <p:cNvPr id="5" name="图片 4">
             <a:extLst>
               <a:ext uri="{FF2B5EF4-FFF2-40B4-BE49-F238E27FC236}">
-                <a16:creationId xmlns:a16="http://schemas.microsoft.com/office/drawing/2014/main" id="{2D63422D-B5EF-1F05-0B3A-53FFBCE0F03B}"/>
+                <a16:creationId xmlns:a16="http://schemas.microsoft.com/office/drawing/2014/main" id="{F66C0CBB-879D-E09C-76E9-09A823CBDC8C}"/>
               </a:ext>
             </a:extLst>
           </p:cNvPr>
@@ -6124,8 +5992,8 @@
         </p:blipFill>
         <p:spPr>
           <a:xfrm>
-            <a:off x="3310128" y="1591056"/>
-            <a:ext cx="8461248" cy="3917434"/>
+            <a:off x="3578058" y="2493018"/>
+            <a:ext cx="7943792" cy="3492529"/>
           </a:xfrm>
           <a:prstGeom prst="rect">
             <a:avLst/>
@@ -6134,10 +6002,10 @@
       </p:pic>
       <p:sp>
         <p:nvSpPr>
-          <p:cNvPr id="7" name="文本框 6">
-            <a:extLst>
-              <a:ext uri="{FF2B5EF4-FFF2-40B4-BE49-F238E27FC236}">
-                <a16:creationId xmlns:a16="http://schemas.microsoft.com/office/drawing/2014/main" id="{6F70AFD7-2C86-4220-A60E-D98B6171B0F0}"/>
+          <p:cNvPr id="6" name="文本框 5">
+            <a:extLst>
+              <a:ext uri="{FF2B5EF4-FFF2-40B4-BE49-F238E27FC236}">
+                <a16:creationId xmlns:a16="http://schemas.microsoft.com/office/drawing/2014/main" id="{F06DE061-FBE3-04D0-194F-D8F9C7EECF6C}"/>
               </a:ext>
             </a:extLst>
           </p:cNvPr>
@@ -6146,8 +6014,8 @@
         </p:nvSpPr>
         <p:spPr>
           <a:xfrm>
-            <a:off x="667512" y="667512"/>
-            <a:ext cx="1029449" cy="369332"/>
+            <a:off x="594360" y="493776"/>
+            <a:ext cx="1569660" cy="369332"/>
           </a:xfrm>
           <a:prstGeom prst="rect">
             <a:avLst/>
@@ -6161,17 +6029,16 @@
           <a:lstStyle/>
           <a:p>
             <a:r>
-              <a:rPr lang="en-US" altLang="zh-CN" dirty="0" err="1"/>
-              <a:t>ExtUART</a:t>
-            </a:r>
-            <a:endParaRPr lang="zh-CN" altLang="en-US" dirty="0"/>
+              <a:rPr lang="zh-CN" altLang="en-US" dirty="0"/>
+              <a:t>时间管理模块</a:t>
+            </a:r>
           </a:p>
         </p:txBody>
       </p:sp>
     </p:spTree>
     <p:extLst>
       <p:ext uri="{BB962C8B-B14F-4D97-AF65-F5344CB8AC3E}">
-        <p14:creationId xmlns:p14="http://schemas.microsoft.com/office/powerpoint/2010/main" val="4185618548"/>
+        <p14:creationId xmlns:p14="http://schemas.microsoft.com/office/powerpoint/2010/main" val="464093984"/>
       </p:ext>
     </p:extLst>
   </p:cSld>
@@ -6203,7 +6070,7 @@
           <p:cNvPr id="3" name="图片 2">
             <a:extLst>
               <a:ext uri="{FF2B5EF4-FFF2-40B4-BE49-F238E27FC236}">
-                <a16:creationId xmlns:a16="http://schemas.microsoft.com/office/drawing/2014/main" id="{D07F1AA7-A2AE-23BF-AE06-3B511E513AD6}"/>
+                <a16:creationId xmlns:a16="http://schemas.microsoft.com/office/drawing/2014/main" id="{88977F76-5BC3-2E22-A0F4-3C6C1D1739BF}"/>
               </a:ext>
             </a:extLst>
           </p:cNvPr>
@@ -6214,25 +6081,60 @@
         </p:nvPicPr>
         <p:blipFill rotWithShape="1">
           <a:blip r:embed="rId2"/>
-          <a:srcRect l="8294" r="4206"/>
+          <a:srcRect l="11288" r="7139"/>
           <a:stretch/>
         </p:blipFill>
         <p:spPr>
           <a:xfrm>
-            <a:off x="339436" y="1979230"/>
-            <a:ext cx="2923531" cy="3649385"/>
+            <a:off x="415637" y="2475824"/>
+            <a:ext cx="2982329" cy="3286013"/>
           </a:xfrm>
           <a:prstGeom prst="rect">
             <a:avLst/>
           </a:prstGeom>
         </p:spPr>
       </p:pic>
+      <p:sp>
+        <p:nvSpPr>
+          <p:cNvPr id="4" name="文本框 3">
+            <a:extLst>
+              <a:ext uri="{FF2B5EF4-FFF2-40B4-BE49-F238E27FC236}">
+                <a16:creationId xmlns:a16="http://schemas.microsoft.com/office/drawing/2014/main" id="{12803C3E-5F8F-1CA5-5919-0D7C6D4257FE}"/>
+              </a:ext>
+            </a:extLst>
+          </p:cNvPr>
+          <p:cNvSpPr txBox="1"/>
+          <p:nvPr/>
+        </p:nvSpPr>
+        <p:spPr>
+          <a:xfrm>
+            <a:off x="905256" y="822960"/>
+            <a:ext cx="2031325" cy="369332"/>
+          </a:xfrm>
+          <a:prstGeom prst="rect">
+            <a:avLst/>
+          </a:prstGeom>
+          <a:noFill/>
+        </p:spPr>
+        <p:txBody>
+          <a:bodyPr wrap="none" rtlCol="0">
+            <a:spAutoFit/>
+          </a:bodyPr>
+          <a:lstStyle/>
+          <a:p>
+            <a:r>
+              <a:rPr lang="zh-CN" altLang="en-US" dirty="0"/>
+              <a:t>算法逻辑单元模块</a:t>
+            </a:r>
+          </a:p>
+        </p:txBody>
+      </p:sp>
       <p:pic>
         <p:nvPicPr>
-          <p:cNvPr id="5" name="图片 4">
-            <a:extLst>
-              <a:ext uri="{FF2B5EF4-FFF2-40B4-BE49-F238E27FC236}">
-                <a16:creationId xmlns:a16="http://schemas.microsoft.com/office/drawing/2014/main" id="{CCB84A25-A76A-BF6A-70CE-590B777DD8C2}"/>
+          <p:cNvPr id="8" name="图片 7">
+            <a:extLst>
+              <a:ext uri="{FF2B5EF4-FFF2-40B4-BE49-F238E27FC236}">
+                <a16:creationId xmlns:a16="http://schemas.microsoft.com/office/drawing/2014/main" id="{A4D8E8E3-A767-49F2-811D-E06EA01D9829}"/>
               </a:ext>
             </a:extLst>
           </p:cNvPr>
@@ -6249,57 +6151,18 @@
         </p:blipFill>
         <p:spPr>
           <a:xfrm>
-            <a:off x="3262967" y="1787649"/>
-            <a:ext cx="8654713" cy="4032549"/>
+            <a:off x="3602181" y="1937852"/>
+            <a:ext cx="8342526" cy="4289765"/>
           </a:xfrm>
           <a:prstGeom prst="rect">
             <a:avLst/>
           </a:prstGeom>
         </p:spPr>
       </p:pic>
-      <p:sp>
-        <p:nvSpPr>
-          <p:cNvPr id="6" name="文本框 5">
-            <a:extLst>
-              <a:ext uri="{FF2B5EF4-FFF2-40B4-BE49-F238E27FC236}">
-                <a16:creationId xmlns:a16="http://schemas.microsoft.com/office/drawing/2014/main" id="{9E1A77E3-6013-6C86-A7D6-2DD1DAABEC8C}"/>
-              </a:ext>
-            </a:extLst>
-          </p:cNvPr>
-          <p:cNvSpPr txBox="1"/>
-          <p:nvPr/>
-        </p:nvSpPr>
-        <p:spPr>
-          <a:xfrm>
-            <a:off x="566928" y="493776"/>
-            <a:ext cx="949299" cy="369332"/>
-          </a:xfrm>
-          <a:prstGeom prst="rect">
-            <a:avLst/>
-          </a:prstGeom>
-          <a:noFill/>
-        </p:spPr>
-        <p:txBody>
-          <a:bodyPr wrap="none" rtlCol="0">
-            <a:spAutoFit/>
-          </a:bodyPr>
-          <a:lstStyle/>
-          <a:p>
-            <a:r>
-              <a:rPr lang="en-US" altLang="zh-CN" dirty="0"/>
-              <a:t>SPI</a:t>
-            </a:r>
-            <a:r>
-              <a:rPr lang="zh-CN" altLang="en-US" dirty="0"/>
-              <a:t>主机</a:t>
-            </a:r>
-          </a:p>
-        </p:txBody>
-      </p:sp>
     </p:spTree>
     <p:extLst>
       <p:ext uri="{BB962C8B-B14F-4D97-AF65-F5344CB8AC3E}">
-        <p14:creationId xmlns:p14="http://schemas.microsoft.com/office/powerpoint/2010/main" val="3203456597"/>
+        <p14:creationId xmlns:p14="http://schemas.microsoft.com/office/powerpoint/2010/main" val="646237645"/>
       </p:ext>
     </p:extLst>
   </p:cSld>
@@ -6331,7 +6194,7 @@
           <p:cNvPr id="3" name="图片 2">
             <a:extLst>
               <a:ext uri="{FF2B5EF4-FFF2-40B4-BE49-F238E27FC236}">
-                <a16:creationId xmlns:a16="http://schemas.microsoft.com/office/drawing/2014/main" id="{2FE4BE10-C92B-27E2-B0D5-DA9074D8EF94}"/>
+                <a16:creationId xmlns:a16="http://schemas.microsoft.com/office/drawing/2014/main" id="{30C6D799-A98A-2747-D3E8-15181EE06FA0}"/>
               </a:ext>
             </a:extLst>
           </p:cNvPr>
@@ -6340,15 +6203,16 @@
           </p:cNvPicPr>
           <p:nvPr/>
         </p:nvPicPr>
-        <p:blipFill rotWithShape="1">
+        <p:blipFill>
           <a:blip r:embed="rId2"/>
-          <a:srcRect l="3246" r="4794"/>
-          <a:stretch/>
+          <a:stretch>
+            <a:fillRect/>
+          </a:stretch>
         </p:blipFill>
         <p:spPr>
           <a:xfrm>
-            <a:off x="248277" y="1704801"/>
-            <a:ext cx="3305413" cy="3899916"/>
+            <a:off x="141694" y="2176273"/>
+            <a:ext cx="3128185" cy="3044952"/>
           </a:xfrm>
           <a:prstGeom prst="rect">
             <a:avLst/>
@@ -6360,7 +6224,7 @@
           <p:cNvPr id="5" name="图片 4">
             <a:extLst>
               <a:ext uri="{FF2B5EF4-FFF2-40B4-BE49-F238E27FC236}">
-                <a16:creationId xmlns:a16="http://schemas.microsoft.com/office/drawing/2014/main" id="{D7121EB3-1AE0-4F8F-ED7E-DE11138743F6}"/>
+                <a16:creationId xmlns:a16="http://schemas.microsoft.com/office/drawing/2014/main" id="{5BEB75BF-06DD-06B4-6126-3FD538396695}"/>
               </a:ext>
             </a:extLst>
           </p:cNvPr>
@@ -6377,8 +6241,8 @@
         </p:blipFill>
         <p:spPr>
           <a:xfrm>
-            <a:off x="3497683" y="1626687"/>
-            <a:ext cx="8604261" cy="4056144"/>
+            <a:off x="3269879" y="1787370"/>
+            <a:ext cx="8579039" cy="3822757"/>
           </a:xfrm>
           <a:prstGeom prst="rect">
             <a:avLst/>
@@ -6387,10 +6251,10 @@
       </p:pic>
       <p:sp>
         <p:nvSpPr>
-          <p:cNvPr id="6" name="文本框 5">
-            <a:extLst>
-              <a:ext uri="{FF2B5EF4-FFF2-40B4-BE49-F238E27FC236}">
-                <a16:creationId xmlns:a16="http://schemas.microsoft.com/office/drawing/2014/main" id="{313255A3-3660-7EBE-527B-A6826CA0E99D}"/>
+          <p:cNvPr id="2" name="文本框 1">
+            <a:extLst>
+              <a:ext uri="{FF2B5EF4-FFF2-40B4-BE49-F238E27FC236}">
+                <a16:creationId xmlns:a16="http://schemas.microsoft.com/office/drawing/2014/main" id="{1CE4DF3A-FD43-B11F-0E28-CD6AB19B0B47}"/>
               </a:ext>
             </a:extLst>
           </p:cNvPr>
@@ -6399,8 +6263,8 @@
         </p:nvSpPr>
         <p:spPr>
           <a:xfrm>
-            <a:off x="603504" y="603504"/>
-            <a:ext cx="1901483" cy="369332"/>
+            <a:off x="845127" y="595745"/>
+            <a:ext cx="1800493" cy="369332"/>
           </a:xfrm>
           <a:prstGeom prst="rect">
             <a:avLst/>
@@ -6414,12 +6278,8 @@
           <a:lstStyle/>
           <a:p>
             <a:r>
-              <a:rPr lang="en-US" altLang="zh-CN" dirty="0"/>
-              <a:t>AD9910</a:t>
-            </a:r>
-            <a:r>
               <a:rPr lang="zh-CN" altLang="en-US" dirty="0"/>
-              <a:t>管理模块</a:t>
+              <a:t>触发管理模块儿</a:t>
             </a:r>
           </a:p>
         </p:txBody>
@@ -6427,7 +6287,7 @@
     </p:spTree>
     <p:extLst>
       <p:ext uri="{BB962C8B-B14F-4D97-AF65-F5344CB8AC3E}">
-        <p14:creationId xmlns:p14="http://schemas.microsoft.com/office/powerpoint/2010/main" val="3768861927"/>
+        <p14:creationId xmlns:p14="http://schemas.microsoft.com/office/powerpoint/2010/main" val="3310027567"/>
       </p:ext>
     </p:extLst>
   </p:cSld>
@@ -6459,7 +6319,7 @@
           <p:cNvPr id="3" name="图片 2">
             <a:extLst>
               <a:ext uri="{FF2B5EF4-FFF2-40B4-BE49-F238E27FC236}">
-                <a16:creationId xmlns:a16="http://schemas.microsoft.com/office/drawing/2014/main" id="{6901DB9A-1A5D-FFF3-7C16-E5950A229B0D}"/>
+                <a16:creationId xmlns:a16="http://schemas.microsoft.com/office/drawing/2014/main" id="{53C58AB6-AF41-823D-E721-27BA7BB0605F}"/>
               </a:ext>
             </a:extLst>
           </p:cNvPr>
@@ -6468,66 +6328,28 @@
           </p:cNvPicPr>
           <p:nvPr/>
         </p:nvPicPr>
-        <p:blipFill rotWithShape="1">
+        <p:blipFill>
           <a:blip r:embed="rId2"/>
-          <a:srcRect l="3640" r="2922"/>
-          <a:stretch/>
+          <a:stretch>
+            <a:fillRect/>
+          </a:stretch>
         </p:blipFill>
         <p:spPr>
           <a:xfrm>
-            <a:off x="131618" y="1780794"/>
-            <a:ext cx="3377805" cy="3296412"/>
+            <a:off x="191048" y="2709516"/>
+            <a:ext cx="3132435" cy="3106068"/>
           </a:xfrm>
           <a:prstGeom prst="rect">
             <a:avLst/>
           </a:prstGeom>
         </p:spPr>
       </p:pic>
-      <p:sp>
-        <p:nvSpPr>
-          <p:cNvPr id="4" name="文本框 3">
-            <a:extLst>
-              <a:ext uri="{FF2B5EF4-FFF2-40B4-BE49-F238E27FC236}">
-                <a16:creationId xmlns:a16="http://schemas.microsoft.com/office/drawing/2014/main" id="{C47943CC-8A5F-246B-13BE-9C16BC95A95F}"/>
-              </a:ext>
-            </a:extLst>
-          </p:cNvPr>
-          <p:cNvSpPr txBox="1"/>
-          <p:nvPr/>
-        </p:nvSpPr>
-        <p:spPr>
-          <a:xfrm>
-            <a:off x="960120" y="603504"/>
-            <a:ext cx="1556836" cy="369332"/>
-          </a:xfrm>
-          <a:prstGeom prst="rect">
-            <a:avLst/>
-          </a:prstGeom>
-          <a:noFill/>
-        </p:spPr>
-        <p:txBody>
-          <a:bodyPr wrap="none" rtlCol="0">
-            <a:spAutoFit/>
-          </a:bodyPr>
-          <a:lstStyle/>
-          <a:p>
-            <a:r>
-              <a:rPr lang="en-US" altLang="zh-CN" dirty="0"/>
-              <a:t>ADC</a:t>
-            </a:r>
-            <a:r>
-              <a:rPr lang="zh-CN" altLang="en-US" dirty="0"/>
-              <a:t>管理模块</a:t>
-            </a:r>
-          </a:p>
-        </p:txBody>
-      </p:sp>
       <p:pic>
         <p:nvPicPr>
-          <p:cNvPr id="6" name="图片 5">
-            <a:extLst>
-              <a:ext uri="{FF2B5EF4-FFF2-40B4-BE49-F238E27FC236}">
-                <a16:creationId xmlns:a16="http://schemas.microsoft.com/office/drawing/2014/main" id="{BB4D8A10-06A4-137B-8BB8-A013620E1B8D}"/>
+          <p:cNvPr id="5" name="图片 4">
+            <a:extLst>
+              <a:ext uri="{FF2B5EF4-FFF2-40B4-BE49-F238E27FC236}">
+                <a16:creationId xmlns:a16="http://schemas.microsoft.com/office/drawing/2014/main" id="{F98ADEFF-B93D-7178-1EA8-AD8988863507}"/>
               </a:ext>
             </a:extLst>
           </p:cNvPr>
@@ -6544,18 +6366,54 @@
         </p:blipFill>
         <p:spPr>
           <a:xfrm>
-            <a:off x="3509423" y="1620774"/>
-            <a:ext cx="8082349" cy="3817620"/>
+            <a:off x="3410712" y="2307180"/>
+            <a:ext cx="8431412" cy="3910740"/>
           </a:xfrm>
           <a:prstGeom prst="rect">
             <a:avLst/>
           </a:prstGeom>
         </p:spPr>
       </p:pic>
+      <p:sp>
+        <p:nvSpPr>
+          <p:cNvPr id="6" name="文本框 5">
+            <a:extLst>
+              <a:ext uri="{FF2B5EF4-FFF2-40B4-BE49-F238E27FC236}">
+                <a16:creationId xmlns:a16="http://schemas.microsoft.com/office/drawing/2014/main" id="{B6E9D544-4768-D207-257E-2E0CCA257FD8}"/>
+              </a:ext>
+            </a:extLst>
+          </p:cNvPr>
+          <p:cNvSpPr txBox="1"/>
+          <p:nvPr/>
+        </p:nvSpPr>
+        <p:spPr>
+          <a:xfrm>
+            <a:off x="749808" y="777240"/>
+            <a:ext cx="739305" cy="369332"/>
+          </a:xfrm>
+          <a:prstGeom prst="rect">
+            <a:avLst/>
+          </a:prstGeom>
+          <a:noFill/>
+        </p:spPr>
+        <p:txBody>
+          <a:bodyPr wrap="none" rtlCol="0">
+            <a:spAutoFit/>
+          </a:bodyPr>
+          <a:lstStyle/>
+          <a:p>
+            <a:r>
+              <a:rPr lang="en-US" altLang="zh-CN" dirty="0"/>
+              <a:t>UART</a:t>
+            </a:r>
+            <a:endParaRPr lang="zh-CN" altLang="en-US" dirty="0"/>
+          </a:p>
+        </p:txBody>
+      </p:sp>
     </p:spTree>
     <p:extLst>
       <p:ext uri="{BB962C8B-B14F-4D97-AF65-F5344CB8AC3E}">
-        <p14:creationId xmlns:p14="http://schemas.microsoft.com/office/powerpoint/2010/main" val="321983983"/>
+        <p14:creationId xmlns:p14="http://schemas.microsoft.com/office/powerpoint/2010/main" val="12742870"/>
       </p:ext>
     </p:extLst>
   </p:cSld>
@@ -6723,7 +6581,7 @@
           <p:cNvPr id="3" name="图片 2">
             <a:extLst>
               <a:ext uri="{FF2B5EF4-FFF2-40B4-BE49-F238E27FC236}">
-                <a16:creationId xmlns:a16="http://schemas.microsoft.com/office/drawing/2014/main" id="{22A3A7BE-462C-B389-EF18-FCD1E6263ACD}"/>
+                <a16:creationId xmlns:a16="http://schemas.microsoft.com/office/drawing/2014/main" id="{E621E686-EBC5-232B-4E44-5D8D1EF3592F}"/>
               </a:ext>
             </a:extLst>
           </p:cNvPr>
@@ -6740,8 +6598,8 @@
         </p:blipFill>
         <p:spPr>
           <a:xfrm>
-            <a:off x="334519" y="2234375"/>
-            <a:ext cx="3441657" cy="2931985"/>
+            <a:off x="200915" y="2103120"/>
+            <a:ext cx="3390531" cy="3163824"/>
           </a:xfrm>
           <a:prstGeom prst="rect">
             <a:avLst/>
@@ -6753,7 +6611,7 @@
           <p:cNvPr id="5" name="图片 4">
             <a:extLst>
               <a:ext uri="{FF2B5EF4-FFF2-40B4-BE49-F238E27FC236}">
-                <a16:creationId xmlns:a16="http://schemas.microsoft.com/office/drawing/2014/main" id="{AB84A674-96D0-3821-29B7-B987E1CCA50B}"/>
+                <a16:creationId xmlns:a16="http://schemas.microsoft.com/office/drawing/2014/main" id="{2D63422D-B5EF-1F05-0B3A-53FFBCE0F03B}"/>
               </a:ext>
             </a:extLst>
           </p:cNvPr>
@@ -6770,8 +6628,8 @@
         </p:blipFill>
         <p:spPr>
           <a:xfrm>
-            <a:off x="3853500" y="1709292"/>
-            <a:ext cx="7753284" cy="4235066"/>
+            <a:off x="3310128" y="1591056"/>
+            <a:ext cx="8461248" cy="3917434"/>
           </a:xfrm>
           <a:prstGeom prst="rect">
             <a:avLst/>
@@ -6780,10 +6638,10 @@
       </p:pic>
       <p:sp>
         <p:nvSpPr>
-          <p:cNvPr id="6" name="文本框 5">
-            <a:extLst>
-              <a:ext uri="{FF2B5EF4-FFF2-40B4-BE49-F238E27FC236}">
-                <a16:creationId xmlns:a16="http://schemas.microsoft.com/office/drawing/2014/main" id="{AD7F98D0-1270-37D2-A1EB-16C6748E7333}"/>
+          <p:cNvPr id="7" name="文本框 6">
+            <a:extLst>
+              <a:ext uri="{FF2B5EF4-FFF2-40B4-BE49-F238E27FC236}">
+                <a16:creationId xmlns:a16="http://schemas.microsoft.com/office/drawing/2014/main" id="{6F70AFD7-2C86-4220-A60E-D98B6171B0F0}"/>
               </a:ext>
             </a:extLst>
           </p:cNvPr>
@@ -6792,8 +6650,8 @@
         </p:nvSpPr>
         <p:spPr>
           <a:xfrm>
-            <a:off x="758952" y="557784"/>
-            <a:ext cx="1800493" cy="369332"/>
+            <a:off x="667512" y="667512"/>
+            <a:ext cx="1029449" cy="369332"/>
           </a:xfrm>
           <a:prstGeom prst="rect">
             <a:avLst/>
@@ -6807,16 +6665,17 @@
           <a:lstStyle/>
           <a:p>
             <a:r>
-              <a:rPr lang="zh-CN" altLang="en-US" dirty="0"/>
-              <a:t>门控计数器阵列</a:t>
-            </a:r>
+              <a:rPr lang="en-US" altLang="zh-CN" dirty="0" err="1"/>
+              <a:t>ExtUART</a:t>
+            </a:r>
+            <a:endParaRPr lang="zh-CN" altLang="en-US" dirty="0"/>
           </a:p>
         </p:txBody>
       </p:sp>
     </p:spTree>
     <p:extLst>
       <p:ext uri="{BB962C8B-B14F-4D97-AF65-F5344CB8AC3E}">
-        <p14:creationId xmlns:p14="http://schemas.microsoft.com/office/powerpoint/2010/main" val="4062385216"/>
+        <p14:creationId xmlns:p14="http://schemas.microsoft.com/office/powerpoint/2010/main" val="4185618548"/>
       </p:ext>
     </p:extLst>
   </p:cSld>
@@ -6848,7 +6707,7 @@
           <p:cNvPr id="3" name="图片 2">
             <a:extLst>
               <a:ext uri="{FF2B5EF4-FFF2-40B4-BE49-F238E27FC236}">
-                <a16:creationId xmlns:a16="http://schemas.microsoft.com/office/drawing/2014/main" id="{9F04BC56-D012-635E-1E48-FE901003DA4B}"/>
+                <a16:creationId xmlns:a16="http://schemas.microsoft.com/office/drawing/2014/main" id="{D07F1AA7-A2AE-23BF-AE06-3B511E513AD6}"/>
               </a:ext>
             </a:extLst>
           </p:cNvPr>
@@ -6857,16 +6716,15 @@
           </p:cNvPicPr>
           <p:nvPr/>
         </p:nvPicPr>
-        <p:blipFill>
+        <p:blipFill rotWithShape="1">
           <a:blip r:embed="rId2"/>
-          <a:stretch>
-            <a:fillRect/>
-          </a:stretch>
+          <a:srcRect l="8294" r="4206"/>
+          <a:stretch/>
         </p:blipFill>
         <p:spPr>
           <a:xfrm>
-            <a:off x="274321" y="1849301"/>
-            <a:ext cx="3206034" cy="3480054"/>
+            <a:off x="339436" y="1979230"/>
+            <a:ext cx="2923531" cy="3649385"/>
           </a:xfrm>
           <a:prstGeom prst="rect">
             <a:avLst/>
@@ -6878,7 +6736,7 @@
           <p:cNvPr id="5" name="图片 4">
             <a:extLst>
               <a:ext uri="{FF2B5EF4-FFF2-40B4-BE49-F238E27FC236}">
-                <a16:creationId xmlns:a16="http://schemas.microsoft.com/office/drawing/2014/main" id="{038A9542-82D4-9326-FD0F-CF443BD6DAF8}"/>
+                <a16:creationId xmlns:a16="http://schemas.microsoft.com/office/drawing/2014/main" id="{CCB84A25-A76A-BF6A-70CE-590B777DD8C2}"/>
               </a:ext>
             </a:extLst>
           </p:cNvPr>
@@ -6895,18 +6753,57 @@
         </p:blipFill>
         <p:spPr>
           <a:xfrm>
-            <a:off x="3565098" y="1728216"/>
-            <a:ext cx="8352581" cy="3959968"/>
+            <a:off x="3262967" y="1787649"/>
+            <a:ext cx="8654713" cy="4032549"/>
           </a:xfrm>
           <a:prstGeom prst="rect">
             <a:avLst/>
           </a:prstGeom>
         </p:spPr>
       </p:pic>
+      <p:sp>
+        <p:nvSpPr>
+          <p:cNvPr id="6" name="文本框 5">
+            <a:extLst>
+              <a:ext uri="{FF2B5EF4-FFF2-40B4-BE49-F238E27FC236}">
+                <a16:creationId xmlns:a16="http://schemas.microsoft.com/office/drawing/2014/main" id="{9E1A77E3-6013-6C86-A7D6-2DD1DAABEC8C}"/>
+              </a:ext>
+            </a:extLst>
+          </p:cNvPr>
+          <p:cNvSpPr txBox="1"/>
+          <p:nvPr/>
+        </p:nvSpPr>
+        <p:spPr>
+          <a:xfrm>
+            <a:off x="566928" y="493776"/>
+            <a:ext cx="949299" cy="369332"/>
+          </a:xfrm>
+          <a:prstGeom prst="rect">
+            <a:avLst/>
+          </a:prstGeom>
+          <a:noFill/>
+        </p:spPr>
+        <p:txBody>
+          <a:bodyPr wrap="none" rtlCol="0">
+            <a:spAutoFit/>
+          </a:bodyPr>
+          <a:lstStyle/>
+          <a:p>
+            <a:r>
+              <a:rPr lang="en-US" altLang="zh-CN" dirty="0"/>
+              <a:t>SPI</a:t>
+            </a:r>
+            <a:r>
+              <a:rPr lang="zh-CN" altLang="en-US" dirty="0"/>
+              <a:t>主机</a:t>
+            </a:r>
+          </a:p>
+        </p:txBody>
+      </p:sp>
     </p:spTree>
     <p:extLst>
       <p:ext uri="{BB962C8B-B14F-4D97-AF65-F5344CB8AC3E}">
-        <p14:creationId xmlns:p14="http://schemas.microsoft.com/office/powerpoint/2010/main" val="1475117195"/>
+        <p14:creationId xmlns:p14="http://schemas.microsoft.com/office/powerpoint/2010/main" val="3203456597"/>
       </p:ext>
     </p:extLst>
   </p:cSld>
@@ -6938,7 +6835,7 @@
           <p:cNvPr id="3" name="图片 2">
             <a:extLst>
               <a:ext uri="{FF2B5EF4-FFF2-40B4-BE49-F238E27FC236}">
-                <a16:creationId xmlns:a16="http://schemas.microsoft.com/office/drawing/2014/main" id="{FA95A929-9539-F038-9CCF-FA0BC2E88F8C}"/>
+                <a16:creationId xmlns:a16="http://schemas.microsoft.com/office/drawing/2014/main" id="{2FE4BE10-C92B-27E2-B0D5-DA9074D8EF94}"/>
               </a:ext>
             </a:extLst>
           </p:cNvPr>
@@ -6947,16 +6844,15 @@
           </p:cNvPicPr>
           <p:nvPr/>
         </p:nvPicPr>
-        <p:blipFill>
+        <p:blipFill rotWithShape="1">
           <a:blip r:embed="rId2"/>
-          <a:stretch>
-            <a:fillRect/>
-          </a:stretch>
+          <a:srcRect l="3246" r="4794"/>
+          <a:stretch/>
         </p:blipFill>
         <p:spPr>
           <a:xfrm>
-            <a:off x="155449" y="2219515"/>
-            <a:ext cx="3409862" cy="2498789"/>
+            <a:off x="248277" y="1704801"/>
+            <a:ext cx="3305413" cy="3899916"/>
           </a:xfrm>
           <a:prstGeom prst="rect">
             <a:avLst/>
@@ -6968,7 +6864,7 @@
           <p:cNvPr id="5" name="图片 4">
             <a:extLst>
               <a:ext uri="{FF2B5EF4-FFF2-40B4-BE49-F238E27FC236}">
-                <a16:creationId xmlns:a16="http://schemas.microsoft.com/office/drawing/2014/main" id="{E14E6AD6-9C18-B4D3-D351-6DD1D7A173AB}"/>
+                <a16:creationId xmlns:a16="http://schemas.microsoft.com/office/drawing/2014/main" id="{D7121EB3-1AE0-4F8F-ED7E-DE11138743F6}"/>
               </a:ext>
             </a:extLst>
           </p:cNvPr>
@@ -6985,8 +6881,8 @@
         </p:blipFill>
         <p:spPr>
           <a:xfrm>
-            <a:off x="3565311" y="1648160"/>
-            <a:ext cx="8040624" cy="3641498"/>
+            <a:off x="3497683" y="1626687"/>
+            <a:ext cx="8604261" cy="4056144"/>
           </a:xfrm>
           <a:prstGeom prst="rect">
             <a:avLst/>
@@ -6998,7 +6894,7 @@
           <p:cNvPr id="6" name="文本框 5">
             <a:extLst>
               <a:ext uri="{FF2B5EF4-FFF2-40B4-BE49-F238E27FC236}">
-                <a16:creationId xmlns:a16="http://schemas.microsoft.com/office/drawing/2014/main" id="{C8054301-FAA6-3D0B-572B-A59DCAC02332}"/>
+                <a16:creationId xmlns:a16="http://schemas.microsoft.com/office/drawing/2014/main" id="{313255A3-3660-7EBE-527B-A6826CA0E99D}"/>
               </a:ext>
             </a:extLst>
           </p:cNvPr>
@@ -7007,8 +6903,8 @@
         </p:nvSpPr>
         <p:spPr>
           <a:xfrm>
-            <a:off x="512064" y="585216"/>
-            <a:ext cx="1338828" cy="369332"/>
+            <a:off x="603504" y="603504"/>
+            <a:ext cx="1901483" cy="369332"/>
           </a:xfrm>
           <a:prstGeom prst="rect">
             <a:avLst/>
@@ -7022,8 +6918,12 @@
           <a:lstStyle/>
           <a:p>
             <a:r>
+              <a:rPr lang="en-US" altLang="zh-CN" dirty="0"/>
+              <a:t>AD9910</a:t>
+            </a:r>
+            <a:r>
               <a:rPr lang="zh-CN" altLang="en-US" dirty="0"/>
-              <a:t>通用寄存器</a:t>
+              <a:t>管理模块</a:t>
             </a:r>
           </a:p>
         </p:txBody>
@@ -7031,7 +6931,7 @@
     </p:spTree>
     <p:extLst>
       <p:ext uri="{BB962C8B-B14F-4D97-AF65-F5344CB8AC3E}">
-        <p14:creationId xmlns:p14="http://schemas.microsoft.com/office/powerpoint/2010/main" val="431048152"/>
+        <p14:creationId xmlns:p14="http://schemas.microsoft.com/office/powerpoint/2010/main" val="3768861927"/>
       </p:ext>
     </p:extLst>
   </p:cSld>
@@ -7063,7 +6963,7 @@
           <p:cNvPr id="3" name="图片 2">
             <a:extLst>
               <a:ext uri="{FF2B5EF4-FFF2-40B4-BE49-F238E27FC236}">
-                <a16:creationId xmlns:a16="http://schemas.microsoft.com/office/drawing/2014/main" id="{21A05783-DDE5-3C2E-5A6C-61781595053A}"/>
+                <a16:creationId xmlns:a16="http://schemas.microsoft.com/office/drawing/2014/main" id="{6901DB9A-1A5D-FFF3-7C16-E5950A229B0D}"/>
               </a:ext>
             </a:extLst>
           </p:cNvPr>
@@ -7072,28 +6972,66 @@
           </p:cNvPicPr>
           <p:nvPr/>
         </p:nvPicPr>
-        <p:blipFill>
+        <p:blipFill rotWithShape="1">
           <a:blip r:embed="rId2"/>
-          <a:stretch>
-            <a:fillRect/>
-          </a:stretch>
+          <a:srcRect l="3640" r="2922"/>
+          <a:stretch/>
         </p:blipFill>
         <p:spPr>
           <a:xfrm>
-            <a:off x="457200" y="2409458"/>
-            <a:ext cx="2855785" cy="2039084"/>
+            <a:off x="131618" y="1780794"/>
+            <a:ext cx="3377805" cy="3296412"/>
           </a:xfrm>
           <a:prstGeom prst="rect">
             <a:avLst/>
           </a:prstGeom>
         </p:spPr>
       </p:pic>
+      <p:sp>
+        <p:nvSpPr>
+          <p:cNvPr id="4" name="文本框 3">
+            <a:extLst>
+              <a:ext uri="{FF2B5EF4-FFF2-40B4-BE49-F238E27FC236}">
+                <a16:creationId xmlns:a16="http://schemas.microsoft.com/office/drawing/2014/main" id="{C47943CC-8A5F-246B-13BE-9C16BC95A95F}"/>
+              </a:ext>
+            </a:extLst>
+          </p:cNvPr>
+          <p:cNvSpPr txBox="1"/>
+          <p:nvPr/>
+        </p:nvSpPr>
+        <p:spPr>
+          <a:xfrm>
+            <a:off x="960120" y="603504"/>
+            <a:ext cx="1556836" cy="369332"/>
+          </a:xfrm>
+          <a:prstGeom prst="rect">
+            <a:avLst/>
+          </a:prstGeom>
+          <a:noFill/>
+        </p:spPr>
+        <p:txBody>
+          <a:bodyPr wrap="none" rtlCol="0">
+            <a:spAutoFit/>
+          </a:bodyPr>
+          <a:lstStyle/>
+          <a:p>
+            <a:r>
+              <a:rPr lang="en-US" altLang="zh-CN" dirty="0"/>
+              <a:t>ADC</a:t>
+            </a:r>
+            <a:r>
+              <a:rPr lang="zh-CN" altLang="en-US" dirty="0"/>
+              <a:t>管理模块</a:t>
+            </a:r>
+          </a:p>
+        </p:txBody>
+      </p:sp>
       <p:pic>
         <p:nvPicPr>
-          <p:cNvPr id="5" name="图片 4">
-            <a:extLst>
-              <a:ext uri="{FF2B5EF4-FFF2-40B4-BE49-F238E27FC236}">
-                <a16:creationId xmlns:a16="http://schemas.microsoft.com/office/drawing/2014/main" id="{56DECF58-501B-3D7A-C1EA-C9D9CBC35BBE}"/>
+          <p:cNvPr id="6" name="图片 5">
+            <a:extLst>
+              <a:ext uri="{FF2B5EF4-FFF2-40B4-BE49-F238E27FC236}">
+                <a16:creationId xmlns:a16="http://schemas.microsoft.com/office/drawing/2014/main" id="{BB4D8A10-06A4-137B-8BB8-A013620E1B8D}"/>
               </a:ext>
             </a:extLst>
           </p:cNvPr>
@@ -7110,53 +7048,18 @@
         </p:blipFill>
         <p:spPr>
           <a:xfrm>
-            <a:off x="3312985" y="1645582"/>
-            <a:ext cx="8208236" cy="3732377"/>
+            <a:off x="3509423" y="1620774"/>
+            <a:ext cx="8082349" cy="3817620"/>
           </a:xfrm>
           <a:prstGeom prst="rect">
             <a:avLst/>
           </a:prstGeom>
         </p:spPr>
       </p:pic>
-      <p:sp>
-        <p:nvSpPr>
-          <p:cNvPr id="2" name="文本框 1">
-            <a:extLst>
-              <a:ext uri="{FF2B5EF4-FFF2-40B4-BE49-F238E27FC236}">
-                <a16:creationId xmlns:a16="http://schemas.microsoft.com/office/drawing/2014/main" id="{1551F8D6-1D61-2DF0-991E-E94756CCB2E4}"/>
-              </a:ext>
-            </a:extLst>
-          </p:cNvPr>
-          <p:cNvSpPr txBox="1"/>
-          <p:nvPr/>
-        </p:nvSpPr>
-        <p:spPr>
-          <a:xfrm>
-            <a:off x="588818" y="678873"/>
-            <a:ext cx="1569660" cy="369332"/>
-          </a:xfrm>
-          <a:prstGeom prst="rect">
-            <a:avLst/>
-          </a:prstGeom>
-          <a:noFill/>
-        </p:spPr>
-        <p:txBody>
-          <a:bodyPr wrap="none" rtlCol="0">
-            <a:spAutoFit/>
-          </a:bodyPr>
-          <a:lstStyle/>
-          <a:p>
-            <a:r>
-              <a:rPr lang="zh-CN" altLang="en-US" dirty="0"/>
-              <a:t>随机数发生器</a:t>
-            </a:r>
-          </a:p>
-        </p:txBody>
-      </p:sp>
     </p:spTree>
     <p:extLst>
       <p:ext uri="{BB962C8B-B14F-4D97-AF65-F5344CB8AC3E}">
-        <p14:creationId xmlns:p14="http://schemas.microsoft.com/office/powerpoint/2010/main" val="3704196234"/>
+        <p14:creationId xmlns:p14="http://schemas.microsoft.com/office/powerpoint/2010/main" val="321983983"/>
       </p:ext>
     </p:extLst>
   </p:cSld>
@@ -7188,7 +7091,7 @@
           <p:cNvPr id="3" name="图片 2">
             <a:extLst>
               <a:ext uri="{FF2B5EF4-FFF2-40B4-BE49-F238E27FC236}">
-                <a16:creationId xmlns:a16="http://schemas.microsoft.com/office/drawing/2014/main" id="{32112AD0-5507-5E48-2517-F80DE5C22D92}"/>
+                <a16:creationId xmlns:a16="http://schemas.microsoft.com/office/drawing/2014/main" id="{22A3A7BE-462C-B389-EF18-FCD1E6263ACD}"/>
               </a:ext>
             </a:extLst>
           </p:cNvPr>
@@ -7205,8 +7108,8 @@
         </p:blipFill>
         <p:spPr>
           <a:xfrm>
-            <a:off x="297369" y="2331720"/>
-            <a:ext cx="3314512" cy="2328840"/>
+            <a:off x="334519" y="2234375"/>
+            <a:ext cx="3441657" cy="2931985"/>
           </a:xfrm>
           <a:prstGeom prst="rect">
             <a:avLst/>
@@ -7218,7 +7121,7 @@
           <p:cNvPr id="5" name="图片 4">
             <a:extLst>
               <a:ext uri="{FF2B5EF4-FFF2-40B4-BE49-F238E27FC236}">
-                <a16:creationId xmlns:a16="http://schemas.microsoft.com/office/drawing/2014/main" id="{56AEBF6F-07C6-6577-1693-99FC2EA9BF0A}"/>
+                <a16:creationId xmlns:a16="http://schemas.microsoft.com/office/drawing/2014/main" id="{AB84A674-96D0-3821-29B7-B987E1CCA50B}"/>
               </a:ext>
             </a:extLst>
           </p:cNvPr>
@@ -7235,8 +7138,8 @@
         </p:blipFill>
         <p:spPr>
           <a:xfrm>
-            <a:off x="3611881" y="1609345"/>
-            <a:ext cx="8190216" cy="3783930"/>
+            <a:off x="3853500" y="1709292"/>
+            <a:ext cx="7753284" cy="4235066"/>
           </a:xfrm>
           <a:prstGeom prst="rect">
             <a:avLst/>
@@ -7245,10 +7148,10 @@
       </p:pic>
       <p:sp>
         <p:nvSpPr>
-          <p:cNvPr id="2" name="文本框 1">
-            <a:extLst>
-              <a:ext uri="{FF2B5EF4-FFF2-40B4-BE49-F238E27FC236}">
-                <a16:creationId xmlns:a16="http://schemas.microsoft.com/office/drawing/2014/main" id="{7F480561-D90C-40C0-3314-21EB452F80D0}"/>
+          <p:cNvPr id="6" name="文本框 5">
+            <a:extLst>
+              <a:ext uri="{FF2B5EF4-FFF2-40B4-BE49-F238E27FC236}">
+                <a16:creationId xmlns:a16="http://schemas.microsoft.com/office/drawing/2014/main" id="{AD7F98D0-1270-37D2-A1EB-16C6748E7333}"/>
               </a:ext>
             </a:extLst>
           </p:cNvPr>
@@ -7257,8 +7160,8 @@
         </p:nvSpPr>
         <p:spPr>
           <a:xfrm>
-            <a:off x="858982" y="505691"/>
-            <a:ext cx="646331" cy="369332"/>
+            <a:off x="758952" y="557784"/>
+            <a:ext cx="1800493" cy="369332"/>
           </a:xfrm>
           <a:prstGeom prst="rect">
             <a:avLst/>
@@ -7273,7 +7176,7 @@
           <a:p>
             <a:r>
               <a:rPr lang="zh-CN" altLang="en-US" dirty="0"/>
-              <a:t>堆栈</a:t>
+              <a:t>门控计数器阵列</a:t>
             </a:r>
           </a:p>
         </p:txBody>
@@ -7281,7 +7184,7 @@
     </p:spTree>
     <p:extLst>
       <p:ext uri="{BB962C8B-B14F-4D97-AF65-F5344CB8AC3E}">
-        <p14:creationId xmlns:p14="http://schemas.microsoft.com/office/powerpoint/2010/main" val="3927539091"/>
+        <p14:creationId xmlns:p14="http://schemas.microsoft.com/office/powerpoint/2010/main" val="4062385216"/>
       </p:ext>
     </p:extLst>
   </p:cSld>
@@ -7313,7 +7216,7 @@
           <p:cNvPr id="3" name="图片 2">
             <a:extLst>
               <a:ext uri="{FF2B5EF4-FFF2-40B4-BE49-F238E27FC236}">
-                <a16:creationId xmlns:a16="http://schemas.microsoft.com/office/drawing/2014/main" id="{C52CBDE5-6738-7C78-2A1E-5689EDF541F1}"/>
+                <a16:creationId xmlns:a16="http://schemas.microsoft.com/office/drawing/2014/main" id="{9F04BC56-D012-635E-1E48-FE901003DA4B}"/>
               </a:ext>
             </a:extLst>
           </p:cNvPr>
@@ -7330,8 +7233,8 @@
         </p:blipFill>
         <p:spPr>
           <a:xfrm>
-            <a:off x="0" y="2092261"/>
-            <a:ext cx="4189777" cy="2673477"/>
+            <a:off x="274321" y="1849301"/>
+            <a:ext cx="3206034" cy="3480054"/>
           </a:xfrm>
           <a:prstGeom prst="rect">
             <a:avLst/>
@@ -7343,7 +7246,7 @@
           <p:cNvPr id="5" name="图片 4">
             <a:extLst>
               <a:ext uri="{FF2B5EF4-FFF2-40B4-BE49-F238E27FC236}">
-                <a16:creationId xmlns:a16="http://schemas.microsoft.com/office/drawing/2014/main" id="{E482CFF1-D147-FE5E-EC0B-B54B620186A9}"/>
+                <a16:creationId xmlns:a16="http://schemas.microsoft.com/office/drawing/2014/main" id="{038A9542-82D4-9326-FD0F-CF443BD6DAF8}"/>
               </a:ext>
             </a:extLst>
           </p:cNvPr>
@@ -7360,53 +7263,18 @@
         </p:blipFill>
         <p:spPr>
           <a:xfrm>
-            <a:off x="4082762" y="1619466"/>
-            <a:ext cx="7838926" cy="3619066"/>
+            <a:off x="3565098" y="1728216"/>
+            <a:ext cx="8352581" cy="3959968"/>
           </a:xfrm>
           <a:prstGeom prst="rect">
             <a:avLst/>
           </a:prstGeom>
         </p:spPr>
       </p:pic>
-      <p:sp>
-        <p:nvSpPr>
-          <p:cNvPr id="2" name="文本框 1">
-            <a:extLst>
-              <a:ext uri="{FF2B5EF4-FFF2-40B4-BE49-F238E27FC236}">
-                <a16:creationId xmlns:a16="http://schemas.microsoft.com/office/drawing/2014/main" id="{5E55665C-EF7E-7888-C6C8-EEDDF1E15028}"/>
-              </a:ext>
-            </a:extLst>
-          </p:cNvPr>
-          <p:cNvSpPr txBox="1"/>
-          <p:nvPr/>
-        </p:nvSpPr>
-        <p:spPr>
-          <a:xfrm>
-            <a:off x="651164" y="685800"/>
-            <a:ext cx="1107996" cy="369332"/>
-          </a:xfrm>
-          <a:prstGeom prst="rect">
-            <a:avLst/>
-          </a:prstGeom>
-          <a:noFill/>
-        </p:spPr>
-        <p:txBody>
-          <a:bodyPr wrap="none" rtlCol="0">
-            <a:spAutoFit/>
-          </a:bodyPr>
-          <a:lstStyle/>
-          <a:p>
-            <a:r>
-              <a:rPr lang="zh-CN" altLang="en-US" dirty="0"/>
-              <a:t>内存堆栈</a:t>
-            </a:r>
-          </a:p>
-        </p:txBody>
-      </p:sp>
     </p:spTree>
     <p:extLst>
       <p:ext uri="{BB962C8B-B14F-4D97-AF65-F5344CB8AC3E}">
-        <p14:creationId xmlns:p14="http://schemas.microsoft.com/office/powerpoint/2010/main" val="3406486983"/>
+        <p14:creationId xmlns:p14="http://schemas.microsoft.com/office/powerpoint/2010/main" val="1475117195"/>
       </p:ext>
     </p:extLst>
   </p:cSld>
@@ -7438,7 +7306,7 @@
           <p:cNvPr id="3" name="图片 2">
             <a:extLst>
               <a:ext uri="{FF2B5EF4-FFF2-40B4-BE49-F238E27FC236}">
-                <a16:creationId xmlns:a16="http://schemas.microsoft.com/office/drawing/2014/main" id="{D2E1AB18-3920-BC8F-F760-08149F0E1F54}"/>
+                <a16:creationId xmlns:a16="http://schemas.microsoft.com/office/drawing/2014/main" id="{FA95A929-9539-F038-9CCF-FA0BC2E88F8C}"/>
               </a:ext>
             </a:extLst>
           </p:cNvPr>
@@ -7455,8 +7323,8 @@
         </p:blipFill>
         <p:spPr>
           <a:xfrm>
-            <a:off x="545551" y="1722787"/>
-            <a:ext cx="2768729" cy="3937349"/>
+            <a:off x="155449" y="2219515"/>
+            <a:ext cx="3409862" cy="2498789"/>
           </a:xfrm>
           <a:prstGeom prst="rect">
             <a:avLst/>
@@ -7468,7 +7336,7 @@
           <p:cNvPr id="5" name="图片 4">
             <a:extLst>
               <a:ext uri="{FF2B5EF4-FFF2-40B4-BE49-F238E27FC236}">
-                <a16:creationId xmlns:a16="http://schemas.microsoft.com/office/drawing/2014/main" id="{4309DA9B-33C3-A276-9E81-106878309C50}"/>
+                <a16:creationId xmlns:a16="http://schemas.microsoft.com/office/drawing/2014/main" id="{E14E6AD6-9C18-B4D3-D351-6DD1D7A173AB}"/>
               </a:ext>
             </a:extLst>
           </p:cNvPr>
@@ -7485,8 +7353,8 @@
         </p:blipFill>
         <p:spPr>
           <a:xfrm>
-            <a:off x="3217299" y="1747856"/>
-            <a:ext cx="8543544" cy="3887209"/>
+            <a:off x="3565311" y="1648160"/>
+            <a:ext cx="8040624" cy="3641498"/>
           </a:xfrm>
           <a:prstGeom prst="rect">
             <a:avLst/>
@@ -7498,7 +7366,7 @@
           <p:cNvPr id="6" name="文本框 5">
             <a:extLst>
               <a:ext uri="{FF2B5EF4-FFF2-40B4-BE49-F238E27FC236}">
-                <a16:creationId xmlns:a16="http://schemas.microsoft.com/office/drawing/2014/main" id="{2F554A2F-443B-0495-0490-A6F074671B46}"/>
+                <a16:creationId xmlns:a16="http://schemas.microsoft.com/office/drawing/2014/main" id="{C8054301-FAA6-3D0B-572B-A59DCAC02332}"/>
               </a:ext>
             </a:extLst>
           </p:cNvPr>
@@ -7507,8 +7375,8 @@
         </p:nvSpPr>
         <p:spPr>
           <a:xfrm>
-            <a:off x="777240" y="539496"/>
-            <a:ext cx="527709" cy="369332"/>
+            <a:off x="512064" y="585216"/>
+            <a:ext cx="1338828" cy="369332"/>
           </a:xfrm>
           <a:prstGeom prst="rect">
             <a:avLst/>
@@ -7522,17 +7390,16 @@
           <a:lstStyle/>
           <a:p>
             <a:r>
-              <a:rPr lang="en-US" altLang="zh-CN" dirty="0"/>
-              <a:t>PID</a:t>
-            </a:r>
-            <a:endParaRPr lang="zh-CN" altLang="en-US" dirty="0"/>
+              <a:rPr lang="zh-CN" altLang="en-US" dirty="0"/>
+              <a:t>通用寄存器</a:t>
+            </a:r>
           </a:p>
         </p:txBody>
       </p:sp>
     </p:spTree>
     <p:extLst>
       <p:ext uri="{BB962C8B-B14F-4D97-AF65-F5344CB8AC3E}">
-        <p14:creationId xmlns:p14="http://schemas.microsoft.com/office/powerpoint/2010/main" val="3055020442"/>
+        <p14:creationId xmlns:p14="http://schemas.microsoft.com/office/powerpoint/2010/main" val="431048152"/>
       </p:ext>
     </p:extLst>
   </p:cSld>
@@ -7564,7 +7431,7 @@
           <p:cNvPr id="3" name="图片 2">
             <a:extLst>
               <a:ext uri="{FF2B5EF4-FFF2-40B4-BE49-F238E27FC236}">
-                <a16:creationId xmlns:a16="http://schemas.microsoft.com/office/drawing/2014/main" id="{CC7B2C04-D46A-AEBD-D613-C16672E9B1D5}"/>
+                <a16:creationId xmlns:a16="http://schemas.microsoft.com/office/drawing/2014/main" id="{21A05783-DDE5-3C2E-5A6C-61781595053A}"/>
               </a:ext>
             </a:extLst>
           </p:cNvPr>
@@ -7581,18 +7448,83 @@
         </p:blipFill>
         <p:spPr>
           <a:xfrm>
-            <a:off x="976312" y="1038225"/>
-            <a:ext cx="9307905" cy="4346575"/>
+            <a:off x="457200" y="2409458"/>
+            <a:ext cx="2855785" cy="2039084"/>
           </a:xfrm>
           <a:prstGeom prst="rect">
             <a:avLst/>
           </a:prstGeom>
         </p:spPr>
       </p:pic>
+      <p:pic>
+        <p:nvPicPr>
+          <p:cNvPr id="5" name="图片 4">
+            <a:extLst>
+              <a:ext uri="{FF2B5EF4-FFF2-40B4-BE49-F238E27FC236}">
+                <a16:creationId xmlns:a16="http://schemas.microsoft.com/office/drawing/2014/main" id="{56DECF58-501B-3D7A-C1EA-C9D9CBC35BBE}"/>
+              </a:ext>
+            </a:extLst>
+          </p:cNvPr>
+          <p:cNvPicPr>
+            <a:picLocks noChangeAspect="1"/>
+          </p:cNvPicPr>
+          <p:nvPr/>
+        </p:nvPicPr>
+        <p:blipFill>
+          <a:blip r:embed="rId3"/>
+          <a:stretch>
+            <a:fillRect/>
+          </a:stretch>
+        </p:blipFill>
+        <p:spPr>
+          <a:xfrm>
+            <a:off x="3312985" y="1645582"/>
+            <a:ext cx="8208236" cy="3732377"/>
+          </a:xfrm>
+          <a:prstGeom prst="rect">
+            <a:avLst/>
+          </a:prstGeom>
+        </p:spPr>
+      </p:pic>
+      <p:sp>
+        <p:nvSpPr>
+          <p:cNvPr id="2" name="文本框 1">
+            <a:extLst>
+              <a:ext uri="{FF2B5EF4-FFF2-40B4-BE49-F238E27FC236}">
+                <a16:creationId xmlns:a16="http://schemas.microsoft.com/office/drawing/2014/main" id="{1551F8D6-1D61-2DF0-991E-E94756CCB2E4}"/>
+              </a:ext>
+            </a:extLst>
+          </p:cNvPr>
+          <p:cNvSpPr txBox="1"/>
+          <p:nvPr/>
+        </p:nvSpPr>
+        <p:spPr>
+          <a:xfrm>
+            <a:off x="588818" y="678873"/>
+            <a:ext cx="1569660" cy="369332"/>
+          </a:xfrm>
+          <a:prstGeom prst="rect">
+            <a:avLst/>
+          </a:prstGeom>
+          <a:noFill/>
+        </p:spPr>
+        <p:txBody>
+          <a:bodyPr wrap="none" rtlCol="0">
+            <a:spAutoFit/>
+          </a:bodyPr>
+          <a:lstStyle/>
+          <a:p>
+            <a:r>
+              <a:rPr lang="zh-CN" altLang="en-US" dirty="0"/>
+              <a:t>随机数发生器</a:t>
+            </a:r>
+          </a:p>
+        </p:txBody>
+      </p:sp>
     </p:spTree>
     <p:extLst>
       <p:ext uri="{BB962C8B-B14F-4D97-AF65-F5344CB8AC3E}">
-        <p14:creationId xmlns:p14="http://schemas.microsoft.com/office/powerpoint/2010/main" val="2015064120"/>
+        <p14:creationId xmlns:p14="http://schemas.microsoft.com/office/powerpoint/2010/main" val="3704196234"/>
       </p:ext>
     </p:extLst>
   </p:cSld>
@@ -7624,7 +7556,7 @@
           <p:cNvPr id="3" name="图片 2">
             <a:extLst>
               <a:ext uri="{FF2B5EF4-FFF2-40B4-BE49-F238E27FC236}">
-                <a16:creationId xmlns:a16="http://schemas.microsoft.com/office/drawing/2014/main" id="{086665F9-B046-546C-92B5-307807B814F9}"/>
+                <a16:creationId xmlns:a16="http://schemas.microsoft.com/office/drawing/2014/main" id="{32112AD0-5507-5E48-2517-F80DE5C22D92}"/>
               </a:ext>
             </a:extLst>
           </p:cNvPr>
@@ -7641,8 +7573,8 @@
         </p:blipFill>
         <p:spPr>
           <a:xfrm>
-            <a:off x="151257" y="1860227"/>
-            <a:ext cx="3658743" cy="3737621"/>
+            <a:off x="297369" y="2331720"/>
+            <a:ext cx="3314512" cy="2328840"/>
           </a:xfrm>
           <a:prstGeom prst="rect">
             <a:avLst/>
@@ -7654,7 +7586,7 @@
           <p:cNvPr id="5" name="图片 4">
             <a:extLst>
               <a:ext uri="{FF2B5EF4-FFF2-40B4-BE49-F238E27FC236}">
-                <a16:creationId xmlns:a16="http://schemas.microsoft.com/office/drawing/2014/main" id="{9B0B6D93-BEB6-97B8-1E64-738D164418B2}"/>
+                <a16:creationId xmlns:a16="http://schemas.microsoft.com/office/drawing/2014/main" id="{56AEBF6F-07C6-6577-1693-99FC2EA9BF0A}"/>
               </a:ext>
             </a:extLst>
           </p:cNvPr>
@@ -7671,8 +7603,8 @@
         </p:blipFill>
         <p:spPr>
           <a:xfrm>
-            <a:off x="3810000" y="1815852"/>
-            <a:ext cx="7790072" cy="3826370"/>
+            <a:off x="3611881" y="1609345"/>
+            <a:ext cx="8190216" cy="3783930"/>
           </a:xfrm>
           <a:prstGeom prst="rect">
             <a:avLst/>
@@ -7681,10 +7613,10 @@
       </p:pic>
       <p:sp>
         <p:nvSpPr>
-          <p:cNvPr id="6" name="文本框 5">
-            <a:extLst>
-              <a:ext uri="{FF2B5EF4-FFF2-40B4-BE49-F238E27FC236}">
-                <a16:creationId xmlns:a16="http://schemas.microsoft.com/office/drawing/2014/main" id="{F5FB60F2-3093-7402-EB0E-768263BBEE4C}"/>
+          <p:cNvPr id="2" name="文本框 1">
+            <a:extLst>
+              <a:ext uri="{FF2B5EF4-FFF2-40B4-BE49-F238E27FC236}">
+                <a16:creationId xmlns:a16="http://schemas.microsoft.com/office/drawing/2014/main" id="{7F480561-D90C-40C0-3314-21EB452F80D0}"/>
               </a:ext>
             </a:extLst>
           </p:cNvPr>
@@ -7693,8 +7625,8 @@
         </p:nvSpPr>
         <p:spPr>
           <a:xfrm>
-            <a:off x="768096" y="585216"/>
-            <a:ext cx="1013419" cy="369332"/>
+            <a:off x="858982" y="505691"/>
+            <a:ext cx="646331" cy="369332"/>
           </a:xfrm>
           <a:prstGeom prst="rect">
             <a:avLst/>
@@ -7708,17 +7640,16 @@
           <a:lstStyle/>
           <a:p>
             <a:r>
-              <a:rPr lang="en-US" altLang="zh-CN" dirty="0" err="1"/>
-              <a:t>IIR_Filter</a:t>
-            </a:r>
-            <a:endParaRPr lang="zh-CN" altLang="en-US" dirty="0"/>
+              <a:rPr lang="zh-CN" altLang="en-US" dirty="0"/>
+              <a:t>堆栈</a:t>
+            </a:r>
           </a:p>
         </p:txBody>
       </p:sp>
     </p:spTree>
     <p:extLst>
       <p:ext uri="{BB962C8B-B14F-4D97-AF65-F5344CB8AC3E}">
-        <p14:creationId xmlns:p14="http://schemas.microsoft.com/office/powerpoint/2010/main" val="3777806015"/>
+        <p14:creationId xmlns:p14="http://schemas.microsoft.com/office/powerpoint/2010/main" val="3927539091"/>
       </p:ext>
     </p:extLst>
   </p:cSld>
@@ -7750,6 +7681,528 @@
           <p:cNvPr id="3" name="图片 2">
             <a:extLst>
               <a:ext uri="{FF2B5EF4-FFF2-40B4-BE49-F238E27FC236}">
+                <a16:creationId xmlns:a16="http://schemas.microsoft.com/office/drawing/2014/main" id="{C52CBDE5-6738-7C78-2A1E-5689EDF541F1}"/>
+              </a:ext>
+            </a:extLst>
+          </p:cNvPr>
+          <p:cNvPicPr>
+            <a:picLocks noChangeAspect="1"/>
+          </p:cNvPicPr>
+          <p:nvPr/>
+        </p:nvPicPr>
+        <p:blipFill>
+          <a:blip r:embed="rId2"/>
+          <a:stretch>
+            <a:fillRect/>
+          </a:stretch>
+        </p:blipFill>
+        <p:spPr>
+          <a:xfrm>
+            <a:off x="0" y="2092261"/>
+            <a:ext cx="4189777" cy="2673477"/>
+          </a:xfrm>
+          <a:prstGeom prst="rect">
+            <a:avLst/>
+          </a:prstGeom>
+        </p:spPr>
+      </p:pic>
+      <p:pic>
+        <p:nvPicPr>
+          <p:cNvPr id="5" name="图片 4">
+            <a:extLst>
+              <a:ext uri="{FF2B5EF4-FFF2-40B4-BE49-F238E27FC236}">
+                <a16:creationId xmlns:a16="http://schemas.microsoft.com/office/drawing/2014/main" id="{E482CFF1-D147-FE5E-EC0B-B54B620186A9}"/>
+              </a:ext>
+            </a:extLst>
+          </p:cNvPr>
+          <p:cNvPicPr>
+            <a:picLocks noChangeAspect="1"/>
+          </p:cNvPicPr>
+          <p:nvPr/>
+        </p:nvPicPr>
+        <p:blipFill>
+          <a:blip r:embed="rId3"/>
+          <a:stretch>
+            <a:fillRect/>
+          </a:stretch>
+        </p:blipFill>
+        <p:spPr>
+          <a:xfrm>
+            <a:off x="4082762" y="1619466"/>
+            <a:ext cx="7838926" cy="3619066"/>
+          </a:xfrm>
+          <a:prstGeom prst="rect">
+            <a:avLst/>
+          </a:prstGeom>
+        </p:spPr>
+      </p:pic>
+      <p:sp>
+        <p:nvSpPr>
+          <p:cNvPr id="2" name="文本框 1">
+            <a:extLst>
+              <a:ext uri="{FF2B5EF4-FFF2-40B4-BE49-F238E27FC236}">
+                <a16:creationId xmlns:a16="http://schemas.microsoft.com/office/drawing/2014/main" id="{5E55665C-EF7E-7888-C6C8-EEDDF1E15028}"/>
+              </a:ext>
+            </a:extLst>
+          </p:cNvPr>
+          <p:cNvSpPr txBox="1"/>
+          <p:nvPr/>
+        </p:nvSpPr>
+        <p:spPr>
+          <a:xfrm>
+            <a:off x="651164" y="685800"/>
+            <a:ext cx="1107996" cy="369332"/>
+          </a:xfrm>
+          <a:prstGeom prst="rect">
+            <a:avLst/>
+          </a:prstGeom>
+          <a:noFill/>
+        </p:spPr>
+        <p:txBody>
+          <a:bodyPr wrap="none" rtlCol="0">
+            <a:spAutoFit/>
+          </a:bodyPr>
+          <a:lstStyle/>
+          <a:p>
+            <a:r>
+              <a:rPr lang="zh-CN" altLang="en-US" dirty="0"/>
+              <a:t>内存堆栈</a:t>
+            </a:r>
+          </a:p>
+        </p:txBody>
+      </p:sp>
+    </p:spTree>
+    <p:extLst>
+      <p:ext uri="{BB962C8B-B14F-4D97-AF65-F5344CB8AC3E}">
+        <p14:creationId xmlns:p14="http://schemas.microsoft.com/office/powerpoint/2010/main" val="3406486983"/>
+      </p:ext>
+    </p:extLst>
+  </p:cSld>
+  <p:clrMapOvr>
+    <a:masterClrMapping/>
+  </p:clrMapOvr>
+</p:sld>
+</file>
+
+<file path=ppt/slides/slide3.xml><?xml version="1.0" encoding="utf-8"?>
+<p:sld xmlns:a="http://schemas.openxmlformats.org/drawingml/2006/main" xmlns:r="http://schemas.openxmlformats.org/officeDocument/2006/relationships" xmlns:p="http://schemas.openxmlformats.org/presentationml/2006/main">
+  <p:cSld>
+    <p:spTree>
+      <p:nvGrpSpPr>
+        <p:cNvPr id="1" name=""/>
+        <p:cNvGrpSpPr/>
+        <p:nvPr/>
+      </p:nvGrpSpPr>
+      <p:grpSpPr>
+        <a:xfrm>
+          <a:off x="0" y="0"/>
+          <a:ext cx="0" cy="0"/>
+          <a:chOff x="0" y="0"/>
+          <a:chExt cx="0" cy="0"/>
+        </a:xfrm>
+      </p:grpSpPr>
+      <p:sp>
+        <p:nvSpPr>
+          <p:cNvPr id="2" name="标题 1">
+            <a:extLst>
+              <a:ext uri="{FF2B5EF4-FFF2-40B4-BE49-F238E27FC236}">
+                <a16:creationId xmlns:a16="http://schemas.microsoft.com/office/drawing/2014/main" id="{690A09FA-0B97-348B-A805-13B84D7BD483}"/>
+              </a:ext>
+            </a:extLst>
+          </p:cNvPr>
+          <p:cNvSpPr>
+            <a:spLocks noGrp="1"/>
+          </p:cNvSpPr>
+          <p:nvPr>
+            <p:ph type="title"/>
+          </p:nvPr>
+        </p:nvSpPr>
+        <p:spPr/>
+        <p:txBody>
+          <a:bodyPr/>
+          <a:lstStyle/>
+          <a:p>
+            <a:endParaRPr lang="zh-CN" altLang="en-US"/>
+          </a:p>
+        </p:txBody>
+      </p:sp>
+      <p:pic>
+        <p:nvPicPr>
+          <p:cNvPr id="4" name="图片 3">
+            <a:extLst>
+              <a:ext uri="{FF2B5EF4-FFF2-40B4-BE49-F238E27FC236}">
+                <a16:creationId xmlns:a16="http://schemas.microsoft.com/office/drawing/2014/main" id="{7C96433C-A0A9-34D5-50A6-4AB5B493989C}"/>
+              </a:ext>
+            </a:extLst>
+          </p:cNvPr>
+          <p:cNvPicPr>
+            <a:picLocks noChangeAspect="1"/>
+          </p:cNvPicPr>
+          <p:nvPr/>
+        </p:nvPicPr>
+        <p:blipFill>
+          <a:blip r:embed="rId2"/>
+          <a:stretch>
+            <a:fillRect/>
+          </a:stretch>
+        </p:blipFill>
+        <p:spPr>
+          <a:xfrm>
+            <a:off x="2166937" y="1238250"/>
+            <a:ext cx="7858125" cy="4381500"/>
+          </a:xfrm>
+          <a:prstGeom prst="rect">
+            <a:avLst/>
+          </a:prstGeom>
+        </p:spPr>
+      </p:pic>
+    </p:spTree>
+    <p:extLst>
+      <p:ext uri="{BB962C8B-B14F-4D97-AF65-F5344CB8AC3E}">
+        <p14:creationId xmlns:p14="http://schemas.microsoft.com/office/powerpoint/2010/main" val="2763747191"/>
+      </p:ext>
+    </p:extLst>
+  </p:cSld>
+  <p:clrMapOvr>
+    <a:masterClrMapping/>
+  </p:clrMapOvr>
+</p:sld>
+</file>
+
+<file path=ppt/slides/slide30.xml><?xml version="1.0" encoding="utf-8"?>
+<p:sld xmlns:a="http://schemas.openxmlformats.org/drawingml/2006/main" xmlns:r="http://schemas.openxmlformats.org/officeDocument/2006/relationships" xmlns:p="http://schemas.openxmlformats.org/presentationml/2006/main">
+  <p:cSld>
+    <p:spTree>
+      <p:nvGrpSpPr>
+        <p:cNvPr id="1" name=""/>
+        <p:cNvGrpSpPr/>
+        <p:nvPr/>
+      </p:nvGrpSpPr>
+      <p:grpSpPr>
+        <a:xfrm>
+          <a:off x="0" y="0"/>
+          <a:ext cx="0" cy="0"/>
+          <a:chOff x="0" y="0"/>
+          <a:chExt cx="0" cy="0"/>
+        </a:xfrm>
+      </p:grpSpPr>
+      <p:pic>
+        <p:nvPicPr>
+          <p:cNvPr id="3" name="图片 2">
+            <a:extLst>
+              <a:ext uri="{FF2B5EF4-FFF2-40B4-BE49-F238E27FC236}">
+                <a16:creationId xmlns:a16="http://schemas.microsoft.com/office/drawing/2014/main" id="{D2E1AB18-3920-BC8F-F760-08149F0E1F54}"/>
+              </a:ext>
+            </a:extLst>
+          </p:cNvPr>
+          <p:cNvPicPr>
+            <a:picLocks noChangeAspect="1"/>
+          </p:cNvPicPr>
+          <p:nvPr/>
+        </p:nvPicPr>
+        <p:blipFill>
+          <a:blip r:embed="rId2"/>
+          <a:stretch>
+            <a:fillRect/>
+          </a:stretch>
+        </p:blipFill>
+        <p:spPr>
+          <a:xfrm>
+            <a:off x="545551" y="1722787"/>
+            <a:ext cx="2768729" cy="3937349"/>
+          </a:xfrm>
+          <a:prstGeom prst="rect">
+            <a:avLst/>
+          </a:prstGeom>
+        </p:spPr>
+      </p:pic>
+      <p:pic>
+        <p:nvPicPr>
+          <p:cNvPr id="5" name="图片 4">
+            <a:extLst>
+              <a:ext uri="{FF2B5EF4-FFF2-40B4-BE49-F238E27FC236}">
+                <a16:creationId xmlns:a16="http://schemas.microsoft.com/office/drawing/2014/main" id="{4309DA9B-33C3-A276-9E81-106878309C50}"/>
+              </a:ext>
+            </a:extLst>
+          </p:cNvPr>
+          <p:cNvPicPr>
+            <a:picLocks noChangeAspect="1"/>
+          </p:cNvPicPr>
+          <p:nvPr/>
+        </p:nvPicPr>
+        <p:blipFill>
+          <a:blip r:embed="rId3"/>
+          <a:stretch>
+            <a:fillRect/>
+          </a:stretch>
+        </p:blipFill>
+        <p:spPr>
+          <a:xfrm>
+            <a:off x="3217299" y="1747856"/>
+            <a:ext cx="8543544" cy="3887209"/>
+          </a:xfrm>
+          <a:prstGeom prst="rect">
+            <a:avLst/>
+          </a:prstGeom>
+        </p:spPr>
+      </p:pic>
+      <p:sp>
+        <p:nvSpPr>
+          <p:cNvPr id="6" name="文本框 5">
+            <a:extLst>
+              <a:ext uri="{FF2B5EF4-FFF2-40B4-BE49-F238E27FC236}">
+                <a16:creationId xmlns:a16="http://schemas.microsoft.com/office/drawing/2014/main" id="{2F554A2F-443B-0495-0490-A6F074671B46}"/>
+              </a:ext>
+            </a:extLst>
+          </p:cNvPr>
+          <p:cNvSpPr txBox="1"/>
+          <p:nvPr/>
+        </p:nvSpPr>
+        <p:spPr>
+          <a:xfrm>
+            <a:off x="777240" y="539496"/>
+            <a:ext cx="527709" cy="369332"/>
+          </a:xfrm>
+          <a:prstGeom prst="rect">
+            <a:avLst/>
+          </a:prstGeom>
+          <a:noFill/>
+        </p:spPr>
+        <p:txBody>
+          <a:bodyPr wrap="none" rtlCol="0">
+            <a:spAutoFit/>
+          </a:bodyPr>
+          <a:lstStyle/>
+          <a:p>
+            <a:r>
+              <a:rPr lang="en-US" altLang="zh-CN" dirty="0"/>
+              <a:t>PID</a:t>
+            </a:r>
+            <a:endParaRPr lang="zh-CN" altLang="en-US" dirty="0"/>
+          </a:p>
+        </p:txBody>
+      </p:sp>
+    </p:spTree>
+    <p:extLst>
+      <p:ext uri="{BB962C8B-B14F-4D97-AF65-F5344CB8AC3E}">
+        <p14:creationId xmlns:p14="http://schemas.microsoft.com/office/powerpoint/2010/main" val="3055020442"/>
+      </p:ext>
+    </p:extLst>
+  </p:cSld>
+  <p:clrMapOvr>
+    <a:masterClrMapping/>
+  </p:clrMapOvr>
+</p:sld>
+</file>
+
+<file path=ppt/slides/slide31.xml><?xml version="1.0" encoding="utf-8"?>
+<p:sld xmlns:a="http://schemas.openxmlformats.org/drawingml/2006/main" xmlns:r="http://schemas.openxmlformats.org/officeDocument/2006/relationships" xmlns:p="http://schemas.openxmlformats.org/presentationml/2006/main">
+  <p:cSld>
+    <p:spTree>
+      <p:nvGrpSpPr>
+        <p:cNvPr id="1" name=""/>
+        <p:cNvGrpSpPr/>
+        <p:nvPr/>
+      </p:nvGrpSpPr>
+      <p:grpSpPr>
+        <a:xfrm>
+          <a:off x="0" y="0"/>
+          <a:ext cx="0" cy="0"/>
+          <a:chOff x="0" y="0"/>
+          <a:chExt cx="0" cy="0"/>
+        </a:xfrm>
+      </p:grpSpPr>
+      <p:pic>
+        <p:nvPicPr>
+          <p:cNvPr id="3" name="图片 2">
+            <a:extLst>
+              <a:ext uri="{FF2B5EF4-FFF2-40B4-BE49-F238E27FC236}">
+                <a16:creationId xmlns:a16="http://schemas.microsoft.com/office/drawing/2014/main" id="{CC7B2C04-D46A-AEBD-D613-C16672E9B1D5}"/>
+              </a:ext>
+            </a:extLst>
+          </p:cNvPr>
+          <p:cNvPicPr>
+            <a:picLocks noChangeAspect="1"/>
+          </p:cNvPicPr>
+          <p:nvPr/>
+        </p:nvPicPr>
+        <p:blipFill>
+          <a:blip r:embed="rId2"/>
+          <a:stretch>
+            <a:fillRect/>
+          </a:stretch>
+        </p:blipFill>
+        <p:spPr>
+          <a:xfrm>
+            <a:off x="976312" y="1038225"/>
+            <a:ext cx="9307905" cy="4346575"/>
+          </a:xfrm>
+          <a:prstGeom prst="rect">
+            <a:avLst/>
+          </a:prstGeom>
+        </p:spPr>
+      </p:pic>
+    </p:spTree>
+    <p:extLst>
+      <p:ext uri="{BB962C8B-B14F-4D97-AF65-F5344CB8AC3E}">
+        <p14:creationId xmlns:p14="http://schemas.microsoft.com/office/powerpoint/2010/main" val="2015064120"/>
+      </p:ext>
+    </p:extLst>
+  </p:cSld>
+  <p:clrMapOvr>
+    <a:masterClrMapping/>
+  </p:clrMapOvr>
+</p:sld>
+</file>
+
+<file path=ppt/slides/slide32.xml><?xml version="1.0" encoding="utf-8"?>
+<p:sld xmlns:a="http://schemas.openxmlformats.org/drawingml/2006/main" xmlns:r="http://schemas.openxmlformats.org/officeDocument/2006/relationships" xmlns:p="http://schemas.openxmlformats.org/presentationml/2006/main">
+  <p:cSld>
+    <p:spTree>
+      <p:nvGrpSpPr>
+        <p:cNvPr id="1" name=""/>
+        <p:cNvGrpSpPr/>
+        <p:nvPr/>
+      </p:nvGrpSpPr>
+      <p:grpSpPr>
+        <a:xfrm>
+          <a:off x="0" y="0"/>
+          <a:ext cx="0" cy="0"/>
+          <a:chOff x="0" y="0"/>
+          <a:chExt cx="0" cy="0"/>
+        </a:xfrm>
+      </p:grpSpPr>
+      <p:pic>
+        <p:nvPicPr>
+          <p:cNvPr id="3" name="图片 2">
+            <a:extLst>
+              <a:ext uri="{FF2B5EF4-FFF2-40B4-BE49-F238E27FC236}">
+                <a16:creationId xmlns:a16="http://schemas.microsoft.com/office/drawing/2014/main" id="{086665F9-B046-546C-92B5-307807B814F9}"/>
+              </a:ext>
+            </a:extLst>
+          </p:cNvPr>
+          <p:cNvPicPr>
+            <a:picLocks noChangeAspect="1"/>
+          </p:cNvPicPr>
+          <p:nvPr/>
+        </p:nvPicPr>
+        <p:blipFill>
+          <a:blip r:embed="rId2"/>
+          <a:stretch>
+            <a:fillRect/>
+          </a:stretch>
+        </p:blipFill>
+        <p:spPr>
+          <a:xfrm>
+            <a:off x="151257" y="1860227"/>
+            <a:ext cx="3658743" cy="3737621"/>
+          </a:xfrm>
+          <a:prstGeom prst="rect">
+            <a:avLst/>
+          </a:prstGeom>
+        </p:spPr>
+      </p:pic>
+      <p:pic>
+        <p:nvPicPr>
+          <p:cNvPr id="5" name="图片 4">
+            <a:extLst>
+              <a:ext uri="{FF2B5EF4-FFF2-40B4-BE49-F238E27FC236}">
+                <a16:creationId xmlns:a16="http://schemas.microsoft.com/office/drawing/2014/main" id="{9B0B6D93-BEB6-97B8-1E64-738D164418B2}"/>
+              </a:ext>
+            </a:extLst>
+          </p:cNvPr>
+          <p:cNvPicPr>
+            <a:picLocks noChangeAspect="1"/>
+          </p:cNvPicPr>
+          <p:nvPr/>
+        </p:nvPicPr>
+        <p:blipFill>
+          <a:blip r:embed="rId3"/>
+          <a:stretch>
+            <a:fillRect/>
+          </a:stretch>
+        </p:blipFill>
+        <p:spPr>
+          <a:xfrm>
+            <a:off x="3810000" y="1815852"/>
+            <a:ext cx="7790072" cy="3826370"/>
+          </a:xfrm>
+          <a:prstGeom prst="rect">
+            <a:avLst/>
+          </a:prstGeom>
+        </p:spPr>
+      </p:pic>
+      <p:sp>
+        <p:nvSpPr>
+          <p:cNvPr id="6" name="文本框 5">
+            <a:extLst>
+              <a:ext uri="{FF2B5EF4-FFF2-40B4-BE49-F238E27FC236}">
+                <a16:creationId xmlns:a16="http://schemas.microsoft.com/office/drawing/2014/main" id="{F5FB60F2-3093-7402-EB0E-768263BBEE4C}"/>
+              </a:ext>
+            </a:extLst>
+          </p:cNvPr>
+          <p:cNvSpPr txBox="1"/>
+          <p:nvPr/>
+        </p:nvSpPr>
+        <p:spPr>
+          <a:xfrm>
+            <a:off x="768096" y="585216"/>
+            <a:ext cx="1013419" cy="369332"/>
+          </a:xfrm>
+          <a:prstGeom prst="rect">
+            <a:avLst/>
+          </a:prstGeom>
+          <a:noFill/>
+        </p:spPr>
+        <p:txBody>
+          <a:bodyPr wrap="none" rtlCol="0">
+            <a:spAutoFit/>
+          </a:bodyPr>
+          <a:lstStyle/>
+          <a:p>
+            <a:r>
+              <a:rPr lang="en-US" altLang="zh-CN" dirty="0" err="1"/>
+              <a:t>IIR_Filter</a:t>
+            </a:r>
+            <a:endParaRPr lang="zh-CN" altLang="en-US" dirty="0"/>
+          </a:p>
+        </p:txBody>
+      </p:sp>
+    </p:spTree>
+    <p:extLst>
+      <p:ext uri="{BB962C8B-B14F-4D97-AF65-F5344CB8AC3E}">
+        <p14:creationId xmlns:p14="http://schemas.microsoft.com/office/powerpoint/2010/main" val="3777806015"/>
+      </p:ext>
+    </p:extLst>
+  </p:cSld>
+  <p:clrMapOvr>
+    <a:masterClrMapping/>
+  </p:clrMapOvr>
+</p:sld>
+</file>
+
+<file path=ppt/slides/slide33.xml><?xml version="1.0" encoding="utf-8"?>
+<p:sld xmlns:a="http://schemas.openxmlformats.org/drawingml/2006/main" xmlns:r="http://schemas.openxmlformats.org/officeDocument/2006/relationships" xmlns:p="http://schemas.openxmlformats.org/presentationml/2006/main">
+  <p:cSld>
+    <p:spTree>
+      <p:nvGrpSpPr>
+        <p:cNvPr id="1" name=""/>
+        <p:cNvGrpSpPr/>
+        <p:nvPr/>
+      </p:nvGrpSpPr>
+      <p:grpSpPr>
+        <a:xfrm>
+          <a:off x="0" y="0"/>
+          <a:ext cx="0" cy="0"/>
+          <a:chOff x="0" y="0"/>
+          <a:chExt cx="0" cy="0"/>
+        </a:xfrm>
+      </p:grpSpPr>
+      <p:pic>
+        <p:nvPicPr>
+          <p:cNvPr id="3" name="图片 2">
+            <a:extLst>
+              <a:ext uri="{FF2B5EF4-FFF2-40B4-BE49-F238E27FC236}">
                 <a16:creationId xmlns:a16="http://schemas.microsoft.com/office/drawing/2014/main" id="{80953F82-410F-808A-600D-65652E271449}"/>
               </a:ext>
             </a:extLst>
@@ -7788,7 +8241,330 @@
 </p:sld>
 </file>
 
-<file path=ppt/slides/slide3.xml><?xml version="1.0" encoding="utf-8"?>
+<file path=ppt/slides/slide34.xml><?xml version="1.0" encoding="utf-8"?>
+<p:sld xmlns:a="http://schemas.openxmlformats.org/drawingml/2006/main" xmlns:r="http://schemas.openxmlformats.org/officeDocument/2006/relationships" xmlns:p="http://schemas.openxmlformats.org/presentationml/2006/main">
+  <p:cSld>
+    <p:spTree>
+      <p:nvGrpSpPr>
+        <p:cNvPr id="1" name=""/>
+        <p:cNvGrpSpPr/>
+        <p:nvPr/>
+      </p:nvGrpSpPr>
+      <p:grpSpPr>
+        <a:xfrm>
+          <a:off x="0" y="0"/>
+          <a:ext cx="0" cy="0"/>
+          <a:chOff x="0" y="0"/>
+          <a:chExt cx="0" cy="0"/>
+        </a:xfrm>
+      </p:grpSpPr>
+      <p:sp>
+        <p:nvSpPr>
+          <p:cNvPr id="3" name="文本框 2">
+            <a:extLst>
+              <a:ext uri="{FF2B5EF4-FFF2-40B4-BE49-F238E27FC236}">
+                <a16:creationId xmlns:a16="http://schemas.microsoft.com/office/drawing/2014/main" id="{E8EADD8D-FCE0-7C08-243A-3B98F332AE9E}"/>
+              </a:ext>
+            </a:extLst>
+          </p:cNvPr>
+          <p:cNvSpPr txBox="1"/>
+          <p:nvPr/>
+        </p:nvSpPr>
+        <p:spPr>
+          <a:xfrm>
+            <a:off x="3047238" y="2828836"/>
+            <a:ext cx="6094476" cy="1200329"/>
+          </a:xfrm>
+          <a:prstGeom prst="rect">
+            <a:avLst/>
+          </a:prstGeom>
+          <a:noFill/>
+        </p:spPr>
+        <p:txBody>
+          <a:bodyPr wrap="square">
+            <a:spAutoFit/>
+          </a:bodyPr>
+          <a:lstStyle/>
+          <a:p>
+            <a:r>
+              <a:rPr lang="zh-CN" altLang="en-US" dirty="0"/>
+              <a:t>LUT	16922	303600	5.573781</a:t>
+            </a:r>
+          </a:p>
+          <a:p>
+            <a:r>
+              <a:rPr lang="zh-CN" altLang="en-US" dirty="0"/>
+              <a:t>FF	258	607200	0.04249012</a:t>
+            </a:r>
+          </a:p>
+          <a:p>
+            <a:r>
+              <a:rPr lang="zh-CN" altLang="en-US" dirty="0"/>
+              <a:t>IO	316	600	52.666664</a:t>
+            </a:r>
+          </a:p>
+          <a:p>
+            <a:r>
+              <a:rPr lang="zh-CN" altLang="en-US" dirty="0"/>
+              <a:t>BUFG	1	32	3.125</a:t>
+            </a:r>
+          </a:p>
+        </p:txBody>
+      </p:sp>
+      <p:pic>
+        <p:nvPicPr>
+          <p:cNvPr id="5" name="图片 4">
+            <a:extLst>
+              <a:ext uri="{FF2B5EF4-FFF2-40B4-BE49-F238E27FC236}">
+                <a16:creationId xmlns:a16="http://schemas.microsoft.com/office/drawing/2014/main" id="{D6D4DFD6-9A77-A2BB-C742-5031A98234D7}"/>
+              </a:ext>
+            </a:extLst>
+          </p:cNvPr>
+          <p:cNvPicPr>
+            <a:picLocks noChangeAspect="1"/>
+          </p:cNvPicPr>
+          <p:nvPr/>
+        </p:nvPicPr>
+        <p:blipFill>
+          <a:blip r:embed="rId2"/>
+          <a:stretch>
+            <a:fillRect/>
+          </a:stretch>
+        </p:blipFill>
+        <p:spPr>
+          <a:xfrm>
+            <a:off x="2026539" y="705802"/>
+            <a:ext cx="7115175" cy="1971675"/>
+          </a:xfrm>
+          <a:prstGeom prst="rect">
+            <a:avLst/>
+          </a:prstGeom>
+        </p:spPr>
+      </p:pic>
+      <p:pic>
+        <p:nvPicPr>
+          <p:cNvPr id="7" name="图片 6">
+            <a:extLst>
+              <a:ext uri="{FF2B5EF4-FFF2-40B4-BE49-F238E27FC236}">
+                <a16:creationId xmlns:a16="http://schemas.microsoft.com/office/drawing/2014/main" id="{8E9CE388-BDED-6BC6-0CC9-493C5201C906}"/>
+              </a:ext>
+            </a:extLst>
+          </p:cNvPr>
+          <p:cNvPicPr>
+            <a:picLocks noChangeAspect="1"/>
+          </p:cNvPicPr>
+          <p:nvPr/>
+        </p:nvPicPr>
+        <p:blipFill>
+          <a:blip r:embed="rId3"/>
+          <a:stretch>
+            <a:fillRect/>
+          </a:stretch>
+        </p:blipFill>
+        <p:spPr>
+          <a:xfrm>
+            <a:off x="2026539" y="4285488"/>
+            <a:ext cx="7124700" cy="1981200"/>
+          </a:xfrm>
+          <a:prstGeom prst="rect">
+            <a:avLst/>
+          </a:prstGeom>
+        </p:spPr>
+      </p:pic>
+    </p:spTree>
+    <p:extLst>
+      <p:ext uri="{BB962C8B-B14F-4D97-AF65-F5344CB8AC3E}">
+        <p14:creationId xmlns:p14="http://schemas.microsoft.com/office/powerpoint/2010/main" val="518348939"/>
+      </p:ext>
+    </p:extLst>
+  </p:cSld>
+  <p:clrMapOvr>
+    <a:masterClrMapping/>
+  </p:clrMapOvr>
+</p:sld>
+</file>
+
+<file path=ppt/slides/slide4.xml><?xml version="1.0" encoding="utf-8"?>
+<p:sld xmlns:a="http://schemas.openxmlformats.org/drawingml/2006/main" xmlns:r="http://schemas.openxmlformats.org/officeDocument/2006/relationships" xmlns:p="http://schemas.openxmlformats.org/presentationml/2006/main">
+  <p:cSld>
+    <p:spTree>
+      <p:nvGrpSpPr>
+        <p:cNvPr id="1" name=""/>
+        <p:cNvGrpSpPr/>
+        <p:nvPr/>
+      </p:nvGrpSpPr>
+      <p:grpSpPr>
+        <a:xfrm>
+          <a:off x="0" y="0"/>
+          <a:ext cx="0" cy="0"/>
+          <a:chOff x="0" y="0"/>
+          <a:chExt cx="0" cy="0"/>
+        </a:xfrm>
+      </p:grpSpPr>
+      <p:pic>
+        <p:nvPicPr>
+          <p:cNvPr id="3" name="图片 2">
+            <a:extLst>
+              <a:ext uri="{FF2B5EF4-FFF2-40B4-BE49-F238E27FC236}">
+                <a16:creationId xmlns:a16="http://schemas.microsoft.com/office/drawing/2014/main" id="{2577D379-9A09-BC39-8675-98B0D775F397}"/>
+              </a:ext>
+            </a:extLst>
+          </p:cNvPr>
+          <p:cNvPicPr>
+            <a:picLocks noChangeAspect="1"/>
+          </p:cNvPicPr>
+          <p:nvPr/>
+        </p:nvPicPr>
+        <p:blipFill>
+          <a:blip r:embed="rId2"/>
+          <a:stretch>
+            <a:fillRect/>
+          </a:stretch>
+        </p:blipFill>
+        <p:spPr>
+          <a:xfrm>
+            <a:off x="-1593097" y="-870158"/>
+            <a:ext cx="10467173" cy="8598316"/>
+          </a:xfrm>
+          <a:prstGeom prst="rect">
+            <a:avLst/>
+          </a:prstGeom>
+        </p:spPr>
+      </p:pic>
+      <p:pic>
+        <p:nvPicPr>
+          <p:cNvPr id="4" name="图片 3">
+            <a:extLst>
+              <a:ext uri="{FF2B5EF4-FFF2-40B4-BE49-F238E27FC236}">
+                <a16:creationId xmlns:a16="http://schemas.microsoft.com/office/drawing/2014/main" id="{F0C2CD10-C832-49BF-AF32-7CE1F1797FEF}"/>
+              </a:ext>
+            </a:extLst>
+          </p:cNvPr>
+          <p:cNvPicPr>
+            <a:picLocks noChangeAspect="1"/>
+          </p:cNvPicPr>
+          <p:nvPr/>
+        </p:nvPicPr>
+        <p:blipFill>
+          <a:blip r:embed="rId3"/>
+          <a:stretch>
+            <a:fillRect/>
+          </a:stretch>
+        </p:blipFill>
+        <p:spPr>
+          <a:xfrm>
+            <a:off x="8874076" y="-870159"/>
+            <a:ext cx="5057548" cy="2819966"/>
+          </a:xfrm>
+          <a:prstGeom prst="rect">
+            <a:avLst/>
+          </a:prstGeom>
+        </p:spPr>
+      </p:pic>
+      <p:pic>
+        <p:nvPicPr>
+          <p:cNvPr id="6" name="图片 5">
+            <a:extLst>
+              <a:ext uri="{FF2B5EF4-FFF2-40B4-BE49-F238E27FC236}">
+                <a16:creationId xmlns:a16="http://schemas.microsoft.com/office/drawing/2014/main" id="{6E058962-99D3-5024-CC75-B313A175FCC4}"/>
+              </a:ext>
+            </a:extLst>
+          </p:cNvPr>
+          <p:cNvPicPr>
+            <a:picLocks noChangeAspect="1"/>
+          </p:cNvPicPr>
+          <p:nvPr/>
+        </p:nvPicPr>
+        <p:blipFill>
+          <a:blip r:embed="rId4"/>
+          <a:stretch>
+            <a:fillRect/>
+          </a:stretch>
+        </p:blipFill>
+        <p:spPr>
+          <a:xfrm>
+            <a:off x="8874077" y="1949807"/>
+            <a:ext cx="5057547" cy="5778351"/>
+          </a:xfrm>
+          <a:prstGeom prst="rect">
+            <a:avLst/>
+          </a:prstGeom>
+        </p:spPr>
+      </p:pic>
+    </p:spTree>
+    <p:extLst>
+      <p:ext uri="{BB962C8B-B14F-4D97-AF65-F5344CB8AC3E}">
+        <p14:creationId xmlns:p14="http://schemas.microsoft.com/office/powerpoint/2010/main" val="4010968115"/>
+      </p:ext>
+    </p:extLst>
+  </p:cSld>
+  <p:clrMapOvr>
+    <a:masterClrMapping/>
+  </p:clrMapOvr>
+</p:sld>
+</file>
+
+<file path=ppt/slides/slide5.xml><?xml version="1.0" encoding="utf-8"?>
+<p:sld xmlns:a="http://schemas.openxmlformats.org/drawingml/2006/main" xmlns:r="http://schemas.openxmlformats.org/officeDocument/2006/relationships" xmlns:p="http://schemas.openxmlformats.org/presentationml/2006/main">
+  <p:cSld>
+    <p:spTree>
+      <p:nvGrpSpPr>
+        <p:cNvPr id="1" name=""/>
+        <p:cNvGrpSpPr/>
+        <p:nvPr/>
+      </p:nvGrpSpPr>
+      <p:grpSpPr>
+        <a:xfrm>
+          <a:off x="0" y="0"/>
+          <a:ext cx="0" cy="0"/>
+          <a:chOff x="0" y="0"/>
+          <a:chExt cx="0" cy="0"/>
+        </a:xfrm>
+      </p:grpSpPr>
+      <p:pic>
+        <p:nvPicPr>
+          <p:cNvPr id="4" name="图片 3">
+            <a:extLst>
+              <a:ext uri="{FF2B5EF4-FFF2-40B4-BE49-F238E27FC236}">
+                <a16:creationId xmlns:a16="http://schemas.microsoft.com/office/drawing/2014/main" id="{6F781C3E-2542-49A6-4C1C-8D656A7A4D02}"/>
+              </a:ext>
+            </a:extLst>
+          </p:cNvPr>
+          <p:cNvPicPr>
+            <a:picLocks noChangeAspect="1"/>
+          </p:cNvPicPr>
+          <p:nvPr/>
+        </p:nvPicPr>
+        <p:blipFill>
+          <a:blip r:embed="rId2"/>
+          <a:stretch>
+            <a:fillRect/>
+          </a:stretch>
+        </p:blipFill>
+        <p:spPr>
+          <a:xfrm rot="5400000">
+            <a:off x="3935823" y="-3031934"/>
+            <a:ext cx="4320356" cy="12192001"/>
+          </a:xfrm>
+          <a:prstGeom prst="rect">
+            <a:avLst/>
+          </a:prstGeom>
+        </p:spPr>
+      </p:pic>
+    </p:spTree>
+    <p:extLst>
+      <p:ext uri="{BB962C8B-B14F-4D97-AF65-F5344CB8AC3E}">
+        <p14:creationId xmlns:p14="http://schemas.microsoft.com/office/powerpoint/2010/main" val="2661016514"/>
+      </p:ext>
+    </p:extLst>
+  </p:cSld>
+  <p:clrMapOvr>
+    <a:masterClrMapping/>
+  </p:clrMapOvr>
+</p:sld>
+</file>
+
+<file path=ppt/slides/slide6.xml><?xml version="1.0" encoding="utf-8"?>
 <p:sld xmlns:a="http://schemas.openxmlformats.org/drawingml/2006/main" xmlns:r="http://schemas.openxmlformats.org/officeDocument/2006/relationships" xmlns:p="http://schemas.openxmlformats.org/presentationml/2006/main">
   <p:cSld>
     <p:spTree>
@@ -7994,150 +8770,7 @@
 </p:sld>
 </file>
 
-<file path=ppt/slides/slide30.xml><?xml version="1.0" encoding="utf-8"?>
-<p:sld xmlns:a="http://schemas.openxmlformats.org/drawingml/2006/main" xmlns:r="http://schemas.openxmlformats.org/officeDocument/2006/relationships" xmlns:p="http://schemas.openxmlformats.org/presentationml/2006/main">
-  <p:cSld>
-    <p:spTree>
-      <p:nvGrpSpPr>
-        <p:cNvPr id="1" name=""/>
-        <p:cNvGrpSpPr/>
-        <p:nvPr/>
-      </p:nvGrpSpPr>
-      <p:grpSpPr>
-        <a:xfrm>
-          <a:off x="0" y="0"/>
-          <a:ext cx="0" cy="0"/>
-          <a:chOff x="0" y="0"/>
-          <a:chExt cx="0" cy="0"/>
-        </a:xfrm>
-      </p:grpSpPr>
-      <p:sp>
-        <p:nvSpPr>
-          <p:cNvPr id="3" name="文本框 2">
-            <a:extLst>
-              <a:ext uri="{FF2B5EF4-FFF2-40B4-BE49-F238E27FC236}">
-                <a16:creationId xmlns:a16="http://schemas.microsoft.com/office/drawing/2014/main" id="{E8EADD8D-FCE0-7C08-243A-3B98F332AE9E}"/>
-              </a:ext>
-            </a:extLst>
-          </p:cNvPr>
-          <p:cNvSpPr txBox="1"/>
-          <p:nvPr/>
-        </p:nvSpPr>
-        <p:spPr>
-          <a:xfrm>
-            <a:off x="3047238" y="2828836"/>
-            <a:ext cx="6094476" cy="1200329"/>
-          </a:xfrm>
-          <a:prstGeom prst="rect">
-            <a:avLst/>
-          </a:prstGeom>
-          <a:noFill/>
-        </p:spPr>
-        <p:txBody>
-          <a:bodyPr wrap="square">
-            <a:spAutoFit/>
-          </a:bodyPr>
-          <a:lstStyle/>
-          <a:p>
-            <a:r>
-              <a:rPr lang="zh-CN" altLang="en-US" dirty="0"/>
-              <a:t>LUT	16922	303600	5.573781</a:t>
-            </a:r>
-          </a:p>
-          <a:p>
-            <a:r>
-              <a:rPr lang="zh-CN" altLang="en-US" dirty="0"/>
-              <a:t>FF	258	607200	0.04249012</a:t>
-            </a:r>
-          </a:p>
-          <a:p>
-            <a:r>
-              <a:rPr lang="zh-CN" altLang="en-US" dirty="0"/>
-              <a:t>IO	316	600	52.666664</a:t>
-            </a:r>
-          </a:p>
-          <a:p>
-            <a:r>
-              <a:rPr lang="zh-CN" altLang="en-US" dirty="0"/>
-              <a:t>BUFG	1	32	3.125</a:t>
-            </a:r>
-          </a:p>
-        </p:txBody>
-      </p:sp>
-      <p:pic>
-        <p:nvPicPr>
-          <p:cNvPr id="5" name="图片 4">
-            <a:extLst>
-              <a:ext uri="{FF2B5EF4-FFF2-40B4-BE49-F238E27FC236}">
-                <a16:creationId xmlns:a16="http://schemas.microsoft.com/office/drawing/2014/main" id="{D6D4DFD6-9A77-A2BB-C742-5031A98234D7}"/>
-              </a:ext>
-            </a:extLst>
-          </p:cNvPr>
-          <p:cNvPicPr>
-            <a:picLocks noChangeAspect="1"/>
-          </p:cNvPicPr>
-          <p:nvPr/>
-        </p:nvPicPr>
-        <p:blipFill>
-          <a:blip r:embed="rId2"/>
-          <a:stretch>
-            <a:fillRect/>
-          </a:stretch>
-        </p:blipFill>
-        <p:spPr>
-          <a:xfrm>
-            <a:off x="2026539" y="705802"/>
-            <a:ext cx="7115175" cy="1971675"/>
-          </a:xfrm>
-          <a:prstGeom prst="rect">
-            <a:avLst/>
-          </a:prstGeom>
-        </p:spPr>
-      </p:pic>
-      <p:pic>
-        <p:nvPicPr>
-          <p:cNvPr id="7" name="图片 6">
-            <a:extLst>
-              <a:ext uri="{FF2B5EF4-FFF2-40B4-BE49-F238E27FC236}">
-                <a16:creationId xmlns:a16="http://schemas.microsoft.com/office/drawing/2014/main" id="{8E9CE388-BDED-6BC6-0CC9-493C5201C906}"/>
-              </a:ext>
-            </a:extLst>
-          </p:cNvPr>
-          <p:cNvPicPr>
-            <a:picLocks noChangeAspect="1"/>
-          </p:cNvPicPr>
-          <p:nvPr/>
-        </p:nvPicPr>
-        <p:blipFill>
-          <a:blip r:embed="rId3"/>
-          <a:stretch>
-            <a:fillRect/>
-          </a:stretch>
-        </p:blipFill>
-        <p:spPr>
-          <a:xfrm>
-            <a:off x="2026539" y="4285488"/>
-            <a:ext cx="7124700" cy="1981200"/>
-          </a:xfrm>
-          <a:prstGeom prst="rect">
-            <a:avLst/>
-          </a:prstGeom>
-        </p:spPr>
-      </p:pic>
-    </p:spTree>
-    <p:extLst>
-      <p:ext uri="{BB962C8B-B14F-4D97-AF65-F5344CB8AC3E}">
-        <p14:creationId xmlns:p14="http://schemas.microsoft.com/office/powerpoint/2010/main" val="518348939"/>
-      </p:ext>
-    </p:extLst>
-  </p:cSld>
-  <p:clrMapOvr>
-    <a:masterClrMapping/>
-  </p:clrMapOvr>
-</p:sld>
-</file>
-
-<file path=ppt/slides/slide4.xml><?xml version="1.0" encoding="utf-8"?>
+<file path=ppt/slides/slide7.xml><?xml version="1.0" encoding="utf-8"?>
 <p:sld xmlns:a="http://schemas.openxmlformats.org/drawingml/2006/main" xmlns:r="http://schemas.openxmlformats.org/officeDocument/2006/relationships" xmlns:p="http://schemas.openxmlformats.org/presentationml/2006/main">
   <p:cSld>
     <p:spTree>
@@ -8343,7 +8976,7 @@
 </p:sld>
 </file>
 
-<file path=ppt/slides/slide5.xml><?xml version="1.0" encoding="utf-8"?>
+<file path=ppt/slides/slide8.xml><?xml version="1.0" encoding="utf-8"?>
 <p:sld xmlns:a="http://schemas.openxmlformats.org/drawingml/2006/main" xmlns:r="http://schemas.openxmlformats.org/officeDocument/2006/relationships" xmlns:p="http://schemas.openxmlformats.org/presentationml/2006/main">
   <p:cSld>
     <p:spTree>
@@ -8549,7 +9182,7 @@
 </p:sld>
 </file>
 
-<file path=ppt/slides/slide6.xml><?xml version="1.0" encoding="utf-8"?>
+<file path=ppt/slides/slide9.xml><?xml version="1.0" encoding="utf-8"?>
 <p:sld xmlns:a="http://schemas.openxmlformats.org/drawingml/2006/main" xmlns:r="http://schemas.openxmlformats.org/officeDocument/2006/relationships" xmlns:p="http://schemas.openxmlformats.org/presentationml/2006/main">
   <p:cSld>
     <p:spTree>
@@ -8628,305 +9261,6 @@
     <p:extLst>
       <p:ext uri="{BB962C8B-B14F-4D97-AF65-F5344CB8AC3E}">
         <p14:creationId xmlns:p14="http://schemas.microsoft.com/office/powerpoint/2010/main" val="2055746639"/>
-      </p:ext>
-    </p:extLst>
-  </p:cSld>
-  <p:clrMapOvr>
-    <a:masterClrMapping/>
-  </p:clrMapOvr>
-</p:sld>
-</file>
-
-<file path=ppt/slides/slide7.xml><?xml version="1.0" encoding="utf-8"?>
-<p:sld xmlns:a="http://schemas.openxmlformats.org/drawingml/2006/main" xmlns:r="http://schemas.openxmlformats.org/officeDocument/2006/relationships" xmlns:p="http://schemas.openxmlformats.org/presentationml/2006/main">
-  <p:cSld>
-    <p:spTree>
-      <p:nvGrpSpPr>
-        <p:cNvPr id="1" name=""/>
-        <p:cNvGrpSpPr/>
-        <p:nvPr/>
-      </p:nvGrpSpPr>
-      <p:grpSpPr>
-        <a:xfrm>
-          <a:off x="0" y="0"/>
-          <a:ext cx="0" cy="0"/>
-          <a:chOff x="0" y="0"/>
-          <a:chExt cx="0" cy="0"/>
-        </a:xfrm>
-      </p:grpSpPr>
-      <p:sp>
-        <p:nvSpPr>
-          <p:cNvPr id="2" name="标题 1">
-            <a:extLst>
-              <a:ext uri="{FF2B5EF4-FFF2-40B4-BE49-F238E27FC236}">
-                <a16:creationId xmlns:a16="http://schemas.microsoft.com/office/drawing/2014/main" id="{A63BD77E-3DAD-D1FA-1E46-2F3A3F1E89AB}"/>
-              </a:ext>
-            </a:extLst>
-          </p:cNvPr>
-          <p:cNvSpPr>
-            <a:spLocks noGrp="1"/>
-          </p:cNvSpPr>
-          <p:nvPr>
-            <p:ph type="title"/>
-          </p:nvPr>
-        </p:nvSpPr>
-        <p:spPr/>
-        <p:txBody>
-          <a:bodyPr/>
-          <a:lstStyle/>
-          <a:p>
-            <a:endParaRPr lang="zh-CN" altLang="en-US"/>
-          </a:p>
-        </p:txBody>
-      </p:sp>
-      <p:pic>
-        <p:nvPicPr>
-          <p:cNvPr id="4" name="图片 3">
-            <a:extLst>
-              <a:ext uri="{FF2B5EF4-FFF2-40B4-BE49-F238E27FC236}">
-                <a16:creationId xmlns:a16="http://schemas.microsoft.com/office/drawing/2014/main" id="{EE461C05-45D6-9B85-710D-A3E49844E235}"/>
-              </a:ext>
-            </a:extLst>
-          </p:cNvPr>
-          <p:cNvPicPr>
-            <a:picLocks noChangeAspect="1"/>
-          </p:cNvPicPr>
-          <p:nvPr/>
-        </p:nvPicPr>
-        <p:blipFill>
-          <a:blip r:embed="rId2"/>
-          <a:stretch>
-            <a:fillRect/>
-          </a:stretch>
-        </p:blipFill>
-        <p:spPr>
-          <a:xfrm>
-            <a:off x="3512757" y="-82296"/>
-            <a:ext cx="8348597" cy="6858000"/>
-          </a:xfrm>
-          <a:prstGeom prst="rect">
-            <a:avLst/>
-          </a:prstGeom>
-        </p:spPr>
-      </p:pic>
-    </p:spTree>
-    <p:extLst>
-      <p:ext uri="{BB962C8B-B14F-4D97-AF65-F5344CB8AC3E}">
-        <p14:creationId xmlns:p14="http://schemas.microsoft.com/office/powerpoint/2010/main" val="1951851274"/>
-      </p:ext>
-    </p:extLst>
-  </p:cSld>
-  <p:clrMapOvr>
-    <a:masterClrMapping/>
-  </p:clrMapOvr>
-</p:sld>
-</file>
-
-<file path=ppt/slides/slide8.xml><?xml version="1.0" encoding="utf-8"?>
-<p:sld xmlns:a="http://schemas.openxmlformats.org/drawingml/2006/main" xmlns:r="http://schemas.openxmlformats.org/officeDocument/2006/relationships" xmlns:p="http://schemas.openxmlformats.org/presentationml/2006/main">
-  <p:cSld>
-    <p:spTree>
-      <p:nvGrpSpPr>
-        <p:cNvPr id="1" name=""/>
-        <p:cNvGrpSpPr/>
-        <p:nvPr/>
-      </p:nvGrpSpPr>
-      <p:grpSpPr>
-        <a:xfrm>
-          <a:off x="0" y="0"/>
-          <a:ext cx="0" cy="0"/>
-          <a:chOff x="0" y="0"/>
-          <a:chExt cx="0" cy="0"/>
-        </a:xfrm>
-      </p:grpSpPr>
-      <p:sp>
-        <p:nvSpPr>
-          <p:cNvPr id="2" name="标题 1">
-            <a:extLst>
-              <a:ext uri="{FF2B5EF4-FFF2-40B4-BE49-F238E27FC236}">
-                <a16:creationId xmlns:a16="http://schemas.microsoft.com/office/drawing/2014/main" id="{F1876782-C503-07EF-6C80-43408FA5FC9D}"/>
-              </a:ext>
-            </a:extLst>
-          </p:cNvPr>
-          <p:cNvSpPr>
-            <a:spLocks noGrp="1"/>
-          </p:cNvSpPr>
-          <p:nvPr>
-            <p:ph type="title"/>
-          </p:nvPr>
-        </p:nvSpPr>
-        <p:spPr/>
-        <p:txBody>
-          <a:bodyPr/>
-          <a:lstStyle/>
-          <a:p>
-            <a:endParaRPr lang="zh-CN" altLang="en-US"/>
-          </a:p>
-        </p:txBody>
-      </p:sp>
-      <p:pic>
-        <p:nvPicPr>
-          <p:cNvPr id="4" name="图片 3">
-            <a:extLst>
-              <a:ext uri="{FF2B5EF4-FFF2-40B4-BE49-F238E27FC236}">
-                <a16:creationId xmlns:a16="http://schemas.microsoft.com/office/drawing/2014/main" id="{95CE2C93-71C0-F8CB-4672-DBE9226AF82C}"/>
-              </a:ext>
-            </a:extLst>
-          </p:cNvPr>
-          <p:cNvPicPr>
-            <a:picLocks noChangeAspect="1"/>
-          </p:cNvPicPr>
-          <p:nvPr/>
-        </p:nvPicPr>
-        <p:blipFill>
-          <a:blip r:embed="rId2"/>
-          <a:stretch>
-            <a:fillRect/>
-          </a:stretch>
-        </p:blipFill>
-        <p:spPr>
-          <a:xfrm>
-            <a:off x="818295" y="0"/>
-            <a:ext cx="10555409" cy="6858000"/>
-          </a:xfrm>
-          <a:prstGeom prst="rect">
-            <a:avLst/>
-          </a:prstGeom>
-        </p:spPr>
-      </p:pic>
-    </p:spTree>
-    <p:extLst>
-      <p:ext uri="{BB962C8B-B14F-4D97-AF65-F5344CB8AC3E}">
-        <p14:creationId xmlns:p14="http://schemas.microsoft.com/office/powerpoint/2010/main" val="2008528644"/>
-      </p:ext>
-    </p:extLst>
-  </p:cSld>
-  <p:clrMapOvr>
-    <a:masterClrMapping/>
-  </p:clrMapOvr>
-</p:sld>
-</file>
-
-<file path=ppt/slides/slide9.xml><?xml version="1.0" encoding="utf-8"?>
-<p:sld xmlns:a="http://schemas.openxmlformats.org/drawingml/2006/main" xmlns:r="http://schemas.openxmlformats.org/officeDocument/2006/relationships" xmlns:p="http://schemas.openxmlformats.org/presentationml/2006/main">
-  <p:cSld>
-    <p:spTree>
-      <p:nvGrpSpPr>
-        <p:cNvPr id="1" name=""/>
-        <p:cNvGrpSpPr/>
-        <p:nvPr/>
-      </p:nvGrpSpPr>
-      <p:grpSpPr>
-        <a:xfrm>
-          <a:off x="0" y="0"/>
-          <a:ext cx="0" cy="0"/>
-          <a:chOff x="0" y="0"/>
-          <a:chExt cx="0" cy="0"/>
-        </a:xfrm>
-      </p:grpSpPr>
-      <p:sp>
-        <p:nvSpPr>
-          <p:cNvPr id="4" name="文本框 3">
-            <a:extLst>
-              <a:ext uri="{FF2B5EF4-FFF2-40B4-BE49-F238E27FC236}">
-                <a16:creationId xmlns:a16="http://schemas.microsoft.com/office/drawing/2014/main" id="{4E6B49C2-DE95-F978-00C5-D9FAC18F79E4}"/>
-              </a:ext>
-            </a:extLst>
-          </p:cNvPr>
-          <p:cNvSpPr txBox="1"/>
-          <p:nvPr/>
-        </p:nvSpPr>
-        <p:spPr>
-          <a:xfrm>
-            <a:off x="438912" y="438912"/>
-            <a:ext cx="1274708" cy="369332"/>
-          </a:xfrm>
-          <a:prstGeom prst="rect">
-            <a:avLst/>
-          </a:prstGeom>
-          <a:noFill/>
-        </p:spPr>
-        <p:txBody>
-          <a:bodyPr wrap="none" rtlCol="0">
-            <a:spAutoFit/>
-          </a:bodyPr>
-          <a:lstStyle/>
-          <a:p>
-            <a:r>
-              <a:rPr lang="en-US" altLang="zh-CN" dirty="0"/>
-              <a:t>RTMQ</a:t>
-            </a:r>
-            <a:r>
-              <a:rPr lang="zh-CN" altLang="en-US" dirty="0"/>
-              <a:t>核心</a:t>
-            </a:r>
-          </a:p>
-        </p:txBody>
-      </p:sp>
-      <p:pic>
-        <p:nvPicPr>
-          <p:cNvPr id="8" name="图片 7">
-            <a:extLst>
-              <a:ext uri="{FF2B5EF4-FFF2-40B4-BE49-F238E27FC236}">
-                <a16:creationId xmlns:a16="http://schemas.microsoft.com/office/drawing/2014/main" id="{C2B5A2A7-B358-1767-3E3D-83D0A2BFA27D}"/>
-              </a:ext>
-            </a:extLst>
-          </p:cNvPr>
-          <p:cNvPicPr>
-            <a:picLocks noChangeAspect="1"/>
-          </p:cNvPicPr>
-          <p:nvPr/>
-        </p:nvPicPr>
-        <p:blipFill>
-          <a:blip r:embed="rId2"/>
-          <a:stretch>
-            <a:fillRect/>
-          </a:stretch>
-        </p:blipFill>
-        <p:spPr>
-          <a:xfrm>
-            <a:off x="336275" y="1866898"/>
-            <a:ext cx="2996449" cy="3540916"/>
-          </a:xfrm>
-          <a:prstGeom prst="rect">
-            <a:avLst/>
-          </a:prstGeom>
-        </p:spPr>
-      </p:pic>
-      <p:pic>
-        <p:nvPicPr>
-          <p:cNvPr id="10" name="图片 9">
-            <a:extLst>
-              <a:ext uri="{FF2B5EF4-FFF2-40B4-BE49-F238E27FC236}">
-                <a16:creationId xmlns:a16="http://schemas.microsoft.com/office/drawing/2014/main" id="{3818F086-CA42-788D-CB17-A13676CE4849}"/>
-              </a:ext>
-            </a:extLst>
-          </p:cNvPr>
-          <p:cNvPicPr>
-            <a:picLocks noChangeAspect="1"/>
-          </p:cNvPicPr>
-          <p:nvPr/>
-        </p:nvPicPr>
-        <p:blipFill>
-          <a:blip r:embed="rId3"/>
-          <a:stretch>
-            <a:fillRect/>
-          </a:stretch>
-        </p:blipFill>
-        <p:spPr>
-          <a:xfrm>
-            <a:off x="3255550" y="1866898"/>
-            <a:ext cx="8459853" cy="3709557"/>
-          </a:xfrm>
-          <a:prstGeom prst="rect">
-            <a:avLst/>
-          </a:prstGeom>
-        </p:spPr>
-      </p:pic>
-    </p:spTree>
-    <p:extLst>
-      <p:ext uri="{BB962C8B-B14F-4D97-AF65-F5344CB8AC3E}">
-        <p14:creationId xmlns:p14="http://schemas.microsoft.com/office/powerpoint/2010/main" val="2894608505"/>
       </p:ext>
     </p:extLst>
   </p:cSld>

--- a/figures/2024年5月29日-RTMQ系统图片.pptx
+++ b/figures/2024年5月29日-RTMQ系统图片.pptx
@@ -292,7 +292,7 @@
           <a:p>
             <a:fld id="{0E121E22-2FF5-48CA-AC53-4FC38697DE1E}" type="datetimeFigureOut">
               <a:rPr lang="zh-CN" altLang="en-US" smtClean="0"/>
-              <a:t>2024-06-21</a:t>
+              <a:t>2024-06-27</a:t>
             </a:fld>
             <a:endParaRPr lang="zh-CN" altLang="en-US"/>
           </a:p>
@@ -490,7 +490,7 @@
           <a:p>
             <a:fld id="{0E121E22-2FF5-48CA-AC53-4FC38697DE1E}" type="datetimeFigureOut">
               <a:rPr lang="zh-CN" altLang="en-US" smtClean="0"/>
-              <a:t>2024-06-21</a:t>
+              <a:t>2024-06-27</a:t>
             </a:fld>
             <a:endParaRPr lang="zh-CN" altLang="en-US"/>
           </a:p>
@@ -698,7 +698,7 @@
           <a:p>
             <a:fld id="{0E121E22-2FF5-48CA-AC53-4FC38697DE1E}" type="datetimeFigureOut">
               <a:rPr lang="zh-CN" altLang="en-US" smtClean="0"/>
-              <a:t>2024-06-21</a:t>
+              <a:t>2024-06-27</a:t>
             </a:fld>
             <a:endParaRPr lang="zh-CN" altLang="en-US"/>
           </a:p>
@@ -896,7 +896,7 @@
           <a:p>
             <a:fld id="{0E121E22-2FF5-48CA-AC53-4FC38697DE1E}" type="datetimeFigureOut">
               <a:rPr lang="zh-CN" altLang="en-US" smtClean="0"/>
-              <a:t>2024-06-21</a:t>
+              <a:t>2024-06-27</a:t>
             </a:fld>
             <a:endParaRPr lang="zh-CN" altLang="en-US"/>
           </a:p>
@@ -1171,7 +1171,7 @@
           <a:p>
             <a:fld id="{0E121E22-2FF5-48CA-AC53-4FC38697DE1E}" type="datetimeFigureOut">
               <a:rPr lang="zh-CN" altLang="en-US" smtClean="0"/>
-              <a:t>2024-06-21</a:t>
+              <a:t>2024-06-27</a:t>
             </a:fld>
             <a:endParaRPr lang="zh-CN" altLang="en-US"/>
           </a:p>
@@ -1436,7 +1436,7 @@
           <a:p>
             <a:fld id="{0E121E22-2FF5-48CA-AC53-4FC38697DE1E}" type="datetimeFigureOut">
               <a:rPr lang="zh-CN" altLang="en-US" smtClean="0"/>
-              <a:t>2024-06-21</a:t>
+              <a:t>2024-06-27</a:t>
             </a:fld>
             <a:endParaRPr lang="zh-CN" altLang="en-US"/>
           </a:p>
@@ -1848,7 +1848,7 @@
           <a:p>
             <a:fld id="{0E121E22-2FF5-48CA-AC53-4FC38697DE1E}" type="datetimeFigureOut">
               <a:rPr lang="zh-CN" altLang="en-US" smtClean="0"/>
-              <a:t>2024-06-21</a:t>
+              <a:t>2024-06-27</a:t>
             </a:fld>
             <a:endParaRPr lang="zh-CN" altLang="en-US"/>
           </a:p>
@@ -1989,7 +1989,7 @@
           <a:p>
             <a:fld id="{0E121E22-2FF5-48CA-AC53-4FC38697DE1E}" type="datetimeFigureOut">
               <a:rPr lang="zh-CN" altLang="en-US" smtClean="0"/>
-              <a:t>2024-06-21</a:t>
+              <a:t>2024-06-27</a:t>
             </a:fld>
             <a:endParaRPr lang="zh-CN" altLang="en-US"/>
           </a:p>
@@ -2102,7 +2102,7 @@
           <a:p>
             <a:fld id="{0E121E22-2FF5-48CA-AC53-4FC38697DE1E}" type="datetimeFigureOut">
               <a:rPr lang="zh-CN" altLang="en-US" smtClean="0"/>
-              <a:t>2024-06-21</a:t>
+              <a:t>2024-06-27</a:t>
             </a:fld>
             <a:endParaRPr lang="zh-CN" altLang="en-US"/>
           </a:p>
@@ -2413,7 +2413,7 @@
           <a:p>
             <a:fld id="{0E121E22-2FF5-48CA-AC53-4FC38697DE1E}" type="datetimeFigureOut">
               <a:rPr lang="zh-CN" altLang="en-US" smtClean="0"/>
-              <a:t>2024-06-21</a:t>
+              <a:t>2024-06-27</a:t>
             </a:fld>
             <a:endParaRPr lang="zh-CN" altLang="en-US"/>
           </a:p>
@@ -2701,7 +2701,7 @@
           <a:p>
             <a:fld id="{0E121E22-2FF5-48CA-AC53-4FC38697DE1E}" type="datetimeFigureOut">
               <a:rPr lang="zh-CN" altLang="en-US" smtClean="0"/>
-              <a:t>2024-06-21</a:t>
+              <a:t>2024-06-27</a:t>
             </a:fld>
             <a:endParaRPr lang="zh-CN" altLang="en-US"/>
           </a:p>
@@ -2942,7 +2942,7 @@
           <a:p>
             <a:fld id="{0E121E22-2FF5-48CA-AC53-4FC38697DE1E}" type="datetimeFigureOut">
               <a:rPr lang="zh-CN" altLang="en-US" smtClean="0"/>
-              <a:t>2024-06-21</a:t>
+              <a:t>2024-06-27</a:t>
             </a:fld>
             <a:endParaRPr lang="zh-CN" altLang="en-US"/>
           </a:p>
@@ -6859,12 +6859,51 @@
           </a:prstGeom>
         </p:spPr>
       </p:pic>
+      <p:sp>
+        <p:nvSpPr>
+          <p:cNvPr id="6" name="文本框 5">
+            <a:extLst>
+              <a:ext uri="{FF2B5EF4-FFF2-40B4-BE49-F238E27FC236}">
+                <a16:creationId xmlns:a16="http://schemas.microsoft.com/office/drawing/2014/main" id="{313255A3-3660-7EBE-527B-A6826CA0E99D}"/>
+              </a:ext>
+            </a:extLst>
+          </p:cNvPr>
+          <p:cNvSpPr txBox="1"/>
+          <p:nvPr/>
+        </p:nvSpPr>
+        <p:spPr>
+          <a:xfrm>
+            <a:off x="603504" y="603504"/>
+            <a:ext cx="1901483" cy="369332"/>
+          </a:xfrm>
+          <a:prstGeom prst="rect">
+            <a:avLst/>
+          </a:prstGeom>
+          <a:noFill/>
+        </p:spPr>
+        <p:txBody>
+          <a:bodyPr wrap="none" rtlCol="0">
+            <a:spAutoFit/>
+          </a:bodyPr>
+          <a:lstStyle/>
+          <a:p>
+            <a:r>
+              <a:rPr lang="en-US" altLang="zh-CN" dirty="0"/>
+              <a:t>AD9910</a:t>
+            </a:r>
+            <a:r>
+              <a:rPr lang="zh-CN" altLang="en-US" dirty="0"/>
+              <a:t>管理模块</a:t>
+            </a:r>
+          </a:p>
+        </p:txBody>
+      </p:sp>
       <p:pic>
         <p:nvPicPr>
-          <p:cNvPr id="5" name="图片 4">
-            <a:extLst>
-              <a:ext uri="{FF2B5EF4-FFF2-40B4-BE49-F238E27FC236}">
-                <a16:creationId xmlns:a16="http://schemas.microsoft.com/office/drawing/2014/main" id="{D7121EB3-1AE0-4F8F-ED7E-DE11138743F6}"/>
+          <p:cNvPr id="8" name="图片 7">
+            <a:extLst>
+              <a:ext uri="{FF2B5EF4-FFF2-40B4-BE49-F238E27FC236}">
+                <a16:creationId xmlns:a16="http://schemas.microsoft.com/office/drawing/2014/main" id="{660E6ECB-A73F-DCA3-73BB-33A194B04386}"/>
               </a:ext>
             </a:extLst>
           </p:cNvPr>
@@ -6881,53 +6920,14 @@
         </p:blipFill>
         <p:spPr>
           <a:xfrm>
-            <a:off x="3497683" y="1626687"/>
-            <a:ext cx="8604261" cy="4056144"/>
+            <a:off x="3553690" y="1626687"/>
+            <a:ext cx="7913546" cy="4056144"/>
           </a:xfrm>
           <a:prstGeom prst="rect">
             <a:avLst/>
           </a:prstGeom>
         </p:spPr>
       </p:pic>
-      <p:sp>
-        <p:nvSpPr>
-          <p:cNvPr id="6" name="文本框 5">
-            <a:extLst>
-              <a:ext uri="{FF2B5EF4-FFF2-40B4-BE49-F238E27FC236}">
-                <a16:creationId xmlns:a16="http://schemas.microsoft.com/office/drawing/2014/main" id="{313255A3-3660-7EBE-527B-A6826CA0E99D}"/>
-              </a:ext>
-            </a:extLst>
-          </p:cNvPr>
-          <p:cNvSpPr txBox="1"/>
-          <p:nvPr/>
-        </p:nvSpPr>
-        <p:spPr>
-          <a:xfrm>
-            <a:off x="603504" y="603504"/>
-            <a:ext cx="1901483" cy="369332"/>
-          </a:xfrm>
-          <a:prstGeom prst="rect">
-            <a:avLst/>
-          </a:prstGeom>
-          <a:noFill/>
-        </p:spPr>
-        <p:txBody>
-          <a:bodyPr wrap="none" rtlCol="0">
-            <a:spAutoFit/>
-          </a:bodyPr>
-          <a:lstStyle/>
-          <a:p>
-            <a:r>
-              <a:rPr lang="en-US" altLang="zh-CN" dirty="0"/>
-              <a:t>AD9910</a:t>
-            </a:r>
-            <a:r>
-              <a:rPr lang="zh-CN" altLang="en-US" dirty="0"/>
-              <a:t>管理模块</a:t>
-            </a:r>
-          </a:p>
-        </p:txBody>
-      </p:sp>
     </p:spTree>
     <p:extLst>
       <p:ext uri="{BB962C8B-B14F-4D97-AF65-F5344CB8AC3E}">

--- a/figures/2024年5月29日-RTMQ系统图片.pptx
+++ b/figures/2024年5月29日-RTMQ系统图片.pptx
@@ -27,18 +27,19 @@
     <p:sldId id="270" r:id="rId21"/>
     <p:sldId id="264" r:id="rId22"/>
     <p:sldId id="265" r:id="rId23"/>
-    <p:sldId id="266" r:id="rId24"/>
-    <p:sldId id="271" r:id="rId25"/>
-    <p:sldId id="272" r:id="rId26"/>
-    <p:sldId id="277" r:id="rId27"/>
-    <p:sldId id="273" r:id="rId28"/>
-    <p:sldId id="274" r:id="rId29"/>
-    <p:sldId id="275" r:id="rId30"/>
-    <p:sldId id="268" r:id="rId31"/>
-    <p:sldId id="283" r:id="rId32"/>
-    <p:sldId id="267" r:id="rId33"/>
-    <p:sldId id="284" r:id="rId34"/>
-    <p:sldId id="259" r:id="rId35"/>
+    <p:sldId id="290" r:id="rId24"/>
+    <p:sldId id="266" r:id="rId25"/>
+    <p:sldId id="271" r:id="rId26"/>
+    <p:sldId id="272" r:id="rId27"/>
+    <p:sldId id="277" r:id="rId28"/>
+    <p:sldId id="273" r:id="rId29"/>
+    <p:sldId id="274" r:id="rId30"/>
+    <p:sldId id="275" r:id="rId31"/>
+    <p:sldId id="268" r:id="rId32"/>
+    <p:sldId id="283" r:id="rId33"/>
+    <p:sldId id="267" r:id="rId34"/>
+    <p:sldId id="284" r:id="rId35"/>
+    <p:sldId id="259" r:id="rId36"/>
   </p:sldIdLst>
   <p:sldSz cx="12192000" cy="6858000"/>
   <p:notesSz cx="6858000" cy="9144000"/>
@@ -292,7 +293,7 @@
           <a:p>
             <a:fld id="{0E121E22-2FF5-48CA-AC53-4FC38697DE1E}" type="datetimeFigureOut">
               <a:rPr lang="zh-CN" altLang="en-US" smtClean="0"/>
-              <a:t>2024-06-27</a:t>
+              <a:t>2024-07-02</a:t>
             </a:fld>
             <a:endParaRPr lang="zh-CN" altLang="en-US"/>
           </a:p>
@@ -490,7 +491,7 @@
           <a:p>
             <a:fld id="{0E121E22-2FF5-48CA-AC53-4FC38697DE1E}" type="datetimeFigureOut">
               <a:rPr lang="zh-CN" altLang="en-US" smtClean="0"/>
-              <a:t>2024-06-27</a:t>
+              <a:t>2024-07-02</a:t>
             </a:fld>
             <a:endParaRPr lang="zh-CN" altLang="en-US"/>
           </a:p>
@@ -698,7 +699,7 @@
           <a:p>
             <a:fld id="{0E121E22-2FF5-48CA-AC53-4FC38697DE1E}" type="datetimeFigureOut">
               <a:rPr lang="zh-CN" altLang="en-US" smtClean="0"/>
-              <a:t>2024-06-27</a:t>
+              <a:t>2024-07-02</a:t>
             </a:fld>
             <a:endParaRPr lang="zh-CN" altLang="en-US"/>
           </a:p>
@@ -896,7 +897,7 @@
           <a:p>
             <a:fld id="{0E121E22-2FF5-48CA-AC53-4FC38697DE1E}" type="datetimeFigureOut">
               <a:rPr lang="zh-CN" altLang="en-US" smtClean="0"/>
-              <a:t>2024-06-27</a:t>
+              <a:t>2024-07-02</a:t>
             </a:fld>
             <a:endParaRPr lang="zh-CN" altLang="en-US"/>
           </a:p>
@@ -1171,7 +1172,7 @@
           <a:p>
             <a:fld id="{0E121E22-2FF5-48CA-AC53-4FC38697DE1E}" type="datetimeFigureOut">
               <a:rPr lang="zh-CN" altLang="en-US" smtClean="0"/>
-              <a:t>2024-06-27</a:t>
+              <a:t>2024-07-02</a:t>
             </a:fld>
             <a:endParaRPr lang="zh-CN" altLang="en-US"/>
           </a:p>
@@ -1436,7 +1437,7 @@
           <a:p>
             <a:fld id="{0E121E22-2FF5-48CA-AC53-4FC38697DE1E}" type="datetimeFigureOut">
               <a:rPr lang="zh-CN" altLang="en-US" smtClean="0"/>
-              <a:t>2024-06-27</a:t>
+              <a:t>2024-07-02</a:t>
             </a:fld>
             <a:endParaRPr lang="zh-CN" altLang="en-US"/>
           </a:p>
@@ -1848,7 +1849,7 @@
           <a:p>
             <a:fld id="{0E121E22-2FF5-48CA-AC53-4FC38697DE1E}" type="datetimeFigureOut">
               <a:rPr lang="zh-CN" altLang="en-US" smtClean="0"/>
-              <a:t>2024-06-27</a:t>
+              <a:t>2024-07-02</a:t>
             </a:fld>
             <a:endParaRPr lang="zh-CN" altLang="en-US"/>
           </a:p>
@@ -1989,7 +1990,7 @@
           <a:p>
             <a:fld id="{0E121E22-2FF5-48CA-AC53-4FC38697DE1E}" type="datetimeFigureOut">
               <a:rPr lang="zh-CN" altLang="en-US" smtClean="0"/>
-              <a:t>2024-06-27</a:t>
+              <a:t>2024-07-02</a:t>
             </a:fld>
             <a:endParaRPr lang="zh-CN" altLang="en-US"/>
           </a:p>
@@ -2102,7 +2103,7 @@
           <a:p>
             <a:fld id="{0E121E22-2FF5-48CA-AC53-4FC38697DE1E}" type="datetimeFigureOut">
               <a:rPr lang="zh-CN" altLang="en-US" smtClean="0"/>
-              <a:t>2024-06-27</a:t>
+              <a:t>2024-07-02</a:t>
             </a:fld>
             <a:endParaRPr lang="zh-CN" altLang="en-US"/>
           </a:p>
@@ -2413,7 +2414,7 @@
           <a:p>
             <a:fld id="{0E121E22-2FF5-48CA-AC53-4FC38697DE1E}" type="datetimeFigureOut">
               <a:rPr lang="zh-CN" altLang="en-US" smtClean="0"/>
-              <a:t>2024-06-27</a:t>
+              <a:t>2024-07-02</a:t>
             </a:fld>
             <a:endParaRPr lang="zh-CN" altLang="en-US"/>
           </a:p>
@@ -2701,7 +2702,7 @@
           <a:p>
             <a:fld id="{0E121E22-2FF5-48CA-AC53-4FC38697DE1E}" type="datetimeFigureOut">
               <a:rPr lang="zh-CN" altLang="en-US" smtClean="0"/>
-              <a:t>2024-06-27</a:t>
+              <a:t>2024-07-02</a:t>
             </a:fld>
             <a:endParaRPr lang="zh-CN" altLang="en-US"/>
           </a:p>
@@ -2942,7 +2943,7 @@
           <a:p>
             <a:fld id="{0E121E22-2FF5-48CA-AC53-4FC38697DE1E}" type="datetimeFigureOut">
               <a:rPr lang="zh-CN" altLang="en-US" smtClean="0"/>
-              <a:t>2024-06-27</a:t>
+              <a:t>2024-07-02</a:t>
             </a:fld>
             <a:endParaRPr lang="zh-CN" altLang="en-US"/>
           </a:p>
@@ -6832,10 +6833,10 @@
       </p:grpSpPr>
       <p:pic>
         <p:nvPicPr>
-          <p:cNvPr id="3" name="图片 2">
-            <a:extLst>
-              <a:ext uri="{FF2B5EF4-FFF2-40B4-BE49-F238E27FC236}">
-                <a16:creationId xmlns:a16="http://schemas.microsoft.com/office/drawing/2014/main" id="{2FE4BE10-C92B-27E2-B0D5-DA9074D8EF94}"/>
+          <p:cNvPr id="9" name="图片 8">
+            <a:extLst>
+              <a:ext uri="{FF2B5EF4-FFF2-40B4-BE49-F238E27FC236}">
+                <a16:creationId xmlns:a16="http://schemas.microsoft.com/office/drawing/2014/main" id="{6B71E723-C5EE-DBD3-818C-5C44281CA11E}"/>
               </a:ext>
             </a:extLst>
           </p:cNvPr>
@@ -6846,64 +6847,25 @@
         </p:nvPicPr>
         <p:blipFill rotWithShape="1">
           <a:blip r:embed="rId2"/>
-          <a:srcRect l="3246" r="4794"/>
+          <a:srcRect l="6938" t="6828" r="9143" b="6695"/>
           <a:stretch/>
         </p:blipFill>
         <p:spPr>
           <a:xfrm>
-            <a:off x="248277" y="1704801"/>
-            <a:ext cx="3305413" cy="3899916"/>
+            <a:off x="0" y="1667913"/>
+            <a:ext cx="3677848" cy="4210373"/>
           </a:xfrm>
           <a:prstGeom prst="rect">
             <a:avLst/>
           </a:prstGeom>
         </p:spPr>
       </p:pic>
-      <p:sp>
-        <p:nvSpPr>
-          <p:cNvPr id="6" name="文本框 5">
-            <a:extLst>
-              <a:ext uri="{FF2B5EF4-FFF2-40B4-BE49-F238E27FC236}">
-                <a16:creationId xmlns:a16="http://schemas.microsoft.com/office/drawing/2014/main" id="{313255A3-3660-7EBE-527B-A6826CA0E99D}"/>
-              </a:ext>
-            </a:extLst>
-          </p:cNvPr>
-          <p:cNvSpPr txBox="1"/>
-          <p:nvPr/>
-        </p:nvSpPr>
-        <p:spPr>
-          <a:xfrm>
-            <a:off x="603504" y="603504"/>
-            <a:ext cx="1901483" cy="369332"/>
-          </a:xfrm>
-          <a:prstGeom prst="rect">
-            <a:avLst/>
-          </a:prstGeom>
-          <a:noFill/>
-        </p:spPr>
-        <p:txBody>
-          <a:bodyPr wrap="none" rtlCol="0">
-            <a:spAutoFit/>
-          </a:bodyPr>
-          <a:lstStyle/>
-          <a:p>
-            <a:r>
-              <a:rPr lang="en-US" altLang="zh-CN" dirty="0"/>
-              <a:t>AD9910</a:t>
-            </a:r>
-            <a:r>
-              <a:rPr lang="zh-CN" altLang="en-US" dirty="0"/>
-              <a:t>管理模块</a:t>
-            </a:r>
-          </a:p>
-        </p:txBody>
-      </p:sp>
       <p:pic>
         <p:nvPicPr>
-          <p:cNvPr id="8" name="图片 7">
-            <a:extLst>
-              <a:ext uri="{FF2B5EF4-FFF2-40B4-BE49-F238E27FC236}">
-                <a16:creationId xmlns:a16="http://schemas.microsoft.com/office/drawing/2014/main" id="{660E6ECB-A73F-DCA3-73BB-33A194B04386}"/>
+          <p:cNvPr id="4" name="图片 3">
+            <a:extLst>
+              <a:ext uri="{FF2B5EF4-FFF2-40B4-BE49-F238E27FC236}">
+                <a16:creationId xmlns:a16="http://schemas.microsoft.com/office/drawing/2014/main" id="{7BE6E7F4-9E13-9DFD-41BF-1D086520048C}"/>
               </a:ext>
             </a:extLst>
           </p:cNvPr>
@@ -6920,14 +6882,53 @@
         </p:blipFill>
         <p:spPr>
           <a:xfrm>
-            <a:off x="3553690" y="1626687"/>
-            <a:ext cx="7913546" cy="4056144"/>
+            <a:off x="3677847" y="1667913"/>
+            <a:ext cx="8146157" cy="4210373"/>
           </a:xfrm>
           <a:prstGeom prst="rect">
             <a:avLst/>
           </a:prstGeom>
         </p:spPr>
       </p:pic>
+      <p:sp>
+        <p:nvSpPr>
+          <p:cNvPr id="6" name="文本框 5">
+            <a:extLst>
+              <a:ext uri="{FF2B5EF4-FFF2-40B4-BE49-F238E27FC236}">
+                <a16:creationId xmlns:a16="http://schemas.microsoft.com/office/drawing/2014/main" id="{313255A3-3660-7EBE-527B-A6826CA0E99D}"/>
+              </a:ext>
+            </a:extLst>
+          </p:cNvPr>
+          <p:cNvSpPr txBox="1"/>
+          <p:nvPr/>
+        </p:nvSpPr>
+        <p:spPr>
+          <a:xfrm>
+            <a:off x="603504" y="603504"/>
+            <a:ext cx="1901483" cy="369332"/>
+          </a:xfrm>
+          <a:prstGeom prst="rect">
+            <a:avLst/>
+          </a:prstGeom>
+          <a:noFill/>
+        </p:spPr>
+        <p:txBody>
+          <a:bodyPr wrap="none" rtlCol="0">
+            <a:spAutoFit/>
+          </a:bodyPr>
+          <a:lstStyle/>
+          <a:p>
+            <a:r>
+              <a:rPr lang="en-US" altLang="zh-CN" dirty="0"/>
+              <a:t>AD9910</a:t>
+            </a:r>
+            <a:r>
+              <a:rPr lang="zh-CN" altLang="en-US" dirty="0"/>
+              <a:t>管理模块</a:t>
+            </a:r>
+          </a:p>
+        </p:txBody>
+      </p:sp>
     </p:spTree>
     <p:extLst>
       <p:ext uri="{BB962C8B-B14F-4D97-AF65-F5344CB8AC3E}">
@@ -6963,7 +6964,7 @@
           <p:cNvPr id="3" name="图片 2">
             <a:extLst>
               <a:ext uri="{FF2B5EF4-FFF2-40B4-BE49-F238E27FC236}">
-                <a16:creationId xmlns:a16="http://schemas.microsoft.com/office/drawing/2014/main" id="{6901DB9A-1A5D-FFF3-7C16-E5950A229B0D}"/>
+                <a16:creationId xmlns:a16="http://schemas.microsoft.com/office/drawing/2014/main" id="{2FE4BE10-C92B-27E2-B0D5-DA9074D8EF94}"/>
               </a:ext>
             </a:extLst>
           </p:cNvPr>
@@ -6974,13 +6975,13 @@
         </p:nvPicPr>
         <p:blipFill rotWithShape="1">
           <a:blip r:embed="rId2"/>
-          <a:srcRect l="3640" r="2922"/>
+          <a:srcRect l="3246" r="4794"/>
           <a:stretch/>
         </p:blipFill>
         <p:spPr>
           <a:xfrm>
-            <a:off x="131618" y="1780794"/>
-            <a:ext cx="3377805" cy="3296412"/>
+            <a:off x="248277" y="1704801"/>
+            <a:ext cx="3305413" cy="3899916"/>
           </a:xfrm>
           <a:prstGeom prst="rect">
             <a:avLst/>
@@ -6989,10 +6990,10 @@
       </p:pic>
       <p:sp>
         <p:nvSpPr>
-          <p:cNvPr id="4" name="文本框 3">
-            <a:extLst>
-              <a:ext uri="{FF2B5EF4-FFF2-40B4-BE49-F238E27FC236}">
-                <a16:creationId xmlns:a16="http://schemas.microsoft.com/office/drawing/2014/main" id="{C47943CC-8A5F-246B-13BE-9C16BC95A95F}"/>
+          <p:cNvPr id="6" name="文本框 5">
+            <a:extLst>
+              <a:ext uri="{FF2B5EF4-FFF2-40B4-BE49-F238E27FC236}">
+                <a16:creationId xmlns:a16="http://schemas.microsoft.com/office/drawing/2014/main" id="{313255A3-3660-7EBE-527B-A6826CA0E99D}"/>
               </a:ext>
             </a:extLst>
           </p:cNvPr>
@@ -7001,8 +7002,8 @@
         </p:nvSpPr>
         <p:spPr>
           <a:xfrm>
-            <a:off x="960120" y="603504"/>
-            <a:ext cx="1556836" cy="369332"/>
+            <a:off x="603504" y="603504"/>
+            <a:ext cx="1901483" cy="369332"/>
           </a:xfrm>
           <a:prstGeom prst="rect">
             <a:avLst/>
@@ -7017,7 +7018,7 @@
           <a:p>
             <a:r>
               <a:rPr lang="en-US" altLang="zh-CN" dirty="0"/>
-              <a:t>ADC</a:t>
+              <a:t>AD9910</a:t>
             </a:r>
             <a:r>
               <a:rPr lang="zh-CN" altLang="en-US" dirty="0"/>
@@ -7028,10 +7029,10 @@
       </p:sp>
       <p:pic>
         <p:nvPicPr>
-          <p:cNvPr id="6" name="图片 5">
-            <a:extLst>
-              <a:ext uri="{FF2B5EF4-FFF2-40B4-BE49-F238E27FC236}">
-                <a16:creationId xmlns:a16="http://schemas.microsoft.com/office/drawing/2014/main" id="{BB4D8A10-06A4-137B-8BB8-A013620E1B8D}"/>
+          <p:cNvPr id="8" name="图片 7">
+            <a:extLst>
+              <a:ext uri="{FF2B5EF4-FFF2-40B4-BE49-F238E27FC236}">
+                <a16:creationId xmlns:a16="http://schemas.microsoft.com/office/drawing/2014/main" id="{660E6ECB-A73F-DCA3-73BB-33A194B04386}"/>
               </a:ext>
             </a:extLst>
           </p:cNvPr>
@@ -7048,8 +7049,38 @@
         </p:blipFill>
         <p:spPr>
           <a:xfrm>
-            <a:off x="3509423" y="1620774"/>
-            <a:ext cx="8082349" cy="3817620"/>
+            <a:off x="3553690" y="1626687"/>
+            <a:ext cx="7913546" cy="4056144"/>
+          </a:xfrm>
+          <a:prstGeom prst="rect">
+            <a:avLst/>
+          </a:prstGeom>
+        </p:spPr>
+      </p:pic>
+      <p:pic>
+        <p:nvPicPr>
+          <p:cNvPr id="4" name="图片 3">
+            <a:extLst>
+              <a:ext uri="{FF2B5EF4-FFF2-40B4-BE49-F238E27FC236}">
+                <a16:creationId xmlns:a16="http://schemas.microsoft.com/office/drawing/2014/main" id="{7BE6E7F4-9E13-9DFD-41BF-1D086520048C}"/>
+              </a:ext>
+            </a:extLst>
+          </p:cNvPr>
+          <p:cNvPicPr>
+            <a:picLocks noChangeAspect="1"/>
+          </p:cNvPicPr>
+          <p:nvPr/>
+        </p:nvPicPr>
+        <p:blipFill>
+          <a:blip r:embed="rId4"/>
+          <a:stretch>
+            <a:fillRect/>
+          </a:stretch>
+        </p:blipFill>
+        <p:spPr>
+          <a:xfrm>
+            <a:off x="3553691" y="1626687"/>
+            <a:ext cx="7913546" cy="4090147"/>
           </a:xfrm>
           <a:prstGeom prst="rect">
             <a:avLst/>
@@ -7059,7 +7090,7 @@
     </p:spTree>
     <p:extLst>
       <p:ext uri="{BB962C8B-B14F-4D97-AF65-F5344CB8AC3E}">
-        <p14:creationId xmlns:p14="http://schemas.microsoft.com/office/powerpoint/2010/main" val="321983983"/>
+        <p14:creationId xmlns:p14="http://schemas.microsoft.com/office/powerpoint/2010/main" val="3114666035"/>
       </p:ext>
     </p:extLst>
   </p:cSld>
@@ -7091,7 +7122,7 @@
           <p:cNvPr id="3" name="图片 2">
             <a:extLst>
               <a:ext uri="{FF2B5EF4-FFF2-40B4-BE49-F238E27FC236}">
-                <a16:creationId xmlns:a16="http://schemas.microsoft.com/office/drawing/2014/main" id="{22A3A7BE-462C-B389-EF18-FCD1E6263ACD}"/>
+                <a16:creationId xmlns:a16="http://schemas.microsoft.com/office/drawing/2014/main" id="{6901DB9A-1A5D-FFF3-7C16-E5950A229B0D}"/>
               </a:ext>
             </a:extLst>
           </p:cNvPr>
@@ -7100,28 +7131,66 @@
           </p:cNvPicPr>
           <p:nvPr/>
         </p:nvPicPr>
-        <p:blipFill>
+        <p:blipFill rotWithShape="1">
           <a:blip r:embed="rId2"/>
-          <a:stretch>
-            <a:fillRect/>
-          </a:stretch>
+          <a:srcRect l="3640" r="2922"/>
+          <a:stretch/>
         </p:blipFill>
         <p:spPr>
           <a:xfrm>
-            <a:off x="334519" y="2234375"/>
-            <a:ext cx="3441657" cy="2931985"/>
+            <a:off x="131618" y="1780794"/>
+            <a:ext cx="3377805" cy="3296412"/>
           </a:xfrm>
           <a:prstGeom prst="rect">
             <a:avLst/>
           </a:prstGeom>
         </p:spPr>
       </p:pic>
+      <p:sp>
+        <p:nvSpPr>
+          <p:cNvPr id="4" name="文本框 3">
+            <a:extLst>
+              <a:ext uri="{FF2B5EF4-FFF2-40B4-BE49-F238E27FC236}">
+                <a16:creationId xmlns:a16="http://schemas.microsoft.com/office/drawing/2014/main" id="{C47943CC-8A5F-246B-13BE-9C16BC95A95F}"/>
+              </a:ext>
+            </a:extLst>
+          </p:cNvPr>
+          <p:cNvSpPr txBox="1"/>
+          <p:nvPr/>
+        </p:nvSpPr>
+        <p:spPr>
+          <a:xfrm>
+            <a:off x="960120" y="603504"/>
+            <a:ext cx="1556836" cy="369332"/>
+          </a:xfrm>
+          <a:prstGeom prst="rect">
+            <a:avLst/>
+          </a:prstGeom>
+          <a:noFill/>
+        </p:spPr>
+        <p:txBody>
+          <a:bodyPr wrap="none" rtlCol="0">
+            <a:spAutoFit/>
+          </a:bodyPr>
+          <a:lstStyle/>
+          <a:p>
+            <a:r>
+              <a:rPr lang="en-US" altLang="zh-CN" dirty="0"/>
+              <a:t>ADC</a:t>
+            </a:r>
+            <a:r>
+              <a:rPr lang="zh-CN" altLang="en-US" dirty="0"/>
+              <a:t>管理模块</a:t>
+            </a:r>
+          </a:p>
+        </p:txBody>
+      </p:sp>
       <p:pic>
         <p:nvPicPr>
-          <p:cNvPr id="5" name="图片 4">
-            <a:extLst>
-              <a:ext uri="{FF2B5EF4-FFF2-40B4-BE49-F238E27FC236}">
-                <a16:creationId xmlns:a16="http://schemas.microsoft.com/office/drawing/2014/main" id="{AB84A674-96D0-3821-29B7-B987E1CCA50B}"/>
+          <p:cNvPr id="6" name="图片 5">
+            <a:extLst>
+              <a:ext uri="{FF2B5EF4-FFF2-40B4-BE49-F238E27FC236}">
+                <a16:creationId xmlns:a16="http://schemas.microsoft.com/office/drawing/2014/main" id="{BB4D8A10-06A4-137B-8BB8-A013620E1B8D}"/>
               </a:ext>
             </a:extLst>
           </p:cNvPr>
@@ -7138,53 +7207,18 @@
         </p:blipFill>
         <p:spPr>
           <a:xfrm>
-            <a:off x="3853500" y="1709292"/>
-            <a:ext cx="7753284" cy="4235066"/>
+            <a:off x="3509423" y="1620774"/>
+            <a:ext cx="8082349" cy="3817620"/>
           </a:xfrm>
           <a:prstGeom prst="rect">
             <a:avLst/>
           </a:prstGeom>
         </p:spPr>
       </p:pic>
-      <p:sp>
-        <p:nvSpPr>
-          <p:cNvPr id="6" name="文本框 5">
-            <a:extLst>
-              <a:ext uri="{FF2B5EF4-FFF2-40B4-BE49-F238E27FC236}">
-                <a16:creationId xmlns:a16="http://schemas.microsoft.com/office/drawing/2014/main" id="{AD7F98D0-1270-37D2-A1EB-16C6748E7333}"/>
-              </a:ext>
-            </a:extLst>
-          </p:cNvPr>
-          <p:cNvSpPr txBox="1"/>
-          <p:nvPr/>
-        </p:nvSpPr>
-        <p:spPr>
-          <a:xfrm>
-            <a:off x="758952" y="557784"/>
-            <a:ext cx="1800493" cy="369332"/>
-          </a:xfrm>
-          <a:prstGeom prst="rect">
-            <a:avLst/>
-          </a:prstGeom>
-          <a:noFill/>
-        </p:spPr>
-        <p:txBody>
-          <a:bodyPr wrap="none" rtlCol="0">
-            <a:spAutoFit/>
-          </a:bodyPr>
-          <a:lstStyle/>
-          <a:p>
-            <a:r>
-              <a:rPr lang="zh-CN" altLang="en-US" dirty="0"/>
-              <a:t>门控计数器阵列</a:t>
-            </a:r>
-          </a:p>
-        </p:txBody>
-      </p:sp>
     </p:spTree>
     <p:extLst>
       <p:ext uri="{BB962C8B-B14F-4D97-AF65-F5344CB8AC3E}">
-        <p14:creationId xmlns:p14="http://schemas.microsoft.com/office/powerpoint/2010/main" val="4062385216"/>
+        <p14:creationId xmlns:p14="http://schemas.microsoft.com/office/powerpoint/2010/main" val="321983983"/>
       </p:ext>
     </p:extLst>
   </p:cSld>
@@ -7216,7 +7250,7 @@
           <p:cNvPr id="3" name="图片 2">
             <a:extLst>
               <a:ext uri="{FF2B5EF4-FFF2-40B4-BE49-F238E27FC236}">
-                <a16:creationId xmlns:a16="http://schemas.microsoft.com/office/drawing/2014/main" id="{9F04BC56-D012-635E-1E48-FE901003DA4B}"/>
+                <a16:creationId xmlns:a16="http://schemas.microsoft.com/office/drawing/2014/main" id="{22A3A7BE-462C-B389-EF18-FCD1E6263ACD}"/>
               </a:ext>
             </a:extLst>
           </p:cNvPr>
@@ -7233,8 +7267,8 @@
         </p:blipFill>
         <p:spPr>
           <a:xfrm>
-            <a:off x="274321" y="1849301"/>
-            <a:ext cx="3206034" cy="3480054"/>
+            <a:off x="334519" y="2234375"/>
+            <a:ext cx="3441657" cy="2931985"/>
           </a:xfrm>
           <a:prstGeom prst="rect">
             <a:avLst/>
@@ -7246,7 +7280,7 @@
           <p:cNvPr id="5" name="图片 4">
             <a:extLst>
               <a:ext uri="{FF2B5EF4-FFF2-40B4-BE49-F238E27FC236}">
-                <a16:creationId xmlns:a16="http://schemas.microsoft.com/office/drawing/2014/main" id="{038A9542-82D4-9326-FD0F-CF443BD6DAF8}"/>
+                <a16:creationId xmlns:a16="http://schemas.microsoft.com/office/drawing/2014/main" id="{AB84A674-96D0-3821-29B7-B987E1CCA50B}"/>
               </a:ext>
             </a:extLst>
           </p:cNvPr>
@@ -7263,18 +7297,53 @@
         </p:blipFill>
         <p:spPr>
           <a:xfrm>
-            <a:off x="3565098" y="1728216"/>
-            <a:ext cx="8352581" cy="3959968"/>
+            <a:off x="3853500" y="1709292"/>
+            <a:ext cx="7753284" cy="4235066"/>
           </a:xfrm>
           <a:prstGeom prst="rect">
             <a:avLst/>
           </a:prstGeom>
         </p:spPr>
       </p:pic>
+      <p:sp>
+        <p:nvSpPr>
+          <p:cNvPr id="6" name="文本框 5">
+            <a:extLst>
+              <a:ext uri="{FF2B5EF4-FFF2-40B4-BE49-F238E27FC236}">
+                <a16:creationId xmlns:a16="http://schemas.microsoft.com/office/drawing/2014/main" id="{AD7F98D0-1270-37D2-A1EB-16C6748E7333}"/>
+              </a:ext>
+            </a:extLst>
+          </p:cNvPr>
+          <p:cNvSpPr txBox="1"/>
+          <p:nvPr/>
+        </p:nvSpPr>
+        <p:spPr>
+          <a:xfrm>
+            <a:off x="758952" y="557784"/>
+            <a:ext cx="1800493" cy="369332"/>
+          </a:xfrm>
+          <a:prstGeom prst="rect">
+            <a:avLst/>
+          </a:prstGeom>
+          <a:noFill/>
+        </p:spPr>
+        <p:txBody>
+          <a:bodyPr wrap="none" rtlCol="0">
+            <a:spAutoFit/>
+          </a:bodyPr>
+          <a:lstStyle/>
+          <a:p>
+            <a:r>
+              <a:rPr lang="zh-CN" altLang="en-US" dirty="0"/>
+              <a:t>门控计数器阵列</a:t>
+            </a:r>
+          </a:p>
+        </p:txBody>
+      </p:sp>
     </p:spTree>
     <p:extLst>
       <p:ext uri="{BB962C8B-B14F-4D97-AF65-F5344CB8AC3E}">
-        <p14:creationId xmlns:p14="http://schemas.microsoft.com/office/powerpoint/2010/main" val="1475117195"/>
+        <p14:creationId xmlns:p14="http://schemas.microsoft.com/office/powerpoint/2010/main" val="4062385216"/>
       </p:ext>
     </p:extLst>
   </p:cSld>
@@ -7306,7 +7375,7 @@
           <p:cNvPr id="3" name="图片 2">
             <a:extLst>
               <a:ext uri="{FF2B5EF4-FFF2-40B4-BE49-F238E27FC236}">
-                <a16:creationId xmlns:a16="http://schemas.microsoft.com/office/drawing/2014/main" id="{FA95A929-9539-F038-9CCF-FA0BC2E88F8C}"/>
+                <a16:creationId xmlns:a16="http://schemas.microsoft.com/office/drawing/2014/main" id="{9F04BC56-D012-635E-1E48-FE901003DA4B}"/>
               </a:ext>
             </a:extLst>
           </p:cNvPr>
@@ -7323,8 +7392,8 @@
         </p:blipFill>
         <p:spPr>
           <a:xfrm>
-            <a:off x="155449" y="2219515"/>
-            <a:ext cx="3409862" cy="2498789"/>
+            <a:off x="274321" y="1849301"/>
+            <a:ext cx="3206034" cy="3480054"/>
           </a:xfrm>
           <a:prstGeom prst="rect">
             <a:avLst/>
@@ -7336,7 +7405,7 @@
           <p:cNvPr id="5" name="图片 4">
             <a:extLst>
               <a:ext uri="{FF2B5EF4-FFF2-40B4-BE49-F238E27FC236}">
-                <a16:creationId xmlns:a16="http://schemas.microsoft.com/office/drawing/2014/main" id="{E14E6AD6-9C18-B4D3-D351-6DD1D7A173AB}"/>
+                <a16:creationId xmlns:a16="http://schemas.microsoft.com/office/drawing/2014/main" id="{038A9542-82D4-9326-FD0F-CF443BD6DAF8}"/>
               </a:ext>
             </a:extLst>
           </p:cNvPr>
@@ -7353,53 +7422,18 @@
         </p:blipFill>
         <p:spPr>
           <a:xfrm>
-            <a:off x="3565311" y="1648160"/>
-            <a:ext cx="8040624" cy="3641498"/>
+            <a:off x="3565098" y="1728216"/>
+            <a:ext cx="8352581" cy="3959968"/>
           </a:xfrm>
           <a:prstGeom prst="rect">
             <a:avLst/>
           </a:prstGeom>
         </p:spPr>
       </p:pic>
-      <p:sp>
-        <p:nvSpPr>
-          <p:cNvPr id="6" name="文本框 5">
-            <a:extLst>
-              <a:ext uri="{FF2B5EF4-FFF2-40B4-BE49-F238E27FC236}">
-                <a16:creationId xmlns:a16="http://schemas.microsoft.com/office/drawing/2014/main" id="{C8054301-FAA6-3D0B-572B-A59DCAC02332}"/>
-              </a:ext>
-            </a:extLst>
-          </p:cNvPr>
-          <p:cNvSpPr txBox="1"/>
-          <p:nvPr/>
-        </p:nvSpPr>
-        <p:spPr>
-          <a:xfrm>
-            <a:off x="512064" y="585216"/>
-            <a:ext cx="1338828" cy="369332"/>
-          </a:xfrm>
-          <a:prstGeom prst="rect">
-            <a:avLst/>
-          </a:prstGeom>
-          <a:noFill/>
-        </p:spPr>
-        <p:txBody>
-          <a:bodyPr wrap="none" rtlCol="0">
-            <a:spAutoFit/>
-          </a:bodyPr>
-          <a:lstStyle/>
-          <a:p>
-            <a:r>
-              <a:rPr lang="zh-CN" altLang="en-US" dirty="0"/>
-              <a:t>通用寄存器</a:t>
-            </a:r>
-          </a:p>
-        </p:txBody>
-      </p:sp>
     </p:spTree>
     <p:extLst>
       <p:ext uri="{BB962C8B-B14F-4D97-AF65-F5344CB8AC3E}">
-        <p14:creationId xmlns:p14="http://schemas.microsoft.com/office/powerpoint/2010/main" val="431048152"/>
+        <p14:creationId xmlns:p14="http://schemas.microsoft.com/office/powerpoint/2010/main" val="1475117195"/>
       </p:ext>
     </p:extLst>
   </p:cSld>
@@ -7431,7 +7465,7 @@
           <p:cNvPr id="3" name="图片 2">
             <a:extLst>
               <a:ext uri="{FF2B5EF4-FFF2-40B4-BE49-F238E27FC236}">
-                <a16:creationId xmlns:a16="http://schemas.microsoft.com/office/drawing/2014/main" id="{21A05783-DDE5-3C2E-5A6C-61781595053A}"/>
+                <a16:creationId xmlns:a16="http://schemas.microsoft.com/office/drawing/2014/main" id="{FA95A929-9539-F038-9CCF-FA0BC2E88F8C}"/>
               </a:ext>
             </a:extLst>
           </p:cNvPr>
@@ -7448,8 +7482,8 @@
         </p:blipFill>
         <p:spPr>
           <a:xfrm>
-            <a:off x="457200" y="2409458"/>
-            <a:ext cx="2855785" cy="2039084"/>
+            <a:off x="155449" y="2219515"/>
+            <a:ext cx="3409862" cy="2498789"/>
           </a:xfrm>
           <a:prstGeom prst="rect">
             <a:avLst/>
@@ -7461,7 +7495,7 @@
           <p:cNvPr id="5" name="图片 4">
             <a:extLst>
               <a:ext uri="{FF2B5EF4-FFF2-40B4-BE49-F238E27FC236}">
-                <a16:creationId xmlns:a16="http://schemas.microsoft.com/office/drawing/2014/main" id="{56DECF58-501B-3D7A-C1EA-C9D9CBC35BBE}"/>
+                <a16:creationId xmlns:a16="http://schemas.microsoft.com/office/drawing/2014/main" id="{E14E6AD6-9C18-B4D3-D351-6DD1D7A173AB}"/>
               </a:ext>
             </a:extLst>
           </p:cNvPr>
@@ -7478,8 +7512,8 @@
         </p:blipFill>
         <p:spPr>
           <a:xfrm>
-            <a:off x="3312985" y="1645582"/>
-            <a:ext cx="8208236" cy="3732377"/>
+            <a:off x="3565311" y="1648160"/>
+            <a:ext cx="8040624" cy="3641498"/>
           </a:xfrm>
           <a:prstGeom prst="rect">
             <a:avLst/>
@@ -7488,10 +7522,10 @@
       </p:pic>
       <p:sp>
         <p:nvSpPr>
-          <p:cNvPr id="2" name="文本框 1">
-            <a:extLst>
-              <a:ext uri="{FF2B5EF4-FFF2-40B4-BE49-F238E27FC236}">
-                <a16:creationId xmlns:a16="http://schemas.microsoft.com/office/drawing/2014/main" id="{1551F8D6-1D61-2DF0-991E-E94756CCB2E4}"/>
+          <p:cNvPr id="6" name="文本框 5">
+            <a:extLst>
+              <a:ext uri="{FF2B5EF4-FFF2-40B4-BE49-F238E27FC236}">
+                <a16:creationId xmlns:a16="http://schemas.microsoft.com/office/drawing/2014/main" id="{C8054301-FAA6-3D0B-572B-A59DCAC02332}"/>
               </a:ext>
             </a:extLst>
           </p:cNvPr>
@@ -7500,8 +7534,8 @@
         </p:nvSpPr>
         <p:spPr>
           <a:xfrm>
-            <a:off x="588818" y="678873"/>
-            <a:ext cx="1569660" cy="369332"/>
+            <a:off x="512064" y="585216"/>
+            <a:ext cx="1338828" cy="369332"/>
           </a:xfrm>
           <a:prstGeom prst="rect">
             <a:avLst/>
@@ -7516,7 +7550,7 @@
           <a:p>
             <a:r>
               <a:rPr lang="zh-CN" altLang="en-US" dirty="0"/>
-              <a:t>随机数发生器</a:t>
+              <a:t>通用寄存器</a:t>
             </a:r>
           </a:p>
         </p:txBody>
@@ -7524,7 +7558,7 @@
     </p:spTree>
     <p:extLst>
       <p:ext uri="{BB962C8B-B14F-4D97-AF65-F5344CB8AC3E}">
-        <p14:creationId xmlns:p14="http://schemas.microsoft.com/office/powerpoint/2010/main" val="3704196234"/>
+        <p14:creationId xmlns:p14="http://schemas.microsoft.com/office/powerpoint/2010/main" val="431048152"/>
       </p:ext>
     </p:extLst>
   </p:cSld>
@@ -7556,7 +7590,7 @@
           <p:cNvPr id="3" name="图片 2">
             <a:extLst>
               <a:ext uri="{FF2B5EF4-FFF2-40B4-BE49-F238E27FC236}">
-                <a16:creationId xmlns:a16="http://schemas.microsoft.com/office/drawing/2014/main" id="{32112AD0-5507-5E48-2517-F80DE5C22D92}"/>
+                <a16:creationId xmlns:a16="http://schemas.microsoft.com/office/drawing/2014/main" id="{21A05783-DDE5-3C2E-5A6C-61781595053A}"/>
               </a:ext>
             </a:extLst>
           </p:cNvPr>
@@ -7573,8 +7607,8 @@
         </p:blipFill>
         <p:spPr>
           <a:xfrm>
-            <a:off x="297369" y="2331720"/>
-            <a:ext cx="3314512" cy="2328840"/>
+            <a:off x="457200" y="2409458"/>
+            <a:ext cx="2855785" cy="2039084"/>
           </a:xfrm>
           <a:prstGeom prst="rect">
             <a:avLst/>
@@ -7586,7 +7620,7 @@
           <p:cNvPr id="5" name="图片 4">
             <a:extLst>
               <a:ext uri="{FF2B5EF4-FFF2-40B4-BE49-F238E27FC236}">
-                <a16:creationId xmlns:a16="http://schemas.microsoft.com/office/drawing/2014/main" id="{56AEBF6F-07C6-6577-1693-99FC2EA9BF0A}"/>
+                <a16:creationId xmlns:a16="http://schemas.microsoft.com/office/drawing/2014/main" id="{56DECF58-501B-3D7A-C1EA-C9D9CBC35BBE}"/>
               </a:ext>
             </a:extLst>
           </p:cNvPr>
@@ -7603,8 +7637,8 @@
         </p:blipFill>
         <p:spPr>
           <a:xfrm>
-            <a:off x="3611881" y="1609345"/>
-            <a:ext cx="8190216" cy="3783930"/>
+            <a:off x="3312985" y="1645582"/>
+            <a:ext cx="8208236" cy="3732377"/>
           </a:xfrm>
           <a:prstGeom prst="rect">
             <a:avLst/>
@@ -7616,7 +7650,7 @@
           <p:cNvPr id="2" name="文本框 1">
             <a:extLst>
               <a:ext uri="{FF2B5EF4-FFF2-40B4-BE49-F238E27FC236}">
-                <a16:creationId xmlns:a16="http://schemas.microsoft.com/office/drawing/2014/main" id="{7F480561-D90C-40C0-3314-21EB452F80D0}"/>
+                <a16:creationId xmlns:a16="http://schemas.microsoft.com/office/drawing/2014/main" id="{1551F8D6-1D61-2DF0-991E-E94756CCB2E4}"/>
               </a:ext>
             </a:extLst>
           </p:cNvPr>
@@ -7625,8 +7659,8 @@
         </p:nvSpPr>
         <p:spPr>
           <a:xfrm>
-            <a:off x="858982" y="505691"/>
-            <a:ext cx="646331" cy="369332"/>
+            <a:off x="588818" y="678873"/>
+            <a:ext cx="1569660" cy="369332"/>
           </a:xfrm>
           <a:prstGeom prst="rect">
             <a:avLst/>
@@ -7641,7 +7675,7 @@
           <a:p>
             <a:r>
               <a:rPr lang="zh-CN" altLang="en-US" dirty="0"/>
-              <a:t>堆栈</a:t>
+              <a:t>随机数发生器</a:t>
             </a:r>
           </a:p>
         </p:txBody>
@@ -7649,7 +7683,7 @@
     </p:spTree>
     <p:extLst>
       <p:ext uri="{BB962C8B-B14F-4D97-AF65-F5344CB8AC3E}">
-        <p14:creationId xmlns:p14="http://schemas.microsoft.com/office/powerpoint/2010/main" val="3927539091"/>
+        <p14:creationId xmlns:p14="http://schemas.microsoft.com/office/powerpoint/2010/main" val="3704196234"/>
       </p:ext>
     </p:extLst>
   </p:cSld>
@@ -7681,7 +7715,7 @@
           <p:cNvPr id="3" name="图片 2">
             <a:extLst>
               <a:ext uri="{FF2B5EF4-FFF2-40B4-BE49-F238E27FC236}">
-                <a16:creationId xmlns:a16="http://schemas.microsoft.com/office/drawing/2014/main" id="{C52CBDE5-6738-7C78-2A1E-5689EDF541F1}"/>
+                <a16:creationId xmlns:a16="http://schemas.microsoft.com/office/drawing/2014/main" id="{32112AD0-5507-5E48-2517-F80DE5C22D92}"/>
               </a:ext>
             </a:extLst>
           </p:cNvPr>
@@ -7698,8 +7732,8 @@
         </p:blipFill>
         <p:spPr>
           <a:xfrm>
-            <a:off x="0" y="2092261"/>
-            <a:ext cx="4189777" cy="2673477"/>
+            <a:off x="297369" y="2331720"/>
+            <a:ext cx="3314512" cy="2328840"/>
           </a:xfrm>
           <a:prstGeom prst="rect">
             <a:avLst/>
@@ -7711,7 +7745,7 @@
           <p:cNvPr id="5" name="图片 4">
             <a:extLst>
               <a:ext uri="{FF2B5EF4-FFF2-40B4-BE49-F238E27FC236}">
-                <a16:creationId xmlns:a16="http://schemas.microsoft.com/office/drawing/2014/main" id="{E482CFF1-D147-FE5E-EC0B-B54B620186A9}"/>
+                <a16:creationId xmlns:a16="http://schemas.microsoft.com/office/drawing/2014/main" id="{56AEBF6F-07C6-6577-1693-99FC2EA9BF0A}"/>
               </a:ext>
             </a:extLst>
           </p:cNvPr>
@@ -7728,8 +7762,8 @@
         </p:blipFill>
         <p:spPr>
           <a:xfrm>
-            <a:off x="4082762" y="1619466"/>
-            <a:ext cx="7838926" cy="3619066"/>
+            <a:off x="3611881" y="1609345"/>
+            <a:ext cx="8190216" cy="3783930"/>
           </a:xfrm>
           <a:prstGeom prst="rect">
             <a:avLst/>
@@ -7741,7 +7775,7 @@
           <p:cNvPr id="2" name="文本框 1">
             <a:extLst>
               <a:ext uri="{FF2B5EF4-FFF2-40B4-BE49-F238E27FC236}">
-                <a16:creationId xmlns:a16="http://schemas.microsoft.com/office/drawing/2014/main" id="{5E55665C-EF7E-7888-C6C8-EEDDF1E15028}"/>
+                <a16:creationId xmlns:a16="http://schemas.microsoft.com/office/drawing/2014/main" id="{7F480561-D90C-40C0-3314-21EB452F80D0}"/>
               </a:ext>
             </a:extLst>
           </p:cNvPr>
@@ -7750,8 +7784,8 @@
         </p:nvSpPr>
         <p:spPr>
           <a:xfrm>
-            <a:off x="651164" y="685800"/>
-            <a:ext cx="1107996" cy="369332"/>
+            <a:off x="858982" y="505691"/>
+            <a:ext cx="646331" cy="369332"/>
           </a:xfrm>
           <a:prstGeom prst="rect">
             <a:avLst/>
@@ -7766,7 +7800,7 @@
           <a:p>
             <a:r>
               <a:rPr lang="zh-CN" altLang="en-US" dirty="0"/>
-              <a:t>内存堆栈</a:t>
+              <a:t>堆栈</a:t>
             </a:r>
           </a:p>
         </p:txBody>
@@ -7774,7 +7808,7 @@
     </p:spTree>
     <p:extLst>
       <p:ext uri="{BB962C8B-B14F-4D97-AF65-F5344CB8AC3E}">
-        <p14:creationId xmlns:p14="http://schemas.microsoft.com/office/powerpoint/2010/main" val="3406486983"/>
+        <p14:creationId xmlns:p14="http://schemas.microsoft.com/office/powerpoint/2010/main" val="3927539091"/>
       </p:ext>
     </p:extLst>
   </p:cSld>
@@ -7891,7 +7925,7 @@
           <p:cNvPr id="3" name="图片 2">
             <a:extLst>
               <a:ext uri="{FF2B5EF4-FFF2-40B4-BE49-F238E27FC236}">
-                <a16:creationId xmlns:a16="http://schemas.microsoft.com/office/drawing/2014/main" id="{D2E1AB18-3920-BC8F-F760-08149F0E1F54}"/>
+                <a16:creationId xmlns:a16="http://schemas.microsoft.com/office/drawing/2014/main" id="{C52CBDE5-6738-7C78-2A1E-5689EDF541F1}"/>
               </a:ext>
             </a:extLst>
           </p:cNvPr>
@@ -7908,8 +7942,8 @@
         </p:blipFill>
         <p:spPr>
           <a:xfrm>
-            <a:off x="545551" y="1722787"/>
-            <a:ext cx="2768729" cy="3937349"/>
+            <a:off x="0" y="2092261"/>
+            <a:ext cx="4189777" cy="2673477"/>
           </a:xfrm>
           <a:prstGeom prst="rect">
             <a:avLst/>
@@ -7921,7 +7955,7 @@
           <p:cNvPr id="5" name="图片 4">
             <a:extLst>
               <a:ext uri="{FF2B5EF4-FFF2-40B4-BE49-F238E27FC236}">
-                <a16:creationId xmlns:a16="http://schemas.microsoft.com/office/drawing/2014/main" id="{4309DA9B-33C3-A276-9E81-106878309C50}"/>
+                <a16:creationId xmlns:a16="http://schemas.microsoft.com/office/drawing/2014/main" id="{E482CFF1-D147-FE5E-EC0B-B54B620186A9}"/>
               </a:ext>
             </a:extLst>
           </p:cNvPr>
@@ -7938,8 +7972,8 @@
         </p:blipFill>
         <p:spPr>
           <a:xfrm>
-            <a:off x="3217299" y="1747856"/>
-            <a:ext cx="8543544" cy="3887209"/>
+            <a:off x="4082762" y="1619466"/>
+            <a:ext cx="7838926" cy="3619066"/>
           </a:xfrm>
           <a:prstGeom prst="rect">
             <a:avLst/>
@@ -7948,10 +7982,10 @@
       </p:pic>
       <p:sp>
         <p:nvSpPr>
-          <p:cNvPr id="6" name="文本框 5">
-            <a:extLst>
-              <a:ext uri="{FF2B5EF4-FFF2-40B4-BE49-F238E27FC236}">
-                <a16:creationId xmlns:a16="http://schemas.microsoft.com/office/drawing/2014/main" id="{2F554A2F-443B-0495-0490-A6F074671B46}"/>
+          <p:cNvPr id="2" name="文本框 1">
+            <a:extLst>
+              <a:ext uri="{FF2B5EF4-FFF2-40B4-BE49-F238E27FC236}">
+                <a16:creationId xmlns:a16="http://schemas.microsoft.com/office/drawing/2014/main" id="{5E55665C-EF7E-7888-C6C8-EEDDF1E15028}"/>
               </a:ext>
             </a:extLst>
           </p:cNvPr>
@@ -7960,8 +7994,8 @@
         </p:nvSpPr>
         <p:spPr>
           <a:xfrm>
-            <a:off x="777240" y="539496"/>
-            <a:ext cx="527709" cy="369332"/>
+            <a:off x="651164" y="685800"/>
+            <a:ext cx="1107996" cy="369332"/>
           </a:xfrm>
           <a:prstGeom prst="rect">
             <a:avLst/>
@@ -7975,17 +8009,16 @@
           <a:lstStyle/>
           <a:p>
             <a:r>
-              <a:rPr lang="en-US" altLang="zh-CN" dirty="0"/>
-              <a:t>PID</a:t>
-            </a:r>
-            <a:endParaRPr lang="zh-CN" altLang="en-US" dirty="0"/>
+              <a:rPr lang="zh-CN" altLang="en-US" dirty="0"/>
+              <a:t>内存堆栈</a:t>
+            </a:r>
           </a:p>
         </p:txBody>
       </p:sp>
     </p:spTree>
     <p:extLst>
       <p:ext uri="{BB962C8B-B14F-4D97-AF65-F5344CB8AC3E}">
-        <p14:creationId xmlns:p14="http://schemas.microsoft.com/office/powerpoint/2010/main" val="3055020442"/>
+        <p14:creationId xmlns:p14="http://schemas.microsoft.com/office/powerpoint/2010/main" val="3406486983"/>
       </p:ext>
     </p:extLst>
   </p:cSld>
@@ -8017,7 +8050,7 @@
           <p:cNvPr id="3" name="图片 2">
             <a:extLst>
               <a:ext uri="{FF2B5EF4-FFF2-40B4-BE49-F238E27FC236}">
-                <a16:creationId xmlns:a16="http://schemas.microsoft.com/office/drawing/2014/main" id="{CC7B2C04-D46A-AEBD-D613-C16672E9B1D5}"/>
+                <a16:creationId xmlns:a16="http://schemas.microsoft.com/office/drawing/2014/main" id="{D2E1AB18-3920-BC8F-F760-08149F0E1F54}"/>
               </a:ext>
             </a:extLst>
           </p:cNvPr>
@@ -8034,18 +8067,84 @@
         </p:blipFill>
         <p:spPr>
           <a:xfrm>
-            <a:off x="976312" y="1038225"/>
-            <a:ext cx="9307905" cy="4346575"/>
+            <a:off x="545551" y="1722787"/>
+            <a:ext cx="2768729" cy="3937349"/>
           </a:xfrm>
           <a:prstGeom prst="rect">
             <a:avLst/>
           </a:prstGeom>
         </p:spPr>
       </p:pic>
+      <p:pic>
+        <p:nvPicPr>
+          <p:cNvPr id="5" name="图片 4">
+            <a:extLst>
+              <a:ext uri="{FF2B5EF4-FFF2-40B4-BE49-F238E27FC236}">
+                <a16:creationId xmlns:a16="http://schemas.microsoft.com/office/drawing/2014/main" id="{4309DA9B-33C3-A276-9E81-106878309C50}"/>
+              </a:ext>
+            </a:extLst>
+          </p:cNvPr>
+          <p:cNvPicPr>
+            <a:picLocks noChangeAspect="1"/>
+          </p:cNvPicPr>
+          <p:nvPr/>
+        </p:nvPicPr>
+        <p:blipFill>
+          <a:blip r:embed="rId3"/>
+          <a:stretch>
+            <a:fillRect/>
+          </a:stretch>
+        </p:blipFill>
+        <p:spPr>
+          <a:xfrm>
+            <a:off x="3217299" y="1747856"/>
+            <a:ext cx="8543544" cy="3887209"/>
+          </a:xfrm>
+          <a:prstGeom prst="rect">
+            <a:avLst/>
+          </a:prstGeom>
+        </p:spPr>
+      </p:pic>
+      <p:sp>
+        <p:nvSpPr>
+          <p:cNvPr id="6" name="文本框 5">
+            <a:extLst>
+              <a:ext uri="{FF2B5EF4-FFF2-40B4-BE49-F238E27FC236}">
+                <a16:creationId xmlns:a16="http://schemas.microsoft.com/office/drawing/2014/main" id="{2F554A2F-443B-0495-0490-A6F074671B46}"/>
+              </a:ext>
+            </a:extLst>
+          </p:cNvPr>
+          <p:cNvSpPr txBox="1"/>
+          <p:nvPr/>
+        </p:nvSpPr>
+        <p:spPr>
+          <a:xfrm>
+            <a:off x="777240" y="539496"/>
+            <a:ext cx="527709" cy="369332"/>
+          </a:xfrm>
+          <a:prstGeom prst="rect">
+            <a:avLst/>
+          </a:prstGeom>
+          <a:noFill/>
+        </p:spPr>
+        <p:txBody>
+          <a:bodyPr wrap="none" rtlCol="0">
+            <a:spAutoFit/>
+          </a:bodyPr>
+          <a:lstStyle/>
+          <a:p>
+            <a:r>
+              <a:rPr lang="en-US" altLang="zh-CN" dirty="0"/>
+              <a:t>PID</a:t>
+            </a:r>
+            <a:endParaRPr lang="zh-CN" altLang="en-US" dirty="0"/>
+          </a:p>
+        </p:txBody>
+      </p:sp>
     </p:spTree>
     <p:extLst>
       <p:ext uri="{BB962C8B-B14F-4D97-AF65-F5344CB8AC3E}">
-        <p14:creationId xmlns:p14="http://schemas.microsoft.com/office/powerpoint/2010/main" val="2015064120"/>
+        <p14:creationId xmlns:p14="http://schemas.microsoft.com/office/powerpoint/2010/main" val="3055020442"/>
       </p:ext>
     </p:extLst>
   </p:cSld>
@@ -8077,7 +8176,7 @@
           <p:cNvPr id="3" name="图片 2">
             <a:extLst>
               <a:ext uri="{FF2B5EF4-FFF2-40B4-BE49-F238E27FC236}">
-                <a16:creationId xmlns:a16="http://schemas.microsoft.com/office/drawing/2014/main" id="{086665F9-B046-546C-92B5-307807B814F9}"/>
+                <a16:creationId xmlns:a16="http://schemas.microsoft.com/office/drawing/2014/main" id="{CC7B2C04-D46A-AEBD-D613-C16672E9B1D5}"/>
               </a:ext>
             </a:extLst>
           </p:cNvPr>
@@ -8094,84 +8193,18 @@
         </p:blipFill>
         <p:spPr>
           <a:xfrm>
-            <a:off x="151257" y="1860227"/>
-            <a:ext cx="3658743" cy="3737621"/>
+            <a:off x="976312" y="1038225"/>
+            <a:ext cx="9307905" cy="4346575"/>
           </a:xfrm>
           <a:prstGeom prst="rect">
             <a:avLst/>
           </a:prstGeom>
         </p:spPr>
       </p:pic>
-      <p:pic>
-        <p:nvPicPr>
-          <p:cNvPr id="5" name="图片 4">
-            <a:extLst>
-              <a:ext uri="{FF2B5EF4-FFF2-40B4-BE49-F238E27FC236}">
-                <a16:creationId xmlns:a16="http://schemas.microsoft.com/office/drawing/2014/main" id="{9B0B6D93-BEB6-97B8-1E64-738D164418B2}"/>
-              </a:ext>
-            </a:extLst>
-          </p:cNvPr>
-          <p:cNvPicPr>
-            <a:picLocks noChangeAspect="1"/>
-          </p:cNvPicPr>
-          <p:nvPr/>
-        </p:nvPicPr>
-        <p:blipFill>
-          <a:blip r:embed="rId3"/>
-          <a:stretch>
-            <a:fillRect/>
-          </a:stretch>
-        </p:blipFill>
-        <p:spPr>
-          <a:xfrm>
-            <a:off x="3810000" y="1815852"/>
-            <a:ext cx="7790072" cy="3826370"/>
-          </a:xfrm>
-          <a:prstGeom prst="rect">
-            <a:avLst/>
-          </a:prstGeom>
-        </p:spPr>
-      </p:pic>
-      <p:sp>
-        <p:nvSpPr>
-          <p:cNvPr id="6" name="文本框 5">
-            <a:extLst>
-              <a:ext uri="{FF2B5EF4-FFF2-40B4-BE49-F238E27FC236}">
-                <a16:creationId xmlns:a16="http://schemas.microsoft.com/office/drawing/2014/main" id="{F5FB60F2-3093-7402-EB0E-768263BBEE4C}"/>
-              </a:ext>
-            </a:extLst>
-          </p:cNvPr>
-          <p:cNvSpPr txBox="1"/>
-          <p:nvPr/>
-        </p:nvSpPr>
-        <p:spPr>
-          <a:xfrm>
-            <a:off x="768096" y="585216"/>
-            <a:ext cx="1013419" cy="369332"/>
-          </a:xfrm>
-          <a:prstGeom prst="rect">
-            <a:avLst/>
-          </a:prstGeom>
-          <a:noFill/>
-        </p:spPr>
-        <p:txBody>
-          <a:bodyPr wrap="none" rtlCol="0">
-            <a:spAutoFit/>
-          </a:bodyPr>
-          <a:lstStyle/>
-          <a:p>
-            <a:r>
-              <a:rPr lang="en-US" altLang="zh-CN" dirty="0" err="1"/>
-              <a:t>IIR_Filter</a:t>
-            </a:r>
-            <a:endParaRPr lang="zh-CN" altLang="en-US" dirty="0"/>
-          </a:p>
-        </p:txBody>
-      </p:sp>
     </p:spTree>
     <p:extLst>
       <p:ext uri="{BB962C8B-B14F-4D97-AF65-F5344CB8AC3E}">
-        <p14:creationId xmlns:p14="http://schemas.microsoft.com/office/powerpoint/2010/main" val="3777806015"/>
+        <p14:creationId xmlns:p14="http://schemas.microsoft.com/office/powerpoint/2010/main" val="2015064120"/>
       </p:ext>
     </p:extLst>
   </p:cSld>
@@ -8203,6 +8236,132 @@
           <p:cNvPr id="3" name="图片 2">
             <a:extLst>
               <a:ext uri="{FF2B5EF4-FFF2-40B4-BE49-F238E27FC236}">
+                <a16:creationId xmlns:a16="http://schemas.microsoft.com/office/drawing/2014/main" id="{086665F9-B046-546C-92B5-307807B814F9}"/>
+              </a:ext>
+            </a:extLst>
+          </p:cNvPr>
+          <p:cNvPicPr>
+            <a:picLocks noChangeAspect="1"/>
+          </p:cNvPicPr>
+          <p:nvPr/>
+        </p:nvPicPr>
+        <p:blipFill>
+          <a:blip r:embed="rId2"/>
+          <a:stretch>
+            <a:fillRect/>
+          </a:stretch>
+        </p:blipFill>
+        <p:spPr>
+          <a:xfrm>
+            <a:off x="151257" y="1860227"/>
+            <a:ext cx="3658743" cy="3737621"/>
+          </a:xfrm>
+          <a:prstGeom prst="rect">
+            <a:avLst/>
+          </a:prstGeom>
+        </p:spPr>
+      </p:pic>
+      <p:pic>
+        <p:nvPicPr>
+          <p:cNvPr id="5" name="图片 4">
+            <a:extLst>
+              <a:ext uri="{FF2B5EF4-FFF2-40B4-BE49-F238E27FC236}">
+                <a16:creationId xmlns:a16="http://schemas.microsoft.com/office/drawing/2014/main" id="{9B0B6D93-BEB6-97B8-1E64-738D164418B2}"/>
+              </a:ext>
+            </a:extLst>
+          </p:cNvPr>
+          <p:cNvPicPr>
+            <a:picLocks noChangeAspect="1"/>
+          </p:cNvPicPr>
+          <p:nvPr/>
+        </p:nvPicPr>
+        <p:blipFill>
+          <a:blip r:embed="rId3"/>
+          <a:stretch>
+            <a:fillRect/>
+          </a:stretch>
+        </p:blipFill>
+        <p:spPr>
+          <a:xfrm>
+            <a:off x="3810000" y="1815852"/>
+            <a:ext cx="7790072" cy="3826370"/>
+          </a:xfrm>
+          <a:prstGeom prst="rect">
+            <a:avLst/>
+          </a:prstGeom>
+        </p:spPr>
+      </p:pic>
+      <p:sp>
+        <p:nvSpPr>
+          <p:cNvPr id="6" name="文本框 5">
+            <a:extLst>
+              <a:ext uri="{FF2B5EF4-FFF2-40B4-BE49-F238E27FC236}">
+                <a16:creationId xmlns:a16="http://schemas.microsoft.com/office/drawing/2014/main" id="{F5FB60F2-3093-7402-EB0E-768263BBEE4C}"/>
+              </a:ext>
+            </a:extLst>
+          </p:cNvPr>
+          <p:cNvSpPr txBox="1"/>
+          <p:nvPr/>
+        </p:nvSpPr>
+        <p:spPr>
+          <a:xfrm>
+            <a:off x="768096" y="585216"/>
+            <a:ext cx="1013419" cy="369332"/>
+          </a:xfrm>
+          <a:prstGeom prst="rect">
+            <a:avLst/>
+          </a:prstGeom>
+          <a:noFill/>
+        </p:spPr>
+        <p:txBody>
+          <a:bodyPr wrap="none" rtlCol="0">
+            <a:spAutoFit/>
+          </a:bodyPr>
+          <a:lstStyle/>
+          <a:p>
+            <a:r>
+              <a:rPr lang="en-US" altLang="zh-CN" dirty="0" err="1"/>
+              <a:t>IIR_Filter</a:t>
+            </a:r>
+            <a:endParaRPr lang="zh-CN" altLang="en-US" dirty="0"/>
+          </a:p>
+        </p:txBody>
+      </p:sp>
+    </p:spTree>
+    <p:extLst>
+      <p:ext uri="{BB962C8B-B14F-4D97-AF65-F5344CB8AC3E}">
+        <p14:creationId xmlns:p14="http://schemas.microsoft.com/office/powerpoint/2010/main" val="3777806015"/>
+      </p:ext>
+    </p:extLst>
+  </p:cSld>
+  <p:clrMapOvr>
+    <a:masterClrMapping/>
+  </p:clrMapOvr>
+</p:sld>
+</file>
+
+<file path=ppt/slides/slide34.xml><?xml version="1.0" encoding="utf-8"?>
+<p:sld xmlns:a="http://schemas.openxmlformats.org/drawingml/2006/main" xmlns:r="http://schemas.openxmlformats.org/officeDocument/2006/relationships" xmlns:p="http://schemas.openxmlformats.org/presentationml/2006/main">
+  <p:cSld>
+    <p:spTree>
+      <p:nvGrpSpPr>
+        <p:cNvPr id="1" name=""/>
+        <p:cNvGrpSpPr/>
+        <p:nvPr/>
+      </p:nvGrpSpPr>
+      <p:grpSpPr>
+        <a:xfrm>
+          <a:off x="0" y="0"/>
+          <a:ext cx="0" cy="0"/>
+          <a:chOff x="0" y="0"/>
+          <a:chExt cx="0" cy="0"/>
+        </a:xfrm>
+      </p:grpSpPr>
+      <p:pic>
+        <p:nvPicPr>
+          <p:cNvPr id="3" name="图片 2">
+            <a:extLst>
+              <a:ext uri="{FF2B5EF4-FFF2-40B4-BE49-F238E27FC236}">
                 <a16:creationId xmlns:a16="http://schemas.microsoft.com/office/drawing/2014/main" id="{80953F82-410F-808A-600D-65652E271449}"/>
               </a:ext>
             </a:extLst>
@@ -8241,7 +8400,7 @@
 </p:sld>
 </file>
 
-<file path=ppt/slides/slide34.xml><?xml version="1.0" encoding="utf-8"?>
+<file path=ppt/slides/slide35.xml><?xml version="1.0" encoding="utf-8"?>
 <p:sld xmlns:a="http://schemas.openxmlformats.org/drawingml/2006/main" xmlns:r="http://schemas.openxmlformats.org/officeDocument/2006/relationships" xmlns:p="http://schemas.openxmlformats.org/presentationml/2006/main">
   <p:cSld>
     <p:spTree>

--- a/figures/2024年5月29日-RTMQ系统图片.pptx
+++ b/figures/2024年5月29日-RTMQ系统图片.pptx
@@ -293,7 +293,7 @@
           <a:p>
             <a:fld id="{0E121E22-2FF5-48CA-AC53-4FC38697DE1E}" type="datetimeFigureOut">
               <a:rPr lang="zh-CN" altLang="en-US" smtClean="0"/>
-              <a:t>2024-07-02</a:t>
+              <a:t>2024-07-11</a:t>
             </a:fld>
             <a:endParaRPr lang="zh-CN" altLang="en-US"/>
           </a:p>
@@ -491,7 +491,7 @@
           <a:p>
             <a:fld id="{0E121E22-2FF5-48CA-AC53-4FC38697DE1E}" type="datetimeFigureOut">
               <a:rPr lang="zh-CN" altLang="en-US" smtClean="0"/>
-              <a:t>2024-07-02</a:t>
+              <a:t>2024-07-11</a:t>
             </a:fld>
             <a:endParaRPr lang="zh-CN" altLang="en-US"/>
           </a:p>
@@ -699,7 +699,7 @@
           <a:p>
             <a:fld id="{0E121E22-2FF5-48CA-AC53-4FC38697DE1E}" type="datetimeFigureOut">
               <a:rPr lang="zh-CN" altLang="en-US" smtClean="0"/>
-              <a:t>2024-07-02</a:t>
+              <a:t>2024-07-11</a:t>
             </a:fld>
             <a:endParaRPr lang="zh-CN" altLang="en-US"/>
           </a:p>
@@ -897,7 +897,7 @@
           <a:p>
             <a:fld id="{0E121E22-2FF5-48CA-AC53-4FC38697DE1E}" type="datetimeFigureOut">
               <a:rPr lang="zh-CN" altLang="en-US" smtClean="0"/>
-              <a:t>2024-07-02</a:t>
+              <a:t>2024-07-11</a:t>
             </a:fld>
             <a:endParaRPr lang="zh-CN" altLang="en-US"/>
           </a:p>
@@ -1172,7 +1172,7 @@
           <a:p>
             <a:fld id="{0E121E22-2FF5-48CA-AC53-4FC38697DE1E}" type="datetimeFigureOut">
               <a:rPr lang="zh-CN" altLang="en-US" smtClean="0"/>
-              <a:t>2024-07-02</a:t>
+              <a:t>2024-07-11</a:t>
             </a:fld>
             <a:endParaRPr lang="zh-CN" altLang="en-US"/>
           </a:p>
@@ -1437,7 +1437,7 @@
           <a:p>
             <a:fld id="{0E121E22-2FF5-48CA-AC53-4FC38697DE1E}" type="datetimeFigureOut">
               <a:rPr lang="zh-CN" altLang="en-US" smtClean="0"/>
-              <a:t>2024-07-02</a:t>
+              <a:t>2024-07-11</a:t>
             </a:fld>
             <a:endParaRPr lang="zh-CN" altLang="en-US"/>
           </a:p>
@@ -1849,7 +1849,7 @@
           <a:p>
             <a:fld id="{0E121E22-2FF5-48CA-AC53-4FC38697DE1E}" type="datetimeFigureOut">
               <a:rPr lang="zh-CN" altLang="en-US" smtClean="0"/>
-              <a:t>2024-07-02</a:t>
+              <a:t>2024-07-11</a:t>
             </a:fld>
             <a:endParaRPr lang="zh-CN" altLang="en-US"/>
           </a:p>
@@ -1990,7 +1990,7 @@
           <a:p>
             <a:fld id="{0E121E22-2FF5-48CA-AC53-4FC38697DE1E}" type="datetimeFigureOut">
               <a:rPr lang="zh-CN" altLang="en-US" smtClean="0"/>
-              <a:t>2024-07-02</a:t>
+              <a:t>2024-07-11</a:t>
             </a:fld>
             <a:endParaRPr lang="zh-CN" altLang="en-US"/>
           </a:p>
@@ -2103,7 +2103,7 @@
           <a:p>
             <a:fld id="{0E121E22-2FF5-48CA-AC53-4FC38697DE1E}" type="datetimeFigureOut">
               <a:rPr lang="zh-CN" altLang="en-US" smtClean="0"/>
-              <a:t>2024-07-02</a:t>
+              <a:t>2024-07-11</a:t>
             </a:fld>
             <a:endParaRPr lang="zh-CN" altLang="en-US"/>
           </a:p>
@@ -2414,7 +2414,7 @@
           <a:p>
             <a:fld id="{0E121E22-2FF5-48CA-AC53-4FC38697DE1E}" type="datetimeFigureOut">
               <a:rPr lang="zh-CN" altLang="en-US" smtClean="0"/>
-              <a:t>2024-07-02</a:t>
+              <a:t>2024-07-11</a:t>
             </a:fld>
             <a:endParaRPr lang="zh-CN" altLang="en-US"/>
           </a:p>
@@ -2702,7 +2702,7 @@
           <a:p>
             <a:fld id="{0E121E22-2FF5-48CA-AC53-4FC38697DE1E}" type="datetimeFigureOut">
               <a:rPr lang="zh-CN" altLang="en-US" smtClean="0"/>
-              <a:t>2024-07-02</a:t>
+              <a:t>2024-07-11</a:t>
             </a:fld>
             <a:endParaRPr lang="zh-CN" altLang="en-US"/>
           </a:p>
@@ -2943,7 +2943,7 @@
           <a:p>
             <a:fld id="{0E121E22-2FF5-48CA-AC53-4FC38697DE1E}" type="datetimeFigureOut">
               <a:rPr lang="zh-CN" altLang="en-US" smtClean="0"/>
-              <a:t>2024-07-02</a:t>
+              <a:t>2024-07-11</a:t>
             </a:fld>
             <a:endParaRPr lang="zh-CN" altLang="en-US"/>
           </a:p>
